--- a/Casus Presentatie.pptx
+++ b/Casus Presentatie.pptx
@@ -1046,790 +1046,6 @@
 </file>
 
 <file path=ppt/diagrams/colors2.xml><?xml version="1.0" encoding="utf-8"?>
-<dgm:colorsDef xmlns:dgm="http://schemas.openxmlformats.org/drawingml/2006/diagram" xmlns:a="http://schemas.openxmlformats.org/drawingml/2006/main" uniqueId="urn:microsoft.com/office/officeart/2018/5/colors/Iconchunking_neutralbg_colorful5">
-  <dgm:title val=""/>
-  <dgm:desc val=""/>
-  <dgm:catLst>
-    <dgm:cat type="colorful" pri="10500"/>
-  </dgm:catLst>
-  <dgm:styleLbl name="node0">
-    <dgm:fillClrLst meth="repeat">
-      <a:schemeClr val="accent4"/>
-    </dgm:fillClrLst>
-    <dgm:linClrLst meth="repeat">
-      <a:schemeClr val="lt1"/>
-    </dgm:linClrLst>
-    <dgm:effectClrLst/>
-    <dgm:txLinClrLst/>
-    <dgm:txFillClrLst/>
-    <dgm:txEffectClrLst/>
-  </dgm:styleLbl>
-  <dgm:styleLbl name="node1">
-    <dgm:fillClrLst>
-      <a:schemeClr val="accent5"/>
-      <a:schemeClr val="accent6"/>
-    </dgm:fillClrLst>
-    <dgm:linClrLst meth="repeat">
-      <a:schemeClr val="lt1">
-        <a:alpha val="0"/>
-      </a:schemeClr>
-    </dgm:linClrLst>
-    <dgm:effectClrLst/>
-    <dgm:txLinClrLst/>
-    <dgm:txFillClrLst/>
-    <dgm:txEffectClrLst/>
-  </dgm:styleLbl>
-  <dgm:styleLbl name="alignNode1">
-    <dgm:fillClrLst>
-      <a:schemeClr val="accent5"/>
-      <a:schemeClr val="accent6"/>
-    </dgm:fillClrLst>
-    <dgm:linClrLst>
-      <a:schemeClr val="accent5"/>
-      <a:schemeClr val="accent6"/>
-    </dgm:linClrLst>
-    <dgm:effectClrLst/>
-    <dgm:txLinClrLst/>
-    <dgm:txFillClrLst/>
-    <dgm:txEffectClrLst/>
-  </dgm:styleLbl>
-  <dgm:styleLbl name="lnNode1">
-    <dgm:fillClrLst>
-      <a:schemeClr val="accent5"/>
-      <a:schemeClr val="accent6"/>
-    </dgm:fillClrLst>
-    <dgm:linClrLst meth="repeat">
-      <a:schemeClr val="lt1"/>
-    </dgm:linClrLst>
-    <dgm:effectClrLst/>
-    <dgm:txLinClrLst/>
-    <dgm:txFillClrLst/>
-    <dgm:txEffectClrLst/>
-  </dgm:styleLbl>
-  <dgm:styleLbl name="vennNode1">
-    <dgm:fillClrLst>
-      <a:schemeClr val="accent5">
-        <a:alpha val="50000"/>
-      </a:schemeClr>
-      <a:schemeClr val="accent6">
-        <a:alpha val="50000"/>
-      </a:schemeClr>
-    </dgm:fillClrLst>
-    <dgm:linClrLst meth="repeat">
-      <a:schemeClr val="lt1"/>
-    </dgm:linClrLst>
-    <dgm:effectClrLst/>
-    <dgm:txLinClrLst/>
-    <dgm:txFillClrLst/>
-    <dgm:txEffectClrLst/>
-  </dgm:styleLbl>
-  <dgm:styleLbl name="node2">
-    <dgm:fillClrLst>
-      <a:schemeClr val="accent6"/>
-    </dgm:fillClrLst>
-    <dgm:linClrLst meth="repeat">
-      <a:schemeClr val="lt1"/>
-    </dgm:linClrLst>
-    <dgm:effectClrLst/>
-    <dgm:txLinClrLst/>
-    <dgm:txFillClrLst/>
-    <dgm:txEffectClrLst/>
-  </dgm:styleLbl>
-  <dgm:styleLbl name="node3">
-    <dgm:fillClrLst>
-      <a:schemeClr val="accent1"/>
-    </dgm:fillClrLst>
-    <dgm:linClrLst meth="repeat">
-      <a:schemeClr val="lt1"/>
-    </dgm:linClrLst>
-    <dgm:effectClrLst/>
-    <dgm:txLinClrLst/>
-    <dgm:txFillClrLst/>
-    <dgm:txEffectClrLst/>
-  </dgm:styleLbl>
-  <dgm:styleLbl name="node4">
-    <dgm:fillClrLst>
-      <a:schemeClr val="accent2"/>
-    </dgm:fillClrLst>
-    <dgm:linClrLst meth="repeat">
-      <a:schemeClr val="lt1"/>
-    </dgm:linClrLst>
-    <dgm:effectClrLst/>
-    <dgm:txLinClrLst/>
-    <dgm:txFillClrLst/>
-    <dgm:txEffectClrLst/>
-  </dgm:styleLbl>
-  <dgm:styleLbl name="fgImgPlace1">
-    <dgm:fillClrLst>
-      <a:schemeClr val="accent5">
-        <a:tint val="50000"/>
-      </a:schemeClr>
-      <a:schemeClr val="accent6">
-        <a:tint val="50000"/>
-      </a:schemeClr>
-    </dgm:fillClrLst>
-    <dgm:linClrLst meth="repeat">
-      <a:schemeClr val="lt1"/>
-    </dgm:linClrLst>
-    <dgm:effectClrLst/>
-    <dgm:txLinClrLst/>
-    <dgm:txFillClrLst meth="repeat">
-      <a:schemeClr val="lt1"/>
-    </dgm:txFillClrLst>
-    <dgm:txEffectClrLst/>
-  </dgm:styleLbl>
-  <dgm:styleLbl name="alignImgPlace1">
-    <dgm:fillClrLst>
-      <a:schemeClr val="accent5">
-        <a:tint val="50000"/>
-      </a:schemeClr>
-      <a:schemeClr val="accent6">
-        <a:tint val="20000"/>
-      </a:schemeClr>
-    </dgm:fillClrLst>
-    <dgm:linClrLst meth="repeat">
-      <a:schemeClr val="lt1"/>
-    </dgm:linClrLst>
-    <dgm:effectClrLst/>
-    <dgm:txLinClrLst/>
-    <dgm:txFillClrLst meth="repeat">
-      <a:schemeClr val="lt1"/>
-    </dgm:txFillClrLst>
-    <dgm:txEffectClrLst/>
-  </dgm:styleLbl>
-  <dgm:styleLbl name="bgImgPlace1">
-    <dgm:fillClrLst>
-      <a:schemeClr val="accent5">
-        <a:tint val="50000"/>
-      </a:schemeClr>
-      <a:schemeClr val="accent6">
-        <a:tint val="20000"/>
-      </a:schemeClr>
-    </dgm:fillClrLst>
-    <dgm:linClrLst meth="repeat">
-      <a:schemeClr val="lt1"/>
-    </dgm:linClrLst>
-    <dgm:effectClrLst/>
-    <dgm:txLinClrLst/>
-    <dgm:txFillClrLst meth="repeat">
-      <a:schemeClr val="lt1"/>
-    </dgm:txFillClrLst>
-    <dgm:txEffectClrLst/>
-  </dgm:styleLbl>
-  <dgm:styleLbl name="sibTrans2D1">
-    <dgm:fillClrLst>
-      <a:schemeClr val="accent5"/>
-      <a:schemeClr val="accent6"/>
-    </dgm:fillClrLst>
-    <dgm:linClrLst meth="repeat">
-      <a:schemeClr val="lt1"/>
-    </dgm:linClrLst>
-    <dgm:effectClrLst/>
-    <dgm:txLinClrLst/>
-    <dgm:txFillClrLst/>
-    <dgm:txEffectClrLst/>
-  </dgm:styleLbl>
-  <dgm:styleLbl name="fgSibTrans2D1">
-    <dgm:fillClrLst>
-      <a:schemeClr val="accent5"/>
-      <a:schemeClr val="accent6"/>
-    </dgm:fillClrLst>
-    <dgm:linClrLst meth="repeat">
-      <a:schemeClr val="lt1"/>
-    </dgm:linClrLst>
-    <dgm:effectClrLst/>
-    <dgm:txLinClrLst/>
-    <dgm:txFillClrLst meth="repeat">
-      <a:schemeClr val="lt1"/>
-    </dgm:txFillClrLst>
-    <dgm:txEffectClrLst/>
-  </dgm:styleLbl>
-  <dgm:styleLbl name="bgSibTrans2D1">
-    <dgm:fillClrLst>
-      <a:schemeClr val="accent5"/>
-      <a:schemeClr val="accent6"/>
-    </dgm:fillClrLst>
-    <dgm:linClrLst meth="repeat">
-      <a:schemeClr val="lt1"/>
-    </dgm:linClrLst>
-    <dgm:effectClrLst/>
-    <dgm:txLinClrLst/>
-    <dgm:txFillClrLst meth="repeat">
-      <a:schemeClr val="lt1"/>
-    </dgm:txFillClrLst>
-    <dgm:txEffectClrLst/>
-  </dgm:styleLbl>
-  <dgm:styleLbl name="sibTrans1D1">
-    <dgm:fillClrLst/>
-    <dgm:linClrLst>
-      <a:schemeClr val="accent5"/>
-      <a:schemeClr val="accent6"/>
-    </dgm:linClrLst>
-    <dgm:effectClrLst/>
-    <dgm:txLinClrLst/>
-    <dgm:txFillClrLst meth="repeat">
-      <a:schemeClr val="tx1"/>
-    </dgm:txFillClrLst>
-    <dgm:txEffectClrLst/>
-  </dgm:styleLbl>
-  <dgm:styleLbl name="callout">
-    <dgm:fillClrLst meth="repeat">
-      <a:schemeClr val="accent5"/>
-    </dgm:fillClrLst>
-    <dgm:linClrLst meth="repeat">
-      <a:schemeClr val="accent5">
-        <a:tint val="50000"/>
-      </a:schemeClr>
-    </dgm:linClrLst>
-    <dgm:effectClrLst/>
-    <dgm:txLinClrLst/>
-    <dgm:txFillClrLst meth="repeat">
-      <a:schemeClr val="tx1"/>
-    </dgm:txFillClrLst>
-    <dgm:txEffectClrLst/>
-  </dgm:styleLbl>
-  <dgm:styleLbl name="asst0">
-    <dgm:fillClrLst meth="repeat">
-      <a:schemeClr val="accent5"/>
-    </dgm:fillClrLst>
-    <dgm:linClrLst meth="repeat">
-      <a:schemeClr val="lt1">
-        <a:shade val="80000"/>
-      </a:schemeClr>
-    </dgm:linClrLst>
-    <dgm:effectClrLst/>
-    <dgm:txLinClrLst/>
-    <dgm:txFillClrLst/>
-    <dgm:txEffectClrLst/>
-  </dgm:styleLbl>
-  <dgm:styleLbl name="asst1">
-    <dgm:fillClrLst meth="repeat">
-      <a:schemeClr val="accent6"/>
-    </dgm:fillClrLst>
-    <dgm:linClrLst meth="repeat">
-      <a:schemeClr val="lt1">
-        <a:shade val="80000"/>
-      </a:schemeClr>
-    </dgm:linClrLst>
-    <dgm:effectClrLst/>
-    <dgm:txLinClrLst/>
-    <dgm:txFillClrLst/>
-    <dgm:txEffectClrLst/>
-  </dgm:styleLbl>
-  <dgm:styleLbl name="asst2">
-    <dgm:fillClrLst>
-      <a:schemeClr val="accent1"/>
-    </dgm:fillClrLst>
-    <dgm:linClrLst meth="repeat">
-      <a:schemeClr val="lt1"/>
-    </dgm:linClrLst>
-    <dgm:effectClrLst/>
-    <dgm:txLinClrLst/>
-    <dgm:txFillClrLst/>
-    <dgm:txEffectClrLst/>
-  </dgm:styleLbl>
-  <dgm:styleLbl name="asst3">
-    <dgm:fillClrLst>
-      <a:schemeClr val="accent2"/>
-    </dgm:fillClrLst>
-    <dgm:linClrLst meth="repeat">
-      <a:schemeClr val="lt1"/>
-    </dgm:linClrLst>
-    <dgm:effectClrLst/>
-    <dgm:txLinClrLst/>
-    <dgm:txFillClrLst/>
-    <dgm:txEffectClrLst/>
-  </dgm:styleLbl>
-  <dgm:styleLbl name="asst4">
-    <dgm:fillClrLst>
-      <a:schemeClr val="accent3"/>
-    </dgm:fillClrLst>
-    <dgm:linClrLst meth="repeat">
-      <a:schemeClr val="lt1"/>
-    </dgm:linClrLst>
-    <dgm:effectClrLst/>
-    <dgm:txLinClrLst/>
-    <dgm:txFillClrLst/>
-    <dgm:txEffectClrLst/>
-  </dgm:styleLbl>
-  <dgm:styleLbl name="parChTrans2D1">
-    <dgm:fillClrLst meth="repeat">
-      <a:schemeClr val="accent5"/>
-    </dgm:fillClrLst>
-    <dgm:linClrLst meth="repeat">
-      <a:schemeClr val="lt1"/>
-    </dgm:linClrLst>
-    <dgm:effectClrLst/>
-    <dgm:txLinClrLst/>
-    <dgm:txFillClrLst meth="repeat">
-      <a:schemeClr val="lt1"/>
-    </dgm:txFillClrLst>
-    <dgm:txEffectClrLst/>
-  </dgm:styleLbl>
-  <dgm:styleLbl name="parChTrans2D2">
-    <dgm:fillClrLst meth="repeat">
-      <a:schemeClr val="accent6"/>
-    </dgm:fillClrLst>
-    <dgm:linClrLst meth="repeat">
-      <a:schemeClr val="lt1"/>
-    </dgm:linClrLst>
-    <dgm:effectClrLst/>
-    <dgm:txLinClrLst/>
-    <dgm:txFillClrLst/>
-    <dgm:txEffectClrLst/>
-  </dgm:styleLbl>
-  <dgm:styleLbl name="parChTrans2D3">
-    <dgm:fillClrLst meth="repeat">
-      <a:schemeClr val="accent6"/>
-    </dgm:fillClrLst>
-    <dgm:linClrLst meth="repeat">
-      <a:schemeClr val="lt1"/>
-    </dgm:linClrLst>
-    <dgm:effectClrLst/>
-    <dgm:txLinClrLst/>
-    <dgm:txFillClrLst/>
-    <dgm:txEffectClrLst/>
-  </dgm:styleLbl>
-  <dgm:styleLbl name="parChTrans2D4">
-    <dgm:fillClrLst meth="repeat">
-      <a:schemeClr val="accent1"/>
-    </dgm:fillClrLst>
-    <dgm:linClrLst meth="repeat">
-      <a:schemeClr val="lt1"/>
-    </dgm:linClrLst>
-    <dgm:effectClrLst/>
-    <dgm:txLinClrLst/>
-    <dgm:txFillClrLst meth="repeat">
-      <a:schemeClr val="lt1"/>
-    </dgm:txFillClrLst>
-    <dgm:txEffectClrLst/>
-  </dgm:styleLbl>
-  <dgm:styleLbl name="parChTrans1D1">
-    <dgm:fillClrLst meth="repeat">
-      <a:schemeClr val="accent5"/>
-    </dgm:fillClrLst>
-    <dgm:linClrLst meth="repeat">
-      <a:schemeClr val="accent5"/>
-    </dgm:linClrLst>
-    <dgm:effectClrLst/>
-    <dgm:txLinClrLst/>
-    <dgm:txFillClrLst meth="repeat">
-      <a:schemeClr val="tx1"/>
-    </dgm:txFillClrLst>
-    <dgm:txEffectClrLst/>
-  </dgm:styleLbl>
-  <dgm:styleLbl name="parChTrans1D2">
-    <dgm:fillClrLst meth="repeat">
-      <a:schemeClr val="accent6">
-        <a:tint val="90000"/>
-      </a:schemeClr>
-    </dgm:fillClrLst>
-    <dgm:linClrLst meth="repeat">
-      <a:schemeClr val="accent6"/>
-    </dgm:linClrLst>
-    <dgm:effectClrLst/>
-    <dgm:txLinClrLst/>
-    <dgm:txFillClrLst meth="repeat">
-      <a:schemeClr val="tx1"/>
-    </dgm:txFillClrLst>
-    <dgm:txEffectClrLst/>
-  </dgm:styleLbl>
-  <dgm:styleLbl name="parChTrans1D3">
-    <dgm:fillClrLst meth="repeat">
-      <a:schemeClr val="accent6">
-        <a:tint val="70000"/>
-      </a:schemeClr>
-    </dgm:fillClrLst>
-    <dgm:linClrLst meth="repeat">
-      <a:schemeClr val="accent1"/>
-    </dgm:linClrLst>
-    <dgm:effectClrLst/>
-    <dgm:txLinClrLst/>
-    <dgm:txFillClrLst meth="repeat">
-      <a:schemeClr val="tx1"/>
-    </dgm:txFillClrLst>
-    <dgm:txEffectClrLst/>
-  </dgm:styleLbl>
-  <dgm:styleLbl name="parChTrans1D4">
-    <dgm:fillClrLst meth="repeat">
-      <a:schemeClr val="accent6">
-        <a:tint val="50000"/>
-      </a:schemeClr>
-    </dgm:fillClrLst>
-    <dgm:linClrLst meth="repeat">
-      <a:schemeClr val="accent2"/>
-    </dgm:linClrLst>
-    <dgm:effectClrLst/>
-    <dgm:txLinClrLst/>
-    <dgm:txFillClrLst meth="repeat">
-      <a:schemeClr val="tx1"/>
-    </dgm:txFillClrLst>
-    <dgm:txEffectClrLst/>
-  </dgm:styleLbl>
-  <dgm:styleLbl name="fgAcc1">
-    <dgm:fillClrLst meth="repeat">
-      <a:schemeClr val="lt1">
-        <a:alpha val="90000"/>
-      </a:schemeClr>
-    </dgm:fillClrLst>
-    <dgm:linClrLst>
-      <a:schemeClr val="accent5"/>
-      <a:schemeClr val="accent6"/>
-    </dgm:linClrLst>
-    <dgm:effectClrLst/>
-    <dgm:txLinClrLst/>
-    <dgm:txFillClrLst meth="repeat">
-      <a:schemeClr val="dk1"/>
-    </dgm:txFillClrLst>
-    <dgm:txEffectClrLst/>
-  </dgm:styleLbl>
-  <dgm:styleLbl name="conFgAcc1">
-    <dgm:fillClrLst meth="repeat">
-      <a:schemeClr val="lt1">
-        <a:alpha val="90000"/>
-      </a:schemeClr>
-    </dgm:fillClrLst>
-    <dgm:linClrLst>
-      <a:schemeClr val="accent5"/>
-      <a:schemeClr val="accent6"/>
-    </dgm:linClrLst>
-    <dgm:effectClrLst/>
-    <dgm:txLinClrLst/>
-    <dgm:txFillClrLst meth="repeat">
-      <a:schemeClr val="dk1"/>
-    </dgm:txFillClrLst>
-    <dgm:txEffectClrLst/>
-  </dgm:styleLbl>
-  <dgm:styleLbl name="alignAcc1">
-    <dgm:fillClrLst meth="repeat">
-      <a:schemeClr val="lt1">
-        <a:alpha val="90000"/>
-      </a:schemeClr>
-    </dgm:fillClrLst>
-    <dgm:linClrLst>
-      <a:schemeClr val="accent5"/>
-      <a:schemeClr val="accent6"/>
-    </dgm:linClrLst>
-    <dgm:effectClrLst/>
-    <dgm:txLinClrLst/>
-    <dgm:txFillClrLst meth="repeat">
-      <a:schemeClr val="dk1"/>
-    </dgm:txFillClrLst>
-    <dgm:txEffectClrLst/>
-  </dgm:styleLbl>
-  <dgm:styleLbl name="trAlignAcc1">
-    <dgm:fillClrLst meth="repeat">
-      <a:schemeClr val="lt1">
-        <a:alpha val="40000"/>
-      </a:schemeClr>
-    </dgm:fillClrLst>
-    <dgm:linClrLst meth="repeat">
-      <a:schemeClr val="accent5"/>
-    </dgm:linClrLst>
-    <dgm:effectClrLst/>
-    <dgm:txLinClrLst/>
-    <dgm:txFillClrLst meth="repeat">
-      <a:schemeClr val="dk1"/>
-    </dgm:txFillClrLst>
-    <dgm:txEffectClrLst/>
-  </dgm:styleLbl>
-  <dgm:styleLbl name="bgAcc1">
-    <dgm:fillClrLst meth="repeat">
-      <a:schemeClr val="lt1">
-        <a:alpha val="90000"/>
-      </a:schemeClr>
-    </dgm:fillClrLst>
-    <dgm:linClrLst>
-      <a:schemeClr val="accent5"/>
-      <a:schemeClr val="accent6"/>
-    </dgm:linClrLst>
-    <dgm:effectClrLst/>
-    <dgm:txLinClrLst/>
-    <dgm:txFillClrLst meth="repeat">
-      <a:schemeClr val="dk1"/>
-    </dgm:txFillClrLst>
-    <dgm:txEffectClrLst/>
-  </dgm:styleLbl>
-  <dgm:styleLbl name="solidFgAcc1">
-    <dgm:fillClrLst meth="repeat">
-      <a:schemeClr val="lt1"/>
-    </dgm:fillClrLst>
-    <dgm:linClrLst>
-      <a:schemeClr val="accent5"/>
-      <a:schemeClr val="accent6"/>
-    </dgm:linClrLst>
-    <dgm:effectClrLst/>
-    <dgm:txLinClrLst/>
-    <dgm:txFillClrLst meth="repeat">
-      <a:schemeClr val="dk1"/>
-    </dgm:txFillClrLst>
-    <dgm:txEffectClrLst/>
-  </dgm:styleLbl>
-  <dgm:styleLbl name="solidAlignAcc1">
-    <dgm:fillClrLst meth="repeat">
-      <a:schemeClr val="lt1"/>
-    </dgm:fillClrLst>
-    <dgm:linClrLst>
-      <a:schemeClr val="accent5"/>
-      <a:schemeClr val="accent6"/>
-    </dgm:linClrLst>
-    <dgm:effectClrLst/>
-    <dgm:txLinClrLst/>
-    <dgm:txFillClrLst meth="repeat">
-      <a:schemeClr val="dk1"/>
-    </dgm:txFillClrLst>
-    <dgm:txEffectClrLst/>
-  </dgm:styleLbl>
-  <dgm:styleLbl name="solidBgAcc1">
-    <dgm:fillClrLst meth="repeat">
-      <a:schemeClr val="lt1"/>
-    </dgm:fillClrLst>
-    <dgm:linClrLst>
-      <a:schemeClr val="accent5"/>
-      <a:schemeClr val="accent6"/>
-    </dgm:linClrLst>
-    <dgm:effectClrLst/>
-    <dgm:txLinClrLst/>
-    <dgm:txFillClrLst meth="repeat">
-      <a:schemeClr val="dk1"/>
-    </dgm:txFillClrLst>
-    <dgm:txEffectClrLst/>
-  </dgm:styleLbl>
-  <dgm:styleLbl name="fgAccFollowNode1">
-    <dgm:fillClrLst>
-      <a:schemeClr val="accent5">
-        <a:tint val="40000"/>
-        <a:alpha val="90000"/>
-      </a:schemeClr>
-      <a:schemeClr val="accent6">
-        <a:tint val="40000"/>
-        <a:alpha val="90000"/>
-      </a:schemeClr>
-    </dgm:fillClrLst>
-    <dgm:linClrLst>
-      <a:schemeClr val="accent5">
-        <a:tint val="40000"/>
-        <a:alpha val="90000"/>
-      </a:schemeClr>
-      <a:schemeClr val="accent5">
-        <a:tint val="40000"/>
-        <a:alpha val="90000"/>
-      </a:schemeClr>
-    </dgm:linClrLst>
-    <dgm:effectClrLst/>
-    <dgm:txLinClrLst/>
-    <dgm:txFillClrLst meth="repeat">
-      <a:schemeClr val="dk1"/>
-    </dgm:txFillClrLst>
-    <dgm:txEffectClrLst/>
-  </dgm:styleLbl>
-  <dgm:styleLbl name="alignAccFollowNode1">
-    <dgm:fillClrLst>
-      <a:schemeClr val="accent5">
-        <a:tint val="40000"/>
-        <a:alpha val="90000"/>
-      </a:schemeClr>
-      <a:schemeClr val="accent6">
-        <a:tint val="40000"/>
-        <a:alpha val="90000"/>
-      </a:schemeClr>
-    </dgm:fillClrLst>
-    <dgm:linClrLst>
-      <a:schemeClr val="accent5">
-        <a:tint val="40000"/>
-        <a:alpha val="90000"/>
-      </a:schemeClr>
-      <a:schemeClr val="accent6">
-        <a:tint val="40000"/>
-        <a:alpha val="90000"/>
-      </a:schemeClr>
-    </dgm:linClrLst>
-    <dgm:effectClrLst/>
-    <dgm:txLinClrLst/>
-    <dgm:txFillClrLst meth="repeat">
-      <a:schemeClr val="dk1"/>
-    </dgm:txFillClrLst>
-    <dgm:txEffectClrLst/>
-  </dgm:styleLbl>
-  <dgm:styleLbl name="bgAccFollowNode1">
-    <dgm:fillClrLst>
-      <a:schemeClr val="accent5">
-        <a:tint val="40000"/>
-        <a:alpha val="90000"/>
-      </a:schemeClr>
-      <a:schemeClr val="accent6">
-        <a:tint val="40000"/>
-        <a:alpha val="90000"/>
-      </a:schemeClr>
-    </dgm:fillClrLst>
-    <dgm:linClrLst>
-      <a:schemeClr val="accent5">
-        <a:tint val="40000"/>
-        <a:alpha val="90000"/>
-      </a:schemeClr>
-      <a:schemeClr val="accent6">
-        <a:tint val="40000"/>
-        <a:alpha val="90000"/>
-      </a:schemeClr>
-    </dgm:linClrLst>
-    <dgm:effectClrLst/>
-    <dgm:txLinClrLst/>
-    <dgm:txFillClrLst meth="repeat">
-      <a:schemeClr val="dk1"/>
-    </dgm:txFillClrLst>
-    <dgm:txEffectClrLst/>
-  </dgm:styleLbl>
-  <dgm:styleLbl name="fgAcc0">
-    <dgm:fillClrLst meth="repeat">
-      <a:schemeClr val="lt1">
-        <a:alpha val="90000"/>
-      </a:schemeClr>
-    </dgm:fillClrLst>
-    <dgm:linClrLst>
-      <a:schemeClr val="accent4"/>
-    </dgm:linClrLst>
-    <dgm:effectClrLst/>
-    <dgm:txLinClrLst/>
-    <dgm:txFillClrLst meth="repeat">
-      <a:schemeClr val="dk1"/>
-    </dgm:txFillClrLst>
-    <dgm:txEffectClrLst/>
-  </dgm:styleLbl>
-  <dgm:styleLbl name="fgAcc2">
-    <dgm:fillClrLst meth="repeat">
-      <a:schemeClr val="lt1">
-        <a:alpha val="90000"/>
-      </a:schemeClr>
-    </dgm:fillClrLst>
-    <dgm:linClrLst>
-      <a:schemeClr val="accent6"/>
-    </dgm:linClrLst>
-    <dgm:effectClrLst/>
-    <dgm:txLinClrLst/>
-    <dgm:txFillClrLst meth="repeat">
-      <a:schemeClr val="dk1"/>
-    </dgm:txFillClrLst>
-    <dgm:txEffectClrLst/>
-  </dgm:styleLbl>
-  <dgm:styleLbl name="fgAcc3">
-    <dgm:fillClrLst meth="repeat">
-      <a:schemeClr val="lt1">
-        <a:alpha val="90000"/>
-      </a:schemeClr>
-    </dgm:fillClrLst>
-    <dgm:linClrLst>
-      <a:schemeClr val="accent1"/>
-    </dgm:linClrLst>
-    <dgm:effectClrLst/>
-    <dgm:txLinClrLst/>
-    <dgm:txFillClrLst meth="repeat">
-      <a:schemeClr val="dk1"/>
-    </dgm:txFillClrLst>
-    <dgm:txEffectClrLst/>
-  </dgm:styleLbl>
-  <dgm:styleLbl name="fgAcc4">
-    <dgm:fillClrLst meth="repeat">
-      <a:schemeClr val="lt1">
-        <a:alpha val="90000"/>
-      </a:schemeClr>
-    </dgm:fillClrLst>
-    <dgm:linClrLst>
-      <a:schemeClr val="accent2"/>
-    </dgm:linClrLst>
-    <dgm:effectClrLst/>
-    <dgm:txLinClrLst/>
-    <dgm:txFillClrLst meth="repeat">
-      <a:schemeClr val="dk1"/>
-    </dgm:txFillClrLst>
-    <dgm:txEffectClrLst/>
-  </dgm:styleLbl>
-  <dgm:styleLbl name="bgShp">
-    <dgm:fillClrLst meth="repeat">
-      <a:schemeClr val="bg1">
-        <a:lumMod val="95000"/>
-      </a:schemeClr>
-    </dgm:fillClrLst>
-    <dgm:linClrLst meth="repeat">
-      <a:schemeClr val="dk1"/>
-    </dgm:linClrLst>
-    <dgm:effectClrLst/>
-    <dgm:txLinClrLst/>
-    <dgm:txFillClrLst meth="repeat">
-      <a:schemeClr val="dk1"/>
-    </dgm:txFillClrLst>
-    <dgm:txEffectClrLst/>
-  </dgm:styleLbl>
-  <dgm:styleLbl name="dkBgShp">
-    <dgm:fillClrLst meth="repeat">
-      <a:schemeClr val="accent5">
-        <a:shade val="90000"/>
-      </a:schemeClr>
-    </dgm:fillClrLst>
-    <dgm:linClrLst meth="repeat">
-      <a:schemeClr val="dk1"/>
-    </dgm:linClrLst>
-    <dgm:effectClrLst/>
-    <dgm:txLinClrLst/>
-    <dgm:txFillClrLst meth="repeat">
-      <a:schemeClr val="lt1"/>
-    </dgm:txFillClrLst>
-    <dgm:txEffectClrLst/>
-  </dgm:styleLbl>
-  <dgm:styleLbl name="trBgShp">
-    <dgm:fillClrLst meth="repeat">
-      <a:schemeClr val="accent5">
-        <a:tint val="50000"/>
-        <a:alpha val="40000"/>
-      </a:schemeClr>
-    </dgm:fillClrLst>
-    <dgm:linClrLst meth="repeat">
-      <a:schemeClr val="accent5"/>
-    </dgm:linClrLst>
-    <dgm:effectClrLst/>
-    <dgm:txLinClrLst/>
-    <dgm:txFillClrLst meth="repeat">
-      <a:schemeClr val="lt1"/>
-    </dgm:txFillClrLst>
-    <dgm:txEffectClrLst/>
-  </dgm:styleLbl>
-  <dgm:styleLbl name="fgShp">
-    <dgm:fillClrLst meth="repeat">
-      <a:schemeClr val="accent5">
-        <a:tint val="40000"/>
-      </a:schemeClr>
-    </dgm:fillClrLst>
-    <dgm:linClrLst meth="repeat">
-      <a:schemeClr val="lt1"/>
-    </dgm:linClrLst>
-    <dgm:effectClrLst/>
-    <dgm:txLinClrLst/>
-    <dgm:txFillClrLst meth="repeat">
-      <a:schemeClr val="dk1"/>
-    </dgm:txFillClrLst>
-    <dgm:txEffectClrLst/>
-  </dgm:styleLbl>
-  <dgm:styleLbl name="revTx">
-    <dgm:fillClrLst meth="repeat">
-      <a:schemeClr val="lt1">
-        <a:alpha val="0"/>
-      </a:schemeClr>
-    </dgm:fillClrLst>
-    <dgm:linClrLst meth="repeat">
-      <a:schemeClr val="dk1">
-        <a:alpha val="0"/>
-      </a:schemeClr>
-    </dgm:linClrLst>
-    <dgm:effectClrLst/>
-    <dgm:txLinClrLst/>
-    <dgm:txFillClrLst meth="repeat">
-      <a:schemeClr val="tx1"/>
-    </dgm:txFillClrLst>
-    <dgm:txEffectClrLst/>
-  </dgm:styleLbl>
-</dgm:colorsDef>
-</file>
-
-<file path=ppt/diagrams/colors3.xml><?xml version="1.0" encoding="utf-8"?>
 <dgm:colorsDef xmlns:dgm="http://schemas.openxmlformats.org/drawingml/2006/diagram" xmlns:a="http://schemas.openxmlformats.org/drawingml/2006/main" uniqueId="urn:microsoft.com/office/officeart/2018/5/colors/Iconchunking_neutralbg_colorful1">
   <dgm:title val=""/>
   <dgm:desc val=""/>
@@ -2750,7 +1966,2496 @@
 </dgm:colorsDef>
 </file>
 
+<file path=ppt/diagrams/colors3.xml><?xml version="1.0" encoding="utf-8"?>
+<dgm:colorsDef xmlns:dgm="http://schemas.openxmlformats.org/drawingml/2006/diagram" xmlns:a="http://schemas.openxmlformats.org/drawingml/2006/main" uniqueId="urn:microsoft.com/office/officeart/2018/5/colors/Iconchunking_neutralbg_colorful5">
+  <dgm:title val=""/>
+  <dgm:desc val=""/>
+  <dgm:catLst>
+    <dgm:cat type="colorful" pri="10500"/>
+  </dgm:catLst>
+  <dgm:styleLbl name="node0">
+    <dgm:fillClrLst meth="repeat">
+      <a:schemeClr val="accent4"/>
+    </dgm:fillClrLst>
+    <dgm:linClrLst meth="repeat">
+      <a:schemeClr val="lt1"/>
+    </dgm:linClrLst>
+    <dgm:effectClrLst/>
+    <dgm:txLinClrLst/>
+    <dgm:txFillClrLst/>
+    <dgm:txEffectClrLst/>
+  </dgm:styleLbl>
+  <dgm:styleLbl name="node1">
+    <dgm:fillClrLst>
+      <a:schemeClr val="accent5"/>
+      <a:schemeClr val="accent6"/>
+    </dgm:fillClrLst>
+    <dgm:linClrLst meth="repeat">
+      <a:schemeClr val="lt1">
+        <a:alpha val="0"/>
+      </a:schemeClr>
+    </dgm:linClrLst>
+    <dgm:effectClrLst/>
+    <dgm:txLinClrLst/>
+    <dgm:txFillClrLst/>
+    <dgm:txEffectClrLst/>
+  </dgm:styleLbl>
+  <dgm:styleLbl name="alignNode1">
+    <dgm:fillClrLst>
+      <a:schemeClr val="accent5"/>
+      <a:schemeClr val="accent6"/>
+    </dgm:fillClrLst>
+    <dgm:linClrLst>
+      <a:schemeClr val="accent5"/>
+      <a:schemeClr val="accent6"/>
+    </dgm:linClrLst>
+    <dgm:effectClrLst/>
+    <dgm:txLinClrLst/>
+    <dgm:txFillClrLst/>
+    <dgm:txEffectClrLst/>
+  </dgm:styleLbl>
+  <dgm:styleLbl name="lnNode1">
+    <dgm:fillClrLst>
+      <a:schemeClr val="accent5"/>
+      <a:schemeClr val="accent6"/>
+    </dgm:fillClrLst>
+    <dgm:linClrLst meth="repeat">
+      <a:schemeClr val="lt1"/>
+    </dgm:linClrLst>
+    <dgm:effectClrLst/>
+    <dgm:txLinClrLst/>
+    <dgm:txFillClrLst/>
+    <dgm:txEffectClrLst/>
+  </dgm:styleLbl>
+  <dgm:styleLbl name="vennNode1">
+    <dgm:fillClrLst>
+      <a:schemeClr val="accent5">
+        <a:alpha val="50000"/>
+      </a:schemeClr>
+      <a:schemeClr val="accent6">
+        <a:alpha val="50000"/>
+      </a:schemeClr>
+    </dgm:fillClrLst>
+    <dgm:linClrLst meth="repeat">
+      <a:schemeClr val="lt1"/>
+    </dgm:linClrLst>
+    <dgm:effectClrLst/>
+    <dgm:txLinClrLst/>
+    <dgm:txFillClrLst/>
+    <dgm:txEffectClrLst/>
+  </dgm:styleLbl>
+  <dgm:styleLbl name="node2">
+    <dgm:fillClrLst>
+      <a:schemeClr val="accent6"/>
+    </dgm:fillClrLst>
+    <dgm:linClrLst meth="repeat">
+      <a:schemeClr val="lt1"/>
+    </dgm:linClrLst>
+    <dgm:effectClrLst/>
+    <dgm:txLinClrLst/>
+    <dgm:txFillClrLst/>
+    <dgm:txEffectClrLst/>
+  </dgm:styleLbl>
+  <dgm:styleLbl name="node3">
+    <dgm:fillClrLst>
+      <a:schemeClr val="accent1"/>
+    </dgm:fillClrLst>
+    <dgm:linClrLst meth="repeat">
+      <a:schemeClr val="lt1"/>
+    </dgm:linClrLst>
+    <dgm:effectClrLst/>
+    <dgm:txLinClrLst/>
+    <dgm:txFillClrLst/>
+    <dgm:txEffectClrLst/>
+  </dgm:styleLbl>
+  <dgm:styleLbl name="node4">
+    <dgm:fillClrLst>
+      <a:schemeClr val="accent2"/>
+    </dgm:fillClrLst>
+    <dgm:linClrLst meth="repeat">
+      <a:schemeClr val="lt1"/>
+    </dgm:linClrLst>
+    <dgm:effectClrLst/>
+    <dgm:txLinClrLst/>
+    <dgm:txFillClrLst/>
+    <dgm:txEffectClrLst/>
+  </dgm:styleLbl>
+  <dgm:styleLbl name="fgImgPlace1">
+    <dgm:fillClrLst>
+      <a:schemeClr val="accent5">
+        <a:tint val="50000"/>
+      </a:schemeClr>
+      <a:schemeClr val="accent6">
+        <a:tint val="50000"/>
+      </a:schemeClr>
+    </dgm:fillClrLst>
+    <dgm:linClrLst meth="repeat">
+      <a:schemeClr val="lt1"/>
+    </dgm:linClrLst>
+    <dgm:effectClrLst/>
+    <dgm:txLinClrLst/>
+    <dgm:txFillClrLst meth="repeat">
+      <a:schemeClr val="lt1"/>
+    </dgm:txFillClrLst>
+    <dgm:txEffectClrLst/>
+  </dgm:styleLbl>
+  <dgm:styleLbl name="alignImgPlace1">
+    <dgm:fillClrLst>
+      <a:schemeClr val="accent5">
+        <a:tint val="50000"/>
+      </a:schemeClr>
+      <a:schemeClr val="accent6">
+        <a:tint val="20000"/>
+      </a:schemeClr>
+    </dgm:fillClrLst>
+    <dgm:linClrLst meth="repeat">
+      <a:schemeClr val="lt1"/>
+    </dgm:linClrLst>
+    <dgm:effectClrLst/>
+    <dgm:txLinClrLst/>
+    <dgm:txFillClrLst meth="repeat">
+      <a:schemeClr val="lt1"/>
+    </dgm:txFillClrLst>
+    <dgm:txEffectClrLst/>
+  </dgm:styleLbl>
+  <dgm:styleLbl name="bgImgPlace1">
+    <dgm:fillClrLst>
+      <a:schemeClr val="accent5">
+        <a:tint val="50000"/>
+      </a:schemeClr>
+      <a:schemeClr val="accent6">
+        <a:tint val="20000"/>
+      </a:schemeClr>
+    </dgm:fillClrLst>
+    <dgm:linClrLst meth="repeat">
+      <a:schemeClr val="lt1"/>
+    </dgm:linClrLst>
+    <dgm:effectClrLst/>
+    <dgm:txLinClrLst/>
+    <dgm:txFillClrLst meth="repeat">
+      <a:schemeClr val="lt1"/>
+    </dgm:txFillClrLst>
+    <dgm:txEffectClrLst/>
+  </dgm:styleLbl>
+  <dgm:styleLbl name="sibTrans2D1">
+    <dgm:fillClrLst>
+      <a:schemeClr val="accent5"/>
+      <a:schemeClr val="accent6"/>
+    </dgm:fillClrLst>
+    <dgm:linClrLst meth="repeat">
+      <a:schemeClr val="lt1"/>
+    </dgm:linClrLst>
+    <dgm:effectClrLst/>
+    <dgm:txLinClrLst/>
+    <dgm:txFillClrLst/>
+    <dgm:txEffectClrLst/>
+  </dgm:styleLbl>
+  <dgm:styleLbl name="fgSibTrans2D1">
+    <dgm:fillClrLst>
+      <a:schemeClr val="accent5"/>
+      <a:schemeClr val="accent6"/>
+    </dgm:fillClrLst>
+    <dgm:linClrLst meth="repeat">
+      <a:schemeClr val="lt1"/>
+    </dgm:linClrLst>
+    <dgm:effectClrLst/>
+    <dgm:txLinClrLst/>
+    <dgm:txFillClrLst meth="repeat">
+      <a:schemeClr val="lt1"/>
+    </dgm:txFillClrLst>
+    <dgm:txEffectClrLst/>
+  </dgm:styleLbl>
+  <dgm:styleLbl name="bgSibTrans2D1">
+    <dgm:fillClrLst>
+      <a:schemeClr val="accent5"/>
+      <a:schemeClr val="accent6"/>
+    </dgm:fillClrLst>
+    <dgm:linClrLst meth="repeat">
+      <a:schemeClr val="lt1"/>
+    </dgm:linClrLst>
+    <dgm:effectClrLst/>
+    <dgm:txLinClrLst/>
+    <dgm:txFillClrLst meth="repeat">
+      <a:schemeClr val="lt1"/>
+    </dgm:txFillClrLst>
+    <dgm:txEffectClrLst/>
+  </dgm:styleLbl>
+  <dgm:styleLbl name="sibTrans1D1">
+    <dgm:fillClrLst/>
+    <dgm:linClrLst>
+      <a:schemeClr val="accent5"/>
+      <a:schemeClr val="accent6"/>
+    </dgm:linClrLst>
+    <dgm:effectClrLst/>
+    <dgm:txLinClrLst/>
+    <dgm:txFillClrLst meth="repeat">
+      <a:schemeClr val="tx1"/>
+    </dgm:txFillClrLst>
+    <dgm:txEffectClrLst/>
+  </dgm:styleLbl>
+  <dgm:styleLbl name="callout">
+    <dgm:fillClrLst meth="repeat">
+      <a:schemeClr val="accent5"/>
+    </dgm:fillClrLst>
+    <dgm:linClrLst meth="repeat">
+      <a:schemeClr val="accent5">
+        <a:tint val="50000"/>
+      </a:schemeClr>
+    </dgm:linClrLst>
+    <dgm:effectClrLst/>
+    <dgm:txLinClrLst/>
+    <dgm:txFillClrLst meth="repeat">
+      <a:schemeClr val="tx1"/>
+    </dgm:txFillClrLst>
+    <dgm:txEffectClrLst/>
+  </dgm:styleLbl>
+  <dgm:styleLbl name="asst0">
+    <dgm:fillClrLst meth="repeat">
+      <a:schemeClr val="accent5"/>
+    </dgm:fillClrLst>
+    <dgm:linClrLst meth="repeat">
+      <a:schemeClr val="lt1">
+        <a:shade val="80000"/>
+      </a:schemeClr>
+    </dgm:linClrLst>
+    <dgm:effectClrLst/>
+    <dgm:txLinClrLst/>
+    <dgm:txFillClrLst/>
+    <dgm:txEffectClrLst/>
+  </dgm:styleLbl>
+  <dgm:styleLbl name="asst1">
+    <dgm:fillClrLst meth="repeat">
+      <a:schemeClr val="accent6"/>
+    </dgm:fillClrLst>
+    <dgm:linClrLst meth="repeat">
+      <a:schemeClr val="lt1">
+        <a:shade val="80000"/>
+      </a:schemeClr>
+    </dgm:linClrLst>
+    <dgm:effectClrLst/>
+    <dgm:txLinClrLst/>
+    <dgm:txFillClrLst/>
+    <dgm:txEffectClrLst/>
+  </dgm:styleLbl>
+  <dgm:styleLbl name="asst2">
+    <dgm:fillClrLst>
+      <a:schemeClr val="accent1"/>
+    </dgm:fillClrLst>
+    <dgm:linClrLst meth="repeat">
+      <a:schemeClr val="lt1"/>
+    </dgm:linClrLst>
+    <dgm:effectClrLst/>
+    <dgm:txLinClrLst/>
+    <dgm:txFillClrLst/>
+    <dgm:txEffectClrLst/>
+  </dgm:styleLbl>
+  <dgm:styleLbl name="asst3">
+    <dgm:fillClrLst>
+      <a:schemeClr val="accent2"/>
+    </dgm:fillClrLst>
+    <dgm:linClrLst meth="repeat">
+      <a:schemeClr val="lt1"/>
+    </dgm:linClrLst>
+    <dgm:effectClrLst/>
+    <dgm:txLinClrLst/>
+    <dgm:txFillClrLst/>
+    <dgm:txEffectClrLst/>
+  </dgm:styleLbl>
+  <dgm:styleLbl name="asst4">
+    <dgm:fillClrLst>
+      <a:schemeClr val="accent3"/>
+    </dgm:fillClrLst>
+    <dgm:linClrLst meth="repeat">
+      <a:schemeClr val="lt1"/>
+    </dgm:linClrLst>
+    <dgm:effectClrLst/>
+    <dgm:txLinClrLst/>
+    <dgm:txFillClrLst/>
+    <dgm:txEffectClrLst/>
+  </dgm:styleLbl>
+  <dgm:styleLbl name="parChTrans2D1">
+    <dgm:fillClrLst meth="repeat">
+      <a:schemeClr val="accent5"/>
+    </dgm:fillClrLst>
+    <dgm:linClrLst meth="repeat">
+      <a:schemeClr val="lt1"/>
+    </dgm:linClrLst>
+    <dgm:effectClrLst/>
+    <dgm:txLinClrLst/>
+    <dgm:txFillClrLst meth="repeat">
+      <a:schemeClr val="lt1"/>
+    </dgm:txFillClrLst>
+    <dgm:txEffectClrLst/>
+  </dgm:styleLbl>
+  <dgm:styleLbl name="parChTrans2D2">
+    <dgm:fillClrLst meth="repeat">
+      <a:schemeClr val="accent6"/>
+    </dgm:fillClrLst>
+    <dgm:linClrLst meth="repeat">
+      <a:schemeClr val="lt1"/>
+    </dgm:linClrLst>
+    <dgm:effectClrLst/>
+    <dgm:txLinClrLst/>
+    <dgm:txFillClrLst/>
+    <dgm:txEffectClrLst/>
+  </dgm:styleLbl>
+  <dgm:styleLbl name="parChTrans2D3">
+    <dgm:fillClrLst meth="repeat">
+      <a:schemeClr val="accent6"/>
+    </dgm:fillClrLst>
+    <dgm:linClrLst meth="repeat">
+      <a:schemeClr val="lt1"/>
+    </dgm:linClrLst>
+    <dgm:effectClrLst/>
+    <dgm:txLinClrLst/>
+    <dgm:txFillClrLst/>
+    <dgm:txEffectClrLst/>
+  </dgm:styleLbl>
+  <dgm:styleLbl name="parChTrans2D4">
+    <dgm:fillClrLst meth="repeat">
+      <a:schemeClr val="accent1"/>
+    </dgm:fillClrLst>
+    <dgm:linClrLst meth="repeat">
+      <a:schemeClr val="lt1"/>
+    </dgm:linClrLst>
+    <dgm:effectClrLst/>
+    <dgm:txLinClrLst/>
+    <dgm:txFillClrLst meth="repeat">
+      <a:schemeClr val="lt1"/>
+    </dgm:txFillClrLst>
+    <dgm:txEffectClrLst/>
+  </dgm:styleLbl>
+  <dgm:styleLbl name="parChTrans1D1">
+    <dgm:fillClrLst meth="repeat">
+      <a:schemeClr val="accent5"/>
+    </dgm:fillClrLst>
+    <dgm:linClrLst meth="repeat">
+      <a:schemeClr val="accent5"/>
+    </dgm:linClrLst>
+    <dgm:effectClrLst/>
+    <dgm:txLinClrLst/>
+    <dgm:txFillClrLst meth="repeat">
+      <a:schemeClr val="tx1"/>
+    </dgm:txFillClrLst>
+    <dgm:txEffectClrLst/>
+  </dgm:styleLbl>
+  <dgm:styleLbl name="parChTrans1D2">
+    <dgm:fillClrLst meth="repeat">
+      <a:schemeClr val="accent6">
+        <a:tint val="90000"/>
+      </a:schemeClr>
+    </dgm:fillClrLst>
+    <dgm:linClrLst meth="repeat">
+      <a:schemeClr val="accent6"/>
+    </dgm:linClrLst>
+    <dgm:effectClrLst/>
+    <dgm:txLinClrLst/>
+    <dgm:txFillClrLst meth="repeat">
+      <a:schemeClr val="tx1"/>
+    </dgm:txFillClrLst>
+    <dgm:txEffectClrLst/>
+  </dgm:styleLbl>
+  <dgm:styleLbl name="parChTrans1D3">
+    <dgm:fillClrLst meth="repeat">
+      <a:schemeClr val="accent6">
+        <a:tint val="70000"/>
+      </a:schemeClr>
+    </dgm:fillClrLst>
+    <dgm:linClrLst meth="repeat">
+      <a:schemeClr val="accent1"/>
+    </dgm:linClrLst>
+    <dgm:effectClrLst/>
+    <dgm:txLinClrLst/>
+    <dgm:txFillClrLst meth="repeat">
+      <a:schemeClr val="tx1"/>
+    </dgm:txFillClrLst>
+    <dgm:txEffectClrLst/>
+  </dgm:styleLbl>
+  <dgm:styleLbl name="parChTrans1D4">
+    <dgm:fillClrLst meth="repeat">
+      <a:schemeClr val="accent6">
+        <a:tint val="50000"/>
+      </a:schemeClr>
+    </dgm:fillClrLst>
+    <dgm:linClrLst meth="repeat">
+      <a:schemeClr val="accent2"/>
+    </dgm:linClrLst>
+    <dgm:effectClrLst/>
+    <dgm:txLinClrLst/>
+    <dgm:txFillClrLst meth="repeat">
+      <a:schemeClr val="tx1"/>
+    </dgm:txFillClrLst>
+    <dgm:txEffectClrLst/>
+  </dgm:styleLbl>
+  <dgm:styleLbl name="fgAcc1">
+    <dgm:fillClrLst meth="repeat">
+      <a:schemeClr val="lt1">
+        <a:alpha val="90000"/>
+      </a:schemeClr>
+    </dgm:fillClrLst>
+    <dgm:linClrLst>
+      <a:schemeClr val="accent5"/>
+      <a:schemeClr val="accent6"/>
+    </dgm:linClrLst>
+    <dgm:effectClrLst/>
+    <dgm:txLinClrLst/>
+    <dgm:txFillClrLst meth="repeat">
+      <a:schemeClr val="dk1"/>
+    </dgm:txFillClrLst>
+    <dgm:txEffectClrLst/>
+  </dgm:styleLbl>
+  <dgm:styleLbl name="conFgAcc1">
+    <dgm:fillClrLst meth="repeat">
+      <a:schemeClr val="lt1">
+        <a:alpha val="90000"/>
+      </a:schemeClr>
+    </dgm:fillClrLst>
+    <dgm:linClrLst>
+      <a:schemeClr val="accent5"/>
+      <a:schemeClr val="accent6"/>
+    </dgm:linClrLst>
+    <dgm:effectClrLst/>
+    <dgm:txLinClrLst/>
+    <dgm:txFillClrLst meth="repeat">
+      <a:schemeClr val="dk1"/>
+    </dgm:txFillClrLst>
+    <dgm:txEffectClrLst/>
+  </dgm:styleLbl>
+  <dgm:styleLbl name="alignAcc1">
+    <dgm:fillClrLst meth="repeat">
+      <a:schemeClr val="lt1">
+        <a:alpha val="90000"/>
+      </a:schemeClr>
+    </dgm:fillClrLst>
+    <dgm:linClrLst>
+      <a:schemeClr val="accent5"/>
+      <a:schemeClr val="accent6"/>
+    </dgm:linClrLst>
+    <dgm:effectClrLst/>
+    <dgm:txLinClrLst/>
+    <dgm:txFillClrLst meth="repeat">
+      <a:schemeClr val="dk1"/>
+    </dgm:txFillClrLst>
+    <dgm:txEffectClrLst/>
+  </dgm:styleLbl>
+  <dgm:styleLbl name="trAlignAcc1">
+    <dgm:fillClrLst meth="repeat">
+      <a:schemeClr val="lt1">
+        <a:alpha val="40000"/>
+      </a:schemeClr>
+    </dgm:fillClrLst>
+    <dgm:linClrLst meth="repeat">
+      <a:schemeClr val="accent5"/>
+    </dgm:linClrLst>
+    <dgm:effectClrLst/>
+    <dgm:txLinClrLst/>
+    <dgm:txFillClrLst meth="repeat">
+      <a:schemeClr val="dk1"/>
+    </dgm:txFillClrLst>
+    <dgm:txEffectClrLst/>
+  </dgm:styleLbl>
+  <dgm:styleLbl name="bgAcc1">
+    <dgm:fillClrLst meth="repeat">
+      <a:schemeClr val="lt1">
+        <a:alpha val="90000"/>
+      </a:schemeClr>
+    </dgm:fillClrLst>
+    <dgm:linClrLst>
+      <a:schemeClr val="accent5"/>
+      <a:schemeClr val="accent6"/>
+    </dgm:linClrLst>
+    <dgm:effectClrLst/>
+    <dgm:txLinClrLst/>
+    <dgm:txFillClrLst meth="repeat">
+      <a:schemeClr val="dk1"/>
+    </dgm:txFillClrLst>
+    <dgm:txEffectClrLst/>
+  </dgm:styleLbl>
+  <dgm:styleLbl name="solidFgAcc1">
+    <dgm:fillClrLst meth="repeat">
+      <a:schemeClr val="lt1"/>
+    </dgm:fillClrLst>
+    <dgm:linClrLst>
+      <a:schemeClr val="accent5"/>
+      <a:schemeClr val="accent6"/>
+    </dgm:linClrLst>
+    <dgm:effectClrLst/>
+    <dgm:txLinClrLst/>
+    <dgm:txFillClrLst meth="repeat">
+      <a:schemeClr val="dk1"/>
+    </dgm:txFillClrLst>
+    <dgm:txEffectClrLst/>
+  </dgm:styleLbl>
+  <dgm:styleLbl name="solidAlignAcc1">
+    <dgm:fillClrLst meth="repeat">
+      <a:schemeClr val="lt1"/>
+    </dgm:fillClrLst>
+    <dgm:linClrLst>
+      <a:schemeClr val="accent5"/>
+      <a:schemeClr val="accent6"/>
+    </dgm:linClrLst>
+    <dgm:effectClrLst/>
+    <dgm:txLinClrLst/>
+    <dgm:txFillClrLst meth="repeat">
+      <a:schemeClr val="dk1"/>
+    </dgm:txFillClrLst>
+    <dgm:txEffectClrLst/>
+  </dgm:styleLbl>
+  <dgm:styleLbl name="solidBgAcc1">
+    <dgm:fillClrLst meth="repeat">
+      <a:schemeClr val="lt1"/>
+    </dgm:fillClrLst>
+    <dgm:linClrLst>
+      <a:schemeClr val="accent5"/>
+      <a:schemeClr val="accent6"/>
+    </dgm:linClrLst>
+    <dgm:effectClrLst/>
+    <dgm:txLinClrLst/>
+    <dgm:txFillClrLst meth="repeat">
+      <a:schemeClr val="dk1"/>
+    </dgm:txFillClrLst>
+    <dgm:txEffectClrLst/>
+  </dgm:styleLbl>
+  <dgm:styleLbl name="fgAccFollowNode1">
+    <dgm:fillClrLst>
+      <a:schemeClr val="accent5">
+        <a:tint val="40000"/>
+        <a:alpha val="90000"/>
+      </a:schemeClr>
+      <a:schemeClr val="accent6">
+        <a:tint val="40000"/>
+        <a:alpha val="90000"/>
+      </a:schemeClr>
+    </dgm:fillClrLst>
+    <dgm:linClrLst>
+      <a:schemeClr val="accent5">
+        <a:tint val="40000"/>
+        <a:alpha val="90000"/>
+      </a:schemeClr>
+      <a:schemeClr val="accent5">
+        <a:tint val="40000"/>
+        <a:alpha val="90000"/>
+      </a:schemeClr>
+    </dgm:linClrLst>
+    <dgm:effectClrLst/>
+    <dgm:txLinClrLst/>
+    <dgm:txFillClrLst meth="repeat">
+      <a:schemeClr val="dk1"/>
+    </dgm:txFillClrLst>
+    <dgm:txEffectClrLst/>
+  </dgm:styleLbl>
+  <dgm:styleLbl name="alignAccFollowNode1">
+    <dgm:fillClrLst>
+      <a:schemeClr val="accent5">
+        <a:tint val="40000"/>
+        <a:alpha val="90000"/>
+      </a:schemeClr>
+      <a:schemeClr val="accent6">
+        <a:tint val="40000"/>
+        <a:alpha val="90000"/>
+      </a:schemeClr>
+    </dgm:fillClrLst>
+    <dgm:linClrLst>
+      <a:schemeClr val="accent5">
+        <a:tint val="40000"/>
+        <a:alpha val="90000"/>
+      </a:schemeClr>
+      <a:schemeClr val="accent6">
+        <a:tint val="40000"/>
+        <a:alpha val="90000"/>
+      </a:schemeClr>
+    </dgm:linClrLst>
+    <dgm:effectClrLst/>
+    <dgm:txLinClrLst/>
+    <dgm:txFillClrLst meth="repeat">
+      <a:schemeClr val="dk1"/>
+    </dgm:txFillClrLst>
+    <dgm:txEffectClrLst/>
+  </dgm:styleLbl>
+  <dgm:styleLbl name="bgAccFollowNode1">
+    <dgm:fillClrLst>
+      <a:schemeClr val="accent5">
+        <a:tint val="40000"/>
+        <a:alpha val="90000"/>
+      </a:schemeClr>
+      <a:schemeClr val="accent6">
+        <a:tint val="40000"/>
+        <a:alpha val="90000"/>
+      </a:schemeClr>
+    </dgm:fillClrLst>
+    <dgm:linClrLst>
+      <a:schemeClr val="accent5">
+        <a:tint val="40000"/>
+        <a:alpha val="90000"/>
+      </a:schemeClr>
+      <a:schemeClr val="accent6">
+        <a:tint val="40000"/>
+        <a:alpha val="90000"/>
+      </a:schemeClr>
+    </dgm:linClrLst>
+    <dgm:effectClrLst/>
+    <dgm:txLinClrLst/>
+    <dgm:txFillClrLst meth="repeat">
+      <a:schemeClr val="dk1"/>
+    </dgm:txFillClrLst>
+    <dgm:txEffectClrLst/>
+  </dgm:styleLbl>
+  <dgm:styleLbl name="fgAcc0">
+    <dgm:fillClrLst meth="repeat">
+      <a:schemeClr val="lt1">
+        <a:alpha val="90000"/>
+      </a:schemeClr>
+    </dgm:fillClrLst>
+    <dgm:linClrLst>
+      <a:schemeClr val="accent4"/>
+    </dgm:linClrLst>
+    <dgm:effectClrLst/>
+    <dgm:txLinClrLst/>
+    <dgm:txFillClrLst meth="repeat">
+      <a:schemeClr val="dk1"/>
+    </dgm:txFillClrLst>
+    <dgm:txEffectClrLst/>
+  </dgm:styleLbl>
+  <dgm:styleLbl name="fgAcc2">
+    <dgm:fillClrLst meth="repeat">
+      <a:schemeClr val="lt1">
+        <a:alpha val="90000"/>
+      </a:schemeClr>
+    </dgm:fillClrLst>
+    <dgm:linClrLst>
+      <a:schemeClr val="accent6"/>
+    </dgm:linClrLst>
+    <dgm:effectClrLst/>
+    <dgm:txLinClrLst/>
+    <dgm:txFillClrLst meth="repeat">
+      <a:schemeClr val="dk1"/>
+    </dgm:txFillClrLst>
+    <dgm:txEffectClrLst/>
+  </dgm:styleLbl>
+  <dgm:styleLbl name="fgAcc3">
+    <dgm:fillClrLst meth="repeat">
+      <a:schemeClr val="lt1">
+        <a:alpha val="90000"/>
+      </a:schemeClr>
+    </dgm:fillClrLst>
+    <dgm:linClrLst>
+      <a:schemeClr val="accent1"/>
+    </dgm:linClrLst>
+    <dgm:effectClrLst/>
+    <dgm:txLinClrLst/>
+    <dgm:txFillClrLst meth="repeat">
+      <a:schemeClr val="dk1"/>
+    </dgm:txFillClrLst>
+    <dgm:txEffectClrLst/>
+  </dgm:styleLbl>
+  <dgm:styleLbl name="fgAcc4">
+    <dgm:fillClrLst meth="repeat">
+      <a:schemeClr val="lt1">
+        <a:alpha val="90000"/>
+      </a:schemeClr>
+    </dgm:fillClrLst>
+    <dgm:linClrLst>
+      <a:schemeClr val="accent2"/>
+    </dgm:linClrLst>
+    <dgm:effectClrLst/>
+    <dgm:txLinClrLst/>
+    <dgm:txFillClrLst meth="repeat">
+      <a:schemeClr val="dk1"/>
+    </dgm:txFillClrLst>
+    <dgm:txEffectClrLst/>
+  </dgm:styleLbl>
+  <dgm:styleLbl name="bgShp">
+    <dgm:fillClrLst meth="repeat">
+      <a:schemeClr val="bg1">
+        <a:lumMod val="95000"/>
+      </a:schemeClr>
+    </dgm:fillClrLst>
+    <dgm:linClrLst meth="repeat">
+      <a:schemeClr val="dk1"/>
+    </dgm:linClrLst>
+    <dgm:effectClrLst/>
+    <dgm:txLinClrLst/>
+    <dgm:txFillClrLst meth="repeat">
+      <a:schemeClr val="dk1"/>
+    </dgm:txFillClrLst>
+    <dgm:txEffectClrLst/>
+  </dgm:styleLbl>
+  <dgm:styleLbl name="dkBgShp">
+    <dgm:fillClrLst meth="repeat">
+      <a:schemeClr val="accent5">
+        <a:shade val="90000"/>
+      </a:schemeClr>
+    </dgm:fillClrLst>
+    <dgm:linClrLst meth="repeat">
+      <a:schemeClr val="dk1"/>
+    </dgm:linClrLst>
+    <dgm:effectClrLst/>
+    <dgm:txLinClrLst/>
+    <dgm:txFillClrLst meth="repeat">
+      <a:schemeClr val="lt1"/>
+    </dgm:txFillClrLst>
+    <dgm:txEffectClrLst/>
+  </dgm:styleLbl>
+  <dgm:styleLbl name="trBgShp">
+    <dgm:fillClrLst meth="repeat">
+      <a:schemeClr val="accent5">
+        <a:tint val="50000"/>
+        <a:alpha val="40000"/>
+      </a:schemeClr>
+    </dgm:fillClrLst>
+    <dgm:linClrLst meth="repeat">
+      <a:schemeClr val="accent5"/>
+    </dgm:linClrLst>
+    <dgm:effectClrLst/>
+    <dgm:txLinClrLst/>
+    <dgm:txFillClrLst meth="repeat">
+      <a:schemeClr val="lt1"/>
+    </dgm:txFillClrLst>
+    <dgm:txEffectClrLst/>
+  </dgm:styleLbl>
+  <dgm:styleLbl name="fgShp">
+    <dgm:fillClrLst meth="repeat">
+      <a:schemeClr val="accent5">
+        <a:tint val="40000"/>
+      </a:schemeClr>
+    </dgm:fillClrLst>
+    <dgm:linClrLst meth="repeat">
+      <a:schemeClr val="lt1"/>
+    </dgm:linClrLst>
+    <dgm:effectClrLst/>
+    <dgm:txLinClrLst/>
+    <dgm:txFillClrLst meth="repeat">
+      <a:schemeClr val="dk1"/>
+    </dgm:txFillClrLst>
+    <dgm:txEffectClrLst/>
+  </dgm:styleLbl>
+  <dgm:styleLbl name="revTx">
+    <dgm:fillClrLst meth="repeat">
+      <a:schemeClr val="lt1">
+        <a:alpha val="0"/>
+      </a:schemeClr>
+    </dgm:fillClrLst>
+    <dgm:linClrLst meth="repeat">
+      <a:schemeClr val="dk1">
+        <a:alpha val="0"/>
+      </a:schemeClr>
+    </dgm:linClrLst>
+    <dgm:effectClrLst/>
+    <dgm:txLinClrLst/>
+    <dgm:txFillClrLst meth="repeat">
+      <a:schemeClr val="tx1"/>
+    </dgm:txFillClrLst>
+    <dgm:txEffectClrLst/>
+  </dgm:styleLbl>
+</dgm:colorsDef>
+</file>
+
 <file path=ppt/diagrams/colors4.xml><?xml version="1.0" encoding="utf-8"?>
+<dgm:colorsDef xmlns:dgm="http://schemas.openxmlformats.org/drawingml/2006/diagram" xmlns:a="http://schemas.openxmlformats.org/drawingml/2006/main" uniqueId="urn:microsoft.com/office/officeart/2018/5/colors/Iconchunking_neutralbg_colorful1">
+  <dgm:title val=""/>
+  <dgm:desc val=""/>
+  <dgm:catLst>
+    <dgm:cat type="colorful" pri="10100"/>
+  </dgm:catLst>
+  <dgm:styleLbl name="node0">
+    <dgm:fillClrLst meth="repeat">
+      <a:schemeClr val="accent1"/>
+    </dgm:fillClrLst>
+    <dgm:linClrLst meth="repeat">
+      <a:schemeClr val="lt1"/>
+    </dgm:linClrLst>
+    <dgm:effectClrLst/>
+    <dgm:txLinClrLst/>
+    <dgm:txFillClrLst/>
+    <dgm:txEffectClrLst/>
+  </dgm:styleLbl>
+  <dgm:styleLbl name="node1">
+    <dgm:fillClrLst meth="repeat">
+      <a:schemeClr val="accent2"/>
+      <a:schemeClr val="accent3"/>
+      <a:schemeClr val="accent4"/>
+      <a:schemeClr val="accent5"/>
+      <a:schemeClr val="accent6"/>
+    </dgm:fillClrLst>
+    <dgm:linClrLst meth="repeat">
+      <a:schemeClr val="lt1">
+        <a:alpha val="0"/>
+      </a:schemeClr>
+    </dgm:linClrLst>
+    <dgm:effectClrLst/>
+    <dgm:txLinClrLst/>
+    <dgm:txFillClrLst/>
+    <dgm:txEffectClrLst/>
+  </dgm:styleLbl>
+  <dgm:styleLbl name="alignNode1">
+    <dgm:fillClrLst meth="repeat">
+      <a:schemeClr val="accent2"/>
+      <a:schemeClr val="accent3"/>
+      <a:schemeClr val="accent4"/>
+      <a:schemeClr val="accent5"/>
+      <a:schemeClr val="accent6"/>
+    </dgm:fillClrLst>
+    <dgm:linClrLst meth="repeat">
+      <a:schemeClr val="accent2"/>
+      <a:schemeClr val="accent3"/>
+      <a:schemeClr val="accent4"/>
+      <a:schemeClr val="accent5"/>
+      <a:schemeClr val="accent6"/>
+    </dgm:linClrLst>
+    <dgm:effectClrLst/>
+    <dgm:txLinClrLst/>
+    <dgm:txFillClrLst/>
+    <dgm:txEffectClrLst/>
+  </dgm:styleLbl>
+  <dgm:styleLbl name="lnNode1">
+    <dgm:fillClrLst meth="repeat">
+      <a:schemeClr val="accent2"/>
+      <a:schemeClr val="accent3"/>
+      <a:schemeClr val="accent4"/>
+      <a:schemeClr val="accent5"/>
+      <a:schemeClr val="accent6"/>
+    </dgm:fillClrLst>
+    <dgm:linClrLst meth="repeat">
+      <a:schemeClr val="lt1"/>
+    </dgm:linClrLst>
+    <dgm:effectClrLst/>
+    <dgm:txLinClrLst/>
+    <dgm:txFillClrLst/>
+    <dgm:txEffectClrLst/>
+  </dgm:styleLbl>
+  <dgm:styleLbl name="vennNode1">
+    <dgm:fillClrLst meth="repeat">
+      <a:schemeClr val="accent2">
+        <a:alpha val="50000"/>
+      </a:schemeClr>
+      <a:schemeClr val="accent3">
+        <a:alpha val="50000"/>
+      </a:schemeClr>
+      <a:schemeClr val="accent4">
+        <a:alpha val="50000"/>
+      </a:schemeClr>
+      <a:schemeClr val="accent5">
+        <a:alpha val="50000"/>
+      </a:schemeClr>
+      <a:schemeClr val="accent6">
+        <a:alpha val="50000"/>
+      </a:schemeClr>
+    </dgm:fillClrLst>
+    <dgm:linClrLst meth="repeat">
+      <a:schemeClr val="lt1"/>
+    </dgm:linClrLst>
+    <dgm:effectClrLst/>
+    <dgm:txLinClrLst/>
+    <dgm:txFillClrLst/>
+    <dgm:txEffectClrLst/>
+  </dgm:styleLbl>
+  <dgm:styleLbl name="node2">
+    <dgm:fillClrLst>
+      <a:schemeClr val="accent2"/>
+    </dgm:fillClrLst>
+    <dgm:linClrLst meth="repeat">
+      <a:schemeClr val="lt1"/>
+    </dgm:linClrLst>
+    <dgm:effectClrLst/>
+    <dgm:txLinClrLst/>
+    <dgm:txFillClrLst/>
+    <dgm:txEffectClrLst/>
+  </dgm:styleLbl>
+  <dgm:styleLbl name="node3">
+    <dgm:fillClrLst>
+      <a:schemeClr val="accent3"/>
+    </dgm:fillClrLst>
+    <dgm:linClrLst meth="repeat">
+      <a:schemeClr val="lt1"/>
+    </dgm:linClrLst>
+    <dgm:effectClrLst/>
+    <dgm:txLinClrLst/>
+    <dgm:txFillClrLst/>
+    <dgm:txEffectClrLst/>
+  </dgm:styleLbl>
+  <dgm:styleLbl name="node4">
+    <dgm:fillClrLst>
+      <a:schemeClr val="accent4"/>
+    </dgm:fillClrLst>
+    <dgm:linClrLst meth="repeat">
+      <a:schemeClr val="lt1"/>
+    </dgm:linClrLst>
+    <dgm:effectClrLst/>
+    <dgm:txLinClrLst/>
+    <dgm:txFillClrLst/>
+    <dgm:txEffectClrLst/>
+  </dgm:styleLbl>
+  <dgm:styleLbl name="fgImgPlace1">
+    <dgm:fillClrLst meth="repeat">
+      <a:schemeClr val="accent2">
+        <a:tint val="50000"/>
+      </a:schemeClr>
+      <a:schemeClr val="accent3">
+        <a:tint val="50000"/>
+      </a:schemeClr>
+      <a:schemeClr val="accent4">
+        <a:tint val="50000"/>
+      </a:schemeClr>
+      <a:schemeClr val="accent5">
+        <a:tint val="50000"/>
+      </a:schemeClr>
+      <a:schemeClr val="accent6">
+        <a:tint val="50000"/>
+      </a:schemeClr>
+    </dgm:fillClrLst>
+    <dgm:linClrLst meth="repeat">
+      <a:schemeClr val="lt1"/>
+    </dgm:linClrLst>
+    <dgm:effectClrLst/>
+    <dgm:txLinClrLst/>
+    <dgm:txFillClrLst meth="repeat">
+      <a:schemeClr val="lt1"/>
+    </dgm:txFillClrLst>
+    <dgm:txEffectClrLst/>
+  </dgm:styleLbl>
+  <dgm:styleLbl name="alignImgPlace1">
+    <dgm:fillClrLst>
+      <a:schemeClr val="accent1">
+        <a:tint val="50000"/>
+      </a:schemeClr>
+      <a:schemeClr val="accent2">
+        <a:tint val="20000"/>
+      </a:schemeClr>
+    </dgm:fillClrLst>
+    <dgm:linClrLst meth="repeat">
+      <a:schemeClr val="lt1"/>
+    </dgm:linClrLst>
+    <dgm:effectClrLst/>
+    <dgm:txLinClrLst/>
+    <dgm:txFillClrLst meth="repeat">
+      <a:schemeClr val="lt1"/>
+    </dgm:txFillClrLst>
+    <dgm:txEffectClrLst/>
+  </dgm:styleLbl>
+  <dgm:styleLbl name="bgImgPlace1">
+    <dgm:fillClrLst>
+      <a:schemeClr val="accent1">
+        <a:tint val="50000"/>
+      </a:schemeClr>
+      <a:schemeClr val="accent2">
+        <a:tint val="20000"/>
+      </a:schemeClr>
+    </dgm:fillClrLst>
+    <dgm:linClrLst meth="repeat">
+      <a:schemeClr val="lt1"/>
+    </dgm:linClrLst>
+    <dgm:effectClrLst/>
+    <dgm:txLinClrLst/>
+    <dgm:txFillClrLst meth="repeat">
+      <a:schemeClr val="lt1"/>
+    </dgm:txFillClrLst>
+    <dgm:txEffectClrLst/>
+  </dgm:styleLbl>
+  <dgm:styleLbl name="sibTrans2D1">
+    <dgm:fillClrLst meth="repeat">
+      <a:schemeClr val="accent2"/>
+      <a:schemeClr val="accent3"/>
+      <a:schemeClr val="accent4"/>
+      <a:schemeClr val="accent5"/>
+      <a:schemeClr val="accent6"/>
+    </dgm:fillClrLst>
+    <dgm:linClrLst meth="cycle">
+      <a:schemeClr val="lt1"/>
+    </dgm:linClrLst>
+    <dgm:effectClrLst/>
+    <dgm:txLinClrLst/>
+    <dgm:txFillClrLst/>
+    <dgm:txEffectClrLst/>
+  </dgm:styleLbl>
+  <dgm:styleLbl name="fgSibTrans2D1">
+    <dgm:fillClrLst meth="repeat">
+      <a:schemeClr val="accent2"/>
+      <a:schemeClr val="accent3"/>
+      <a:schemeClr val="accent4"/>
+      <a:schemeClr val="accent5"/>
+      <a:schemeClr val="accent6"/>
+    </dgm:fillClrLst>
+    <dgm:linClrLst meth="cycle">
+      <a:schemeClr val="lt1"/>
+    </dgm:linClrLst>
+    <dgm:effectClrLst/>
+    <dgm:txLinClrLst/>
+    <dgm:txFillClrLst meth="repeat">
+      <a:schemeClr val="lt1"/>
+    </dgm:txFillClrLst>
+    <dgm:txEffectClrLst/>
+  </dgm:styleLbl>
+  <dgm:styleLbl name="bgSibTrans2D1">
+    <dgm:fillClrLst meth="repeat">
+      <a:schemeClr val="accent2"/>
+      <a:schemeClr val="accent3"/>
+      <a:schemeClr val="accent4"/>
+      <a:schemeClr val="accent5"/>
+      <a:schemeClr val="accent6"/>
+    </dgm:fillClrLst>
+    <dgm:linClrLst meth="cycle">
+      <a:schemeClr val="lt1"/>
+    </dgm:linClrLst>
+    <dgm:effectClrLst/>
+    <dgm:txLinClrLst/>
+    <dgm:txFillClrLst meth="repeat">
+      <a:schemeClr val="lt1"/>
+    </dgm:txFillClrLst>
+    <dgm:txEffectClrLst/>
+  </dgm:styleLbl>
+  <dgm:styleLbl name="sibTrans1D1">
+    <dgm:fillClrLst meth="repeat">
+      <a:schemeClr val="accent2"/>
+      <a:schemeClr val="accent3"/>
+      <a:schemeClr val="accent4"/>
+      <a:schemeClr val="accent5"/>
+      <a:schemeClr val="accent6"/>
+    </dgm:fillClrLst>
+    <dgm:linClrLst meth="repeat">
+      <a:schemeClr val="accent2"/>
+      <a:schemeClr val="accent3"/>
+      <a:schemeClr val="accent4"/>
+      <a:schemeClr val="accent5"/>
+      <a:schemeClr val="accent6"/>
+    </dgm:linClrLst>
+    <dgm:effectClrLst/>
+    <dgm:txLinClrLst/>
+    <dgm:txFillClrLst meth="repeat">
+      <a:schemeClr val="tx1"/>
+    </dgm:txFillClrLst>
+    <dgm:txEffectClrLst/>
+  </dgm:styleLbl>
+  <dgm:styleLbl name="callout">
+    <dgm:fillClrLst meth="repeat">
+      <a:schemeClr val="accent2"/>
+    </dgm:fillClrLst>
+    <dgm:linClrLst meth="repeat">
+      <a:schemeClr val="accent2">
+        <a:tint val="50000"/>
+      </a:schemeClr>
+    </dgm:linClrLst>
+    <dgm:effectClrLst/>
+    <dgm:txLinClrLst/>
+    <dgm:txFillClrLst meth="repeat">
+      <a:schemeClr val="tx1"/>
+    </dgm:txFillClrLst>
+    <dgm:txEffectClrLst/>
+  </dgm:styleLbl>
+  <dgm:styleLbl name="asst0">
+    <dgm:fillClrLst meth="repeat">
+      <a:schemeClr val="accent1"/>
+    </dgm:fillClrLst>
+    <dgm:linClrLst meth="repeat">
+      <a:schemeClr val="lt1"/>
+    </dgm:linClrLst>
+    <dgm:effectClrLst/>
+    <dgm:txLinClrLst/>
+    <dgm:txFillClrLst/>
+    <dgm:txEffectClrLst/>
+  </dgm:styleLbl>
+  <dgm:styleLbl name="asst1">
+    <dgm:fillClrLst meth="repeat">
+      <a:schemeClr val="accent2"/>
+    </dgm:fillClrLst>
+    <dgm:linClrLst meth="repeat">
+      <a:schemeClr val="lt1"/>
+    </dgm:linClrLst>
+    <dgm:effectClrLst/>
+    <dgm:txLinClrLst/>
+    <dgm:txFillClrLst/>
+    <dgm:txEffectClrLst/>
+  </dgm:styleLbl>
+  <dgm:styleLbl name="asst2">
+    <dgm:fillClrLst>
+      <a:schemeClr val="accent3"/>
+    </dgm:fillClrLst>
+    <dgm:linClrLst meth="repeat">
+      <a:schemeClr val="lt1"/>
+    </dgm:linClrLst>
+    <dgm:effectClrLst/>
+    <dgm:txLinClrLst/>
+    <dgm:txFillClrLst/>
+    <dgm:txEffectClrLst/>
+  </dgm:styleLbl>
+  <dgm:styleLbl name="asst3">
+    <dgm:fillClrLst>
+      <a:schemeClr val="accent4"/>
+    </dgm:fillClrLst>
+    <dgm:linClrLst meth="repeat">
+      <a:schemeClr val="lt1"/>
+    </dgm:linClrLst>
+    <dgm:effectClrLst/>
+    <dgm:txLinClrLst/>
+    <dgm:txFillClrLst/>
+    <dgm:txEffectClrLst/>
+  </dgm:styleLbl>
+  <dgm:styleLbl name="asst4">
+    <dgm:fillClrLst>
+      <a:schemeClr val="accent5"/>
+    </dgm:fillClrLst>
+    <dgm:linClrLst meth="repeat">
+      <a:schemeClr val="lt1"/>
+    </dgm:linClrLst>
+    <dgm:effectClrLst/>
+    <dgm:txLinClrLst/>
+    <dgm:txFillClrLst/>
+    <dgm:txEffectClrLst/>
+  </dgm:styleLbl>
+  <dgm:styleLbl name="parChTrans2D1">
+    <dgm:fillClrLst meth="repeat">
+      <a:schemeClr val="accent2"/>
+    </dgm:fillClrLst>
+    <dgm:linClrLst meth="repeat">
+      <a:schemeClr val="lt1"/>
+    </dgm:linClrLst>
+    <dgm:effectClrLst/>
+    <dgm:txLinClrLst/>
+    <dgm:txFillClrLst meth="repeat">
+      <a:schemeClr val="lt1"/>
+    </dgm:txFillClrLst>
+    <dgm:txEffectClrLst/>
+  </dgm:styleLbl>
+  <dgm:styleLbl name="parChTrans2D2">
+    <dgm:fillClrLst meth="repeat">
+      <a:schemeClr val="accent3"/>
+    </dgm:fillClrLst>
+    <dgm:linClrLst meth="repeat">
+      <a:schemeClr val="lt1"/>
+    </dgm:linClrLst>
+    <dgm:effectClrLst/>
+    <dgm:txLinClrLst/>
+    <dgm:txFillClrLst/>
+    <dgm:txEffectClrLst/>
+  </dgm:styleLbl>
+  <dgm:styleLbl name="parChTrans2D3">
+    <dgm:fillClrLst meth="repeat">
+      <a:schemeClr val="accent4"/>
+    </dgm:fillClrLst>
+    <dgm:linClrLst meth="repeat">
+      <a:schemeClr val="lt1"/>
+    </dgm:linClrLst>
+    <dgm:effectClrLst/>
+    <dgm:txLinClrLst/>
+    <dgm:txFillClrLst/>
+    <dgm:txEffectClrLst/>
+  </dgm:styleLbl>
+  <dgm:styleLbl name="parChTrans2D4">
+    <dgm:fillClrLst meth="repeat">
+      <a:schemeClr val="accent5"/>
+    </dgm:fillClrLst>
+    <dgm:linClrLst meth="repeat">
+      <a:schemeClr val="lt1"/>
+    </dgm:linClrLst>
+    <dgm:effectClrLst/>
+    <dgm:txLinClrLst/>
+    <dgm:txFillClrLst meth="repeat">
+      <a:schemeClr val="lt1"/>
+    </dgm:txFillClrLst>
+    <dgm:txEffectClrLst/>
+  </dgm:styleLbl>
+  <dgm:styleLbl name="parChTrans1D1">
+    <dgm:fillClrLst meth="repeat">
+      <a:schemeClr val="accent2"/>
+    </dgm:fillClrLst>
+    <dgm:linClrLst meth="repeat">
+      <a:schemeClr val="accent1"/>
+    </dgm:linClrLst>
+    <dgm:effectClrLst/>
+    <dgm:txLinClrLst/>
+    <dgm:txFillClrLst meth="repeat">
+      <a:schemeClr val="tx1"/>
+    </dgm:txFillClrLst>
+    <dgm:txEffectClrLst/>
+  </dgm:styleLbl>
+  <dgm:styleLbl name="parChTrans1D2">
+    <dgm:fillClrLst meth="repeat">
+      <a:schemeClr val="accent3">
+        <a:tint val="90000"/>
+      </a:schemeClr>
+    </dgm:fillClrLst>
+    <dgm:linClrLst meth="repeat">
+      <a:schemeClr val="accent2"/>
+    </dgm:linClrLst>
+    <dgm:effectClrLst/>
+    <dgm:txLinClrLst/>
+    <dgm:txFillClrLst meth="repeat">
+      <a:schemeClr val="tx1"/>
+    </dgm:txFillClrLst>
+    <dgm:txEffectClrLst/>
+  </dgm:styleLbl>
+  <dgm:styleLbl name="parChTrans1D3">
+    <dgm:fillClrLst meth="repeat">
+      <a:schemeClr val="accent4">
+        <a:tint val="70000"/>
+      </a:schemeClr>
+    </dgm:fillClrLst>
+    <dgm:linClrLst meth="repeat">
+      <a:schemeClr val="accent3"/>
+    </dgm:linClrLst>
+    <dgm:effectClrLst/>
+    <dgm:txLinClrLst/>
+    <dgm:txFillClrLst meth="repeat">
+      <a:schemeClr val="tx1"/>
+    </dgm:txFillClrLst>
+    <dgm:txEffectClrLst/>
+  </dgm:styleLbl>
+  <dgm:styleLbl name="parChTrans1D4">
+    <dgm:fillClrLst meth="repeat">
+      <a:schemeClr val="accent5">
+        <a:tint val="50000"/>
+      </a:schemeClr>
+    </dgm:fillClrLst>
+    <dgm:linClrLst meth="repeat">
+      <a:schemeClr val="accent4"/>
+    </dgm:linClrLst>
+    <dgm:effectClrLst/>
+    <dgm:txLinClrLst/>
+    <dgm:txFillClrLst meth="repeat">
+      <a:schemeClr val="tx1"/>
+    </dgm:txFillClrLst>
+    <dgm:txEffectClrLst/>
+  </dgm:styleLbl>
+  <dgm:styleLbl name="fgAcc1">
+    <dgm:fillClrLst meth="repeat">
+      <a:schemeClr val="lt1">
+        <a:alpha val="90000"/>
+      </a:schemeClr>
+    </dgm:fillClrLst>
+    <dgm:linClrLst meth="repeat">
+      <a:schemeClr val="accent2"/>
+      <a:schemeClr val="accent3"/>
+      <a:schemeClr val="accent4"/>
+      <a:schemeClr val="accent5"/>
+      <a:schemeClr val="accent6"/>
+    </dgm:linClrLst>
+    <dgm:effectClrLst/>
+    <dgm:txLinClrLst/>
+    <dgm:txFillClrLst meth="repeat">
+      <a:schemeClr val="dk1"/>
+    </dgm:txFillClrLst>
+    <dgm:txEffectClrLst/>
+  </dgm:styleLbl>
+  <dgm:styleLbl name="conFgAcc1">
+    <dgm:fillClrLst meth="repeat">
+      <a:schemeClr val="lt1">
+        <a:alpha val="90000"/>
+      </a:schemeClr>
+    </dgm:fillClrLst>
+    <dgm:linClrLst meth="repeat">
+      <a:schemeClr val="accent2"/>
+      <a:schemeClr val="accent3"/>
+      <a:schemeClr val="accent4"/>
+      <a:schemeClr val="accent5"/>
+      <a:schemeClr val="accent6"/>
+    </dgm:linClrLst>
+    <dgm:effectClrLst/>
+    <dgm:txLinClrLst/>
+    <dgm:txFillClrLst meth="repeat">
+      <a:schemeClr val="dk1"/>
+    </dgm:txFillClrLst>
+    <dgm:txEffectClrLst/>
+  </dgm:styleLbl>
+  <dgm:styleLbl name="alignAcc1">
+    <dgm:fillClrLst meth="repeat">
+      <a:schemeClr val="lt1">
+        <a:alpha val="90000"/>
+      </a:schemeClr>
+    </dgm:fillClrLst>
+    <dgm:linClrLst meth="repeat">
+      <a:schemeClr val="accent2"/>
+      <a:schemeClr val="accent3"/>
+      <a:schemeClr val="accent4"/>
+      <a:schemeClr val="accent5"/>
+      <a:schemeClr val="accent6"/>
+    </dgm:linClrLst>
+    <dgm:effectClrLst/>
+    <dgm:txLinClrLst/>
+    <dgm:txFillClrLst meth="repeat">
+      <a:schemeClr val="dk1"/>
+    </dgm:txFillClrLst>
+    <dgm:txEffectClrLst/>
+  </dgm:styleLbl>
+  <dgm:styleLbl name="trAlignAcc1">
+    <dgm:fillClrLst meth="repeat">
+      <a:schemeClr val="lt1">
+        <a:alpha val="40000"/>
+      </a:schemeClr>
+    </dgm:fillClrLst>
+    <dgm:linClrLst meth="repeat">
+      <a:schemeClr val="accent1"/>
+    </dgm:linClrLst>
+    <dgm:effectClrLst/>
+    <dgm:txLinClrLst/>
+    <dgm:txFillClrLst meth="repeat">
+      <a:schemeClr val="dk1"/>
+    </dgm:txFillClrLst>
+    <dgm:txEffectClrLst/>
+  </dgm:styleLbl>
+  <dgm:styleLbl name="bgAcc1">
+    <dgm:fillClrLst meth="repeat">
+      <a:schemeClr val="lt1">
+        <a:alpha val="90000"/>
+      </a:schemeClr>
+    </dgm:fillClrLst>
+    <dgm:linClrLst meth="repeat">
+      <a:schemeClr val="accent2"/>
+      <a:schemeClr val="accent3"/>
+      <a:schemeClr val="accent4"/>
+      <a:schemeClr val="accent5"/>
+      <a:schemeClr val="accent6"/>
+    </dgm:linClrLst>
+    <dgm:effectClrLst/>
+    <dgm:txLinClrLst/>
+    <dgm:txFillClrLst meth="repeat">
+      <a:schemeClr val="dk1"/>
+    </dgm:txFillClrLst>
+    <dgm:txEffectClrLst/>
+  </dgm:styleLbl>
+  <dgm:styleLbl name="solidFgAcc1">
+    <dgm:fillClrLst meth="repeat">
+      <a:schemeClr val="lt1"/>
+    </dgm:fillClrLst>
+    <dgm:linClrLst meth="repeat">
+      <a:schemeClr val="accent2"/>
+      <a:schemeClr val="accent3"/>
+      <a:schemeClr val="accent4"/>
+      <a:schemeClr val="accent5"/>
+      <a:schemeClr val="accent6"/>
+    </dgm:linClrLst>
+    <dgm:effectClrLst/>
+    <dgm:txLinClrLst/>
+    <dgm:txFillClrLst meth="repeat">
+      <a:schemeClr val="dk1"/>
+    </dgm:txFillClrLst>
+    <dgm:txEffectClrLst/>
+  </dgm:styleLbl>
+  <dgm:styleLbl name="solidAlignAcc1">
+    <dgm:fillClrLst meth="repeat">
+      <a:schemeClr val="lt1"/>
+    </dgm:fillClrLst>
+    <dgm:linClrLst meth="repeat">
+      <a:schemeClr val="accent2"/>
+      <a:schemeClr val="accent3"/>
+      <a:schemeClr val="accent4"/>
+      <a:schemeClr val="accent5"/>
+      <a:schemeClr val="accent6"/>
+    </dgm:linClrLst>
+    <dgm:effectClrLst/>
+    <dgm:txLinClrLst/>
+    <dgm:txFillClrLst meth="repeat">
+      <a:schemeClr val="dk1"/>
+    </dgm:txFillClrLst>
+    <dgm:txEffectClrLst/>
+  </dgm:styleLbl>
+  <dgm:styleLbl name="solidBgAcc1">
+    <dgm:fillClrLst meth="repeat">
+      <a:schemeClr val="lt1"/>
+    </dgm:fillClrLst>
+    <dgm:linClrLst meth="repeat">
+      <a:schemeClr val="accent2"/>
+      <a:schemeClr val="accent3"/>
+      <a:schemeClr val="accent4"/>
+      <a:schemeClr val="accent5"/>
+      <a:schemeClr val="accent6"/>
+    </dgm:linClrLst>
+    <dgm:effectClrLst/>
+    <dgm:txLinClrLst/>
+    <dgm:txFillClrLst meth="repeat">
+      <a:schemeClr val="dk1"/>
+    </dgm:txFillClrLst>
+    <dgm:txEffectClrLst/>
+  </dgm:styleLbl>
+  <dgm:styleLbl name="fgAccFollowNode1">
+    <dgm:fillClrLst meth="repeat">
+      <a:schemeClr val="accent2">
+        <a:tint val="40000"/>
+        <a:alpha val="90000"/>
+      </a:schemeClr>
+      <a:schemeClr val="accent3">
+        <a:tint val="40000"/>
+        <a:alpha val="90000"/>
+      </a:schemeClr>
+      <a:schemeClr val="accent4">
+        <a:tint val="40000"/>
+        <a:alpha val="90000"/>
+      </a:schemeClr>
+      <a:schemeClr val="accent5">
+        <a:tint val="40000"/>
+        <a:alpha val="90000"/>
+      </a:schemeClr>
+      <a:schemeClr val="accent6">
+        <a:tint val="40000"/>
+        <a:alpha val="90000"/>
+      </a:schemeClr>
+    </dgm:fillClrLst>
+    <dgm:linClrLst meth="repeat">
+      <a:schemeClr val="accent2">
+        <a:tint val="40000"/>
+        <a:alpha val="90000"/>
+      </a:schemeClr>
+      <a:schemeClr val="accent3">
+        <a:tint val="40000"/>
+        <a:alpha val="90000"/>
+      </a:schemeClr>
+      <a:schemeClr val="accent4">
+        <a:tint val="40000"/>
+        <a:alpha val="90000"/>
+      </a:schemeClr>
+      <a:schemeClr val="accent5">
+        <a:tint val="40000"/>
+        <a:alpha val="90000"/>
+      </a:schemeClr>
+      <a:schemeClr val="accent6">
+        <a:tint val="40000"/>
+        <a:alpha val="90000"/>
+      </a:schemeClr>
+    </dgm:linClrLst>
+    <dgm:effectClrLst/>
+    <dgm:txLinClrLst/>
+    <dgm:txFillClrLst meth="repeat">
+      <a:schemeClr val="dk1"/>
+    </dgm:txFillClrLst>
+    <dgm:txEffectClrLst/>
+  </dgm:styleLbl>
+  <dgm:styleLbl name="alignAccFollowNode1">
+    <dgm:fillClrLst meth="repeat">
+      <a:schemeClr val="accent2">
+        <a:tint val="40000"/>
+        <a:alpha val="90000"/>
+      </a:schemeClr>
+      <a:schemeClr val="accent3">
+        <a:tint val="40000"/>
+        <a:alpha val="90000"/>
+      </a:schemeClr>
+      <a:schemeClr val="accent4">
+        <a:tint val="40000"/>
+        <a:alpha val="90000"/>
+      </a:schemeClr>
+      <a:schemeClr val="accent5">
+        <a:tint val="40000"/>
+        <a:alpha val="90000"/>
+      </a:schemeClr>
+      <a:schemeClr val="accent6">
+        <a:tint val="40000"/>
+        <a:alpha val="90000"/>
+      </a:schemeClr>
+    </dgm:fillClrLst>
+    <dgm:linClrLst meth="repeat">
+      <a:schemeClr val="accent2">
+        <a:tint val="40000"/>
+        <a:alpha val="90000"/>
+      </a:schemeClr>
+      <a:schemeClr val="accent3">
+        <a:tint val="40000"/>
+        <a:alpha val="90000"/>
+      </a:schemeClr>
+      <a:schemeClr val="accent4">
+        <a:tint val="40000"/>
+        <a:alpha val="90000"/>
+      </a:schemeClr>
+      <a:schemeClr val="accent5">
+        <a:tint val="40000"/>
+        <a:alpha val="90000"/>
+      </a:schemeClr>
+      <a:schemeClr val="accent6">
+        <a:tint val="40000"/>
+        <a:alpha val="90000"/>
+      </a:schemeClr>
+    </dgm:linClrLst>
+    <dgm:effectClrLst/>
+    <dgm:txLinClrLst/>
+    <dgm:txFillClrLst meth="repeat">
+      <a:schemeClr val="dk1"/>
+    </dgm:txFillClrLst>
+    <dgm:txEffectClrLst/>
+  </dgm:styleLbl>
+  <dgm:styleLbl name="bgAccFollowNode1">
+    <dgm:fillClrLst meth="repeat">
+      <a:schemeClr val="accent2">
+        <a:tint val="40000"/>
+        <a:alpha val="90000"/>
+      </a:schemeClr>
+      <a:schemeClr val="accent3">
+        <a:tint val="40000"/>
+        <a:alpha val="90000"/>
+      </a:schemeClr>
+      <a:schemeClr val="accent4">
+        <a:tint val="40000"/>
+        <a:alpha val="90000"/>
+      </a:schemeClr>
+      <a:schemeClr val="accent5">
+        <a:tint val="40000"/>
+        <a:alpha val="90000"/>
+      </a:schemeClr>
+      <a:schemeClr val="accent6">
+        <a:tint val="40000"/>
+        <a:alpha val="90000"/>
+      </a:schemeClr>
+    </dgm:fillClrLst>
+    <dgm:linClrLst meth="repeat">
+      <a:schemeClr val="accent2">
+        <a:tint val="40000"/>
+        <a:alpha val="90000"/>
+      </a:schemeClr>
+      <a:schemeClr val="accent3">
+        <a:tint val="40000"/>
+        <a:alpha val="90000"/>
+      </a:schemeClr>
+      <a:schemeClr val="accent4">
+        <a:tint val="40000"/>
+        <a:alpha val="90000"/>
+      </a:schemeClr>
+      <a:schemeClr val="accent5">
+        <a:tint val="40000"/>
+        <a:alpha val="90000"/>
+      </a:schemeClr>
+      <a:schemeClr val="accent6">
+        <a:tint val="40000"/>
+        <a:alpha val="90000"/>
+      </a:schemeClr>
+    </dgm:linClrLst>
+    <dgm:effectClrLst/>
+    <dgm:txLinClrLst/>
+    <dgm:txFillClrLst meth="repeat">
+      <a:schemeClr val="dk1"/>
+    </dgm:txFillClrLst>
+    <dgm:txEffectClrLst/>
+  </dgm:styleLbl>
+  <dgm:styleLbl name="fgAcc0">
+    <dgm:fillClrLst meth="repeat">
+      <a:schemeClr val="lt1">
+        <a:alpha val="90000"/>
+      </a:schemeClr>
+    </dgm:fillClrLst>
+    <dgm:linClrLst>
+      <a:schemeClr val="accent1"/>
+    </dgm:linClrLst>
+    <dgm:effectClrLst/>
+    <dgm:txLinClrLst/>
+    <dgm:txFillClrLst meth="repeat">
+      <a:schemeClr val="dk1"/>
+    </dgm:txFillClrLst>
+    <dgm:txEffectClrLst/>
+  </dgm:styleLbl>
+  <dgm:styleLbl name="fgAcc2">
+    <dgm:fillClrLst meth="repeat">
+      <a:schemeClr val="lt1">
+        <a:alpha val="90000"/>
+      </a:schemeClr>
+    </dgm:fillClrLst>
+    <dgm:linClrLst>
+      <a:schemeClr val="accent2"/>
+    </dgm:linClrLst>
+    <dgm:effectClrLst/>
+    <dgm:txLinClrLst/>
+    <dgm:txFillClrLst meth="repeat">
+      <a:schemeClr val="dk1"/>
+    </dgm:txFillClrLst>
+    <dgm:txEffectClrLst/>
+  </dgm:styleLbl>
+  <dgm:styleLbl name="fgAcc3">
+    <dgm:fillClrLst meth="repeat">
+      <a:schemeClr val="lt1">
+        <a:alpha val="90000"/>
+      </a:schemeClr>
+    </dgm:fillClrLst>
+    <dgm:linClrLst>
+      <a:schemeClr val="accent3"/>
+    </dgm:linClrLst>
+    <dgm:effectClrLst/>
+    <dgm:txLinClrLst/>
+    <dgm:txFillClrLst meth="repeat">
+      <a:schemeClr val="dk1"/>
+    </dgm:txFillClrLst>
+    <dgm:txEffectClrLst/>
+  </dgm:styleLbl>
+  <dgm:styleLbl name="fgAcc4">
+    <dgm:fillClrLst meth="repeat">
+      <a:schemeClr val="lt1">
+        <a:alpha val="90000"/>
+      </a:schemeClr>
+    </dgm:fillClrLst>
+    <dgm:linClrLst>
+      <a:schemeClr val="accent4"/>
+    </dgm:linClrLst>
+    <dgm:effectClrLst/>
+    <dgm:txLinClrLst/>
+    <dgm:txFillClrLst meth="repeat">
+      <a:schemeClr val="dk1"/>
+    </dgm:txFillClrLst>
+    <dgm:txEffectClrLst/>
+  </dgm:styleLbl>
+  <dgm:styleLbl name="bgShp">
+    <dgm:fillClrLst meth="repeat">
+      <a:schemeClr val="bg1">
+        <a:lumMod val="95000"/>
+      </a:schemeClr>
+    </dgm:fillClrLst>
+    <dgm:linClrLst meth="repeat">
+      <a:schemeClr val="dk1"/>
+    </dgm:linClrLst>
+    <dgm:effectClrLst/>
+    <dgm:txLinClrLst/>
+    <dgm:txFillClrLst meth="repeat">
+      <a:schemeClr val="dk1"/>
+    </dgm:txFillClrLst>
+    <dgm:txEffectClrLst/>
+  </dgm:styleLbl>
+  <dgm:styleLbl name="dkBgShp">
+    <dgm:fillClrLst meth="repeat">
+      <a:schemeClr val="accent2">
+        <a:shade val="90000"/>
+      </a:schemeClr>
+    </dgm:fillClrLst>
+    <dgm:linClrLst meth="repeat">
+      <a:schemeClr val="dk1"/>
+    </dgm:linClrLst>
+    <dgm:effectClrLst/>
+    <dgm:txLinClrLst/>
+    <dgm:txFillClrLst meth="repeat">
+      <a:schemeClr val="lt1"/>
+    </dgm:txFillClrLst>
+    <dgm:txEffectClrLst/>
+  </dgm:styleLbl>
+  <dgm:styleLbl name="trBgShp">
+    <dgm:fillClrLst meth="repeat">
+      <a:schemeClr val="accent1">
+        <a:tint val="50000"/>
+        <a:alpha val="40000"/>
+      </a:schemeClr>
+    </dgm:fillClrLst>
+    <dgm:linClrLst meth="repeat">
+      <a:schemeClr val="accent2"/>
+    </dgm:linClrLst>
+    <dgm:effectClrLst/>
+    <dgm:txLinClrLst/>
+    <dgm:txFillClrLst meth="repeat">
+      <a:schemeClr val="lt1"/>
+    </dgm:txFillClrLst>
+    <dgm:txEffectClrLst/>
+  </dgm:styleLbl>
+  <dgm:styleLbl name="fgShp">
+    <dgm:fillClrLst meth="repeat">
+      <a:schemeClr val="accent2">
+        <a:tint val="40000"/>
+      </a:schemeClr>
+    </dgm:fillClrLst>
+    <dgm:linClrLst meth="repeat">
+      <a:schemeClr val="lt1"/>
+    </dgm:linClrLst>
+    <dgm:effectClrLst/>
+    <dgm:txLinClrLst/>
+    <dgm:txFillClrLst meth="repeat">
+      <a:schemeClr val="dk1"/>
+    </dgm:txFillClrLst>
+    <dgm:txEffectClrLst/>
+  </dgm:styleLbl>
+  <dgm:styleLbl name="revTx">
+    <dgm:fillClrLst meth="repeat">
+      <a:schemeClr val="lt1">
+        <a:alpha val="0"/>
+      </a:schemeClr>
+    </dgm:fillClrLst>
+    <dgm:linClrLst meth="repeat">
+      <a:schemeClr val="dk1">
+        <a:alpha val="0"/>
+      </a:schemeClr>
+    </dgm:linClrLst>
+    <dgm:effectClrLst/>
+    <dgm:txLinClrLst/>
+    <dgm:txFillClrLst meth="repeat">
+      <a:schemeClr val="tx1"/>
+    </dgm:txFillClrLst>
+    <dgm:txEffectClrLst/>
+  </dgm:styleLbl>
+</dgm:colorsDef>
+</file>
+
+<file path=ppt/diagrams/colors5.xml><?xml version="1.0" encoding="utf-8"?>
+<dgm:colorsDef xmlns:dgm="http://schemas.openxmlformats.org/drawingml/2006/diagram" xmlns:a="http://schemas.openxmlformats.org/drawingml/2006/main" uniqueId="urn:microsoft.com/office/officeart/2018/5/colors/Iconchunking_neutralbg_colorful5">
+  <dgm:title val=""/>
+  <dgm:desc val=""/>
+  <dgm:catLst>
+    <dgm:cat type="colorful" pri="10500"/>
+  </dgm:catLst>
+  <dgm:styleLbl name="node0">
+    <dgm:fillClrLst meth="repeat">
+      <a:schemeClr val="accent4"/>
+    </dgm:fillClrLst>
+    <dgm:linClrLst meth="repeat">
+      <a:schemeClr val="lt1"/>
+    </dgm:linClrLst>
+    <dgm:effectClrLst/>
+    <dgm:txLinClrLst/>
+    <dgm:txFillClrLst/>
+    <dgm:txEffectClrLst/>
+  </dgm:styleLbl>
+  <dgm:styleLbl name="node1">
+    <dgm:fillClrLst>
+      <a:schemeClr val="accent5"/>
+      <a:schemeClr val="accent6"/>
+    </dgm:fillClrLst>
+    <dgm:linClrLst meth="repeat">
+      <a:schemeClr val="lt1">
+        <a:alpha val="0"/>
+      </a:schemeClr>
+    </dgm:linClrLst>
+    <dgm:effectClrLst/>
+    <dgm:txLinClrLst/>
+    <dgm:txFillClrLst/>
+    <dgm:txEffectClrLst/>
+  </dgm:styleLbl>
+  <dgm:styleLbl name="alignNode1">
+    <dgm:fillClrLst>
+      <a:schemeClr val="accent5"/>
+      <a:schemeClr val="accent6"/>
+    </dgm:fillClrLst>
+    <dgm:linClrLst>
+      <a:schemeClr val="accent5"/>
+      <a:schemeClr val="accent6"/>
+    </dgm:linClrLst>
+    <dgm:effectClrLst/>
+    <dgm:txLinClrLst/>
+    <dgm:txFillClrLst/>
+    <dgm:txEffectClrLst/>
+  </dgm:styleLbl>
+  <dgm:styleLbl name="lnNode1">
+    <dgm:fillClrLst>
+      <a:schemeClr val="accent5"/>
+      <a:schemeClr val="accent6"/>
+    </dgm:fillClrLst>
+    <dgm:linClrLst meth="repeat">
+      <a:schemeClr val="lt1"/>
+    </dgm:linClrLst>
+    <dgm:effectClrLst/>
+    <dgm:txLinClrLst/>
+    <dgm:txFillClrLst/>
+    <dgm:txEffectClrLst/>
+  </dgm:styleLbl>
+  <dgm:styleLbl name="vennNode1">
+    <dgm:fillClrLst>
+      <a:schemeClr val="accent5">
+        <a:alpha val="50000"/>
+      </a:schemeClr>
+      <a:schemeClr val="accent6">
+        <a:alpha val="50000"/>
+      </a:schemeClr>
+    </dgm:fillClrLst>
+    <dgm:linClrLst meth="repeat">
+      <a:schemeClr val="lt1"/>
+    </dgm:linClrLst>
+    <dgm:effectClrLst/>
+    <dgm:txLinClrLst/>
+    <dgm:txFillClrLst/>
+    <dgm:txEffectClrLst/>
+  </dgm:styleLbl>
+  <dgm:styleLbl name="node2">
+    <dgm:fillClrLst>
+      <a:schemeClr val="accent6"/>
+    </dgm:fillClrLst>
+    <dgm:linClrLst meth="repeat">
+      <a:schemeClr val="lt1"/>
+    </dgm:linClrLst>
+    <dgm:effectClrLst/>
+    <dgm:txLinClrLst/>
+    <dgm:txFillClrLst/>
+    <dgm:txEffectClrLst/>
+  </dgm:styleLbl>
+  <dgm:styleLbl name="node3">
+    <dgm:fillClrLst>
+      <a:schemeClr val="accent1"/>
+    </dgm:fillClrLst>
+    <dgm:linClrLst meth="repeat">
+      <a:schemeClr val="lt1"/>
+    </dgm:linClrLst>
+    <dgm:effectClrLst/>
+    <dgm:txLinClrLst/>
+    <dgm:txFillClrLst/>
+    <dgm:txEffectClrLst/>
+  </dgm:styleLbl>
+  <dgm:styleLbl name="node4">
+    <dgm:fillClrLst>
+      <a:schemeClr val="accent2"/>
+    </dgm:fillClrLst>
+    <dgm:linClrLst meth="repeat">
+      <a:schemeClr val="lt1"/>
+    </dgm:linClrLst>
+    <dgm:effectClrLst/>
+    <dgm:txLinClrLst/>
+    <dgm:txFillClrLst/>
+    <dgm:txEffectClrLst/>
+  </dgm:styleLbl>
+  <dgm:styleLbl name="fgImgPlace1">
+    <dgm:fillClrLst>
+      <a:schemeClr val="accent5">
+        <a:tint val="50000"/>
+      </a:schemeClr>
+      <a:schemeClr val="accent6">
+        <a:tint val="50000"/>
+      </a:schemeClr>
+    </dgm:fillClrLst>
+    <dgm:linClrLst meth="repeat">
+      <a:schemeClr val="lt1"/>
+    </dgm:linClrLst>
+    <dgm:effectClrLst/>
+    <dgm:txLinClrLst/>
+    <dgm:txFillClrLst meth="repeat">
+      <a:schemeClr val="lt1"/>
+    </dgm:txFillClrLst>
+    <dgm:txEffectClrLst/>
+  </dgm:styleLbl>
+  <dgm:styleLbl name="alignImgPlace1">
+    <dgm:fillClrLst>
+      <a:schemeClr val="accent5">
+        <a:tint val="50000"/>
+      </a:schemeClr>
+      <a:schemeClr val="accent6">
+        <a:tint val="20000"/>
+      </a:schemeClr>
+    </dgm:fillClrLst>
+    <dgm:linClrLst meth="repeat">
+      <a:schemeClr val="lt1"/>
+    </dgm:linClrLst>
+    <dgm:effectClrLst/>
+    <dgm:txLinClrLst/>
+    <dgm:txFillClrLst meth="repeat">
+      <a:schemeClr val="lt1"/>
+    </dgm:txFillClrLst>
+    <dgm:txEffectClrLst/>
+  </dgm:styleLbl>
+  <dgm:styleLbl name="bgImgPlace1">
+    <dgm:fillClrLst>
+      <a:schemeClr val="accent5">
+        <a:tint val="50000"/>
+      </a:schemeClr>
+      <a:schemeClr val="accent6">
+        <a:tint val="20000"/>
+      </a:schemeClr>
+    </dgm:fillClrLst>
+    <dgm:linClrLst meth="repeat">
+      <a:schemeClr val="lt1"/>
+    </dgm:linClrLst>
+    <dgm:effectClrLst/>
+    <dgm:txLinClrLst/>
+    <dgm:txFillClrLst meth="repeat">
+      <a:schemeClr val="lt1"/>
+    </dgm:txFillClrLst>
+    <dgm:txEffectClrLst/>
+  </dgm:styleLbl>
+  <dgm:styleLbl name="sibTrans2D1">
+    <dgm:fillClrLst>
+      <a:schemeClr val="accent5"/>
+      <a:schemeClr val="accent6"/>
+    </dgm:fillClrLst>
+    <dgm:linClrLst meth="repeat">
+      <a:schemeClr val="lt1"/>
+    </dgm:linClrLst>
+    <dgm:effectClrLst/>
+    <dgm:txLinClrLst/>
+    <dgm:txFillClrLst/>
+    <dgm:txEffectClrLst/>
+  </dgm:styleLbl>
+  <dgm:styleLbl name="fgSibTrans2D1">
+    <dgm:fillClrLst>
+      <a:schemeClr val="accent5"/>
+      <a:schemeClr val="accent6"/>
+    </dgm:fillClrLst>
+    <dgm:linClrLst meth="repeat">
+      <a:schemeClr val="lt1"/>
+    </dgm:linClrLst>
+    <dgm:effectClrLst/>
+    <dgm:txLinClrLst/>
+    <dgm:txFillClrLst meth="repeat">
+      <a:schemeClr val="lt1"/>
+    </dgm:txFillClrLst>
+    <dgm:txEffectClrLst/>
+  </dgm:styleLbl>
+  <dgm:styleLbl name="bgSibTrans2D1">
+    <dgm:fillClrLst>
+      <a:schemeClr val="accent5"/>
+      <a:schemeClr val="accent6"/>
+    </dgm:fillClrLst>
+    <dgm:linClrLst meth="repeat">
+      <a:schemeClr val="lt1"/>
+    </dgm:linClrLst>
+    <dgm:effectClrLst/>
+    <dgm:txLinClrLst/>
+    <dgm:txFillClrLst meth="repeat">
+      <a:schemeClr val="lt1"/>
+    </dgm:txFillClrLst>
+    <dgm:txEffectClrLst/>
+  </dgm:styleLbl>
+  <dgm:styleLbl name="sibTrans1D1">
+    <dgm:fillClrLst/>
+    <dgm:linClrLst>
+      <a:schemeClr val="accent5"/>
+      <a:schemeClr val="accent6"/>
+    </dgm:linClrLst>
+    <dgm:effectClrLst/>
+    <dgm:txLinClrLst/>
+    <dgm:txFillClrLst meth="repeat">
+      <a:schemeClr val="tx1"/>
+    </dgm:txFillClrLst>
+    <dgm:txEffectClrLst/>
+  </dgm:styleLbl>
+  <dgm:styleLbl name="callout">
+    <dgm:fillClrLst meth="repeat">
+      <a:schemeClr val="accent5"/>
+    </dgm:fillClrLst>
+    <dgm:linClrLst meth="repeat">
+      <a:schemeClr val="accent5">
+        <a:tint val="50000"/>
+      </a:schemeClr>
+    </dgm:linClrLst>
+    <dgm:effectClrLst/>
+    <dgm:txLinClrLst/>
+    <dgm:txFillClrLst meth="repeat">
+      <a:schemeClr val="tx1"/>
+    </dgm:txFillClrLst>
+    <dgm:txEffectClrLst/>
+  </dgm:styleLbl>
+  <dgm:styleLbl name="asst0">
+    <dgm:fillClrLst meth="repeat">
+      <a:schemeClr val="accent5"/>
+    </dgm:fillClrLst>
+    <dgm:linClrLst meth="repeat">
+      <a:schemeClr val="lt1">
+        <a:shade val="80000"/>
+      </a:schemeClr>
+    </dgm:linClrLst>
+    <dgm:effectClrLst/>
+    <dgm:txLinClrLst/>
+    <dgm:txFillClrLst/>
+    <dgm:txEffectClrLst/>
+  </dgm:styleLbl>
+  <dgm:styleLbl name="asst1">
+    <dgm:fillClrLst meth="repeat">
+      <a:schemeClr val="accent6"/>
+    </dgm:fillClrLst>
+    <dgm:linClrLst meth="repeat">
+      <a:schemeClr val="lt1">
+        <a:shade val="80000"/>
+      </a:schemeClr>
+    </dgm:linClrLst>
+    <dgm:effectClrLst/>
+    <dgm:txLinClrLst/>
+    <dgm:txFillClrLst/>
+    <dgm:txEffectClrLst/>
+  </dgm:styleLbl>
+  <dgm:styleLbl name="asst2">
+    <dgm:fillClrLst>
+      <a:schemeClr val="accent1"/>
+    </dgm:fillClrLst>
+    <dgm:linClrLst meth="repeat">
+      <a:schemeClr val="lt1"/>
+    </dgm:linClrLst>
+    <dgm:effectClrLst/>
+    <dgm:txLinClrLst/>
+    <dgm:txFillClrLst/>
+    <dgm:txEffectClrLst/>
+  </dgm:styleLbl>
+  <dgm:styleLbl name="asst3">
+    <dgm:fillClrLst>
+      <a:schemeClr val="accent2"/>
+    </dgm:fillClrLst>
+    <dgm:linClrLst meth="repeat">
+      <a:schemeClr val="lt1"/>
+    </dgm:linClrLst>
+    <dgm:effectClrLst/>
+    <dgm:txLinClrLst/>
+    <dgm:txFillClrLst/>
+    <dgm:txEffectClrLst/>
+  </dgm:styleLbl>
+  <dgm:styleLbl name="asst4">
+    <dgm:fillClrLst>
+      <a:schemeClr val="accent3"/>
+    </dgm:fillClrLst>
+    <dgm:linClrLst meth="repeat">
+      <a:schemeClr val="lt1"/>
+    </dgm:linClrLst>
+    <dgm:effectClrLst/>
+    <dgm:txLinClrLst/>
+    <dgm:txFillClrLst/>
+    <dgm:txEffectClrLst/>
+  </dgm:styleLbl>
+  <dgm:styleLbl name="parChTrans2D1">
+    <dgm:fillClrLst meth="repeat">
+      <a:schemeClr val="accent5"/>
+    </dgm:fillClrLst>
+    <dgm:linClrLst meth="repeat">
+      <a:schemeClr val="lt1"/>
+    </dgm:linClrLst>
+    <dgm:effectClrLst/>
+    <dgm:txLinClrLst/>
+    <dgm:txFillClrLst meth="repeat">
+      <a:schemeClr val="lt1"/>
+    </dgm:txFillClrLst>
+    <dgm:txEffectClrLst/>
+  </dgm:styleLbl>
+  <dgm:styleLbl name="parChTrans2D2">
+    <dgm:fillClrLst meth="repeat">
+      <a:schemeClr val="accent6"/>
+    </dgm:fillClrLst>
+    <dgm:linClrLst meth="repeat">
+      <a:schemeClr val="lt1"/>
+    </dgm:linClrLst>
+    <dgm:effectClrLst/>
+    <dgm:txLinClrLst/>
+    <dgm:txFillClrLst/>
+    <dgm:txEffectClrLst/>
+  </dgm:styleLbl>
+  <dgm:styleLbl name="parChTrans2D3">
+    <dgm:fillClrLst meth="repeat">
+      <a:schemeClr val="accent6"/>
+    </dgm:fillClrLst>
+    <dgm:linClrLst meth="repeat">
+      <a:schemeClr val="lt1"/>
+    </dgm:linClrLst>
+    <dgm:effectClrLst/>
+    <dgm:txLinClrLst/>
+    <dgm:txFillClrLst/>
+    <dgm:txEffectClrLst/>
+  </dgm:styleLbl>
+  <dgm:styleLbl name="parChTrans2D4">
+    <dgm:fillClrLst meth="repeat">
+      <a:schemeClr val="accent1"/>
+    </dgm:fillClrLst>
+    <dgm:linClrLst meth="repeat">
+      <a:schemeClr val="lt1"/>
+    </dgm:linClrLst>
+    <dgm:effectClrLst/>
+    <dgm:txLinClrLst/>
+    <dgm:txFillClrLst meth="repeat">
+      <a:schemeClr val="lt1"/>
+    </dgm:txFillClrLst>
+    <dgm:txEffectClrLst/>
+  </dgm:styleLbl>
+  <dgm:styleLbl name="parChTrans1D1">
+    <dgm:fillClrLst meth="repeat">
+      <a:schemeClr val="accent5"/>
+    </dgm:fillClrLst>
+    <dgm:linClrLst meth="repeat">
+      <a:schemeClr val="accent5"/>
+    </dgm:linClrLst>
+    <dgm:effectClrLst/>
+    <dgm:txLinClrLst/>
+    <dgm:txFillClrLst meth="repeat">
+      <a:schemeClr val="tx1"/>
+    </dgm:txFillClrLst>
+    <dgm:txEffectClrLst/>
+  </dgm:styleLbl>
+  <dgm:styleLbl name="parChTrans1D2">
+    <dgm:fillClrLst meth="repeat">
+      <a:schemeClr val="accent6">
+        <a:tint val="90000"/>
+      </a:schemeClr>
+    </dgm:fillClrLst>
+    <dgm:linClrLst meth="repeat">
+      <a:schemeClr val="accent6"/>
+    </dgm:linClrLst>
+    <dgm:effectClrLst/>
+    <dgm:txLinClrLst/>
+    <dgm:txFillClrLst meth="repeat">
+      <a:schemeClr val="tx1"/>
+    </dgm:txFillClrLst>
+    <dgm:txEffectClrLst/>
+  </dgm:styleLbl>
+  <dgm:styleLbl name="parChTrans1D3">
+    <dgm:fillClrLst meth="repeat">
+      <a:schemeClr val="accent6">
+        <a:tint val="70000"/>
+      </a:schemeClr>
+    </dgm:fillClrLst>
+    <dgm:linClrLst meth="repeat">
+      <a:schemeClr val="accent1"/>
+    </dgm:linClrLst>
+    <dgm:effectClrLst/>
+    <dgm:txLinClrLst/>
+    <dgm:txFillClrLst meth="repeat">
+      <a:schemeClr val="tx1"/>
+    </dgm:txFillClrLst>
+    <dgm:txEffectClrLst/>
+  </dgm:styleLbl>
+  <dgm:styleLbl name="parChTrans1D4">
+    <dgm:fillClrLst meth="repeat">
+      <a:schemeClr val="accent6">
+        <a:tint val="50000"/>
+      </a:schemeClr>
+    </dgm:fillClrLst>
+    <dgm:linClrLst meth="repeat">
+      <a:schemeClr val="accent2"/>
+    </dgm:linClrLst>
+    <dgm:effectClrLst/>
+    <dgm:txLinClrLst/>
+    <dgm:txFillClrLst meth="repeat">
+      <a:schemeClr val="tx1"/>
+    </dgm:txFillClrLst>
+    <dgm:txEffectClrLst/>
+  </dgm:styleLbl>
+  <dgm:styleLbl name="fgAcc1">
+    <dgm:fillClrLst meth="repeat">
+      <a:schemeClr val="lt1">
+        <a:alpha val="90000"/>
+      </a:schemeClr>
+    </dgm:fillClrLst>
+    <dgm:linClrLst>
+      <a:schemeClr val="accent5"/>
+      <a:schemeClr val="accent6"/>
+    </dgm:linClrLst>
+    <dgm:effectClrLst/>
+    <dgm:txLinClrLst/>
+    <dgm:txFillClrLst meth="repeat">
+      <a:schemeClr val="dk1"/>
+    </dgm:txFillClrLst>
+    <dgm:txEffectClrLst/>
+  </dgm:styleLbl>
+  <dgm:styleLbl name="conFgAcc1">
+    <dgm:fillClrLst meth="repeat">
+      <a:schemeClr val="lt1">
+        <a:alpha val="90000"/>
+      </a:schemeClr>
+    </dgm:fillClrLst>
+    <dgm:linClrLst>
+      <a:schemeClr val="accent5"/>
+      <a:schemeClr val="accent6"/>
+    </dgm:linClrLst>
+    <dgm:effectClrLst/>
+    <dgm:txLinClrLst/>
+    <dgm:txFillClrLst meth="repeat">
+      <a:schemeClr val="dk1"/>
+    </dgm:txFillClrLst>
+    <dgm:txEffectClrLst/>
+  </dgm:styleLbl>
+  <dgm:styleLbl name="alignAcc1">
+    <dgm:fillClrLst meth="repeat">
+      <a:schemeClr val="lt1">
+        <a:alpha val="90000"/>
+      </a:schemeClr>
+    </dgm:fillClrLst>
+    <dgm:linClrLst>
+      <a:schemeClr val="accent5"/>
+      <a:schemeClr val="accent6"/>
+    </dgm:linClrLst>
+    <dgm:effectClrLst/>
+    <dgm:txLinClrLst/>
+    <dgm:txFillClrLst meth="repeat">
+      <a:schemeClr val="dk1"/>
+    </dgm:txFillClrLst>
+    <dgm:txEffectClrLst/>
+  </dgm:styleLbl>
+  <dgm:styleLbl name="trAlignAcc1">
+    <dgm:fillClrLst meth="repeat">
+      <a:schemeClr val="lt1">
+        <a:alpha val="40000"/>
+      </a:schemeClr>
+    </dgm:fillClrLst>
+    <dgm:linClrLst meth="repeat">
+      <a:schemeClr val="accent5"/>
+    </dgm:linClrLst>
+    <dgm:effectClrLst/>
+    <dgm:txLinClrLst/>
+    <dgm:txFillClrLst meth="repeat">
+      <a:schemeClr val="dk1"/>
+    </dgm:txFillClrLst>
+    <dgm:txEffectClrLst/>
+  </dgm:styleLbl>
+  <dgm:styleLbl name="bgAcc1">
+    <dgm:fillClrLst meth="repeat">
+      <a:schemeClr val="lt1">
+        <a:alpha val="90000"/>
+      </a:schemeClr>
+    </dgm:fillClrLst>
+    <dgm:linClrLst>
+      <a:schemeClr val="accent5"/>
+      <a:schemeClr val="accent6"/>
+    </dgm:linClrLst>
+    <dgm:effectClrLst/>
+    <dgm:txLinClrLst/>
+    <dgm:txFillClrLst meth="repeat">
+      <a:schemeClr val="dk1"/>
+    </dgm:txFillClrLst>
+    <dgm:txEffectClrLst/>
+  </dgm:styleLbl>
+  <dgm:styleLbl name="solidFgAcc1">
+    <dgm:fillClrLst meth="repeat">
+      <a:schemeClr val="lt1"/>
+    </dgm:fillClrLst>
+    <dgm:linClrLst>
+      <a:schemeClr val="accent5"/>
+      <a:schemeClr val="accent6"/>
+    </dgm:linClrLst>
+    <dgm:effectClrLst/>
+    <dgm:txLinClrLst/>
+    <dgm:txFillClrLst meth="repeat">
+      <a:schemeClr val="dk1"/>
+    </dgm:txFillClrLst>
+    <dgm:txEffectClrLst/>
+  </dgm:styleLbl>
+  <dgm:styleLbl name="solidAlignAcc1">
+    <dgm:fillClrLst meth="repeat">
+      <a:schemeClr val="lt1"/>
+    </dgm:fillClrLst>
+    <dgm:linClrLst>
+      <a:schemeClr val="accent5"/>
+      <a:schemeClr val="accent6"/>
+    </dgm:linClrLst>
+    <dgm:effectClrLst/>
+    <dgm:txLinClrLst/>
+    <dgm:txFillClrLst meth="repeat">
+      <a:schemeClr val="dk1"/>
+    </dgm:txFillClrLst>
+    <dgm:txEffectClrLst/>
+  </dgm:styleLbl>
+  <dgm:styleLbl name="solidBgAcc1">
+    <dgm:fillClrLst meth="repeat">
+      <a:schemeClr val="lt1"/>
+    </dgm:fillClrLst>
+    <dgm:linClrLst>
+      <a:schemeClr val="accent5"/>
+      <a:schemeClr val="accent6"/>
+    </dgm:linClrLst>
+    <dgm:effectClrLst/>
+    <dgm:txLinClrLst/>
+    <dgm:txFillClrLst meth="repeat">
+      <a:schemeClr val="dk1"/>
+    </dgm:txFillClrLst>
+    <dgm:txEffectClrLst/>
+  </dgm:styleLbl>
+  <dgm:styleLbl name="fgAccFollowNode1">
+    <dgm:fillClrLst>
+      <a:schemeClr val="accent5">
+        <a:tint val="40000"/>
+        <a:alpha val="90000"/>
+      </a:schemeClr>
+      <a:schemeClr val="accent6">
+        <a:tint val="40000"/>
+        <a:alpha val="90000"/>
+      </a:schemeClr>
+    </dgm:fillClrLst>
+    <dgm:linClrLst>
+      <a:schemeClr val="accent5">
+        <a:tint val="40000"/>
+        <a:alpha val="90000"/>
+      </a:schemeClr>
+      <a:schemeClr val="accent5">
+        <a:tint val="40000"/>
+        <a:alpha val="90000"/>
+      </a:schemeClr>
+    </dgm:linClrLst>
+    <dgm:effectClrLst/>
+    <dgm:txLinClrLst/>
+    <dgm:txFillClrLst meth="repeat">
+      <a:schemeClr val="dk1"/>
+    </dgm:txFillClrLst>
+    <dgm:txEffectClrLst/>
+  </dgm:styleLbl>
+  <dgm:styleLbl name="alignAccFollowNode1">
+    <dgm:fillClrLst>
+      <a:schemeClr val="accent5">
+        <a:tint val="40000"/>
+        <a:alpha val="90000"/>
+      </a:schemeClr>
+      <a:schemeClr val="accent6">
+        <a:tint val="40000"/>
+        <a:alpha val="90000"/>
+      </a:schemeClr>
+    </dgm:fillClrLst>
+    <dgm:linClrLst>
+      <a:schemeClr val="accent5">
+        <a:tint val="40000"/>
+        <a:alpha val="90000"/>
+      </a:schemeClr>
+      <a:schemeClr val="accent6">
+        <a:tint val="40000"/>
+        <a:alpha val="90000"/>
+      </a:schemeClr>
+    </dgm:linClrLst>
+    <dgm:effectClrLst/>
+    <dgm:txLinClrLst/>
+    <dgm:txFillClrLst meth="repeat">
+      <a:schemeClr val="dk1"/>
+    </dgm:txFillClrLst>
+    <dgm:txEffectClrLst/>
+  </dgm:styleLbl>
+  <dgm:styleLbl name="bgAccFollowNode1">
+    <dgm:fillClrLst>
+      <a:schemeClr val="accent5">
+        <a:tint val="40000"/>
+        <a:alpha val="90000"/>
+      </a:schemeClr>
+      <a:schemeClr val="accent6">
+        <a:tint val="40000"/>
+        <a:alpha val="90000"/>
+      </a:schemeClr>
+    </dgm:fillClrLst>
+    <dgm:linClrLst>
+      <a:schemeClr val="accent5">
+        <a:tint val="40000"/>
+        <a:alpha val="90000"/>
+      </a:schemeClr>
+      <a:schemeClr val="accent6">
+        <a:tint val="40000"/>
+        <a:alpha val="90000"/>
+      </a:schemeClr>
+    </dgm:linClrLst>
+    <dgm:effectClrLst/>
+    <dgm:txLinClrLst/>
+    <dgm:txFillClrLst meth="repeat">
+      <a:schemeClr val="dk1"/>
+    </dgm:txFillClrLst>
+    <dgm:txEffectClrLst/>
+  </dgm:styleLbl>
+  <dgm:styleLbl name="fgAcc0">
+    <dgm:fillClrLst meth="repeat">
+      <a:schemeClr val="lt1">
+        <a:alpha val="90000"/>
+      </a:schemeClr>
+    </dgm:fillClrLst>
+    <dgm:linClrLst>
+      <a:schemeClr val="accent4"/>
+    </dgm:linClrLst>
+    <dgm:effectClrLst/>
+    <dgm:txLinClrLst/>
+    <dgm:txFillClrLst meth="repeat">
+      <a:schemeClr val="dk1"/>
+    </dgm:txFillClrLst>
+    <dgm:txEffectClrLst/>
+  </dgm:styleLbl>
+  <dgm:styleLbl name="fgAcc2">
+    <dgm:fillClrLst meth="repeat">
+      <a:schemeClr val="lt1">
+        <a:alpha val="90000"/>
+      </a:schemeClr>
+    </dgm:fillClrLst>
+    <dgm:linClrLst>
+      <a:schemeClr val="accent6"/>
+    </dgm:linClrLst>
+    <dgm:effectClrLst/>
+    <dgm:txLinClrLst/>
+    <dgm:txFillClrLst meth="repeat">
+      <a:schemeClr val="dk1"/>
+    </dgm:txFillClrLst>
+    <dgm:txEffectClrLst/>
+  </dgm:styleLbl>
+  <dgm:styleLbl name="fgAcc3">
+    <dgm:fillClrLst meth="repeat">
+      <a:schemeClr val="lt1">
+        <a:alpha val="90000"/>
+      </a:schemeClr>
+    </dgm:fillClrLst>
+    <dgm:linClrLst>
+      <a:schemeClr val="accent1"/>
+    </dgm:linClrLst>
+    <dgm:effectClrLst/>
+    <dgm:txLinClrLst/>
+    <dgm:txFillClrLst meth="repeat">
+      <a:schemeClr val="dk1"/>
+    </dgm:txFillClrLst>
+    <dgm:txEffectClrLst/>
+  </dgm:styleLbl>
+  <dgm:styleLbl name="fgAcc4">
+    <dgm:fillClrLst meth="repeat">
+      <a:schemeClr val="lt1">
+        <a:alpha val="90000"/>
+      </a:schemeClr>
+    </dgm:fillClrLst>
+    <dgm:linClrLst>
+      <a:schemeClr val="accent2"/>
+    </dgm:linClrLst>
+    <dgm:effectClrLst/>
+    <dgm:txLinClrLst/>
+    <dgm:txFillClrLst meth="repeat">
+      <a:schemeClr val="dk1"/>
+    </dgm:txFillClrLst>
+    <dgm:txEffectClrLst/>
+  </dgm:styleLbl>
+  <dgm:styleLbl name="bgShp">
+    <dgm:fillClrLst meth="repeat">
+      <a:schemeClr val="bg1">
+        <a:lumMod val="95000"/>
+      </a:schemeClr>
+    </dgm:fillClrLst>
+    <dgm:linClrLst meth="repeat">
+      <a:schemeClr val="dk1"/>
+    </dgm:linClrLst>
+    <dgm:effectClrLst/>
+    <dgm:txLinClrLst/>
+    <dgm:txFillClrLst meth="repeat">
+      <a:schemeClr val="dk1"/>
+    </dgm:txFillClrLst>
+    <dgm:txEffectClrLst/>
+  </dgm:styleLbl>
+  <dgm:styleLbl name="dkBgShp">
+    <dgm:fillClrLst meth="repeat">
+      <a:schemeClr val="accent5">
+        <a:shade val="90000"/>
+      </a:schemeClr>
+    </dgm:fillClrLst>
+    <dgm:linClrLst meth="repeat">
+      <a:schemeClr val="dk1"/>
+    </dgm:linClrLst>
+    <dgm:effectClrLst/>
+    <dgm:txLinClrLst/>
+    <dgm:txFillClrLst meth="repeat">
+      <a:schemeClr val="lt1"/>
+    </dgm:txFillClrLst>
+    <dgm:txEffectClrLst/>
+  </dgm:styleLbl>
+  <dgm:styleLbl name="trBgShp">
+    <dgm:fillClrLst meth="repeat">
+      <a:schemeClr val="accent5">
+        <a:tint val="50000"/>
+        <a:alpha val="40000"/>
+      </a:schemeClr>
+    </dgm:fillClrLst>
+    <dgm:linClrLst meth="repeat">
+      <a:schemeClr val="accent5"/>
+    </dgm:linClrLst>
+    <dgm:effectClrLst/>
+    <dgm:txLinClrLst/>
+    <dgm:txFillClrLst meth="repeat">
+      <a:schemeClr val="lt1"/>
+    </dgm:txFillClrLst>
+    <dgm:txEffectClrLst/>
+  </dgm:styleLbl>
+  <dgm:styleLbl name="fgShp">
+    <dgm:fillClrLst meth="repeat">
+      <a:schemeClr val="accent5">
+        <a:tint val="40000"/>
+      </a:schemeClr>
+    </dgm:fillClrLst>
+    <dgm:linClrLst meth="repeat">
+      <a:schemeClr val="lt1"/>
+    </dgm:linClrLst>
+    <dgm:effectClrLst/>
+    <dgm:txLinClrLst/>
+    <dgm:txFillClrLst meth="repeat">
+      <a:schemeClr val="dk1"/>
+    </dgm:txFillClrLst>
+    <dgm:txEffectClrLst/>
+  </dgm:styleLbl>
+  <dgm:styleLbl name="revTx">
+    <dgm:fillClrLst meth="repeat">
+      <a:schemeClr val="lt1">
+        <a:alpha val="0"/>
+      </a:schemeClr>
+    </dgm:fillClrLst>
+    <dgm:linClrLst meth="repeat">
+      <a:schemeClr val="dk1">
+        <a:alpha val="0"/>
+      </a:schemeClr>
+    </dgm:linClrLst>
+    <dgm:effectClrLst/>
+    <dgm:txLinClrLst/>
+    <dgm:txFillClrLst meth="repeat">
+      <a:schemeClr val="tx1"/>
+    </dgm:txFillClrLst>
+    <dgm:txEffectClrLst/>
+  </dgm:styleLbl>
+</dgm:colorsDef>
+</file>
+
+<file path=ppt/diagrams/colors6.xml><?xml version="1.0" encoding="utf-8"?>
 <dgm:colorsDef xmlns:dgm="http://schemas.openxmlformats.org/drawingml/2006/diagram" xmlns:a="http://schemas.openxmlformats.org/drawingml/2006/main" uniqueId="urn:microsoft.com/office/officeart/2018/5/colors/Iconchunking_neutralbg_colorful5">
   <dgm:title val=""/>
   <dgm:desc val=""/>
@@ -4091,6 +5796,456 @@
 <file path=ppt/diagrams/data2.xml><?xml version="1.0" encoding="utf-8"?>
 <dgm:dataModel xmlns:dgm="http://schemas.openxmlformats.org/drawingml/2006/diagram" xmlns:a="http://schemas.openxmlformats.org/drawingml/2006/main">
   <dgm:ptLst>
+    <dgm:pt modelId="{EE295329-73FA-4183-83AE-C8827464C62F}" type="doc">
+      <dgm:prSet loTypeId="urn:microsoft.com/office/officeart/2018/2/layout/IconVerticalSolidList" loCatId="icon" qsTypeId="urn:microsoft.com/office/officeart/2005/8/quickstyle/simple1" qsCatId="simple" csTypeId="urn:microsoft.com/office/officeart/2018/5/colors/Iconchunking_neutralbg_colorful1" csCatId="colorful" phldr="1"/>
+      <dgm:spPr/>
+      <dgm:t>
+        <a:bodyPr/>
+        <a:lstStyle/>
+        <a:p>
+          <a:endParaRPr lang="en-US"/>
+        </a:p>
+      </dgm:t>
+    </dgm:pt>
+    <dgm:pt modelId="{2D522400-51F0-4F64-ADB6-1ED84E001BDF}">
+      <dgm:prSet/>
+      <dgm:spPr/>
+      <dgm:t>
+        <a:bodyPr/>
+        <a:lstStyle/>
+        <a:p>
+          <a:pPr>
+            <a:lnSpc>
+              <a:spcPct val="100000"/>
+            </a:lnSpc>
+          </a:pPr>
+          <a:r>
+            <a:rPr lang="en-US" dirty="0" err="1"/>
+            <a:t>Veel</a:t>
+          </a:r>
+          <a:r>
+            <a:rPr lang="en-US" baseline="0" dirty="0"/>
+            <a:t> </a:t>
+          </a:r>
+          <a:r>
+            <a:rPr lang="en-US" baseline="0" dirty="0" err="1"/>
+            <a:t>technologie</a:t>
+          </a:r>
+          <a:endParaRPr lang="en-US" dirty="0"/>
+        </a:p>
+      </dgm:t>
+    </dgm:pt>
+    <dgm:pt modelId="{94F6118B-289D-414F-B37C-8F8155D17127}" type="parTrans" cxnId="{6E73657F-D4CD-4B71-904F-3BDFDEF59574}">
+      <dgm:prSet/>
+      <dgm:spPr/>
+      <dgm:t>
+        <a:bodyPr/>
+        <a:lstStyle/>
+        <a:p>
+          <a:endParaRPr lang="en-US"/>
+        </a:p>
+      </dgm:t>
+    </dgm:pt>
+    <dgm:pt modelId="{CAC446F7-2614-4882-B18C-5167B9895084}" type="sibTrans" cxnId="{6E73657F-D4CD-4B71-904F-3BDFDEF59574}">
+      <dgm:prSet/>
+      <dgm:spPr/>
+      <dgm:t>
+        <a:bodyPr/>
+        <a:lstStyle/>
+        <a:p>
+          <a:endParaRPr lang="en-US"/>
+        </a:p>
+      </dgm:t>
+    </dgm:pt>
+    <dgm:pt modelId="{0F1FC077-4E62-4BA2-A576-C38356F566E7}">
+      <dgm:prSet/>
+      <dgm:spPr/>
+      <dgm:t>
+        <a:bodyPr/>
+        <a:lstStyle/>
+        <a:p>
+          <a:pPr>
+            <a:lnSpc>
+              <a:spcPct val="100000"/>
+            </a:lnSpc>
+          </a:pPr>
+          <a:r>
+            <a:rPr lang="en-US" dirty="0" err="1"/>
+            <a:t>Stad</a:t>
+          </a:r>
+          <a:r>
+            <a:rPr lang="en-US" baseline="0" dirty="0"/>
+            <a:t> </a:t>
+          </a:r>
+          <a:r>
+            <a:rPr lang="en-US" baseline="0" dirty="0" err="1"/>
+            <a:t>verbeteren</a:t>
+          </a:r>
+          <a:endParaRPr lang="en-US" dirty="0"/>
+        </a:p>
+      </dgm:t>
+    </dgm:pt>
+    <dgm:pt modelId="{72307CBB-FA7B-4B12-861A-A59D2CB5B967}" type="parTrans" cxnId="{95C3016A-B5C0-4D77-8341-9D47F307E021}">
+      <dgm:prSet/>
+      <dgm:spPr/>
+      <dgm:t>
+        <a:bodyPr/>
+        <a:lstStyle/>
+        <a:p>
+          <a:endParaRPr lang="en-US"/>
+        </a:p>
+      </dgm:t>
+    </dgm:pt>
+    <dgm:pt modelId="{94603B03-5CC6-4EC8-AE5C-8E91CBD00880}" type="sibTrans" cxnId="{95C3016A-B5C0-4D77-8341-9D47F307E021}">
+      <dgm:prSet/>
+      <dgm:spPr/>
+      <dgm:t>
+        <a:bodyPr/>
+        <a:lstStyle/>
+        <a:p>
+          <a:endParaRPr lang="en-US"/>
+        </a:p>
+      </dgm:t>
+    </dgm:pt>
+    <dgm:pt modelId="{CAD20D16-2E89-465A-8E0B-F1F5E0AD054C}">
+      <dgm:prSet/>
+      <dgm:spPr/>
+      <dgm:t>
+        <a:bodyPr/>
+        <a:lstStyle/>
+        <a:p>
+          <a:pPr>
+            <a:lnSpc>
+              <a:spcPct val="100000"/>
+            </a:lnSpc>
+          </a:pPr>
+          <a:r>
+            <a:rPr lang="en-US" dirty="0" err="1"/>
+            <a:t>Projecten</a:t>
+          </a:r>
+          <a:endParaRPr lang="en-US" dirty="0"/>
+        </a:p>
+      </dgm:t>
+    </dgm:pt>
+    <dgm:pt modelId="{286F284A-4EFD-49BA-8B65-DD53287A4129}" type="parTrans" cxnId="{77A0F0B9-E9A2-44D4-BE7A-9E807617A880}">
+      <dgm:prSet/>
+      <dgm:spPr/>
+      <dgm:t>
+        <a:bodyPr/>
+        <a:lstStyle/>
+        <a:p>
+          <a:endParaRPr lang="en-US"/>
+        </a:p>
+      </dgm:t>
+    </dgm:pt>
+    <dgm:pt modelId="{F23538AE-7DFC-4F6F-B3DB-A983486C513D}" type="sibTrans" cxnId="{77A0F0B9-E9A2-44D4-BE7A-9E807617A880}">
+      <dgm:prSet/>
+      <dgm:spPr/>
+      <dgm:t>
+        <a:bodyPr/>
+        <a:lstStyle/>
+        <a:p>
+          <a:endParaRPr lang="en-US"/>
+        </a:p>
+      </dgm:t>
+    </dgm:pt>
+    <dgm:pt modelId="{7D8462CF-3B7B-4542-BAB5-025A53AFF86C}">
+      <dgm:prSet/>
+      <dgm:spPr/>
+      <dgm:t>
+        <a:bodyPr/>
+        <a:lstStyle/>
+        <a:p>
+          <a:pPr>
+            <a:lnSpc>
+              <a:spcPct val="100000"/>
+            </a:lnSpc>
+          </a:pPr>
+          <a:r>
+            <a:rPr lang="en-US" dirty="0" err="1"/>
+            <a:t>Doelen</a:t>
+          </a:r>
+          <a:endParaRPr lang="en-US" dirty="0"/>
+        </a:p>
+      </dgm:t>
+    </dgm:pt>
+    <dgm:pt modelId="{A0FA1C71-BCD9-4C94-A650-3E431798B119}" type="parTrans" cxnId="{80D9276A-56F4-487A-BB52-6A61DEBAFC8B}">
+      <dgm:prSet/>
+      <dgm:spPr/>
+      <dgm:t>
+        <a:bodyPr/>
+        <a:lstStyle/>
+        <a:p>
+          <a:endParaRPr lang="en-US"/>
+        </a:p>
+      </dgm:t>
+    </dgm:pt>
+    <dgm:pt modelId="{99BF663E-5875-408C-BED1-31E2873EABE3}" type="sibTrans" cxnId="{80D9276A-56F4-487A-BB52-6A61DEBAFC8B}">
+      <dgm:prSet/>
+      <dgm:spPr/>
+      <dgm:t>
+        <a:bodyPr/>
+        <a:lstStyle/>
+        <a:p>
+          <a:endParaRPr lang="en-US"/>
+        </a:p>
+      </dgm:t>
+    </dgm:pt>
+    <dgm:pt modelId="{E284572E-7C5C-42A3-996B-C4FB24F66E86}" type="pres">
+      <dgm:prSet presAssocID="{EE295329-73FA-4183-83AE-C8827464C62F}" presName="root" presStyleCnt="0">
+        <dgm:presLayoutVars>
+          <dgm:dir/>
+          <dgm:resizeHandles val="exact"/>
+        </dgm:presLayoutVars>
+      </dgm:prSet>
+      <dgm:spPr/>
+    </dgm:pt>
+    <dgm:pt modelId="{95C30BBC-0D25-45EA-A34C-06FF8302AC15}" type="pres">
+      <dgm:prSet presAssocID="{2D522400-51F0-4F64-ADB6-1ED84E001BDF}" presName="compNode" presStyleCnt="0"/>
+      <dgm:spPr/>
+    </dgm:pt>
+    <dgm:pt modelId="{1C52C9CA-1F53-48A1-8AC9-C1C9ACADE282}" type="pres">
+      <dgm:prSet presAssocID="{2D522400-51F0-4F64-ADB6-1ED84E001BDF}" presName="bgRect" presStyleLbl="bgShp" presStyleIdx="0" presStyleCnt="4"/>
+      <dgm:spPr/>
+    </dgm:pt>
+    <dgm:pt modelId="{89498EDD-D6B1-4A0E-AE20-44F7A13E1B9B}" type="pres">
+      <dgm:prSet presAssocID="{2D522400-51F0-4F64-ADB6-1ED84E001BDF}" presName="iconRect" presStyleLbl="node1" presStyleIdx="0" presStyleCnt="4"/>
+      <dgm:spPr>
+        <a:blipFill>
+          <a:blip xmlns:r="http://schemas.openxmlformats.org/officeDocument/2006/relationships" r:embed="rId1">
+            <a:extLst>
+              <a:ext uri="{28A0092B-C50C-407E-A947-70E740481C1C}">
+                <a14:useLocalDpi xmlns:a14="http://schemas.microsoft.com/office/drawing/2010/main" val="0"/>
+              </a:ext>
+              <a:ext uri="{96DAC541-7B7A-43D3-8B79-37D633B846F1}">
+                <asvg:svgBlip xmlns:asvg="http://schemas.microsoft.com/office/drawing/2016/SVG/main" r:embed="rId2"/>
+              </a:ext>
+            </a:extLst>
+          </a:blip>
+          <a:srcRect/>
+          <a:stretch>
+            <a:fillRect/>
+          </a:stretch>
+        </a:blipFill>
+      </dgm:spPr>
+      <dgm:extLst>
+        <a:ext uri="{E40237B7-FDA0-4F09-8148-C483321AD2D9}">
+          <dgm14:cNvPr xmlns:dgm14="http://schemas.microsoft.com/office/drawing/2010/diagram" id="0" name="" descr="Database"/>
+        </a:ext>
+      </dgm:extLst>
+    </dgm:pt>
+    <dgm:pt modelId="{3648707F-EAAA-45E3-ADE3-8237AF520181}" type="pres">
+      <dgm:prSet presAssocID="{2D522400-51F0-4F64-ADB6-1ED84E001BDF}" presName="spaceRect" presStyleCnt="0"/>
+      <dgm:spPr/>
+    </dgm:pt>
+    <dgm:pt modelId="{187F0D29-D0B3-4E23-BF3E-69E93A2A51A6}" type="pres">
+      <dgm:prSet presAssocID="{2D522400-51F0-4F64-ADB6-1ED84E001BDF}" presName="parTx" presStyleLbl="revTx" presStyleIdx="0" presStyleCnt="4">
+        <dgm:presLayoutVars>
+          <dgm:chMax val="0"/>
+          <dgm:chPref val="0"/>
+        </dgm:presLayoutVars>
+      </dgm:prSet>
+      <dgm:spPr/>
+    </dgm:pt>
+    <dgm:pt modelId="{ED2514D9-F771-4BA7-87DF-6D9AECD1D915}" type="pres">
+      <dgm:prSet presAssocID="{CAC446F7-2614-4882-B18C-5167B9895084}" presName="sibTrans" presStyleCnt="0"/>
+      <dgm:spPr/>
+    </dgm:pt>
+    <dgm:pt modelId="{648F1163-F98B-428B-A27F-68C19EAF673A}" type="pres">
+      <dgm:prSet presAssocID="{0F1FC077-4E62-4BA2-A576-C38356F566E7}" presName="compNode" presStyleCnt="0"/>
+      <dgm:spPr/>
+    </dgm:pt>
+    <dgm:pt modelId="{C9341E27-BA57-4FD5-A235-F80D5C9C25E7}" type="pres">
+      <dgm:prSet presAssocID="{0F1FC077-4E62-4BA2-A576-C38356F566E7}" presName="bgRect" presStyleLbl="bgShp" presStyleIdx="1" presStyleCnt="4"/>
+      <dgm:spPr/>
+    </dgm:pt>
+    <dgm:pt modelId="{323991F6-0FD3-4AEF-909D-FE77458AA02B}" type="pres">
+      <dgm:prSet presAssocID="{0F1FC077-4E62-4BA2-A576-C38356F566E7}" presName="iconRect" presStyleLbl="node1" presStyleIdx="1" presStyleCnt="4"/>
+      <dgm:spPr>
+        <a:blipFill>
+          <a:blip xmlns:r="http://schemas.openxmlformats.org/officeDocument/2006/relationships" r:embed="rId3">
+            <a:extLst>
+              <a:ext uri="{28A0092B-C50C-407E-A947-70E740481C1C}">
+                <a14:useLocalDpi xmlns:a14="http://schemas.microsoft.com/office/drawing/2010/main" val="0"/>
+              </a:ext>
+              <a:ext uri="{96DAC541-7B7A-43D3-8B79-37D633B846F1}">
+                <asvg:svgBlip xmlns:asvg="http://schemas.microsoft.com/office/drawing/2016/SVG/main" r:embed="rId4"/>
+              </a:ext>
+            </a:extLst>
+          </a:blip>
+          <a:stretch>
+            <a:fillRect/>
+          </a:stretch>
+        </a:blipFill>
+      </dgm:spPr>
+      <dgm:extLst>
+        <a:ext uri="{E40237B7-FDA0-4F09-8148-C483321AD2D9}">
+          <dgm14:cNvPr xmlns:dgm14="http://schemas.microsoft.com/office/drawing/2010/diagram" id="0" name="" descr="Database"/>
+        </a:ext>
+      </dgm:extLst>
+    </dgm:pt>
+    <dgm:pt modelId="{E37B9E69-A4C8-4659-93DF-34E1CDD63149}" type="pres">
+      <dgm:prSet presAssocID="{0F1FC077-4E62-4BA2-A576-C38356F566E7}" presName="spaceRect" presStyleCnt="0"/>
+      <dgm:spPr/>
+    </dgm:pt>
+    <dgm:pt modelId="{1113097F-8286-4866-9FA1-188EF0B4384F}" type="pres">
+      <dgm:prSet presAssocID="{0F1FC077-4E62-4BA2-A576-C38356F566E7}" presName="parTx" presStyleLbl="revTx" presStyleIdx="1" presStyleCnt="4">
+        <dgm:presLayoutVars>
+          <dgm:chMax val="0"/>
+          <dgm:chPref val="0"/>
+        </dgm:presLayoutVars>
+      </dgm:prSet>
+      <dgm:spPr/>
+    </dgm:pt>
+    <dgm:pt modelId="{8A6C9506-4D80-4013-86E4-B141BE0D70D1}" type="pres">
+      <dgm:prSet presAssocID="{94603B03-5CC6-4EC8-AE5C-8E91CBD00880}" presName="sibTrans" presStyleCnt="0"/>
+      <dgm:spPr/>
+    </dgm:pt>
+    <dgm:pt modelId="{250835C9-5851-48AC-BB0E-24C9DE4F836A}" type="pres">
+      <dgm:prSet presAssocID="{CAD20D16-2E89-465A-8E0B-F1F5E0AD054C}" presName="compNode" presStyleCnt="0"/>
+      <dgm:spPr/>
+    </dgm:pt>
+    <dgm:pt modelId="{803084E2-0222-461F-8694-C701A78DC100}" type="pres">
+      <dgm:prSet presAssocID="{CAD20D16-2E89-465A-8E0B-F1F5E0AD054C}" presName="bgRect" presStyleLbl="bgShp" presStyleIdx="2" presStyleCnt="4"/>
+      <dgm:spPr/>
+    </dgm:pt>
+    <dgm:pt modelId="{396F414C-B603-47F7-8093-170A68E40FB3}" type="pres">
+      <dgm:prSet presAssocID="{CAD20D16-2E89-465A-8E0B-F1F5E0AD054C}" presName="iconRect" presStyleLbl="node1" presStyleIdx="2" presStyleCnt="4"/>
+      <dgm:spPr>
+        <a:blipFill>
+          <a:blip xmlns:r="http://schemas.openxmlformats.org/officeDocument/2006/relationships" r:embed="rId5">
+            <a:extLst>
+              <a:ext uri="{28A0092B-C50C-407E-A947-70E740481C1C}">
+                <a14:useLocalDpi xmlns:a14="http://schemas.microsoft.com/office/drawing/2010/main" val="0"/>
+              </a:ext>
+              <a:ext uri="{96DAC541-7B7A-43D3-8B79-37D633B846F1}">
+                <asvg:svgBlip xmlns:asvg="http://schemas.microsoft.com/office/drawing/2016/SVG/main" r:embed="rId6"/>
+              </a:ext>
+            </a:extLst>
+          </a:blip>
+          <a:stretch>
+            <a:fillRect/>
+          </a:stretch>
+        </a:blipFill>
+      </dgm:spPr>
+      <dgm:extLst>
+        <a:ext uri="{E40237B7-FDA0-4F09-8148-C483321AD2D9}">
+          <dgm14:cNvPr xmlns:dgm14="http://schemas.microsoft.com/office/drawing/2010/diagram" id="0" name="" descr="Merman"/>
+        </a:ext>
+      </dgm:extLst>
+    </dgm:pt>
+    <dgm:pt modelId="{4B2570CC-0208-4253-9161-BEEA3BFC07D4}" type="pres">
+      <dgm:prSet presAssocID="{CAD20D16-2E89-465A-8E0B-F1F5E0AD054C}" presName="spaceRect" presStyleCnt="0"/>
+      <dgm:spPr/>
+    </dgm:pt>
+    <dgm:pt modelId="{6FE9D9C9-9FBC-4986-A149-6E6BD1194598}" type="pres">
+      <dgm:prSet presAssocID="{CAD20D16-2E89-465A-8E0B-F1F5E0AD054C}" presName="parTx" presStyleLbl="revTx" presStyleIdx="2" presStyleCnt="4">
+        <dgm:presLayoutVars>
+          <dgm:chMax val="0"/>
+          <dgm:chPref val="0"/>
+        </dgm:presLayoutVars>
+      </dgm:prSet>
+      <dgm:spPr/>
+    </dgm:pt>
+    <dgm:pt modelId="{EBB882C7-BFD7-49F1-8764-D25E1AD115E5}" type="pres">
+      <dgm:prSet presAssocID="{F23538AE-7DFC-4F6F-B3DB-A983486C513D}" presName="sibTrans" presStyleCnt="0"/>
+      <dgm:spPr/>
+    </dgm:pt>
+    <dgm:pt modelId="{D7B98488-EA1E-40E7-8AF1-3905DA519B64}" type="pres">
+      <dgm:prSet presAssocID="{7D8462CF-3B7B-4542-BAB5-025A53AFF86C}" presName="compNode" presStyleCnt="0"/>
+      <dgm:spPr/>
+    </dgm:pt>
+    <dgm:pt modelId="{97091167-7C3E-41E2-8B3E-D89FBEBD996B}" type="pres">
+      <dgm:prSet presAssocID="{7D8462CF-3B7B-4542-BAB5-025A53AFF86C}" presName="bgRect" presStyleLbl="bgShp" presStyleIdx="3" presStyleCnt="4"/>
+      <dgm:spPr/>
+    </dgm:pt>
+    <dgm:pt modelId="{59A74B30-8D25-4D7C-BFAD-62104C889FAF}" type="pres">
+      <dgm:prSet presAssocID="{7D8462CF-3B7B-4542-BAB5-025A53AFF86C}" presName="iconRect" presStyleLbl="node1" presStyleIdx="3" presStyleCnt="4"/>
+      <dgm:spPr>
+        <a:blipFill>
+          <a:blip xmlns:r="http://schemas.openxmlformats.org/officeDocument/2006/relationships" r:embed="rId7">
+            <a:extLst>
+              <a:ext uri="{28A0092B-C50C-407E-A947-70E740481C1C}">
+                <a14:useLocalDpi xmlns:a14="http://schemas.microsoft.com/office/drawing/2010/main" val="0"/>
+              </a:ext>
+              <a:ext uri="{96DAC541-7B7A-43D3-8B79-37D633B846F1}">
+                <asvg:svgBlip xmlns:asvg="http://schemas.microsoft.com/office/drawing/2016/SVG/main" r:embed="rId8"/>
+              </a:ext>
+            </a:extLst>
+          </a:blip>
+          <a:srcRect/>
+          <a:stretch>
+            <a:fillRect/>
+          </a:stretch>
+        </a:blipFill>
+      </dgm:spPr>
+      <dgm:extLst>
+        <a:ext uri="{E40237B7-FDA0-4F09-8148-C483321AD2D9}">
+          <dgm14:cNvPr xmlns:dgm14="http://schemas.microsoft.com/office/drawing/2010/diagram" id="0" name="" descr="Controlelijst"/>
+        </a:ext>
+      </dgm:extLst>
+    </dgm:pt>
+    <dgm:pt modelId="{38B3C4C3-0AED-4C16-8726-E3A233341CD2}" type="pres">
+      <dgm:prSet presAssocID="{7D8462CF-3B7B-4542-BAB5-025A53AFF86C}" presName="spaceRect" presStyleCnt="0"/>
+      <dgm:spPr/>
+    </dgm:pt>
+    <dgm:pt modelId="{23B31B11-39E1-4E1B-8C19-90ABBD6529DB}" type="pres">
+      <dgm:prSet presAssocID="{7D8462CF-3B7B-4542-BAB5-025A53AFF86C}" presName="parTx" presStyleLbl="revTx" presStyleIdx="3" presStyleCnt="4">
+        <dgm:presLayoutVars>
+          <dgm:chMax val="0"/>
+          <dgm:chPref val="0"/>
+        </dgm:presLayoutVars>
+      </dgm:prSet>
+      <dgm:spPr/>
+    </dgm:pt>
+  </dgm:ptLst>
+  <dgm:cxnLst>
+    <dgm:cxn modelId="{7D93BF22-14BE-485E-B23D-F535FCDB2AFD}" type="presOf" srcId="{7D8462CF-3B7B-4542-BAB5-025A53AFF86C}" destId="{23B31B11-39E1-4E1B-8C19-90ABBD6529DB}" srcOrd="0" destOrd="0" presId="urn:microsoft.com/office/officeart/2018/2/layout/IconVerticalSolidList"/>
+    <dgm:cxn modelId="{939CBF35-056C-4475-83B5-DBE58FFBFE2F}" type="presOf" srcId="{0F1FC077-4E62-4BA2-A576-C38356F566E7}" destId="{1113097F-8286-4866-9FA1-188EF0B4384F}" srcOrd="0" destOrd="0" presId="urn:microsoft.com/office/officeart/2018/2/layout/IconVerticalSolidList"/>
+    <dgm:cxn modelId="{DCEFDD69-0F17-4FF1-8930-0A67E076C857}" type="presOf" srcId="{CAD20D16-2E89-465A-8E0B-F1F5E0AD054C}" destId="{6FE9D9C9-9FBC-4986-A149-6E6BD1194598}" srcOrd="0" destOrd="0" presId="urn:microsoft.com/office/officeart/2018/2/layout/IconVerticalSolidList"/>
+    <dgm:cxn modelId="{95C3016A-B5C0-4D77-8341-9D47F307E021}" srcId="{EE295329-73FA-4183-83AE-C8827464C62F}" destId="{0F1FC077-4E62-4BA2-A576-C38356F566E7}" srcOrd="1" destOrd="0" parTransId="{72307CBB-FA7B-4B12-861A-A59D2CB5B967}" sibTransId="{94603B03-5CC6-4EC8-AE5C-8E91CBD00880}"/>
+    <dgm:cxn modelId="{80D9276A-56F4-487A-BB52-6A61DEBAFC8B}" srcId="{EE295329-73FA-4183-83AE-C8827464C62F}" destId="{7D8462CF-3B7B-4542-BAB5-025A53AFF86C}" srcOrd="3" destOrd="0" parTransId="{A0FA1C71-BCD9-4C94-A650-3E431798B119}" sibTransId="{99BF663E-5875-408C-BED1-31E2873EABE3}"/>
+    <dgm:cxn modelId="{6E73657F-D4CD-4B71-904F-3BDFDEF59574}" srcId="{EE295329-73FA-4183-83AE-C8827464C62F}" destId="{2D522400-51F0-4F64-ADB6-1ED84E001BDF}" srcOrd="0" destOrd="0" parTransId="{94F6118B-289D-414F-B37C-8F8155D17127}" sibTransId="{CAC446F7-2614-4882-B18C-5167B9895084}"/>
+    <dgm:cxn modelId="{710F4BAD-1E1A-4137-A044-042D243AAEA5}" type="presOf" srcId="{EE295329-73FA-4183-83AE-C8827464C62F}" destId="{E284572E-7C5C-42A3-996B-C4FB24F66E86}" srcOrd="0" destOrd="0" presId="urn:microsoft.com/office/officeart/2018/2/layout/IconVerticalSolidList"/>
+    <dgm:cxn modelId="{77A0F0B9-E9A2-44D4-BE7A-9E807617A880}" srcId="{EE295329-73FA-4183-83AE-C8827464C62F}" destId="{CAD20D16-2E89-465A-8E0B-F1F5E0AD054C}" srcOrd="2" destOrd="0" parTransId="{286F284A-4EFD-49BA-8B65-DD53287A4129}" sibTransId="{F23538AE-7DFC-4F6F-B3DB-A983486C513D}"/>
+    <dgm:cxn modelId="{F73014F3-3436-4391-B264-C7F2EDB104D1}" type="presOf" srcId="{2D522400-51F0-4F64-ADB6-1ED84E001BDF}" destId="{187F0D29-D0B3-4E23-BF3E-69E93A2A51A6}" srcOrd="0" destOrd="0" presId="urn:microsoft.com/office/officeart/2018/2/layout/IconVerticalSolidList"/>
+    <dgm:cxn modelId="{B39A3D38-8176-45BE-9CB0-9E92B8A22594}" type="presParOf" srcId="{E284572E-7C5C-42A3-996B-C4FB24F66E86}" destId="{95C30BBC-0D25-45EA-A34C-06FF8302AC15}" srcOrd="0" destOrd="0" presId="urn:microsoft.com/office/officeart/2018/2/layout/IconVerticalSolidList"/>
+    <dgm:cxn modelId="{17EA3E89-5BE8-46FB-AEBE-AD3D2F4ABAE5}" type="presParOf" srcId="{95C30BBC-0D25-45EA-A34C-06FF8302AC15}" destId="{1C52C9CA-1F53-48A1-8AC9-C1C9ACADE282}" srcOrd="0" destOrd="0" presId="urn:microsoft.com/office/officeart/2018/2/layout/IconVerticalSolidList"/>
+    <dgm:cxn modelId="{D6417F80-44D4-4141-9139-CC538EB3BF78}" type="presParOf" srcId="{95C30BBC-0D25-45EA-A34C-06FF8302AC15}" destId="{89498EDD-D6B1-4A0E-AE20-44F7A13E1B9B}" srcOrd="1" destOrd="0" presId="urn:microsoft.com/office/officeart/2018/2/layout/IconVerticalSolidList"/>
+    <dgm:cxn modelId="{2DEB9A13-22D8-4684-80A1-4AD382BECA34}" type="presParOf" srcId="{95C30BBC-0D25-45EA-A34C-06FF8302AC15}" destId="{3648707F-EAAA-45E3-ADE3-8237AF520181}" srcOrd="2" destOrd="0" presId="urn:microsoft.com/office/officeart/2018/2/layout/IconVerticalSolidList"/>
+    <dgm:cxn modelId="{B4026BF6-8DC8-44E6-9C4A-2CEA18FD76F5}" type="presParOf" srcId="{95C30BBC-0D25-45EA-A34C-06FF8302AC15}" destId="{187F0D29-D0B3-4E23-BF3E-69E93A2A51A6}" srcOrd="3" destOrd="0" presId="urn:microsoft.com/office/officeart/2018/2/layout/IconVerticalSolidList"/>
+    <dgm:cxn modelId="{8BE8BA15-8629-450F-87C6-ED7E68525767}" type="presParOf" srcId="{E284572E-7C5C-42A3-996B-C4FB24F66E86}" destId="{ED2514D9-F771-4BA7-87DF-6D9AECD1D915}" srcOrd="1" destOrd="0" presId="urn:microsoft.com/office/officeart/2018/2/layout/IconVerticalSolidList"/>
+    <dgm:cxn modelId="{9969195F-32D3-437E-A36E-068E0E21C044}" type="presParOf" srcId="{E284572E-7C5C-42A3-996B-C4FB24F66E86}" destId="{648F1163-F98B-428B-A27F-68C19EAF673A}" srcOrd="2" destOrd="0" presId="urn:microsoft.com/office/officeart/2018/2/layout/IconVerticalSolidList"/>
+    <dgm:cxn modelId="{6AE1D5F7-CB13-49D6-A355-D433409F3DB1}" type="presParOf" srcId="{648F1163-F98B-428B-A27F-68C19EAF673A}" destId="{C9341E27-BA57-4FD5-A235-F80D5C9C25E7}" srcOrd="0" destOrd="0" presId="urn:microsoft.com/office/officeart/2018/2/layout/IconVerticalSolidList"/>
+    <dgm:cxn modelId="{FD61CE3C-4F17-4D5B-A4EF-8A4C97E04AE2}" type="presParOf" srcId="{648F1163-F98B-428B-A27F-68C19EAF673A}" destId="{323991F6-0FD3-4AEF-909D-FE77458AA02B}" srcOrd="1" destOrd="0" presId="urn:microsoft.com/office/officeart/2018/2/layout/IconVerticalSolidList"/>
+    <dgm:cxn modelId="{2AAB94DD-35D0-47D8-AF66-4815E158601D}" type="presParOf" srcId="{648F1163-F98B-428B-A27F-68C19EAF673A}" destId="{E37B9E69-A4C8-4659-93DF-34E1CDD63149}" srcOrd="2" destOrd="0" presId="urn:microsoft.com/office/officeart/2018/2/layout/IconVerticalSolidList"/>
+    <dgm:cxn modelId="{8283551B-90F4-4BE3-BFEB-28BA257B48BC}" type="presParOf" srcId="{648F1163-F98B-428B-A27F-68C19EAF673A}" destId="{1113097F-8286-4866-9FA1-188EF0B4384F}" srcOrd="3" destOrd="0" presId="urn:microsoft.com/office/officeart/2018/2/layout/IconVerticalSolidList"/>
+    <dgm:cxn modelId="{8729EB31-E767-4659-8993-714B62614E44}" type="presParOf" srcId="{E284572E-7C5C-42A3-996B-C4FB24F66E86}" destId="{8A6C9506-4D80-4013-86E4-B141BE0D70D1}" srcOrd="3" destOrd="0" presId="urn:microsoft.com/office/officeart/2018/2/layout/IconVerticalSolidList"/>
+    <dgm:cxn modelId="{2D0A5B7B-CA49-4083-8628-1BEF14BD3285}" type="presParOf" srcId="{E284572E-7C5C-42A3-996B-C4FB24F66E86}" destId="{250835C9-5851-48AC-BB0E-24C9DE4F836A}" srcOrd="4" destOrd="0" presId="urn:microsoft.com/office/officeart/2018/2/layout/IconVerticalSolidList"/>
+    <dgm:cxn modelId="{93FC6B44-A617-48AD-B4AE-D023B3A979D3}" type="presParOf" srcId="{250835C9-5851-48AC-BB0E-24C9DE4F836A}" destId="{803084E2-0222-461F-8694-C701A78DC100}" srcOrd="0" destOrd="0" presId="urn:microsoft.com/office/officeart/2018/2/layout/IconVerticalSolidList"/>
+    <dgm:cxn modelId="{D84FB3BC-0656-4CB5-AB15-14579257C25A}" type="presParOf" srcId="{250835C9-5851-48AC-BB0E-24C9DE4F836A}" destId="{396F414C-B603-47F7-8093-170A68E40FB3}" srcOrd="1" destOrd="0" presId="urn:microsoft.com/office/officeart/2018/2/layout/IconVerticalSolidList"/>
+    <dgm:cxn modelId="{02DFBAB9-C37B-49F1-8ECA-07D72ADC1D0A}" type="presParOf" srcId="{250835C9-5851-48AC-BB0E-24C9DE4F836A}" destId="{4B2570CC-0208-4253-9161-BEEA3BFC07D4}" srcOrd="2" destOrd="0" presId="urn:microsoft.com/office/officeart/2018/2/layout/IconVerticalSolidList"/>
+    <dgm:cxn modelId="{741E39EC-8AC0-4F81-9F92-17024279DCB4}" type="presParOf" srcId="{250835C9-5851-48AC-BB0E-24C9DE4F836A}" destId="{6FE9D9C9-9FBC-4986-A149-6E6BD1194598}" srcOrd="3" destOrd="0" presId="urn:microsoft.com/office/officeart/2018/2/layout/IconVerticalSolidList"/>
+    <dgm:cxn modelId="{48BF1B40-3CA1-4FEC-A9DC-C2AF73A096BC}" type="presParOf" srcId="{E284572E-7C5C-42A3-996B-C4FB24F66E86}" destId="{EBB882C7-BFD7-49F1-8764-D25E1AD115E5}" srcOrd="5" destOrd="0" presId="urn:microsoft.com/office/officeart/2018/2/layout/IconVerticalSolidList"/>
+    <dgm:cxn modelId="{E4F2CF8F-6B12-4A75-B99A-5F0F7D1DAF61}" type="presParOf" srcId="{E284572E-7C5C-42A3-996B-C4FB24F66E86}" destId="{D7B98488-EA1E-40E7-8AF1-3905DA519B64}" srcOrd="6" destOrd="0" presId="urn:microsoft.com/office/officeart/2018/2/layout/IconVerticalSolidList"/>
+    <dgm:cxn modelId="{4F2C8792-BA0F-4BE7-8B51-FB21E9FF094F}" type="presParOf" srcId="{D7B98488-EA1E-40E7-8AF1-3905DA519B64}" destId="{97091167-7C3E-41E2-8B3E-D89FBEBD996B}" srcOrd="0" destOrd="0" presId="urn:microsoft.com/office/officeart/2018/2/layout/IconVerticalSolidList"/>
+    <dgm:cxn modelId="{9606D7C0-8FF0-4648-A376-9EEAEE5421E7}" type="presParOf" srcId="{D7B98488-EA1E-40E7-8AF1-3905DA519B64}" destId="{59A74B30-8D25-4D7C-BFAD-62104C889FAF}" srcOrd="1" destOrd="0" presId="urn:microsoft.com/office/officeart/2018/2/layout/IconVerticalSolidList"/>
+    <dgm:cxn modelId="{E5919CAD-AA55-439B-80BA-5152596D1F14}" type="presParOf" srcId="{D7B98488-EA1E-40E7-8AF1-3905DA519B64}" destId="{38B3C4C3-0AED-4C16-8726-E3A233341CD2}" srcOrd="2" destOrd="0" presId="urn:microsoft.com/office/officeart/2018/2/layout/IconVerticalSolidList"/>
+    <dgm:cxn modelId="{F8D80BBF-0D3F-49B0-AD48-B14F28619126}" type="presParOf" srcId="{D7B98488-EA1E-40E7-8AF1-3905DA519B64}" destId="{23B31B11-39E1-4E1B-8C19-90ABBD6529DB}" srcOrd="3" destOrd="0" presId="urn:microsoft.com/office/officeart/2018/2/layout/IconVerticalSolidList"/>
+  </dgm:cxnLst>
+  <dgm:bg/>
+  <dgm:whole/>
+  <dgm:extLst>
+    <a:ext uri="http://schemas.microsoft.com/office/drawing/2008/diagram">
+      <dsp:dataModelExt xmlns:dsp="http://schemas.microsoft.com/office/drawing/2008/diagram" relId="rId7" minVer="http://schemas.openxmlformats.org/drawingml/2006/diagram"/>
+    </a:ext>
+  </dgm:extLst>
+</dgm:dataModel>
+</file>
+
+<file path=ppt/diagrams/data3.xml><?xml version="1.0" encoding="utf-8"?>
+<dgm:dataModel xmlns:dgm="http://schemas.openxmlformats.org/drawingml/2006/diagram" xmlns:a="http://schemas.openxmlformats.org/drawingml/2006/main">
+  <dgm:ptLst>
     <dgm:pt modelId="{35D7DDEA-D9B9-409B-93A2-333CC9BA8152}" type="doc">
       <dgm:prSet loTypeId="urn:microsoft.com/office/officeart/2018/2/layout/IconVerticalSolidList" loCatId="icon" qsTypeId="urn:microsoft.com/office/officeart/2005/8/quickstyle/simple1" qsCatId="simple" csTypeId="urn:microsoft.com/office/officeart/2018/5/colors/Iconchunking_neutralbg_colorful5" csCatId="colorful" phldr="1"/>
       <dgm:spPr/>
@@ -4437,7 +6592,7 @@
 </dgm:dataModel>
 </file>
 
-<file path=ppt/diagrams/data3.xml><?xml version="1.0" encoding="utf-8"?>
+<file path=ppt/diagrams/data4.xml><?xml version="1.0" encoding="utf-8"?>
 <dgm:dataModel xmlns:dgm="http://schemas.openxmlformats.org/drawingml/2006/diagram" xmlns:a="http://schemas.openxmlformats.org/drawingml/2006/main">
   <dgm:ptLst>
     <dgm:pt modelId="{EE295329-73FA-4183-83AE-C8827464C62F}" type="doc">
@@ -5155,7 +7310,356 @@
 </dgm:dataModel>
 </file>
 
-<file path=ppt/diagrams/data4.xml><?xml version="1.0" encoding="utf-8"?>
+<file path=ppt/diagrams/data5.xml><?xml version="1.0" encoding="utf-8"?>
+<dgm:dataModel xmlns:dgm="http://schemas.openxmlformats.org/drawingml/2006/diagram" xmlns:a="http://schemas.openxmlformats.org/drawingml/2006/main">
+  <dgm:ptLst>
+    <dgm:pt modelId="{35D7DDEA-D9B9-409B-93A2-333CC9BA8152}" type="doc">
+      <dgm:prSet loTypeId="urn:microsoft.com/office/officeart/2018/2/layout/IconVerticalSolidList" loCatId="icon" qsTypeId="urn:microsoft.com/office/officeart/2005/8/quickstyle/simple1" qsCatId="simple" csTypeId="urn:microsoft.com/office/officeart/2018/5/colors/Iconchunking_neutralbg_colorful5" csCatId="colorful" phldr="1"/>
+      <dgm:spPr/>
+      <dgm:t>
+        <a:bodyPr/>
+        <a:lstStyle/>
+        <a:p>
+          <a:endParaRPr lang="en-US"/>
+        </a:p>
+      </dgm:t>
+    </dgm:pt>
+    <dgm:pt modelId="{A741B5F3-49DB-4E04-96A1-55D40E246153}">
+      <dgm:prSet/>
+      <dgm:spPr/>
+      <dgm:t>
+        <a:bodyPr/>
+        <a:lstStyle/>
+        <a:p>
+          <a:pPr>
+            <a:lnSpc>
+              <a:spcPct val="100000"/>
+            </a:lnSpc>
+          </a:pPr>
+          <a:r>
+            <a:rPr lang="nl-NL" dirty="0"/>
+            <a:t>Gemeente</a:t>
+          </a:r>
+          <a:endParaRPr lang="en-US" dirty="0"/>
+        </a:p>
+      </dgm:t>
+    </dgm:pt>
+    <dgm:pt modelId="{AAA313AB-51F8-4A86-83C4-13D5F624767A}" type="parTrans" cxnId="{D4B520BD-C47A-488B-A49E-32154B939C34}">
+      <dgm:prSet/>
+      <dgm:spPr/>
+      <dgm:t>
+        <a:bodyPr/>
+        <a:lstStyle/>
+        <a:p>
+          <a:endParaRPr lang="en-US"/>
+        </a:p>
+      </dgm:t>
+    </dgm:pt>
+    <dgm:pt modelId="{31462069-2AB3-4C06-9515-A8C832A46072}" type="sibTrans" cxnId="{D4B520BD-C47A-488B-A49E-32154B939C34}">
+      <dgm:prSet/>
+      <dgm:spPr/>
+      <dgm:t>
+        <a:bodyPr/>
+        <a:lstStyle/>
+        <a:p>
+          <a:endParaRPr lang="en-US"/>
+        </a:p>
+      </dgm:t>
+    </dgm:pt>
+    <dgm:pt modelId="{62580BA1-5AF7-4A8F-A3EE-FD101FC9E320}">
+      <dgm:prSet/>
+      <dgm:spPr/>
+      <dgm:t>
+        <a:bodyPr/>
+        <a:lstStyle/>
+        <a:p>
+          <a:pPr>
+            <a:lnSpc>
+              <a:spcPct val="100000"/>
+            </a:lnSpc>
+          </a:pPr>
+          <a:r>
+            <a:rPr lang="en-US" dirty="0" err="1"/>
+            <a:t>Technologie</a:t>
+          </a:r>
+          <a:endParaRPr lang="en-US" dirty="0"/>
+        </a:p>
+      </dgm:t>
+    </dgm:pt>
+    <dgm:pt modelId="{6D8A30A2-9164-48B8-9FAD-BF1CE2E69567}" type="parTrans" cxnId="{AE6A685C-83ED-4FE9-8005-029EC84344DB}">
+      <dgm:prSet/>
+      <dgm:spPr/>
+      <dgm:t>
+        <a:bodyPr/>
+        <a:lstStyle/>
+        <a:p>
+          <a:endParaRPr lang="en-US"/>
+        </a:p>
+      </dgm:t>
+    </dgm:pt>
+    <dgm:pt modelId="{E2BC9691-81A4-4E99-B629-39AA4E2007B9}" type="sibTrans" cxnId="{AE6A685C-83ED-4FE9-8005-029EC84344DB}">
+      <dgm:prSet/>
+      <dgm:spPr/>
+      <dgm:t>
+        <a:bodyPr/>
+        <a:lstStyle/>
+        <a:p>
+          <a:endParaRPr lang="en-US"/>
+        </a:p>
+      </dgm:t>
+    </dgm:pt>
+    <dgm:pt modelId="{1571D9BB-FE5D-4B68-8C53-CA405EAA5CDE}">
+      <dgm:prSet/>
+      <dgm:spPr/>
+      <dgm:t>
+        <a:bodyPr/>
+        <a:lstStyle/>
+        <a:p>
+          <a:pPr>
+            <a:lnSpc>
+              <a:spcPct val="100000"/>
+            </a:lnSpc>
+          </a:pPr>
+          <a:r>
+            <a:rPr lang="nl-NL"/>
+            <a:t>Bedrijven</a:t>
+          </a:r>
+          <a:endParaRPr lang="en-US"/>
+        </a:p>
+        <a:p>
+          <a:pPr>
+            <a:lnSpc>
+              <a:spcPct val="100000"/>
+            </a:lnSpc>
+          </a:pPr>
+          <a:endParaRPr lang="en-US" dirty="0"/>
+        </a:p>
+      </dgm:t>
+    </dgm:pt>
+    <dgm:pt modelId="{1B69A660-5A97-4EE7-B28C-31DAAD107DCD}" type="parTrans" cxnId="{55FB0F3D-3F90-45DA-B53D-90323F9659CF}">
+      <dgm:prSet/>
+      <dgm:spPr/>
+      <dgm:t>
+        <a:bodyPr/>
+        <a:lstStyle/>
+        <a:p>
+          <a:endParaRPr lang="en-US"/>
+        </a:p>
+      </dgm:t>
+    </dgm:pt>
+    <dgm:pt modelId="{3418A684-4638-430E-9EB3-DC254648EB3C}" type="sibTrans" cxnId="{55FB0F3D-3F90-45DA-B53D-90323F9659CF}">
+      <dgm:prSet/>
+      <dgm:spPr/>
+      <dgm:t>
+        <a:bodyPr/>
+        <a:lstStyle/>
+        <a:p>
+          <a:endParaRPr lang="en-US"/>
+        </a:p>
+      </dgm:t>
+    </dgm:pt>
+    <dgm:pt modelId="{4086738E-5663-4E19-8C4D-1D05E20A5C4B}" type="pres">
+      <dgm:prSet presAssocID="{35D7DDEA-D9B9-409B-93A2-333CC9BA8152}" presName="root" presStyleCnt="0">
+        <dgm:presLayoutVars>
+          <dgm:dir/>
+          <dgm:resizeHandles val="exact"/>
+        </dgm:presLayoutVars>
+      </dgm:prSet>
+      <dgm:spPr/>
+    </dgm:pt>
+    <dgm:pt modelId="{FD4F2044-0A5C-4720-8996-5A084ADADD71}" type="pres">
+      <dgm:prSet presAssocID="{A741B5F3-49DB-4E04-96A1-55D40E246153}" presName="compNode" presStyleCnt="0"/>
+      <dgm:spPr/>
+    </dgm:pt>
+    <dgm:pt modelId="{1E45BAF5-2154-4B09-81FA-337BD77F2A66}" type="pres">
+      <dgm:prSet presAssocID="{A741B5F3-49DB-4E04-96A1-55D40E246153}" presName="bgRect" presStyleLbl="bgShp" presStyleIdx="0" presStyleCnt="3"/>
+      <dgm:spPr/>
+    </dgm:pt>
+    <dgm:pt modelId="{8D690C55-ABAC-4451-AD9F-218CA2FED414}" type="pres">
+      <dgm:prSet presAssocID="{A741B5F3-49DB-4E04-96A1-55D40E246153}" presName="iconRect" presStyleLbl="node1" presStyleIdx="0" presStyleCnt="3"/>
+      <dgm:spPr>
+        <a:blipFill>
+          <a:blip xmlns:r="http://schemas.openxmlformats.org/officeDocument/2006/relationships" r:embed="rId1">
+            <a:extLst>
+              <a:ext uri="{28A0092B-C50C-407E-A947-70E740481C1C}">
+                <a14:useLocalDpi xmlns:a14="http://schemas.microsoft.com/office/drawing/2010/main" val="0"/>
+              </a:ext>
+              <a:ext uri="{96DAC541-7B7A-43D3-8B79-37D633B846F1}">
+                <asvg:svgBlip xmlns:asvg="http://schemas.microsoft.com/office/drawing/2016/SVG/main" r:embed="rId2"/>
+              </a:ext>
+            </a:extLst>
+          </a:blip>
+          <a:stretch>
+            <a:fillRect/>
+          </a:stretch>
+        </a:blipFill>
+        <a:ln>
+          <a:noFill/>
+        </a:ln>
+      </dgm:spPr>
+      <dgm:extLst>
+        <a:ext uri="{E40237B7-FDA0-4F09-8148-C483321AD2D9}">
+          <dgm14:cNvPr xmlns:dgm14="http://schemas.microsoft.com/office/drawing/2010/diagram" id="0" name="" descr="Questions"/>
+        </a:ext>
+      </dgm:extLst>
+    </dgm:pt>
+    <dgm:pt modelId="{154D76E0-8B39-45FE-94FB-3415EC589526}" type="pres">
+      <dgm:prSet presAssocID="{A741B5F3-49DB-4E04-96A1-55D40E246153}" presName="spaceRect" presStyleCnt="0"/>
+      <dgm:spPr/>
+    </dgm:pt>
+    <dgm:pt modelId="{511A53D9-04E3-4071-A301-032C5661BFA2}" type="pres">
+      <dgm:prSet presAssocID="{A741B5F3-49DB-4E04-96A1-55D40E246153}" presName="parTx" presStyleLbl="revTx" presStyleIdx="0" presStyleCnt="3">
+        <dgm:presLayoutVars>
+          <dgm:chMax val="0"/>
+          <dgm:chPref val="0"/>
+        </dgm:presLayoutVars>
+      </dgm:prSet>
+      <dgm:spPr/>
+    </dgm:pt>
+    <dgm:pt modelId="{D6479501-D4A9-4A2D-81A0-3587951C6752}" type="pres">
+      <dgm:prSet presAssocID="{31462069-2AB3-4C06-9515-A8C832A46072}" presName="sibTrans" presStyleCnt="0"/>
+      <dgm:spPr/>
+    </dgm:pt>
+    <dgm:pt modelId="{587BB6D6-50FE-499E-A680-75DFEBD1230F}" type="pres">
+      <dgm:prSet presAssocID="{62580BA1-5AF7-4A8F-A3EE-FD101FC9E320}" presName="compNode" presStyleCnt="0"/>
+      <dgm:spPr/>
+    </dgm:pt>
+    <dgm:pt modelId="{767652DF-56B3-432D-BF63-0CFC347AB7BD}" type="pres">
+      <dgm:prSet presAssocID="{62580BA1-5AF7-4A8F-A3EE-FD101FC9E320}" presName="bgRect" presStyleLbl="bgShp" presStyleIdx="1" presStyleCnt="3"/>
+      <dgm:spPr/>
+    </dgm:pt>
+    <dgm:pt modelId="{5B31A7ED-8B8C-489D-B3E7-01893FE0FE5F}" type="pres">
+      <dgm:prSet presAssocID="{62580BA1-5AF7-4A8F-A3EE-FD101FC9E320}" presName="iconRect" presStyleLbl="node1" presStyleIdx="1" presStyleCnt="3"/>
+      <dgm:spPr>
+        <a:blipFill>
+          <a:blip xmlns:r="http://schemas.openxmlformats.org/officeDocument/2006/relationships" r:embed="rId3">
+            <a:extLst>
+              <a:ext uri="{28A0092B-C50C-407E-A947-70E740481C1C}">
+                <a14:useLocalDpi xmlns:a14="http://schemas.microsoft.com/office/drawing/2010/main" val="0"/>
+              </a:ext>
+              <a:ext uri="{96DAC541-7B7A-43D3-8B79-37D633B846F1}">
+                <asvg:svgBlip xmlns:asvg="http://schemas.microsoft.com/office/drawing/2016/SVG/main" r:embed="rId4"/>
+              </a:ext>
+            </a:extLst>
+          </a:blip>
+          <a:stretch>
+            <a:fillRect/>
+          </a:stretch>
+        </a:blipFill>
+        <a:ln>
+          <a:noFill/>
+        </a:ln>
+      </dgm:spPr>
+      <dgm:extLst>
+        <a:ext uri="{E40237B7-FDA0-4F09-8148-C483321AD2D9}">
+          <dgm14:cNvPr xmlns:dgm14="http://schemas.microsoft.com/office/drawing/2010/diagram" id="0" name="" descr="Network"/>
+        </a:ext>
+      </dgm:extLst>
+    </dgm:pt>
+    <dgm:pt modelId="{AFE742D2-9F0E-4882-924D-CEC63D4ED875}" type="pres">
+      <dgm:prSet presAssocID="{62580BA1-5AF7-4A8F-A3EE-FD101FC9E320}" presName="spaceRect" presStyleCnt="0"/>
+      <dgm:spPr/>
+    </dgm:pt>
+    <dgm:pt modelId="{49BAF50C-F2A4-4745-9AAB-68A5EE23863C}" type="pres">
+      <dgm:prSet presAssocID="{62580BA1-5AF7-4A8F-A3EE-FD101FC9E320}" presName="parTx" presStyleLbl="revTx" presStyleIdx="1" presStyleCnt="3">
+        <dgm:presLayoutVars>
+          <dgm:chMax val="0"/>
+          <dgm:chPref val="0"/>
+        </dgm:presLayoutVars>
+      </dgm:prSet>
+      <dgm:spPr/>
+    </dgm:pt>
+    <dgm:pt modelId="{F60EDE7A-4F7A-4635-B31C-87FAF9217F20}" type="pres">
+      <dgm:prSet presAssocID="{E2BC9691-81A4-4E99-B629-39AA4E2007B9}" presName="sibTrans" presStyleCnt="0"/>
+      <dgm:spPr/>
+    </dgm:pt>
+    <dgm:pt modelId="{06A78720-A095-4CE7-BD55-8457F625A505}" type="pres">
+      <dgm:prSet presAssocID="{1571D9BB-FE5D-4B68-8C53-CA405EAA5CDE}" presName="compNode" presStyleCnt="0"/>
+      <dgm:spPr/>
+    </dgm:pt>
+    <dgm:pt modelId="{020700C5-4B70-471F-AD55-523B9E7859A8}" type="pres">
+      <dgm:prSet presAssocID="{1571D9BB-FE5D-4B68-8C53-CA405EAA5CDE}" presName="bgRect" presStyleLbl="bgShp" presStyleIdx="2" presStyleCnt="3"/>
+      <dgm:spPr/>
+    </dgm:pt>
+    <dgm:pt modelId="{F195C9F0-7508-425A-8977-BE96C020D60B}" type="pres">
+      <dgm:prSet presAssocID="{1571D9BB-FE5D-4B68-8C53-CA405EAA5CDE}" presName="iconRect" presStyleLbl="node1" presStyleIdx="2" presStyleCnt="3"/>
+      <dgm:spPr>
+        <a:blipFill>
+          <a:blip xmlns:r="http://schemas.openxmlformats.org/officeDocument/2006/relationships" r:embed="rId5">
+            <a:extLst>
+              <a:ext uri="{28A0092B-C50C-407E-A947-70E740481C1C}">
+                <a14:useLocalDpi xmlns:a14="http://schemas.microsoft.com/office/drawing/2010/main" val="0"/>
+              </a:ext>
+              <a:ext uri="{96DAC541-7B7A-43D3-8B79-37D633B846F1}">
+                <asvg:svgBlip xmlns:asvg="http://schemas.microsoft.com/office/drawing/2016/SVG/main" r:embed="rId6"/>
+              </a:ext>
+            </a:extLst>
+          </a:blip>
+          <a:stretch>
+            <a:fillRect/>
+          </a:stretch>
+        </a:blipFill>
+        <a:ln>
+          <a:noFill/>
+        </a:ln>
+      </dgm:spPr>
+      <dgm:extLst>
+        <a:ext uri="{E40237B7-FDA0-4F09-8148-C483321AD2D9}">
+          <dgm14:cNvPr xmlns:dgm14="http://schemas.microsoft.com/office/drawing/2010/diagram" id="0" name="" descr="Upward trend"/>
+        </a:ext>
+      </dgm:extLst>
+    </dgm:pt>
+    <dgm:pt modelId="{0A85A295-1BE8-4668-8179-D9FDB7A25BA3}" type="pres">
+      <dgm:prSet presAssocID="{1571D9BB-FE5D-4B68-8C53-CA405EAA5CDE}" presName="spaceRect" presStyleCnt="0"/>
+      <dgm:spPr/>
+    </dgm:pt>
+    <dgm:pt modelId="{85235559-500F-4281-A4F8-B2E8F4E6E751}" type="pres">
+      <dgm:prSet presAssocID="{1571D9BB-FE5D-4B68-8C53-CA405EAA5CDE}" presName="parTx" presStyleLbl="revTx" presStyleIdx="2" presStyleCnt="3">
+        <dgm:presLayoutVars>
+          <dgm:chMax val="0"/>
+          <dgm:chPref val="0"/>
+        </dgm:presLayoutVars>
+      </dgm:prSet>
+      <dgm:spPr/>
+    </dgm:pt>
+  </dgm:ptLst>
+  <dgm:cxnLst>
+    <dgm:cxn modelId="{B6E46623-436D-4F76-B036-718564894FB3}" type="presOf" srcId="{62580BA1-5AF7-4A8F-A3EE-FD101FC9E320}" destId="{49BAF50C-F2A4-4745-9AAB-68A5EE23863C}" srcOrd="0" destOrd="0" presId="urn:microsoft.com/office/officeart/2018/2/layout/IconVerticalSolidList"/>
+    <dgm:cxn modelId="{55FB0F3D-3F90-45DA-B53D-90323F9659CF}" srcId="{35D7DDEA-D9B9-409B-93A2-333CC9BA8152}" destId="{1571D9BB-FE5D-4B68-8C53-CA405EAA5CDE}" srcOrd="2" destOrd="0" parTransId="{1B69A660-5A97-4EE7-B28C-31DAAD107DCD}" sibTransId="{3418A684-4638-430E-9EB3-DC254648EB3C}"/>
+    <dgm:cxn modelId="{AE6A685C-83ED-4FE9-8005-029EC84344DB}" srcId="{35D7DDEA-D9B9-409B-93A2-333CC9BA8152}" destId="{62580BA1-5AF7-4A8F-A3EE-FD101FC9E320}" srcOrd="1" destOrd="0" parTransId="{6D8A30A2-9164-48B8-9FAD-BF1CE2E69567}" sibTransId="{E2BC9691-81A4-4E99-B629-39AA4E2007B9}"/>
+    <dgm:cxn modelId="{C9E32C8D-5921-45AB-9C05-FD2FCDC26885}" type="presOf" srcId="{1571D9BB-FE5D-4B68-8C53-CA405EAA5CDE}" destId="{85235559-500F-4281-A4F8-B2E8F4E6E751}" srcOrd="0" destOrd="0" presId="urn:microsoft.com/office/officeart/2018/2/layout/IconVerticalSolidList"/>
+    <dgm:cxn modelId="{D4B520BD-C47A-488B-A49E-32154B939C34}" srcId="{35D7DDEA-D9B9-409B-93A2-333CC9BA8152}" destId="{A741B5F3-49DB-4E04-96A1-55D40E246153}" srcOrd="0" destOrd="0" parTransId="{AAA313AB-51F8-4A86-83C4-13D5F624767A}" sibTransId="{31462069-2AB3-4C06-9515-A8C832A46072}"/>
+    <dgm:cxn modelId="{2CDC69C9-7D48-4F0F-A8D9-C3310CC49045}" type="presOf" srcId="{A741B5F3-49DB-4E04-96A1-55D40E246153}" destId="{511A53D9-04E3-4071-A301-032C5661BFA2}" srcOrd="0" destOrd="0" presId="urn:microsoft.com/office/officeart/2018/2/layout/IconVerticalSolidList"/>
+    <dgm:cxn modelId="{AAA481E7-BBF8-4D8A-83FB-30F0FF7DC3EA}" type="presOf" srcId="{35D7DDEA-D9B9-409B-93A2-333CC9BA8152}" destId="{4086738E-5663-4E19-8C4D-1D05E20A5C4B}" srcOrd="0" destOrd="0" presId="urn:microsoft.com/office/officeart/2018/2/layout/IconVerticalSolidList"/>
+    <dgm:cxn modelId="{6739E4DC-9DA7-4736-B2D0-E144BBBF04F8}" type="presParOf" srcId="{4086738E-5663-4E19-8C4D-1D05E20A5C4B}" destId="{FD4F2044-0A5C-4720-8996-5A084ADADD71}" srcOrd="0" destOrd="0" presId="urn:microsoft.com/office/officeart/2018/2/layout/IconVerticalSolidList"/>
+    <dgm:cxn modelId="{52221FD4-A12F-41F9-A77E-DB2BA15C2F16}" type="presParOf" srcId="{FD4F2044-0A5C-4720-8996-5A084ADADD71}" destId="{1E45BAF5-2154-4B09-81FA-337BD77F2A66}" srcOrd="0" destOrd="0" presId="urn:microsoft.com/office/officeart/2018/2/layout/IconVerticalSolidList"/>
+    <dgm:cxn modelId="{891995E2-CBA5-4AFA-94B5-450D65C67C13}" type="presParOf" srcId="{FD4F2044-0A5C-4720-8996-5A084ADADD71}" destId="{8D690C55-ABAC-4451-AD9F-218CA2FED414}" srcOrd="1" destOrd="0" presId="urn:microsoft.com/office/officeart/2018/2/layout/IconVerticalSolidList"/>
+    <dgm:cxn modelId="{BA9E49EC-E1C2-4178-8341-F7D490F0D9D8}" type="presParOf" srcId="{FD4F2044-0A5C-4720-8996-5A084ADADD71}" destId="{154D76E0-8B39-45FE-94FB-3415EC589526}" srcOrd="2" destOrd="0" presId="urn:microsoft.com/office/officeart/2018/2/layout/IconVerticalSolidList"/>
+    <dgm:cxn modelId="{EAD43007-CD19-412E-BDD3-2F5D78E46A84}" type="presParOf" srcId="{FD4F2044-0A5C-4720-8996-5A084ADADD71}" destId="{511A53D9-04E3-4071-A301-032C5661BFA2}" srcOrd="3" destOrd="0" presId="urn:microsoft.com/office/officeart/2018/2/layout/IconVerticalSolidList"/>
+    <dgm:cxn modelId="{3B6A50D5-4C81-406B-8A6D-62B793D2D87B}" type="presParOf" srcId="{4086738E-5663-4E19-8C4D-1D05E20A5C4B}" destId="{D6479501-D4A9-4A2D-81A0-3587951C6752}" srcOrd="1" destOrd="0" presId="urn:microsoft.com/office/officeart/2018/2/layout/IconVerticalSolidList"/>
+    <dgm:cxn modelId="{6B1C3525-5EE5-47E0-93FD-F816942D5BDD}" type="presParOf" srcId="{4086738E-5663-4E19-8C4D-1D05E20A5C4B}" destId="{587BB6D6-50FE-499E-A680-75DFEBD1230F}" srcOrd="2" destOrd="0" presId="urn:microsoft.com/office/officeart/2018/2/layout/IconVerticalSolidList"/>
+    <dgm:cxn modelId="{5EA3DAF6-0492-4F93-9563-22C1642DB9CF}" type="presParOf" srcId="{587BB6D6-50FE-499E-A680-75DFEBD1230F}" destId="{767652DF-56B3-432D-BF63-0CFC347AB7BD}" srcOrd="0" destOrd="0" presId="urn:microsoft.com/office/officeart/2018/2/layout/IconVerticalSolidList"/>
+    <dgm:cxn modelId="{0378B7F4-9904-435E-B76E-9DCE5D7D1D18}" type="presParOf" srcId="{587BB6D6-50FE-499E-A680-75DFEBD1230F}" destId="{5B31A7ED-8B8C-489D-B3E7-01893FE0FE5F}" srcOrd="1" destOrd="0" presId="urn:microsoft.com/office/officeart/2018/2/layout/IconVerticalSolidList"/>
+    <dgm:cxn modelId="{9685B1FC-404E-40B2-B8C8-7CC7CC6CC3D8}" type="presParOf" srcId="{587BB6D6-50FE-499E-A680-75DFEBD1230F}" destId="{AFE742D2-9F0E-4882-924D-CEC63D4ED875}" srcOrd="2" destOrd="0" presId="urn:microsoft.com/office/officeart/2018/2/layout/IconVerticalSolidList"/>
+    <dgm:cxn modelId="{599DDBB3-32CA-4E62-B8EB-8394DC0002E0}" type="presParOf" srcId="{587BB6D6-50FE-499E-A680-75DFEBD1230F}" destId="{49BAF50C-F2A4-4745-9AAB-68A5EE23863C}" srcOrd="3" destOrd="0" presId="urn:microsoft.com/office/officeart/2018/2/layout/IconVerticalSolidList"/>
+    <dgm:cxn modelId="{DD34620B-F2C8-4EFE-B7D8-F906207D3E02}" type="presParOf" srcId="{4086738E-5663-4E19-8C4D-1D05E20A5C4B}" destId="{F60EDE7A-4F7A-4635-B31C-87FAF9217F20}" srcOrd="3" destOrd="0" presId="urn:microsoft.com/office/officeart/2018/2/layout/IconVerticalSolidList"/>
+    <dgm:cxn modelId="{B38A9668-6074-4337-A76A-CB80ACAB0A1D}" type="presParOf" srcId="{4086738E-5663-4E19-8C4D-1D05E20A5C4B}" destId="{06A78720-A095-4CE7-BD55-8457F625A505}" srcOrd="4" destOrd="0" presId="urn:microsoft.com/office/officeart/2018/2/layout/IconVerticalSolidList"/>
+    <dgm:cxn modelId="{65768203-6174-408B-B4E2-EA22440D4F97}" type="presParOf" srcId="{06A78720-A095-4CE7-BD55-8457F625A505}" destId="{020700C5-4B70-471F-AD55-523B9E7859A8}" srcOrd="0" destOrd="0" presId="urn:microsoft.com/office/officeart/2018/2/layout/IconVerticalSolidList"/>
+    <dgm:cxn modelId="{53C889A1-AAE4-4AB6-ACAE-DAD98267A5C7}" type="presParOf" srcId="{06A78720-A095-4CE7-BD55-8457F625A505}" destId="{F195C9F0-7508-425A-8977-BE96C020D60B}" srcOrd="1" destOrd="0" presId="urn:microsoft.com/office/officeart/2018/2/layout/IconVerticalSolidList"/>
+    <dgm:cxn modelId="{2AA1519E-5C18-4C66-AE18-AA37B39394D9}" type="presParOf" srcId="{06A78720-A095-4CE7-BD55-8457F625A505}" destId="{0A85A295-1BE8-4668-8179-D9FDB7A25BA3}" srcOrd="2" destOrd="0" presId="urn:microsoft.com/office/officeart/2018/2/layout/IconVerticalSolidList"/>
+    <dgm:cxn modelId="{F58E3324-006A-4F4C-9C7E-3C593BD78789}" type="presParOf" srcId="{06A78720-A095-4CE7-BD55-8457F625A505}" destId="{85235559-500F-4281-A4F8-B2E8F4E6E751}" srcOrd="3" destOrd="0" presId="urn:microsoft.com/office/officeart/2018/2/layout/IconVerticalSolidList"/>
+  </dgm:cxnLst>
+  <dgm:bg/>
+  <dgm:whole/>
+  <dgm:extLst>
+    <a:ext uri="http://schemas.microsoft.com/office/drawing/2008/diagram">
+      <dsp:dataModelExt xmlns:dsp="http://schemas.microsoft.com/office/drawing/2008/diagram" relId="rId7" minVer="http://schemas.openxmlformats.org/drawingml/2006/diagram"/>
+    </a:ext>
+  </dgm:extLst>
+</dgm:dataModel>
+</file>
+
+<file path=ppt/diagrams/data6.xml><?xml version="1.0" encoding="utf-8"?>
 <dgm:dataModel xmlns:dgm="http://schemas.openxmlformats.org/drawingml/2006/diagram" xmlns:a="http://schemas.openxmlformats.org/drawingml/2006/main">
   <dgm:ptLst>
     <dgm:pt modelId="{35D7DDEA-D9B9-409B-93A2-333CC9BA8152}" type="doc">
@@ -6469,6 +8973,680 @@
       <dsp:cNvGrpSpPr/>
     </dsp:nvGrpSpPr>
     <dsp:grpSpPr/>
+    <dsp:sp modelId="{1C52C9CA-1F53-48A1-8AC9-C1C9ACADE282}">
+      <dsp:nvSpPr>
+        <dsp:cNvPr id="0" name=""/>
+        <dsp:cNvSpPr/>
+      </dsp:nvSpPr>
+      <dsp:spPr>
+        <a:xfrm>
+          <a:off x="0" y="2442"/>
+          <a:ext cx="6513603" cy="1238008"/>
+        </a:xfrm>
+        <a:prstGeom prst="roundRect">
+          <a:avLst>
+            <a:gd name="adj" fmla="val 10000"/>
+          </a:avLst>
+        </a:prstGeom>
+        <a:solidFill>
+          <a:schemeClr val="bg1">
+            <a:lumMod val="95000"/>
+            <a:hueOff val="0"/>
+            <a:satOff val="0"/>
+            <a:lumOff val="0"/>
+            <a:alphaOff val="0"/>
+          </a:schemeClr>
+        </a:solidFill>
+        <a:ln>
+          <a:noFill/>
+        </a:ln>
+        <a:effectLst/>
+      </dsp:spPr>
+      <dsp:style>
+        <a:lnRef idx="0">
+          <a:scrgbClr r="0" g="0" b="0"/>
+        </a:lnRef>
+        <a:fillRef idx="1">
+          <a:scrgbClr r="0" g="0" b="0"/>
+        </a:fillRef>
+        <a:effectRef idx="0">
+          <a:scrgbClr r="0" g="0" b="0"/>
+        </a:effectRef>
+        <a:fontRef idx="minor"/>
+      </dsp:style>
+    </dsp:sp>
+    <dsp:sp modelId="{89498EDD-D6B1-4A0E-AE20-44F7A13E1B9B}">
+      <dsp:nvSpPr>
+        <dsp:cNvPr id="0" name=""/>
+        <dsp:cNvSpPr/>
+      </dsp:nvSpPr>
+      <dsp:spPr>
+        <a:xfrm>
+          <a:off x="374497" y="280994"/>
+          <a:ext cx="680904" cy="680904"/>
+        </a:xfrm>
+        <a:prstGeom prst="rect">
+          <a:avLst/>
+        </a:prstGeom>
+        <a:blipFill>
+          <a:blip xmlns:r="http://schemas.openxmlformats.org/officeDocument/2006/relationships" r:embed="rId1">
+            <a:extLst>
+              <a:ext uri="{28A0092B-C50C-407E-A947-70E740481C1C}">
+                <a14:useLocalDpi xmlns:a14="http://schemas.microsoft.com/office/drawing/2010/main" val="0"/>
+              </a:ext>
+              <a:ext uri="{96DAC541-7B7A-43D3-8B79-37D633B846F1}">
+                <asvg:svgBlip xmlns:asvg="http://schemas.microsoft.com/office/drawing/2016/SVG/main" r:embed="rId2"/>
+              </a:ext>
+            </a:extLst>
+          </a:blip>
+          <a:srcRect/>
+          <a:stretch>
+            <a:fillRect/>
+          </a:stretch>
+        </a:blipFill>
+        <a:ln w="12700" cap="flat" cmpd="sng" algn="ctr">
+          <a:solidFill>
+            <a:schemeClr val="lt1">
+              <a:alpha val="0"/>
+              <a:hueOff val="0"/>
+              <a:satOff val="0"/>
+              <a:lumOff val="0"/>
+              <a:alphaOff val="0"/>
+            </a:schemeClr>
+          </a:solidFill>
+          <a:prstDash val="solid"/>
+          <a:miter lim="800000"/>
+        </a:ln>
+        <a:effectLst/>
+      </dsp:spPr>
+      <dsp:style>
+        <a:lnRef idx="2">
+          <a:scrgbClr r="0" g="0" b="0"/>
+        </a:lnRef>
+        <a:fillRef idx="1">
+          <a:scrgbClr r="0" g="0" b="0"/>
+        </a:fillRef>
+        <a:effectRef idx="0">
+          <a:scrgbClr r="0" g="0" b="0"/>
+        </a:effectRef>
+        <a:fontRef idx="minor">
+          <a:schemeClr val="lt1"/>
+        </a:fontRef>
+      </dsp:style>
+    </dsp:sp>
+    <dsp:sp modelId="{187F0D29-D0B3-4E23-BF3E-69E93A2A51A6}">
+      <dsp:nvSpPr>
+        <dsp:cNvPr id="0" name=""/>
+        <dsp:cNvSpPr/>
+      </dsp:nvSpPr>
+      <dsp:spPr>
+        <a:xfrm>
+          <a:off x="1429899" y="2442"/>
+          <a:ext cx="5083704" cy="1238008"/>
+        </a:xfrm>
+        <a:prstGeom prst="rect">
+          <a:avLst/>
+        </a:prstGeom>
+        <a:noFill/>
+        <a:ln>
+          <a:noFill/>
+        </a:ln>
+        <a:effectLst/>
+      </dsp:spPr>
+      <dsp:style>
+        <a:lnRef idx="0">
+          <a:scrgbClr r="0" g="0" b="0"/>
+        </a:lnRef>
+        <a:fillRef idx="0">
+          <a:scrgbClr r="0" g="0" b="0"/>
+        </a:fillRef>
+        <a:effectRef idx="0">
+          <a:scrgbClr r="0" g="0" b="0"/>
+        </a:effectRef>
+        <a:fontRef idx="minor"/>
+      </dsp:style>
+      <dsp:txBody>
+        <a:bodyPr spcFirstLastPara="0" vert="horz" wrap="square" lIns="131023" tIns="131023" rIns="131023" bIns="131023" numCol="1" spcCol="1270" anchor="ctr" anchorCtr="0">
+          <a:noAutofit/>
+        </a:bodyPr>
+        <a:lstStyle/>
+        <a:p>
+          <a:pPr marL="0" lvl="0" indent="0" algn="l" defTabSz="977900">
+            <a:lnSpc>
+              <a:spcPct val="100000"/>
+            </a:lnSpc>
+            <a:spcBef>
+              <a:spcPct val="0"/>
+            </a:spcBef>
+            <a:spcAft>
+              <a:spcPct val="35000"/>
+            </a:spcAft>
+            <a:buNone/>
+          </a:pPr>
+          <a:r>
+            <a:rPr lang="en-US" sz="2200" kern="1200" dirty="0" err="1"/>
+            <a:t>Veel</a:t>
+          </a:r>
+          <a:r>
+            <a:rPr lang="en-US" sz="2200" kern="1200" baseline="0" dirty="0"/>
+            <a:t> </a:t>
+          </a:r>
+          <a:r>
+            <a:rPr lang="en-US" sz="2200" kern="1200" baseline="0" dirty="0" err="1"/>
+            <a:t>technologie</a:t>
+          </a:r>
+          <a:endParaRPr lang="en-US" sz="2200" kern="1200" dirty="0"/>
+        </a:p>
+      </dsp:txBody>
+      <dsp:txXfrm>
+        <a:off x="1429899" y="2442"/>
+        <a:ext cx="5083704" cy="1238008"/>
+      </dsp:txXfrm>
+    </dsp:sp>
+    <dsp:sp modelId="{C9341E27-BA57-4FD5-A235-F80D5C9C25E7}">
+      <dsp:nvSpPr>
+        <dsp:cNvPr id="0" name=""/>
+        <dsp:cNvSpPr/>
+      </dsp:nvSpPr>
+      <dsp:spPr>
+        <a:xfrm>
+          <a:off x="0" y="1549953"/>
+          <a:ext cx="6513603" cy="1238008"/>
+        </a:xfrm>
+        <a:prstGeom prst="roundRect">
+          <a:avLst>
+            <a:gd name="adj" fmla="val 10000"/>
+          </a:avLst>
+        </a:prstGeom>
+        <a:solidFill>
+          <a:schemeClr val="bg1">
+            <a:lumMod val="95000"/>
+            <a:hueOff val="0"/>
+            <a:satOff val="0"/>
+            <a:lumOff val="0"/>
+            <a:alphaOff val="0"/>
+          </a:schemeClr>
+        </a:solidFill>
+        <a:ln>
+          <a:noFill/>
+        </a:ln>
+        <a:effectLst/>
+      </dsp:spPr>
+      <dsp:style>
+        <a:lnRef idx="0">
+          <a:scrgbClr r="0" g="0" b="0"/>
+        </a:lnRef>
+        <a:fillRef idx="1">
+          <a:scrgbClr r="0" g="0" b="0"/>
+        </a:fillRef>
+        <a:effectRef idx="0">
+          <a:scrgbClr r="0" g="0" b="0"/>
+        </a:effectRef>
+        <a:fontRef idx="minor"/>
+      </dsp:style>
+    </dsp:sp>
+    <dsp:sp modelId="{323991F6-0FD3-4AEF-909D-FE77458AA02B}">
+      <dsp:nvSpPr>
+        <dsp:cNvPr id="0" name=""/>
+        <dsp:cNvSpPr/>
+      </dsp:nvSpPr>
+      <dsp:spPr>
+        <a:xfrm>
+          <a:off x="374497" y="1828505"/>
+          <a:ext cx="680904" cy="680904"/>
+        </a:xfrm>
+        <a:prstGeom prst="rect">
+          <a:avLst/>
+        </a:prstGeom>
+        <a:blipFill>
+          <a:blip xmlns:r="http://schemas.openxmlformats.org/officeDocument/2006/relationships" r:embed="rId3">
+            <a:extLst>
+              <a:ext uri="{28A0092B-C50C-407E-A947-70E740481C1C}">
+                <a14:useLocalDpi xmlns:a14="http://schemas.microsoft.com/office/drawing/2010/main" val="0"/>
+              </a:ext>
+              <a:ext uri="{96DAC541-7B7A-43D3-8B79-37D633B846F1}">
+                <asvg:svgBlip xmlns:asvg="http://schemas.microsoft.com/office/drawing/2016/SVG/main" r:embed="rId4"/>
+              </a:ext>
+            </a:extLst>
+          </a:blip>
+          <a:stretch>
+            <a:fillRect/>
+          </a:stretch>
+        </a:blipFill>
+        <a:ln w="12700" cap="flat" cmpd="sng" algn="ctr">
+          <a:solidFill>
+            <a:schemeClr val="lt1">
+              <a:alpha val="0"/>
+              <a:hueOff val="0"/>
+              <a:satOff val="0"/>
+              <a:lumOff val="0"/>
+              <a:alphaOff val="0"/>
+            </a:schemeClr>
+          </a:solidFill>
+          <a:prstDash val="solid"/>
+          <a:miter lim="800000"/>
+        </a:ln>
+        <a:effectLst/>
+      </dsp:spPr>
+      <dsp:style>
+        <a:lnRef idx="2">
+          <a:scrgbClr r="0" g="0" b="0"/>
+        </a:lnRef>
+        <a:fillRef idx="1">
+          <a:scrgbClr r="0" g="0" b="0"/>
+        </a:fillRef>
+        <a:effectRef idx="0">
+          <a:scrgbClr r="0" g="0" b="0"/>
+        </a:effectRef>
+        <a:fontRef idx="minor">
+          <a:schemeClr val="lt1"/>
+        </a:fontRef>
+      </dsp:style>
+    </dsp:sp>
+    <dsp:sp modelId="{1113097F-8286-4866-9FA1-188EF0B4384F}">
+      <dsp:nvSpPr>
+        <dsp:cNvPr id="0" name=""/>
+        <dsp:cNvSpPr/>
+      </dsp:nvSpPr>
+      <dsp:spPr>
+        <a:xfrm>
+          <a:off x="1429899" y="1549953"/>
+          <a:ext cx="5083704" cy="1238008"/>
+        </a:xfrm>
+        <a:prstGeom prst="rect">
+          <a:avLst/>
+        </a:prstGeom>
+        <a:noFill/>
+        <a:ln>
+          <a:noFill/>
+        </a:ln>
+        <a:effectLst/>
+      </dsp:spPr>
+      <dsp:style>
+        <a:lnRef idx="0">
+          <a:scrgbClr r="0" g="0" b="0"/>
+        </a:lnRef>
+        <a:fillRef idx="0">
+          <a:scrgbClr r="0" g="0" b="0"/>
+        </a:fillRef>
+        <a:effectRef idx="0">
+          <a:scrgbClr r="0" g="0" b="0"/>
+        </a:effectRef>
+        <a:fontRef idx="minor"/>
+      </dsp:style>
+      <dsp:txBody>
+        <a:bodyPr spcFirstLastPara="0" vert="horz" wrap="square" lIns="131023" tIns="131023" rIns="131023" bIns="131023" numCol="1" spcCol="1270" anchor="ctr" anchorCtr="0">
+          <a:noAutofit/>
+        </a:bodyPr>
+        <a:lstStyle/>
+        <a:p>
+          <a:pPr marL="0" lvl="0" indent="0" algn="l" defTabSz="977900">
+            <a:lnSpc>
+              <a:spcPct val="100000"/>
+            </a:lnSpc>
+            <a:spcBef>
+              <a:spcPct val="0"/>
+            </a:spcBef>
+            <a:spcAft>
+              <a:spcPct val="35000"/>
+            </a:spcAft>
+            <a:buNone/>
+          </a:pPr>
+          <a:r>
+            <a:rPr lang="en-US" sz="2200" kern="1200" dirty="0" err="1"/>
+            <a:t>Stad</a:t>
+          </a:r>
+          <a:r>
+            <a:rPr lang="en-US" sz="2200" kern="1200" baseline="0" dirty="0"/>
+            <a:t> </a:t>
+          </a:r>
+          <a:r>
+            <a:rPr lang="en-US" sz="2200" kern="1200" baseline="0" dirty="0" err="1"/>
+            <a:t>verbeteren</a:t>
+          </a:r>
+          <a:endParaRPr lang="en-US" sz="2200" kern="1200" dirty="0"/>
+        </a:p>
+      </dsp:txBody>
+      <dsp:txXfrm>
+        <a:off x="1429899" y="1549953"/>
+        <a:ext cx="5083704" cy="1238008"/>
+      </dsp:txXfrm>
+    </dsp:sp>
+    <dsp:sp modelId="{803084E2-0222-461F-8694-C701A78DC100}">
+      <dsp:nvSpPr>
+        <dsp:cNvPr id="0" name=""/>
+        <dsp:cNvSpPr/>
+      </dsp:nvSpPr>
+      <dsp:spPr>
+        <a:xfrm>
+          <a:off x="0" y="3097464"/>
+          <a:ext cx="6513603" cy="1238008"/>
+        </a:xfrm>
+        <a:prstGeom prst="roundRect">
+          <a:avLst>
+            <a:gd name="adj" fmla="val 10000"/>
+          </a:avLst>
+        </a:prstGeom>
+        <a:solidFill>
+          <a:schemeClr val="bg1">
+            <a:lumMod val="95000"/>
+            <a:hueOff val="0"/>
+            <a:satOff val="0"/>
+            <a:lumOff val="0"/>
+            <a:alphaOff val="0"/>
+          </a:schemeClr>
+        </a:solidFill>
+        <a:ln>
+          <a:noFill/>
+        </a:ln>
+        <a:effectLst/>
+      </dsp:spPr>
+      <dsp:style>
+        <a:lnRef idx="0">
+          <a:scrgbClr r="0" g="0" b="0"/>
+        </a:lnRef>
+        <a:fillRef idx="1">
+          <a:scrgbClr r="0" g="0" b="0"/>
+        </a:fillRef>
+        <a:effectRef idx="0">
+          <a:scrgbClr r="0" g="0" b="0"/>
+        </a:effectRef>
+        <a:fontRef idx="minor"/>
+      </dsp:style>
+    </dsp:sp>
+    <dsp:sp modelId="{396F414C-B603-47F7-8093-170A68E40FB3}">
+      <dsp:nvSpPr>
+        <dsp:cNvPr id="0" name=""/>
+        <dsp:cNvSpPr/>
+      </dsp:nvSpPr>
+      <dsp:spPr>
+        <a:xfrm>
+          <a:off x="374497" y="3376015"/>
+          <a:ext cx="680904" cy="680904"/>
+        </a:xfrm>
+        <a:prstGeom prst="rect">
+          <a:avLst/>
+        </a:prstGeom>
+        <a:blipFill>
+          <a:blip xmlns:r="http://schemas.openxmlformats.org/officeDocument/2006/relationships" r:embed="rId5">
+            <a:extLst>
+              <a:ext uri="{28A0092B-C50C-407E-A947-70E740481C1C}">
+                <a14:useLocalDpi xmlns:a14="http://schemas.microsoft.com/office/drawing/2010/main" val="0"/>
+              </a:ext>
+              <a:ext uri="{96DAC541-7B7A-43D3-8B79-37D633B846F1}">
+                <asvg:svgBlip xmlns:asvg="http://schemas.microsoft.com/office/drawing/2016/SVG/main" r:embed="rId6"/>
+              </a:ext>
+            </a:extLst>
+          </a:blip>
+          <a:stretch>
+            <a:fillRect/>
+          </a:stretch>
+        </a:blipFill>
+        <a:ln w="12700" cap="flat" cmpd="sng" algn="ctr">
+          <a:solidFill>
+            <a:schemeClr val="lt1">
+              <a:alpha val="0"/>
+              <a:hueOff val="0"/>
+              <a:satOff val="0"/>
+              <a:lumOff val="0"/>
+              <a:alphaOff val="0"/>
+            </a:schemeClr>
+          </a:solidFill>
+          <a:prstDash val="solid"/>
+          <a:miter lim="800000"/>
+        </a:ln>
+        <a:effectLst/>
+      </dsp:spPr>
+      <dsp:style>
+        <a:lnRef idx="2">
+          <a:scrgbClr r="0" g="0" b="0"/>
+        </a:lnRef>
+        <a:fillRef idx="1">
+          <a:scrgbClr r="0" g="0" b="0"/>
+        </a:fillRef>
+        <a:effectRef idx="0">
+          <a:scrgbClr r="0" g="0" b="0"/>
+        </a:effectRef>
+        <a:fontRef idx="minor">
+          <a:schemeClr val="lt1"/>
+        </a:fontRef>
+      </dsp:style>
+    </dsp:sp>
+    <dsp:sp modelId="{6FE9D9C9-9FBC-4986-A149-6E6BD1194598}">
+      <dsp:nvSpPr>
+        <dsp:cNvPr id="0" name=""/>
+        <dsp:cNvSpPr/>
+      </dsp:nvSpPr>
+      <dsp:spPr>
+        <a:xfrm>
+          <a:off x="1429899" y="3097464"/>
+          <a:ext cx="5083704" cy="1238008"/>
+        </a:xfrm>
+        <a:prstGeom prst="rect">
+          <a:avLst/>
+        </a:prstGeom>
+        <a:noFill/>
+        <a:ln>
+          <a:noFill/>
+        </a:ln>
+        <a:effectLst/>
+      </dsp:spPr>
+      <dsp:style>
+        <a:lnRef idx="0">
+          <a:scrgbClr r="0" g="0" b="0"/>
+        </a:lnRef>
+        <a:fillRef idx="0">
+          <a:scrgbClr r="0" g="0" b="0"/>
+        </a:fillRef>
+        <a:effectRef idx="0">
+          <a:scrgbClr r="0" g="0" b="0"/>
+        </a:effectRef>
+        <a:fontRef idx="minor"/>
+      </dsp:style>
+      <dsp:txBody>
+        <a:bodyPr spcFirstLastPara="0" vert="horz" wrap="square" lIns="131023" tIns="131023" rIns="131023" bIns="131023" numCol="1" spcCol="1270" anchor="ctr" anchorCtr="0">
+          <a:noAutofit/>
+        </a:bodyPr>
+        <a:lstStyle/>
+        <a:p>
+          <a:pPr marL="0" lvl="0" indent="0" algn="l" defTabSz="977900">
+            <a:lnSpc>
+              <a:spcPct val="100000"/>
+            </a:lnSpc>
+            <a:spcBef>
+              <a:spcPct val="0"/>
+            </a:spcBef>
+            <a:spcAft>
+              <a:spcPct val="35000"/>
+            </a:spcAft>
+            <a:buNone/>
+          </a:pPr>
+          <a:r>
+            <a:rPr lang="en-US" sz="2200" kern="1200" dirty="0" err="1"/>
+            <a:t>Projecten</a:t>
+          </a:r>
+          <a:endParaRPr lang="en-US" sz="2200" kern="1200" dirty="0"/>
+        </a:p>
+      </dsp:txBody>
+      <dsp:txXfrm>
+        <a:off x="1429899" y="3097464"/>
+        <a:ext cx="5083704" cy="1238008"/>
+      </dsp:txXfrm>
+    </dsp:sp>
+    <dsp:sp modelId="{97091167-7C3E-41E2-8B3E-D89FBEBD996B}">
+      <dsp:nvSpPr>
+        <dsp:cNvPr id="0" name=""/>
+        <dsp:cNvSpPr/>
+      </dsp:nvSpPr>
+      <dsp:spPr>
+        <a:xfrm>
+          <a:off x="0" y="4644974"/>
+          <a:ext cx="6513603" cy="1238008"/>
+        </a:xfrm>
+        <a:prstGeom prst="roundRect">
+          <a:avLst>
+            <a:gd name="adj" fmla="val 10000"/>
+          </a:avLst>
+        </a:prstGeom>
+        <a:solidFill>
+          <a:schemeClr val="bg1">
+            <a:lumMod val="95000"/>
+            <a:hueOff val="0"/>
+            <a:satOff val="0"/>
+            <a:lumOff val="0"/>
+            <a:alphaOff val="0"/>
+          </a:schemeClr>
+        </a:solidFill>
+        <a:ln>
+          <a:noFill/>
+        </a:ln>
+        <a:effectLst/>
+      </dsp:spPr>
+      <dsp:style>
+        <a:lnRef idx="0">
+          <a:scrgbClr r="0" g="0" b="0"/>
+        </a:lnRef>
+        <a:fillRef idx="1">
+          <a:scrgbClr r="0" g="0" b="0"/>
+        </a:fillRef>
+        <a:effectRef idx="0">
+          <a:scrgbClr r="0" g="0" b="0"/>
+        </a:effectRef>
+        <a:fontRef idx="minor"/>
+      </dsp:style>
+    </dsp:sp>
+    <dsp:sp modelId="{59A74B30-8D25-4D7C-BFAD-62104C889FAF}">
+      <dsp:nvSpPr>
+        <dsp:cNvPr id="0" name=""/>
+        <dsp:cNvSpPr/>
+      </dsp:nvSpPr>
+      <dsp:spPr>
+        <a:xfrm>
+          <a:off x="374497" y="4923526"/>
+          <a:ext cx="680904" cy="680904"/>
+        </a:xfrm>
+        <a:prstGeom prst="rect">
+          <a:avLst/>
+        </a:prstGeom>
+        <a:blipFill>
+          <a:blip xmlns:r="http://schemas.openxmlformats.org/officeDocument/2006/relationships" r:embed="rId7">
+            <a:extLst>
+              <a:ext uri="{28A0092B-C50C-407E-A947-70E740481C1C}">
+                <a14:useLocalDpi xmlns:a14="http://schemas.microsoft.com/office/drawing/2010/main" val="0"/>
+              </a:ext>
+              <a:ext uri="{96DAC541-7B7A-43D3-8B79-37D633B846F1}">
+                <asvg:svgBlip xmlns:asvg="http://schemas.microsoft.com/office/drawing/2016/SVG/main" r:embed="rId8"/>
+              </a:ext>
+            </a:extLst>
+          </a:blip>
+          <a:srcRect/>
+          <a:stretch>
+            <a:fillRect/>
+          </a:stretch>
+        </a:blipFill>
+        <a:ln w="12700" cap="flat" cmpd="sng" algn="ctr">
+          <a:solidFill>
+            <a:schemeClr val="lt1">
+              <a:alpha val="0"/>
+              <a:hueOff val="0"/>
+              <a:satOff val="0"/>
+              <a:lumOff val="0"/>
+              <a:alphaOff val="0"/>
+            </a:schemeClr>
+          </a:solidFill>
+          <a:prstDash val="solid"/>
+          <a:miter lim="800000"/>
+        </a:ln>
+        <a:effectLst/>
+      </dsp:spPr>
+      <dsp:style>
+        <a:lnRef idx="2">
+          <a:scrgbClr r="0" g="0" b="0"/>
+        </a:lnRef>
+        <a:fillRef idx="1">
+          <a:scrgbClr r="0" g="0" b="0"/>
+        </a:fillRef>
+        <a:effectRef idx="0">
+          <a:scrgbClr r="0" g="0" b="0"/>
+        </a:effectRef>
+        <a:fontRef idx="minor">
+          <a:schemeClr val="lt1"/>
+        </a:fontRef>
+      </dsp:style>
+    </dsp:sp>
+    <dsp:sp modelId="{23B31B11-39E1-4E1B-8C19-90ABBD6529DB}">
+      <dsp:nvSpPr>
+        <dsp:cNvPr id="0" name=""/>
+        <dsp:cNvSpPr/>
+      </dsp:nvSpPr>
+      <dsp:spPr>
+        <a:xfrm>
+          <a:off x="1429899" y="4644974"/>
+          <a:ext cx="5083704" cy="1238008"/>
+        </a:xfrm>
+        <a:prstGeom prst="rect">
+          <a:avLst/>
+        </a:prstGeom>
+        <a:noFill/>
+        <a:ln>
+          <a:noFill/>
+        </a:ln>
+        <a:effectLst/>
+      </dsp:spPr>
+      <dsp:style>
+        <a:lnRef idx="0">
+          <a:scrgbClr r="0" g="0" b="0"/>
+        </a:lnRef>
+        <a:fillRef idx="0">
+          <a:scrgbClr r="0" g="0" b="0"/>
+        </a:fillRef>
+        <a:effectRef idx="0">
+          <a:scrgbClr r="0" g="0" b="0"/>
+        </a:effectRef>
+        <a:fontRef idx="minor"/>
+      </dsp:style>
+      <dsp:txBody>
+        <a:bodyPr spcFirstLastPara="0" vert="horz" wrap="square" lIns="131023" tIns="131023" rIns="131023" bIns="131023" numCol="1" spcCol="1270" anchor="ctr" anchorCtr="0">
+          <a:noAutofit/>
+        </a:bodyPr>
+        <a:lstStyle/>
+        <a:p>
+          <a:pPr marL="0" lvl="0" indent="0" algn="l" defTabSz="977900">
+            <a:lnSpc>
+              <a:spcPct val="100000"/>
+            </a:lnSpc>
+            <a:spcBef>
+              <a:spcPct val="0"/>
+            </a:spcBef>
+            <a:spcAft>
+              <a:spcPct val="35000"/>
+            </a:spcAft>
+            <a:buNone/>
+          </a:pPr>
+          <a:r>
+            <a:rPr lang="en-US" sz="2200" kern="1200" dirty="0" err="1"/>
+            <a:t>Doelen</a:t>
+          </a:r>
+          <a:endParaRPr lang="en-US" sz="2200" kern="1200" dirty="0"/>
+        </a:p>
+      </dsp:txBody>
+      <dsp:txXfrm>
+        <a:off x="1429899" y="4644974"/>
+        <a:ext cx="5083704" cy="1238008"/>
+      </dsp:txXfrm>
+    </dsp:sp>
+  </dsp:spTree>
+</dsp:drawing>
+</file>
+
+<file path=ppt/diagrams/drawing3.xml><?xml version="1.0" encoding="utf-8"?>
+<dsp:drawing xmlns:dgm="http://schemas.openxmlformats.org/drawingml/2006/diagram" xmlns:dsp="http://schemas.microsoft.com/office/drawing/2008/diagram" xmlns:a="http://schemas.openxmlformats.org/drawingml/2006/main">
+  <dsp:spTree>
+    <dsp:nvGrpSpPr>
+      <dsp:cNvPr id="0" name=""/>
+      <dsp:cNvGrpSpPr/>
+    </dsp:nvGrpSpPr>
+    <dsp:grpSpPr/>
     <dsp:sp modelId="{1E45BAF5-2154-4B09-81FA-337BD77F2A66}">
       <dsp:nvSpPr>
         <dsp:cNvPr id="0" name=""/>
@@ -6940,7 +10118,7 @@
 </dsp:drawing>
 </file>
 
-<file path=ppt/diagrams/drawing3.xml><?xml version="1.0" encoding="utf-8"?>
+<file path=ppt/diagrams/drawing4.xml><?xml version="1.0" encoding="utf-8"?>
 <dsp:drawing xmlns:dgm="http://schemas.openxmlformats.org/drawingml/2006/diagram" xmlns:dsp="http://schemas.microsoft.com/office/drawing/2008/diagram" xmlns:a="http://schemas.openxmlformats.org/drawingml/2006/main">
   <dsp:spTree>
     <dsp:nvGrpSpPr>
@@ -8023,7 +11201,493 @@
 </dsp:drawing>
 </file>
 
-<file path=ppt/diagrams/drawing4.xml><?xml version="1.0" encoding="utf-8"?>
+<file path=ppt/diagrams/drawing5.xml><?xml version="1.0" encoding="utf-8"?>
+<dsp:drawing xmlns:dgm="http://schemas.openxmlformats.org/drawingml/2006/diagram" xmlns:dsp="http://schemas.microsoft.com/office/drawing/2008/diagram" xmlns:a="http://schemas.openxmlformats.org/drawingml/2006/main">
+  <dsp:spTree>
+    <dsp:nvGrpSpPr>
+      <dsp:cNvPr id="0" name=""/>
+      <dsp:cNvGrpSpPr/>
+    </dsp:nvGrpSpPr>
+    <dsp:grpSpPr/>
+    <dsp:sp modelId="{1E45BAF5-2154-4B09-81FA-337BD77F2A66}">
+      <dsp:nvSpPr>
+        <dsp:cNvPr id="0" name=""/>
+        <dsp:cNvSpPr/>
+      </dsp:nvSpPr>
+      <dsp:spPr>
+        <a:xfrm>
+          <a:off x="0" y="719"/>
+          <a:ext cx="6513603" cy="1683047"/>
+        </a:xfrm>
+        <a:prstGeom prst="roundRect">
+          <a:avLst>
+            <a:gd name="adj" fmla="val 10000"/>
+          </a:avLst>
+        </a:prstGeom>
+        <a:solidFill>
+          <a:schemeClr val="bg1">
+            <a:lumMod val="95000"/>
+            <a:hueOff val="0"/>
+            <a:satOff val="0"/>
+            <a:lumOff val="0"/>
+            <a:alphaOff val="0"/>
+          </a:schemeClr>
+        </a:solidFill>
+        <a:ln>
+          <a:noFill/>
+        </a:ln>
+        <a:effectLst/>
+      </dsp:spPr>
+      <dsp:style>
+        <a:lnRef idx="0">
+          <a:scrgbClr r="0" g="0" b="0"/>
+        </a:lnRef>
+        <a:fillRef idx="1">
+          <a:scrgbClr r="0" g="0" b="0"/>
+        </a:fillRef>
+        <a:effectRef idx="0">
+          <a:scrgbClr r="0" g="0" b="0"/>
+        </a:effectRef>
+        <a:fontRef idx="minor"/>
+      </dsp:style>
+    </dsp:sp>
+    <dsp:sp modelId="{8D690C55-ABAC-4451-AD9F-218CA2FED414}">
+      <dsp:nvSpPr>
+        <dsp:cNvPr id="0" name=""/>
+        <dsp:cNvSpPr/>
+      </dsp:nvSpPr>
+      <dsp:spPr>
+        <a:xfrm>
+          <a:off x="509121" y="379404"/>
+          <a:ext cx="925676" cy="925676"/>
+        </a:xfrm>
+        <a:prstGeom prst="rect">
+          <a:avLst/>
+        </a:prstGeom>
+        <a:blipFill>
+          <a:blip xmlns:r="http://schemas.openxmlformats.org/officeDocument/2006/relationships" r:embed="rId1">
+            <a:extLst>
+              <a:ext uri="{28A0092B-C50C-407E-A947-70E740481C1C}">
+                <a14:useLocalDpi xmlns:a14="http://schemas.microsoft.com/office/drawing/2010/main" val="0"/>
+              </a:ext>
+              <a:ext uri="{96DAC541-7B7A-43D3-8B79-37D633B846F1}">
+                <asvg:svgBlip xmlns:asvg="http://schemas.microsoft.com/office/drawing/2016/SVG/main" r:embed="rId2"/>
+              </a:ext>
+            </a:extLst>
+          </a:blip>
+          <a:stretch>
+            <a:fillRect/>
+          </a:stretch>
+        </a:blipFill>
+        <a:ln w="12700" cap="flat" cmpd="sng" algn="ctr">
+          <a:noFill/>
+          <a:prstDash val="solid"/>
+          <a:miter lim="800000"/>
+        </a:ln>
+        <a:effectLst/>
+      </dsp:spPr>
+      <dsp:style>
+        <a:lnRef idx="2">
+          <a:scrgbClr r="0" g="0" b="0"/>
+        </a:lnRef>
+        <a:fillRef idx="1">
+          <a:scrgbClr r="0" g="0" b="0"/>
+        </a:fillRef>
+        <a:effectRef idx="0">
+          <a:scrgbClr r="0" g="0" b="0"/>
+        </a:effectRef>
+        <a:fontRef idx="minor">
+          <a:schemeClr val="lt1"/>
+        </a:fontRef>
+      </dsp:style>
+    </dsp:sp>
+    <dsp:sp modelId="{511A53D9-04E3-4071-A301-032C5661BFA2}">
+      <dsp:nvSpPr>
+        <dsp:cNvPr id="0" name=""/>
+        <dsp:cNvSpPr/>
+      </dsp:nvSpPr>
+      <dsp:spPr>
+        <a:xfrm>
+          <a:off x="1943919" y="719"/>
+          <a:ext cx="4569684" cy="1683047"/>
+        </a:xfrm>
+        <a:prstGeom prst="rect">
+          <a:avLst/>
+        </a:prstGeom>
+        <a:noFill/>
+        <a:ln>
+          <a:noFill/>
+        </a:ln>
+        <a:effectLst/>
+      </dsp:spPr>
+      <dsp:style>
+        <a:lnRef idx="0">
+          <a:scrgbClr r="0" g="0" b="0"/>
+        </a:lnRef>
+        <a:fillRef idx="0">
+          <a:scrgbClr r="0" g="0" b="0"/>
+        </a:fillRef>
+        <a:effectRef idx="0">
+          <a:scrgbClr r="0" g="0" b="0"/>
+        </a:effectRef>
+        <a:fontRef idx="minor"/>
+      </dsp:style>
+      <dsp:txBody>
+        <a:bodyPr spcFirstLastPara="0" vert="horz" wrap="square" lIns="178123" tIns="178123" rIns="178123" bIns="178123" numCol="1" spcCol="1270" anchor="ctr" anchorCtr="0">
+          <a:noAutofit/>
+        </a:bodyPr>
+        <a:lstStyle/>
+        <a:p>
+          <a:pPr marL="0" lvl="0" indent="0" algn="l" defTabSz="1111250">
+            <a:lnSpc>
+              <a:spcPct val="100000"/>
+            </a:lnSpc>
+            <a:spcBef>
+              <a:spcPct val="0"/>
+            </a:spcBef>
+            <a:spcAft>
+              <a:spcPct val="35000"/>
+            </a:spcAft>
+            <a:buNone/>
+          </a:pPr>
+          <a:r>
+            <a:rPr lang="nl-NL" sz="2500" kern="1200" dirty="0"/>
+            <a:t>Gemeente</a:t>
+          </a:r>
+          <a:endParaRPr lang="en-US" sz="2500" kern="1200" dirty="0"/>
+        </a:p>
+      </dsp:txBody>
+      <dsp:txXfrm>
+        <a:off x="1943919" y="719"/>
+        <a:ext cx="4569684" cy="1683047"/>
+      </dsp:txXfrm>
+    </dsp:sp>
+    <dsp:sp modelId="{767652DF-56B3-432D-BF63-0CFC347AB7BD}">
+      <dsp:nvSpPr>
+        <dsp:cNvPr id="0" name=""/>
+        <dsp:cNvSpPr/>
+      </dsp:nvSpPr>
+      <dsp:spPr>
+        <a:xfrm>
+          <a:off x="0" y="2104528"/>
+          <a:ext cx="6513603" cy="1683047"/>
+        </a:xfrm>
+        <a:prstGeom prst="roundRect">
+          <a:avLst>
+            <a:gd name="adj" fmla="val 10000"/>
+          </a:avLst>
+        </a:prstGeom>
+        <a:solidFill>
+          <a:schemeClr val="bg1">
+            <a:lumMod val="95000"/>
+            <a:hueOff val="0"/>
+            <a:satOff val="0"/>
+            <a:lumOff val="0"/>
+            <a:alphaOff val="0"/>
+          </a:schemeClr>
+        </a:solidFill>
+        <a:ln>
+          <a:noFill/>
+        </a:ln>
+        <a:effectLst/>
+      </dsp:spPr>
+      <dsp:style>
+        <a:lnRef idx="0">
+          <a:scrgbClr r="0" g="0" b="0"/>
+        </a:lnRef>
+        <a:fillRef idx="1">
+          <a:scrgbClr r="0" g="0" b="0"/>
+        </a:fillRef>
+        <a:effectRef idx="0">
+          <a:scrgbClr r="0" g="0" b="0"/>
+        </a:effectRef>
+        <a:fontRef idx="minor"/>
+      </dsp:style>
+    </dsp:sp>
+    <dsp:sp modelId="{5B31A7ED-8B8C-489D-B3E7-01893FE0FE5F}">
+      <dsp:nvSpPr>
+        <dsp:cNvPr id="0" name=""/>
+        <dsp:cNvSpPr/>
+      </dsp:nvSpPr>
+      <dsp:spPr>
+        <a:xfrm>
+          <a:off x="509121" y="2483213"/>
+          <a:ext cx="925676" cy="925676"/>
+        </a:xfrm>
+        <a:prstGeom prst="rect">
+          <a:avLst/>
+        </a:prstGeom>
+        <a:blipFill>
+          <a:blip xmlns:r="http://schemas.openxmlformats.org/officeDocument/2006/relationships" r:embed="rId3">
+            <a:extLst>
+              <a:ext uri="{28A0092B-C50C-407E-A947-70E740481C1C}">
+                <a14:useLocalDpi xmlns:a14="http://schemas.microsoft.com/office/drawing/2010/main" val="0"/>
+              </a:ext>
+              <a:ext uri="{96DAC541-7B7A-43D3-8B79-37D633B846F1}">
+                <asvg:svgBlip xmlns:asvg="http://schemas.microsoft.com/office/drawing/2016/SVG/main" r:embed="rId4"/>
+              </a:ext>
+            </a:extLst>
+          </a:blip>
+          <a:stretch>
+            <a:fillRect/>
+          </a:stretch>
+        </a:blipFill>
+        <a:ln w="12700" cap="flat" cmpd="sng" algn="ctr">
+          <a:noFill/>
+          <a:prstDash val="solid"/>
+          <a:miter lim="800000"/>
+        </a:ln>
+        <a:effectLst/>
+      </dsp:spPr>
+      <dsp:style>
+        <a:lnRef idx="2">
+          <a:scrgbClr r="0" g="0" b="0"/>
+        </a:lnRef>
+        <a:fillRef idx="1">
+          <a:scrgbClr r="0" g="0" b="0"/>
+        </a:fillRef>
+        <a:effectRef idx="0">
+          <a:scrgbClr r="0" g="0" b="0"/>
+        </a:effectRef>
+        <a:fontRef idx="minor">
+          <a:schemeClr val="lt1"/>
+        </a:fontRef>
+      </dsp:style>
+    </dsp:sp>
+    <dsp:sp modelId="{49BAF50C-F2A4-4745-9AAB-68A5EE23863C}">
+      <dsp:nvSpPr>
+        <dsp:cNvPr id="0" name=""/>
+        <dsp:cNvSpPr/>
+      </dsp:nvSpPr>
+      <dsp:spPr>
+        <a:xfrm>
+          <a:off x="1943919" y="2104528"/>
+          <a:ext cx="4569684" cy="1683047"/>
+        </a:xfrm>
+        <a:prstGeom prst="rect">
+          <a:avLst/>
+        </a:prstGeom>
+        <a:noFill/>
+        <a:ln>
+          <a:noFill/>
+        </a:ln>
+        <a:effectLst/>
+      </dsp:spPr>
+      <dsp:style>
+        <a:lnRef idx="0">
+          <a:scrgbClr r="0" g="0" b="0"/>
+        </a:lnRef>
+        <a:fillRef idx="0">
+          <a:scrgbClr r="0" g="0" b="0"/>
+        </a:fillRef>
+        <a:effectRef idx="0">
+          <a:scrgbClr r="0" g="0" b="0"/>
+        </a:effectRef>
+        <a:fontRef idx="minor"/>
+      </dsp:style>
+      <dsp:txBody>
+        <a:bodyPr spcFirstLastPara="0" vert="horz" wrap="square" lIns="178123" tIns="178123" rIns="178123" bIns="178123" numCol="1" spcCol="1270" anchor="ctr" anchorCtr="0">
+          <a:noAutofit/>
+        </a:bodyPr>
+        <a:lstStyle/>
+        <a:p>
+          <a:pPr marL="0" lvl="0" indent="0" algn="l" defTabSz="1111250">
+            <a:lnSpc>
+              <a:spcPct val="100000"/>
+            </a:lnSpc>
+            <a:spcBef>
+              <a:spcPct val="0"/>
+            </a:spcBef>
+            <a:spcAft>
+              <a:spcPct val="35000"/>
+            </a:spcAft>
+            <a:buNone/>
+          </a:pPr>
+          <a:r>
+            <a:rPr lang="en-US" sz="2500" kern="1200" dirty="0" err="1"/>
+            <a:t>Technologie</a:t>
+          </a:r>
+          <a:endParaRPr lang="en-US" sz="2500" kern="1200" dirty="0"/>
+        </a:p>
+      </dsp:txBody>
+      <dsp:txXfrm>
+        <a:off x="1943919" y="2104528"/>
+        <a:ext cx="4569684" cy="1683047"/>
+      </dsp:txXfrm>
+    </dsp:sp>
+    <dsp:sp modelId="{020700C5-4B70-471F-AD55-523B9E7859A8}">
+      <dsp:nvSpPr>
+        <dsp:cNvPr id="0" name=""/>
+        <dsp:cNvSpPr/>
+      </dsp:nvSpPr>
+      <dsp:spPr>
+        <a:xfrm>
+          <a:off x="0" y="4208337"/>
+          <a:ext cx="6513603" cy="1683047"/>
+        </a:xfrm>
+        <a:prstGeom prst="roundRect">
+          <a:avLst>
+            <a:gd name="adj" fmla="val 10000"/>
+          </a:avLst>
+        </a:prstGeom>
+        <a:solidFill>
+          <a:schemeClr val="bg1">
+            <a:lumMod val="95000"/>
+            <a:hueOff val="0"/>
+            <a:satOff val="0"/>
+            <a:lumOff val="0"/>
+            <a:alphaOff val="0"/>
+          </a:schemeClr>
+        </a:solidFill>
+        <a:ln>
+          <a:noFill/>
+        </a:ln>
+        <a:effectLst/>
+      </dsp:spPr>
+      <dsp:style>
+        <a:lnRef idx="0">
+          <a:scrgbClr r="0" g="0" b="0"/>
+        </a:lnRef>
+        <a:fillRef idx="1">
+          <a:scrgbClr r="0" g="0" b="0"/>
+        </a:fillRef>
+        <a:effectRef idx="0">
+          <a:scrgbClr r="0" g="0" b="0"/>
+        </a:effectRef>
+        <a:fontRef idx="minor"/>
+      </dsp:style>
+    </dsp:sp>
+    <dsp:sp modelId="{F195C9F0-7508-425A-8977-BE96C020D60B}">
+      <dsp:nvSpPr>
+        <dsp:cNvPr id="0" name=""/>
+        <dsp:cNvSpPr/>
+      </dsp:nvSpPr>
+      <dsp:spPr>
+        <a:xfrm>
+          <a:off x="509121" y="4587023"/>
+          <a:ext cx="925676" cy="925676"/>
+        </a:xfrm>
+        <a:prstGeom prst="rect">
+          <a:avLst/>
+        </a:prstGeom>
+        <a:blipFill>
+          <a:blip xmlns:r="http://schemas.openxmlformats.org/officeDocument/2006/relationships" r:embed="rId5">
+            <a:extLst>
+              <a:ext uri="{28A0092B-C50C-407E-A947-70E740481C1C}">
+                <a14:useLocalDpi xmlns:a14="http://schemas.microsoft.com/office/drawing/2010/main" val="0"/>
+              </a:ext>
+              <a:ext uri="{96DAC541-7B7A-43D3-8B79-37D633B846F1}">
+                <asvg:svgBlip xmlns:asvg="http://schemas.microsoft.com/office/drawing/2016/SVG/main" r:embed="rId6"/>
+              </a:ext>
+            </a:extLst>
+          </a:blip>
+          <a:stretch>
+            <a:fillRect/>
+          </a:stretch>
+        </a:blipFill>
+        <a:ln w="12700" cap="flat" cmpd="sng" algn="ctr">
+          <a:noFill/>
+          <a:prstDash val="solid"/>
+          <a:miter lim="800000"/>
+        </a:ln>
+        <a:effectLst/>
+      </dsp:spPr>
+      <dsp:style>
+        <a:lnRef idx="2">
+          <a:scrgbClr r="0" g="0" b="0"/>
+        </a:lnRef>
+        <a:fillRef idx="1">
+          <a:scrgbClr r="0" g="0" b="0"/>
+        </a:fillRef>
+        <a:effectRef idx="0">
+          <a:scrgbClr r="0" g="0" b="0"/>
+        </a:effectRef>
+        <a:fontRef idx="minor">
+          <a:schemeClr val="lt1"/>
+        </a:fontRef>
+      </dsp:style>
+    </dsp:sp>
+    <dsp:sp modelId="{85235559-500F-4281-A4F8-B2E8F4E6E751}">
+      <dsp:nvSpPr>
+        <dsp:cNvPr id="0" name=""/>
+        <dsp:cNvSpPr/>
+      </dsp:nvSpPr>
+      <dsp:spPr>
+        <a:xfrm>
+          <a:off x="1943919" y="4208337"/>
+          <a:ext cx="4569684" cy="1683047"/>
+        </a:xfrm>
+        <a:prstGeom prst="rect">
+          <a:avLst/>
+        </a:prstGeom>
+        <a:noFill/>
+        <a:ln>
+          <a:noFill/>
+        </a:ln>
+        <a:effectLst/>
+      </dsp:spPr>
+      <dsp:style>
+        <a:lnRef idx="0">
+          <a:scrgbClr r="0" g="0" b="0"/>
+        </a:lnRef>
+        <a:fillRef idx="0">
+          <a:scrgbClr r="0" g="0" b="0"/>
+        </a:fillRef>
+        <a:effectRef idx="0">
+          <a:scrgbClr r="0" g="0" b="0"/>
+        </a:effectRef>
+        <a:fontRef idx="minor"/>
+      </dsp:style>
+      <dsp:txBody>
+        <a:bodyPr spcFirstLastPara="0" vert="horz" wrap="square" lIns="178123" tIns="178123" rIns="178123" bIns="178123" numCol="1" spcCol="1270" anchor="ctr" anchorCtr="0">
+          <a:noAutofit/>
+        </a:bodyPr>
+        <a:lstStyle/>
+        <a:p>
+          <a:pPr marL="0" lvl="0" indent="0" algn="l" defTabSz="1111250">
+            <a:lnSpc>
+              <a:spcPct val="100000"/>
+            </a:lnSpc>
+            <a:spcBef>
+              <a:spcPct val="0"/>
+            </a:spcBef>
+            <a:spcAft>
+              <a:spcPct val="35000"/>
+            </a:spcAft>
+            <a:buNone/>
+          </a:pPr>
+          <a:r>
+            <a:rPr lang="nl-NL" sz="2500" kern="1200"/>
+            <a:t>Bedrijven</a:t>
+          </a:r>
+          <a:endParaRPr lang="en-US" sz="2500" kern="1200"/>
+        </a:p>
+        <a:p>
+          <a:pPr marL="0" lvl="0" indent="0" algn="l" defTabSz="1111250">
+            <a:lnSpc>
+              <a:spcPct val="100000"/>
+            </a:lnSpc>
+            <a:spcBef>
+              <a:spcPct val="0"/>
+            </a:spcBef>
+            <a:spcAft>
+              <a:spcPct val="35000"/>
+            </a:spcAft>
+            <a:buNone/>
+          </a:pPr>
+          <a:endParaRPr lang="en-US" sz="2500" kern="1200" dirty="0"/>
+        </a:p>
+      </dsp:txBody>
+      <dsp:txXfrm>
+        <a:off x="1943919" y="4208337"/>
+        <a:ext cx="4569684" cy="1683047"/>
+      </dsp:txXfrm>
+    </dsp:sp>
+  </dsp:spTree>
+</dsp:drawing>
+</file>
+
+<file path=ppt/diagrams/drawing6.xml><?xml version="1.0" encoding="utf-8"?>
 <dsp:drawing xmlns:dgm="http://schemas.openxmlformats.org/drawingml/2006/diagram" xmlns:dsp="http://schemas.microsoft.com/office/drawing/2008/diagram" xmlns:a="http://schemas.openxmlformats.org/drawingml/2006/main">
   <dsp:spTree>
     <dsp:nvGrpSpPr>
@@ -9976,6 +13640,594 @@
 </dgm:layoutDef>
 </file>
 
+<file path=ppt/diagrams/layout5.xml><?xml version="1.0" encoding="utf-8"?>
+<dgm:layoutDef xmlns:dgm="http://schemas.openxmlformats.org/drawingml/2006/diagram" xmlns:a="http://schemas.openxmlformats.org/drawingml/2006/main" uniqueId="urn:microsoft.com/office/officeart/2018/2/layout/IconVerticalSolidList">
+  <dgm:title val="Icon Vertical Solid List"/>
+  <dgm:desc val="Use to show a series of visuals from top to bottom with Level 1 or Level 1 and Level 2 text grouped in a shape. Works best with icons or small pictures with lengthier descriptions."/>
+  <dgm:catLst>
+    <dgm:cat type="icon" pri="500"/>
+  </dgm:catLst>
+  <dgm:sampData useDef="1">
+    <dgm:dataModel>
+      <dgm:ptLst/>
+      <dgm:bg/>
+      <dgm:whole/>
+    </dgm:dataModel>
+  </dgm:sampData>
+  <dgm:styleData useDef="1">
+    <dgm:dataModel>
+      <dgm:ptLst/>
+      <dgm:bg/>
+      <dgm:whole/>
+    </dgm:dataModel>
+  </dgm:styleData>
+  <dgm:clrData useDef="1">
+    <dgm:dataModel>
+      <dgm:ptLst/>
+      <dgm:bg/>
+      <dgm:whole/>
+    </dgm:dataModel>
+  </dgm:clrData>
+  <dgm:layoutNode name="root">
+    <dgm:varLst>
+      <dgm:dir/>
+      <dgm:resizeHandles val="exact"/>
+    </dgm:varLst>
+    <dgm:choose name="Name0">
+      <dgm:if name="Name1" axis="self" func="var" arg="dir" op="equ" val="norm">
+        <dgm:alg type="lin">
+          <dgm:param type="linDir" val="fromT"/>
+          <dgm:param type="nodeHorzAlign" val="l"/>
+        </dgm:alg>
+      </dgm:if>
+      <dgm:else name="Name2">
+        <dgm:alg type="lin">
+          <dgm:param type="linDir" val="fromT"/>
+          <dgm:param type="nodeHorzAlign" val="r"/>
+        </dgm:alg>
+      </dgm:else>
+    </dgm:choose>
+    <dgm:shape xmlns:r="http://schemas.openxmlformats.org/officeDocument/2006/relationships" r:blip="">
+      <dgm:adjLst/>
+    </dgm:shape>
+    <dgm:presOf/>
+    <dgm:choose name="Name3">
+      <dgm:if name="Name4" axis="ch" ptType="node" func="cnt" op="lte" val="3">
+        <dgm:constrLst>
+          <dgm:constr type="h" for="ch" forName="compNode" refType="h" fact="0.3"/>
+          <dgm:constr type="w" for="ch" forName="compNode" refType="w"/>
+          <dgm:constr type="h" for="ch" forName="sibTrans" refType="h" refFor="ch" refForName="compNode" fact="0.25"/>
+          <dgm:constr type="primFontSz" for="des" forName="parTx" val="25"/>
+          <dgm:constr type="primFontSz" for="des" forName="desTx" refType="primFontSz" refFor="des" refForName="parTx" op="lte" fact="0.75"/>
+          <dgm:constr type="h" for="des" forName="compNode" op="equ"/>
+          <dgm:constr type="h" for="des" forName="bgRect" op="equ"/>
+          <dgm:constr type="h" for="des" forName="iconRect" op="equ"/>
+          <dgm:constr type="w" for="des" forName="iconRect" op="equ"/>
+          <dgm:constr type="h" for="des" forName="spaceRect" op="equ"/>
+          <dgm:constr type="h" for="des" forName="parTx" op="equ"/>
+          <dgm:constr type="h" for="des" forName="desTx" op="equ"/>
+        </dgm:constrLst>
+      </dgm:if>
+      <dgm:if name="Name5" axis="ch" ptType="node" func="cnt" op="lte" val="4">
+        <dgm:constrLst>
+          <dgm:constr type="h" for="ch" forName="compNode" refType="h" fact="0.3"/>
+          <dgm:constr type="w" for="ch" forName="compNode" refType="w"/>
+          <dgm:constr type="h" for="ch" forName="sibTrans" refType="h" refFor="ch" refForName="compNode" fact="0.25"/>
+          <dgm:constr type="primFontSz" for="des" forName="parTx" val="22"/>
+          <dgm:constr type="primFontSz" for="des" forName="desTx" refType="primFontSz" refFor="des" refForName="parTx" op="lte" fact="0.75"/>
+          <dgm:constr type="h" for="des" forName="compNode" op="equ"/>
+          <dgm:constr type="h" for="des" forName="bgRect" op="equ"/>
+          <dgm:constr type="h" for="des" forName="iconRect" op="equ"/>
+          <dgm:constr type="w" for="des" forName="iconRect" op="equ"/>
+          <dgm:constr type="h" for="des" forName="spaceRect" op="equ"/>
+          <dgm:constr type="h" for="des" forName="parTx" op="equ"/>
+          <dgm:constr type="h" for="des" forName="desTx" op="equ"/>
+        </dgm:constrLst>
+      </dgm:if>
+      <dgm:if name="Name6" axis="ch" ptType="node" func="cnt" op="lte" val="6">
+        <dgm:constrLst>
+          <dgm:constr type="h" for="ch" forName="compNode" refType="h" fact="0.3"/>
+          <dgm:constr type="w" for="ch" forName="compNode" refType="w"/>
+          <dgm:constr type="h" for="ch" forName="sibTrans" refType="h" refFor="ch" refForName="compNode" fact="0.25"/>
+          <dgm:constr type="primFontSz" for="des" forName="parTx" val="19"/>
+          <dgm:constr type="primFontSz" for="des" forName="desTx" refType="primFontSz" refFor="des" refForName="parTx" op="lte" fact="0.75"/>
+          <dgm:constr type="h" for="des" forName="compNode" op="equ"/>
+          <dgm:constr type="h" for="des" forName="bgRect" op="equ"/>
+          <dgm:constr type="h" for="des" forName="iconRect" op="equ"/>
+          <dgm:constr type="w" for="des" forName="iconRect" op="equ"/>
+          <dgm:constr type="h" for="des" forName="spaceRect" op="equ"/>
+          <dgm:constr type="h" for="des" forName="parTx" op="equ"/>
+          <dgm:constr type="h" for="des" forName="desTx" op="equ"/>
+        </dgm:constrLst>
+      </dgm:if>
+      <dgm:else name="Name7">
+        <dgm:constrLst>
+          <dgm:constr type="h" for="ch" forName="compNode" refType="h" fact="0.3"/>
+          <dgm:constr type="w" for="ch" forName="compNode" refType="w"/>
+          <dgm:constr type="h" for="ch" forName="sibTrans" refType="h" refFor="ch" refForName="compNode" fact="0.25"/>
+          <dgm:constr type="primFontSz" for="des" forName="parTx" val="16"/>
+          <dgm:constr type="primFontSz" for="des" forName="desTx" refType="primFontSz" refFor="des" refForName="parTx" op="lte" fact="0.75"/>
+          <dgm:constr type="h" for="des" forName="compNode" op="equ"/>
+          <dgm:constr type="h" for="des" forName="bgRect" op="equ"/>
+          <dgm:constr type="h" for="des" forName="iconRect" op="equ"/>
+          <dgm:constr type="w" for="des" forName="iconRect" op="equ"/>
+          <dgm:constr type="h" for="des" forName="spaceRect" op="equ"/>
+          <dgm:constr type="h" for="des" forName="parTx" op="equ"/>
+          <dgm:constr type="h" for="des" forName="desTx" op="equ"/>
+        </dgm:constrLst>
+      </dgm:else>
+    </dgm:choose>
+    <dgm:ruleLst>
+      <dgm:rule type="h" for="ch" forName="compNode" val="0" fact="NaN" max="NaN"/>
+    </dgm:ruleLst>
+    <dgm:forEach name="Name8" axis="ch" ptType="node">
+      <dgm:layoutNode name="compNode">
+        <dgm:alg type="composite"/>
+        <dgm:shape xmlns:r="http://schemas.openxmlformats.org/officeDocument/2006/relationships" r:blip="">
+          <dgm:adjLst/>
+        </dgm:shape>
+        <dgm:presOf axis="self"/>
+        <dgm:choose name="Name9">
+          <dgm:if name="Name10" axis="ch" ptType="node" func="cnt" op="gte" val="1">
+            <dgm:constrLst>
+              <dgm:constr type="w" for="ch" forName="bgRect" refType="w"/>
+              <dgm:constr type="h" for="ch" forName="bgRect" refType="h"/>
+              <dgm:constr type="l" for="ch" forName="bgRect"/>
+              <dgm:constr type="t" for="ch" forName="bgRect"/>
+              <dgm:constr type="h" for="ch" forName="iconRect" refType="h" fact="0.55"/>
+              <dgm:constr type="w" for="ch" forName="iconRect" refType="h" refFor="ch" refForName="iconRect"/>
+              <dgm:constr type="l" for="ch" forName="iconRect" refType="h" refFor="ch" refForName="iconRect" fact="0.55"/>
+              <dgm:constr type="ctrY" for="ch" forName="iconRect" refType="ctrY" refFor="ch" refForName="bgRect"/>
+              <dgm:constr type="w" for="ch" forName="spaceRect" refType="l" refFor="ch" refForName="iconRect"/>
+              <dgm:constr type="h" for="ch" forName="spaceRect" refType="h"/>
+              <dgm:constr type="l" for="ch" forName="spaceRect" refType="r" refFor="ch" refForName="iconRect"/>
+              <dgm:constr type="t" for="ch" forName="spaceRect"/>
+              <dgm:constr type="w" for="ch" forName="parTx" refType="w" fact="0.45"/>
+              <dgm:constr type="h" for="ch" forName="parTx" refType="h"/>
+              <dgm:constr type="l" for="ch" forName="parTx" refType="r" refFor="ch" refForName="spaceRect"/>
+              <dgm:constr type="t" for="ch" forName="parTx"/>
+              <dgm:constr type="h" for="ch" forName="desTx" refType="h"/>
+              <dgm:constr type="l" for="ch" forName="desTx" refType="r" refFor="ch" refForName="parTx"/>
+              <dgm:constr type="t" for="ch" forName="desTx"/>
+            </dgm:constrLst>
+          </dgm:if>
+          <dgm:else name="Name11">
+            <dgm:constrLst>
+              <dgm:constr type="w" for="ch" forName="bgRect" refType="w"/>
+              <dgm:constr type="h" for="ch" forName="bgRect" refType="h"/>
+              <dgm:constr type="l" for="ch" forName="bgRect"/>
+              <dgm:constr type="t" for="ch" forName="bgRect"/>
+              <dgm:constr type="h" for="ch" forName="iconRect" refType="h" fact="0.55"/>
+              <dgm:constr type="w" for="ch" forName="iconRect" refType="h" refFor="ch" refForName="iconRect"/>
+              <dgm:constr type="l" for="ch" forName="iconRect" refType="h" refFor="ch" refForName="iconRect" fact="0.55"/>
+              <dgm:constr type="ctrY" for="ch" forName="iconRect" refType="ctrY" refFor="ch" refForName="bgRect"/>
+              <dgm:constr type="w" for="ch" forName="spaceRect" refType="l" refFor="ch" refForName="iconRect"/>
+              <dgm:constr type="h" for="ch" forName="spaceRect" refType="h"/>
+              <dgm:constr type="l" for="ch" forName="spaceRect" refType="r" refFor="ch" refForName="iconRect"/>
+              <dgm:constr type="t" for="ch" forName="spaceRect"/>
+              <dgm:constr type="h" for="ch" forName="parTx" refType="h"/>
+              <dgm:constr type="l" for="ch" forName="parTx" refType="r" refFor="ch" refForName="spaceRect"/>
+              <dgm:constr type="t" for="ch" forName="parTx"/>
+            </dgm:constrLst>
+          </dgm:else>
+        </dgm:choose>
+        <dgm:ruleLst>
+          <dgm:rule type="h" val="INF" fact="NaN" max="NaN"/>
+        </dgm:ruleLst>
+        <dgm:layoutNode name="bgRect" styleLbl="bgShp">
+          <dgm:alg type="sp"/>
+          <dgm:shape xmlns:r="http://schemas.openxmlformats.org/officeDocument/2006/relationships" type="roundRect" r:blip="">
+            <dgm:adjLst>
+              <dgm:adj idx="1" val="0.1"/>
+            </dgm:adjLst>
+          </dgm:shape>
+          <dgm:presOf/>
+          <dgm:constrLst/>
+          <dgm:ruleLst/>
+        </dgm:layoutNode>
+        <dgm:layoutNode name="iconRect" styleLbl="node1">
+          <dgm:alg type="sp"/>
+          <dgm:shape xmlns:r="http://schemas.openxmlformats.org/officeDocument/2006/relationships" type="rect" r:blip="" blipPhldr="1">
+            <dgm:adjLst/>
+          </dgm:shape>
+          <dgm:presOf/>
+          <dgm:constrLst/>
+          <dgm:ruleLst/>
+        </dgm:layoutNode>
+        <dgm:layoutNode name="spaceRect">
+          <dgm:alg type="sp"/>
+          <dgm:shape xmlns:r="http://schemas.openxmlformats.org/officeDocument/2006/relationships" r:blip="">
+            <dgm:adjLst/>
+          </dgm:shape>
+          <dgm:presOf/>
+          <dgm:constrLst/>
+          <dgm:ruleLst/>
+        </dgm:layoutNode>
+        <dgm:layoutNode name="parTx" styleLbl="revTx">
+          <dgm:varLst>
+            <dgm:chMax val="0"/>
+            <dgm:chPref val="0"/>
+          </dgm:varLst>
+          <dgm:alg type="tx">
+            <dgm:param type="txAnchorVert" val="mid"/>
+            <dgm:param type="parTxLTRAlign" val="l"/>
+            <dgm:param type="shpTxLTRAlignCh" val="l"/>
+            <dgm:param type="parTxRTLAlign" val="r"/>
+            <dgm:param type="shpTxRTLAlignCh" val="r"/>
+          </dgm:alg>
+          <dgm:shape xmlns:r="http://schemas.openxmlformats.org/officeDocument/2006/relationships" type="rect" r:blip="">
+            <dgm:adjLst/>
+          </dgm:shape>
+          <dgm:presOf axis="self" ptType="node"/>
+          <dgm:constrLst>
+            <dgm:constr type="lMarg" refType="h" fact="0.3"/>
+            <dgm:constr type="rMarg" refType="h" fact="0.3"/>
+            <dgm:constr type="tMarg" refType="h" fact="0.3"/>
+            <dgm:constr type="bMarg" refType="h" fact="0.3"/>
+          </dgm:constrLst>
+          <dgm:ruleLst>
+            <dgm:rule type="primFontSz" val="14" fact="NaN" max="NaN"/>
+            <dgm:rule type="h" val="INF" fact="NaN" max="NaN"/>
+          </dgm:ruleLst>
+        </dgm:layoutNode>
+        <dgm:choose name="Name12">
+          <dgm:if name="Name13" axis="ch" ptType="node" func="cnt" op="gte" val="1">
+            <dgm:layoutNode name="desTx" styleLbl="revTx">
+              <dgm:varLst/>
+              <dgm:alg type="tx">
+                <dgm:param type="txAnchorVertCh" val="mid"/>
+                <dgm:param type="parTxLTRAlign" val="l"/>
+                <dgm:param type="shpTxLTRAlignCh" val="l"/>
+                <dgm:param type="parTxRTLAlign" val="r"/>
+                <dgm:param type="shpTxRTLAlignCh" val="r"/>
+                <dgm:param type="stBulletLvl" val="0"/>
+              </dgm:alg>
+              <dgm:shape xmlns:r="http://schemas.openxmlformats.org/officeDocument/2006/relationships" type="rect" r:blip="">
+                <dgm:adjLst/>
+              </dgm:shape>
+              <dgm:presOf axis="des" ptType="node"/>
+              <dgm:constrLst>
+                <dgm:constr type="primFontSz" val="18"/>
+                <dgm:constr type="secFontSz" refType="primFontSz"/>
+                <dgm:constr type="lMarg" refType="h" fact="0.3"/>
+                <dgm:constr type="rMarg" refType="h" fact="0.3"/>
+                <dgm:constr type="tMarg" refType="h" fact="0.3"/>
+                <dgm:constr type="bMarg" refType="h" fact="0.3"/>
+              </dgm:constrLst>
+              <dgm:ruleLst>
+                <dgm:rule type="primFontSz" val="11" fact="NaN" max="NaN"/>
+              </dgm:ruleLst>
+            </dgm:layoutNode>
+          </dgm:if>
+          <dgm:else name="Name14"/>
+        </dgm:choose>
+      </dgm:layoutNode>
+      <dgm:forEach name="Name15" axis="followSib" ptType="sibTrans" cnt="1">
+        <dgm:layoutNode name="sibTrans">
+          <dgm:alg type="sp"/>
+          <dgm:shape xmlns:r="http://schemas.openxmlformats.org/officeDocument/2006/relationships" r:blip="">
+            <dgm:adjLst/>
+          </dgm:shape>
+          <dgm:presOf axis="self"/>
+          <dgm:constrLst/>
+          <dgm:ruleLst/>
+        </dgm:layoutNode>
+      </dgm:forEach>
+    </dgm:forEach>
+  </dgm:layoutNode>
+  <dgm:extLst>
+    <a:ext uri="{68A01E43-0DF5-4B5B-8FA6-DAF915123BFB}">
+      <dgm1612:lstStyle xmlns:dgm1612="http://schemas.microsoft.com/office/drawing/2016/12/diagram">
+        <a:lvl1pPr>
+          <a:lnSpc>
+            <a:spcPct val="100000"/>
+          </a:lnSpc>
+        </a:lvl1pPr>
+        <a:lvl2pPr>
+          <a:lnSpc>
+            <a:spcPct val="100000"/>
+          </a:lnSpc>
+        </a:lvl2pPr>
+      </dgm1612:lstStyle>
+    </a:ext>
+  </dgm:extLst>
+</dgm:layoutDef>
+</file>
+
+<file path=ppt/diagrams/layout6.xml><?xml version="1.0" encoding="utf-8"?>
+<dgm:layoutDef xmlns:dgm="http://schemas.openxmlformats.org/drawingml/2006/diagram" xmlns:a="http://schemas.openxmlformats.org/drawingml/2006/main" uniqueId="urn:microsoft.com/office/officeart/2018/2/layout/IconVerticalSolidList">
+  <dgm:title val="Icon Vertical Solid List"/>
+  <dgm:desc val="Use to show a series of visuals from top to bottom with Level 1 or Level 1 and Level 2 text grouped in a shape. Works best with icons or small pictures with lengthier descriptions."/>
+  <dgm:catLst>
+    <dgm:cat type="icon" pri="500"/>
+  </dgm:catLst>
+  <dgm:sampData useDef="1">
+    <dgm:dataModel>
+      <dgm:ptLst/>
+      <dgm:bg/>
+      <dgm:whole/>
+    </dgm:dataModel>
+  </dgm:sampData>
+  <dgm:styleData useDef="1">
+    <dgm:dataModel>
+      <dgm:ptLst/>
+      <dgm:bg/>
+      <dgm:whole/>
+    </dgm:dataModel>
+  </dgm:styleData>
+  <dgm:clrData useDef="1">
+    <dgm:dataModel>
+      <dgm:ptLst/>
+      <dgm:bg/>
+      <dgm:whole/>
+    </dgm:dataModel>
+  </dgm:clrData>
+  <dgm:layoutNode name="root">
+    <dgm:varLst>
+      <dgm:dir/>
+      <dgm:resizeHandles val="exact"/>
+    </dgm:varLst>
+    <dgm:choose name="Name0">
+      <dgm:if name="Name1" axis="self" func="var" arg="dir" op="equ" val="norm">
+        <dgm:alg type="lin">
+          <dgm:param type="linDir" val="fromT"/>
+          <dgm:param type="nodeHorzAlign" val="l"/>
+        </dgm:alg>
+      </dgm:if>
+      <dgm:else name="Name2">
+        <dgm:alg type="lin">
+          <dgm:param type="linDir" val="fromT"/>
+          <dgm:param type="nodeHorzAlign" val="r"/>
+        </dgm:alg>
+      </dgm:else>
+    </dgm:choose>
+    <dgm:shape xmlns:r="http://schemas.openxmlformats.org/officeDocument/2006/relationships" r:blip="">
+      <dgm:adjLst/>
+    </dgm:shape>
+    <dgm:presOf/>
+    <dgm:choose name="Name3">
+      <dgm:if name="Name4" axis="ch" ptType="node" func="cnt" op="lte" val="3">
+        <dgm:constrLst>
+          <dgm:constr type="h" for="ch" forName="compNode" refType="h" fact="0.3"/>
+          <dgm:constr type="w" for="ch" forName="compNode" refType="w"/>
+          <dgm:constr type="h" for="ch" forName="sibTrans" refType="h" refFor="ch" refForName="compNode" fact="0.25"/>
+          <dgm:constr type="primFontSz" for="des" forName="parTx" val="25"/>
+          <dgm:constr type="primFontSz" for="des" forName="desTx" refType="primFontSz" refFor="des" refForName="parTx" op="lte" fact="0.75"/>
+          <dgm:constr type="h" for="des" forName="compNode" op="equ"/>
+          <dgm:constr type="h" for="des" forName="bgRect" op="equ"/>
+          <dgm:constr type="h" for="des" forName="iconRect" op="equ"/>
+          <dgm:constr type="w" for="des" forName="iconRect" op="equ"/>
+          <dgm:constr type="h" for="des" forName="spaceRect" op="equ"/>
+          <dgm:constr type="h" for="des" forName="parTx" op="equ"/>
+          <dgm:constr type="h" for="des" forName="desTx" op="equ"/>
+        </dgm:constrLst>
+      </dgm:if>
+      <dgm:if name="Name5" axis="ch" ptType="node" func="cnt" op="lte" val="4">
+        <dgm:constrLst>
+          <dgm:constr type="h" for="ch" forName="compNode" refType="h" fact="0.3"/>
+          <dgm:constr type="w" for="ch" forName="compNode" refType="w"/>
+          <dgm:constr type="h" for="ch" forName="sibTrans" refType="h" refFor="ch" refForName="compNode" fact="0.25"/>
+          <dgm:constr type="primFontSz" for="des" forName="parTx" val="22"/>
+          <dgm:constr type="primFontSz" for="des" forName="desTx" refType="primFontSz" refFor="des" refForName="parTx" op="lte" fact="0.75"/>
+          <dgm:constr type="h" for="des" forName="compNode" op="equ"/>
+          <dgm:constr type="h" for="des" forName="bgRect" op="equ"/>
+          <dgm:constr type="h" for="des" forName="iconRect" op="equ"/>
+          <dgm:constr type="w" for="des" forName="iconRect" op="equ"/>
+          <dgm:constr type="h" for="des" forName="spaceRect" op="equ"/>
+          <dgm:constr type="h" for="des" forName="parTx" op="equ"/>
+          <dgm:constr type="h" for="des" forName="desTx" op="equ"/>
+        </dgm:constrLst>
+      </dgm:if>
+      <dgm:if name="Name6" axis="ch" ptType="node" func="cnt" op="lte" val="6">
+        <dgm:constrLst>
+          <dgm:constr type="h" for="ch" forName="compNode" refType="h" fact="0.3"/>
+          <dgm:constr type="w" for="ch" forName="compNode" refType="w"/>
+          <dgm:constr type="h" for="ch" forName="sibTrans" refType="h" refFor="ch" refForName="compNode" fact="0.25"/>
+          <dgm:constr type="primFontSz" for="des" forName="parTx" val="19"/>
+          <dgm:constr type="primFontSz" for="des" forName="desTx" refType="primFontSz" refFor="des" refForName="parTx" op="lte" fact="0.75"/>
+          <dgm:constr type="h" for="des" forName="compNode" op="equ"/>
+          <dgm:constr type="h" for="des" forName="bgRect" op="equ"/>
+          <dgm:constr type="h" for="des" forName="iconRect" op="equ"/>
+          <dgm:constr type="w" for="des" forName="iconRect" op="equ"/>
+          <dgm:constr type="h" for="des" forName="spaceRect" op="equ"/>
+          <dgm:constr type="h" for="des" forName="parTx" op="equ"/>
+          <dgm:constr type="h" for="des" forName="desTx" op="equ"/>
+        </dgm:constrLst>
+      </dgm:if>
+      <dgm:else name="Name7">
+        <dgm:constrLst>
+          <dgm:constr type="h" for="ch" forName="compNode" refType="h" fact="0.3"/>
+          <dgm:constr type="w" for="ch" forName="compNode" refType="w"/>
+          <dgm:constr type="h" for="ch" forName="sibTrans" refType="h" refFor="ch" refForName="compNode" fact="0.25"/>
+          <dgm:constr type="primFontSz" for="des" forName="parTx" val="16"/>
+          <dgm:constr type="primFontSz" for="des" forName="desTx" refType="primFontSz" refFor="des" refForName="parTx" op="lte" fact="0.75"/>
+          <dgm:constr type="h" for="des" forName="compNode" op="equ"/>
+          <dgm:constr type="h" for="des" forName="bgRect" op="equ"/>
+          <dgm:constr type="h" for="des" forName="iconRect" op="equ"/>
+          <dgm:constr type="w" for="des" forName="iconRect" op="equ"/>
+          <dgm:constr type="h" for="des" forName="spaceRect" op="equ"/>
+          <dgm:constr type="h" for="des" forName="parTx" op="equ"/>
+          <dgm:constr type="h" for="des" forName="desTx" op="equ"/>
+        </dgm:constrLst>
+      </dgm:else>
+    </dgm:choose>
+    <dgm:ruleLst>
+      <dgm:rule type="h" for="ch" forName="compNode" val="0" fact="NaN" max="NaN"/>
+    </dgm:ruleLst>
+    <dgm:forEach name="Name8" axis="ch" ptType="node">
+      <dgm:layoutNode name="compNode">
+        <dgm:alg type="composite"/>
+        <dgm:shape xmlns:r="http://schemas.openxmlformats.org/officeDocument/2006/relationships" r:blip="">
+          <dgm:adjLst/>
+        </dgm:shape>
+        <dgm:presOf axis="self"/>
+        <dgm:choose name="Name9">
+          <dgm:if name="Name10" axis="ch" ptType="node" func="cnt" op="gte" val="1">
+            <dgm:constrLst>
+              <dgm:constr type="w" for="ch" forName="bgRect" refType="w"/>
+              <dgm:constr type="h" for="ch" forName="bgRect" refType="h"/>
+              <dgm:constr type="l" for="ch" forName="bgRect"/>
+              <dgm:constr type="t" for="ch" forName="bgRect"/>
+              <dgm:constr type="h" for="ch" forName="iconRect" refType="h" fact="0.55"/>
+              <dgm:constr type="w" for="ch" forName="iconRect" refType="h" refFor="ch" refForName="iconRect"/>
+              <dgm:constr type="l" for="ch" forName="iconRect" refType="h" refFor="ch" refForName="iconRect" fact="0.55"/>
+              <dgm:constr type="ctrY" for="ch" forName="iconRect" refType="ctrY" refFor="ch" refForName="bgRect"/>
+              <dgm:constr type="w" for="ch" forName="spaceRect" refType="l" refFor="ch" refForName="iconRect"/>
+              <dgm:constr type="h" for="ch" forName="spaceRect" refType="h"/>
+              <dgm:constr type="l" for="ch" forName="spaceRect" refType="r" refFor="ch" refForName="iconRect"/>
+              <dgm:constr type="t" for="ch" forName="spaceRect"/>
+              <dgm:constr type="w" for="ch" forName="parTx" refType="w" fact="0.45"/>
+              <dgm:constr type="h" for="ch" forName="parTx" refType="h"/>
+              <dgm:constr type="l" for="ch" forName="parTx" refType="r" refFor="ch" refForName="spaceRect"/>
+              <dgm:constr type="t" for="ch" forName="parTx"/>
+              <dgm:constr type="h" for="ch" forName="desTx" refType="h"/>
+              <dgm:constr type="l" for="ch" forName="desTx" refType="r" refFor="ch" refForName="parTx"/>
+              <dgm:constr type="t" for="ch" forName="desTx"/>
+            </dgm:constrLst>
+          </dgm:if>
+          <dgm:else name="Name11">
+            <dgm:constrLst>
+              <dgm:constr type="w" for="ch" forName="bgRect" refType="w"/>
+              <dgm:constr type="h" for="ch" forName="bgRect" refType="h"/>
+              <dgm:constr type="l" for="ch" forName="bgRect"/>
+              <dgm:constr type="t" for="ch" forName="bgRect"/>
+              <dgm:constr type="h" for="ch" forName="iconRect" refType="h" fact="0.55"/>
+              <dgm:constr type="w" for="ch" forName="iconRect" refType="h" refFor="ch" refForName="iconRect"/>
+              <dgm:constr type="l" for="ch" forName="iconRect" refType="h" refFor="ch" refForName="iconRect" fact="0.55"/>
+              <dgm:constr type="ctrY" for="ch" forName="iconRect" refType="ctrY" refFor="ch" refForName="bgRect"/>
+              <dgm:constr type="w" for="ch" forName="spaceRect" refType="l" refFor="ch" refForName="iconRect"/>
+              <dgm:constr type="h" for="ch" forName="spaceRect" refType="h"/>
+              <dgm:constr type="l" for="ch" forName="spaceRect" refType="r" refFor="ch" refForName="iconRect"/>
+              <dgm:constr type="t" for="ch" forName="spaceRect"/>
+              <dgm:constr type="h" for="ch" forName="parTx" refType="h"/>
+              <dgm:constr type="l" for="ch" forName="parTx" refType="r" refFor="ch" refForName="spaceRect"/>
+              <dgm:constr type="t" for="ch" forName="parTx"/>
+            </dgm:constrLst>
+          </dgm:else>
+        </dgm:choose>
+        <dgm:ruleLst>
+          <dgm:rule type="h" val="INF" fact="NaN" max="NaN"/>
+        </dgm:ruleLst>
+        <dgm:layoutNode name="bgRect" styleLbl="bgShp">
+          <dgm:alg type="sp"/>
+          <dgm:shape xmlns:r="http://schemas.openxmlformats.org/officeDocument/2006/relationships" type="roundRect" r:blip="">
+            <dgm:adjLst>
+              <dgm:adj idx="1" val="0.1"/>
+            </dgm:adjLst>
+          </dgm:shape>
+          <dgm:presOf/>
+          <dgm:constrLst/>
+          <dgm:ruleLst/>
+        </dgm:layoutNode>
+        <dgm:layoutNode name="iconRect" styleLbl="node1">
+          <dgm:alg type="sp"/>
+          <dgm:shape xmlns:r="http://schemas.openxmlformats.org/officeDocument/2006/relationships" type="rect" r:blip="" blipPhldr="1">
+            <dgm:adjLst/>
+          </dgm:shape>
+          <dgm:presOf/>
+          <dgm:constrLst/>
+          <dgm:ruleLst/>
+        </dgm:layoutNode>
+        <dgm:layoutNode name="spaceRect">
+          <dgm:alg type="sp"/>
+          <dgm:shape xmlns:r="http://schemas.openxmlformats.org/officeDocument/2006/relationships" r:blip="">
+            <dgm:adjLst/>
+          </dgm:shape>
+          <dgm:presOf/>
+          <dgm:constrLst/>
+          <dgm:ruleLst/>
+        </dgm:layoutNode>
+        <dgm:layoutNode name="parTx" styleLbl="revTx">
+          <dgm:varLst>
+            <dgm:chMax val="0"/>
+            <dgm:chPref val="0"/>
+          </dgm:varLst>
+          <dgm:alg type="tx">
+            <dgm:param type="txAnchorVert" val="mid"/>
+            <dgm:param type="parTxLTRAlign" val="l"/>
+            <dgm:param type="shpTxLTRAlignCh" val="l"/>
+            <dgm:param type="parTxRTLAlign" val="r"/>
+            <dgm:param type="shpTxRTLAlignCh" val="r"/>
+          </dgm:alg>
+          <dgm:shape xmlns:r="http://schemas.openxmlformats.org/officeDocument/2006/relationships" type="rect" r:blip="">
+            <dgm:adjLst/>
+          </dgm:shape>
+          <dgm:presOf axis="self" ptType="node"/>
+          <dgm:constrLst>
+            <dgm:constr type="lMarg" refType="h" fact="0.3"/>
+            <dgm:constr type="rMarg" refType="h" fact="0.3"/>
+            <dgm:constr type="tMarg" refType="h" fact="0.3"/>
+            <dgm:constr type="bMarg" refType="h" fact="0.3"/>
+          </dgm:constrLst>
+          <dgm:ruleLst>
+            <dgm:rule type="primFontSz" val="14" fact="NaN" max="NaN"/>
+            <dgm:rule type="h" val="INF" fact="NaN" max="NaN"/>
+          </dgm:ruleLst>
+        </dgm:layoutNode>
+        <dgm:choose name="Name12">
+          <dgm:if name="Name13" axis="ch" ptType="node" func="cnt" op="gte" val="1">
+            <dgm:layoutNode name="desTx" styleLbl="revTx">
+              <dgm:varLst/>
+              <dgm:alg type="tx">
+                <dgm:param type="txAnchorVertCh" val="mid"/>
+                <dgm:param type="parTxLTRAlign" val="l"/>
+                <dgm:param type="shpTxLTRAlignCh" val="l"/>
+                <dgm:param type="parTxRTLAlign" val="r"/>
+                <dgm:param type="shpTxRTLAlignCh" val="r"/>
+                <dgm:param type="stBulletLvl" val="0"/>
+              </dgm:alg>
+              <dgm:shape xmlns:r="http://schemas.openxmlformats.org/officeDocument/2006/relationships" type="rect" r:blip="">
+                <dgm:adjLst/>
+              </dgm:shape>
+              <dgm:presOf axis="des" ptType="node"/>
+              <dgm:constrLst>
+                <dgm:constr type="primFontSz" val="18"/>
+                <dgm:constr type="secFontSz" refType="primFontSz"/>
+                <dgm:constr type="lMarg" refType="h" fact="0.3"/>
+                <dgm:constr type="rMarg" refType="h" fact="0.3"/>
+                <dgm:constr type="tMarg" refType="h" fact="0.3"/>
+                <dgm:constr type="bMarg" refType="h" fact="0.3"/>
+              </dgm:constrLst>
+              <dgm:ruleLst>
+                <dgm:rule type="primFontSz" val="11" fact="NaN" max="NaN"/>
+              </dgm:ruleLst>
+            </dgm:layoutNode>
+          </dgm:if>
+          <dgm:else name="Name14"/>
+        </dgm:choose>
+      </dgm:layoutNode>
+      <dgm:forEach name="Name15" axis="followSib" ptType="sibTrans" cnt="1">
+        <dgm:layoutNode name="sibTrans">
+          <dgm:alg type="sp"/>
+          <dgm:shape xmlns:r="http://schemas.openxmlformats.org/officeDocument/2006/relationships" r:blip="">
+            <dgm:adjLst/>
+          </dgm:shape>
+          <dgm:presOf axis="self"/>
+          <dgm:constrLst/>
+          <dgm:ruleLst/>
+        </dgm:layoutNode>
+      </dgm:forEach>
+    </dgm:forEach>
+  </dgm:layoutNode>
+  <dgm:extLst>
+    <a:ext uri="{68A01E43-0DF5-4B5B-8FA6-DAF915123BFB}">
+      <dgm1612:lstStyle xmlns:dgm1612="http://schemas.microsoft.com/office/drawing/2016/12/diagram">
+        <a:lvl1pPr>
+          <a:lnSpc>
+            <a:spcPct val="100000"/>
+          </a:lnSpc>
+        </a:lvl1pPr>
+        <a:lvl2pPr>
+          <a:lnSpc>
+            <a:spcPct val="100000"/>
+          </a:lnSpc>
+        </a:lvl2pPr>
+      </dgm1612:lstStyle>
+    </a:ext>
+  </dgm:extLst>
+</dgm:layoutDef>
+</file>
+
 <file path=ppt/diagrams/quickStyle1.xml><?xml version="1.0" encoding="utf-8"?>
 <dgm:styleDef xmlns:dgm="http://schemas.openxmlformats.org/drawingml/2006/diagram" xmlns:a="http://schemas.openxmlformats.org/drawingml/2006/main" uniqueId="urn:microsoft.com/office/officeart/2005/8/quickstyle/simple1">
   <dgm:title val=""/>
@@ -13079,6 +17331,2074 @@
 </file>
 
 <file path=ppt/diagrams/quickStyle4.xml><?xml version="1.0" encoding="utf-8"?>
+<dgm:styleDef xmlns:dgm="http://schemas.openxmlformats.org/drawingml/2006/diagram" xmlns:a="http://schemas.openxmlformats.org/drawingml/2006/main" uniqueId="urn:microsoft.com/office/officeart/2005/8/quickstyle/simple1">
+  <dgm:title val=""/>
+  <dgm:desc val=""/>
+  <dgm:catLst>
+    <dgm:cat type="simple" pri="10100"/>
+  </dgm:catLst>
+  <dgm:scene3d>
+    <a:camera prst="orthographicFront"/>
+    <a:lightRig rig="threePt" dir="t"/>
+  </dgm:scene3d>
+  <dgm:styleLbl name="node0">
+    <dgm:scene3d>
+      <a:camera prst="orthographicFront"/>
+      <a:lightRig rig="threePt" dir="t"/>
+    </dgm:scene3d>
+    <dgm:sp3d/>
+    <dgm:txPr/>
+    <dgm:style>
+      <a:lnRef idx="2">
+        <a:scrgbClr r="0" g="0" b="0"/>
+      </a:lnRef>
+      <a:fillRef idx="1">
+        <a:scrgbClr r="0" g="0" b="0"/>
+      </a:fillRef>
+      <a:effectRef idx="0">
+        <a:scrgbClr r="0" g="0" b="0"/>
+      </a:effectRef>
+      <a:fontRef idx="minor">
+        <a:schemeClr val="lt1"/>
+      </a:fontRef>
+    </dgm:style>
+  </dgm:styleLbl>
+  <dgm:styleLbl name="lnNode1">
+    <dgm:scene3d>
+      <a:camera prst="orthographicFront"/>
+      <a:lightRig rig="threePt" dir="t"/>
+    </dgm:scene3d>
+    <dgm:sp3d/>
+    <dgm:txPr/>
+    <dgm:style>
+      <a:lnRef idx="2">
+        <a:scrgbClr r="0" g="0" b="0"/>
+      </a:lnRef>
+      <a:fillRef idx="1">
+        <a:scrgbClr r="0" g="0" b="0"/>
+      </a:fillRef>
+      <a:effectRef idx="0">
+        <a:scrgbClr r="0" g="0" b="0"/>
+      </a:effectRef>
+      <a:fontRef idx="minor">
+        <a:schemeClr val="lt1"/>
+      </a:fontRef>
+    </dgm:style>
+  </dgm:styleLbl>
+  <dgm:styleLbl name="vennNode1">
+    <dgm:scene3d>
+      <a:camera prst="orthographicFront"/>
+      <a:lightRig rig="threePt" dir="t"/>
+    </dgm:scene3d>
+    <dgm:sp3d/>
+    <dgm:txPr/>
+    <dgm:style>
+      <a:lnRef idx="2">
+        <a:scrgbClr r="0" g="0" b="0"/>
+      </a:lnRef>
+      <a:fillRef idx="1">
+        <a:scrgbClr r="0" g="0" b="0"/>
+      </a:fillRef>
+      <a:effectRef idx="0">
+        <a:scrgbClr r="0" g="0" b="0"/>
+      </a:effectRef>
+      <a:fontRef idx="minor">
+        <a:schemeClr val="tx1"/>
+      </a:fontRef>
+    </dgm:style>
+  </dgm:styleLbl>
+  <dgm:styleLbl name="alignNode1">
+    <dgm:scene3d>
+      <a:camera prst="orthographicFront"/>
+      <a:lightRig rig="threePt" dir="t"/>
+    </dgm:scene3d>
+    <dgm:sp3d/>
+    <dgm:txPr/>
+    <dgm:style>
+      <a:lnRef idx="2">
+        <a:scrgbClr r="0" g="0" b="0"/>
+      </a:lnRef>
+      <a:fillRef idx="1">
+        <a:scrgbClr r="0" g="0" b="0"/>
+      </a:fillRef>
+      <a:effectRef idx="0">
+        <a:scrgbClr r="0" g="0" b="0"/>
+      </a:effectRef>
+      <a:fontRef idx="minor">
+        <a:schemeClr val="lt1"/>
+      </a:fontRef>
+    </dgm:style>
+  </dgm:styleLbl>
+  <dgm:styleLbl name="node1">
+    <dgm:scene3d>
+      <a:camera prst="orthographicFront"/>
+      <a:lightRig rig="threePt" dir="t"/>
+    </dgm:scene3d>
+    <dgm:sp3d/>
+    <dgm:txPr/>
+    <dgm:style>
+      <a:lnRef idx="2">
+        <a:scrgbClr r="0" g="0" b="0"/>
+      </a:lnRef>
+      <a:fillRef idx="1">
+        <a:scrgbClr r="0" g="0" b="0"/>
+      </a:fillRef>
+      <a:effectRef idx="0">
+        <a:scrgbClr r="0" g="0" b="0"/>
+      </a:effectRef>
+      <a:fontRef idx="minor">
+        <a:schemeClr val="lt1"/>
+      </a:fontRef>
+    </dgm:style>
+  </dgm:styleLbl>
+  <dgm:styleLbl name="node2">
+    <dgm:scene3d>
+      <a:camera prst="orthographicFront"/>
+      <a:lightRig rig="threePt" dir="t"/>
+    </dgm:scene3d>
+    <dgm:sp3d/>
+    <dgm:txPr/>
+    <dgm:style>
+      <a:lnRef idx="2">
+        <a:scrgbClr r="0" g="0" b="0"/>
+      </a:lnRef>
+      <a:fillRef idx="1">
+        <a:scrgbClr r="0" g="0" b="0"/>
+      </a:fillRef>
+      <a:effectRef idx="0">
+        <a:scrgbClr r="0" g="0" b="0"/>
+      </a:effectRef>
+      <a:fontRef idx="minor">
+        <a:schemeClr val="lt1"/>
+      </a:fontRef>
+    </dgm:style>
+  </dgm:styleLbl>
+  <dgm:styleLbl name="node3">
+    <dgm:scene3d>
+      <a:camera prst="orthographicFront"/>
+      <a:lightRig rig="threePt" dir="t"/>
+    </dgm:scene3d>
+    <dgm:sp3d/>
+    <dgm:txPr/>
+    <dgm:style>
+      <a:lnRef idx="2">
+        <a:scrgbClr r="0" g="0" b="0"/>
+      </a:lnRef>
+      <a:fillRef idx="1">
+        <a:scrgbClr r="0" g="0" b="0"/>
+      </a:fillRef>
+      <a:effectRef idx="0">
+        <a:scrgbClr r="0" g="0" b="0"/>
+      </a:effectRef>
+      <a:fontRef idx="minor">
+        <a:schemeClr val="lt1"/>
+      </a:fontRef>
+    </dgm:style>
+  </dgm:styleLbl>
+  <dgm:styleLbl name="node4">
+    <dgm:scene3d>
+      <a:camera prst="orthographicFront"/>
+      <a:lightRig rig="threePt" dir="t"/>
+    </dgm:scene3d>
+    <dgm:sp3d/>
+    <dgm:txPr/>
+    <dgm:style>
+      <a:lnRef idx="2">
+        <a:scrgbClr r="0" g="0" b="0"/>
+      </a:lnRef>
+      <a:fillRef idx="1">
+        <a:scrgbClr r="0" g="0" b="0"/>
+      </a:fillRef>
+      <a:effectRef idx="0">
+        <a:scrgbClr r="0" g="0" b="0"/>
+      </a:effectRef>
+      <a:fontRef idx="minor">
+        <a:schemeClr val="lt1"/>
+      </a:fontRef>
+    </dgm:style>
+  </dgm:styleLbl>
+  <dgm:styleLbl name="fgImgPlace1">
+    <dgm:scene3d>
+      <a:camera prst="orthographicFront"/>
+      <a:lightRig rig="threePt" dir="t"/>
+    </dgm:scene3d>
+    <dgm:sp3d/>
+    <dgm:txPr/>
+    <dgm:style>
+      <a:lnRef idx="2">
+        <a:scrgbClr r="0" g="0" b="0"/>
+      </a:lnRef>
+      <a:fillRef idx="1">
+        <a:scrgbClr r="0" g="0" b="0"/>
+      </a:fillRef>
+      <a:effectRef idx="0">
+        <a:scrgbClr r="0" g="0" b="0"/>
+      </a:effectRef>
+      <a:fontRef idx="minor"/>
+    </dgm:style>
+  </dgm:styleLbl>
+  <dgm:styleLbl name="alignImgPlace1">
+    <dgm:scene3d>
+      <a:camera prst="orthographicFront"/>
+      <a:lightRig rig="threePt" dir="t"/>
+    </dgm:scene3d>
+    <dgm:sp3d/>
+    <dgm:txPr/>
+    <dgm:style>
+      <a:lnRef idx="2">
+        <a:scrgbClr r="0" g="0" b="0"/>
+      </a:lnRef>
+      <a:fillRef idx="1">
+        <a:scrgbClr r="0" g="0" b="0"/>
+      </a:fillRef>
+      <a:effectRef idx="0">
+        <a:scrgbClr r="0" g="0" b="0"/>
+      </a:effectRef>
+      <a:fontRef idx="minor"/>
+    </dgm:style>
+  </dgm:styleLbl>
+  <dgm:styleLbl name="bgImgPlace1">
+    <dgm:scene3d>
+      <a:camera prst="orthographicFront"/>
+      <a:lightRig rig="threePt" dir="t"/>
+    </dgm:scene3d>
+    <dgm:sp3d/>
+    <dgm:txPr/>
+    <dgm:style>
+      <a:lnRef idx="2">
+        <a:scrgbClr r="0" g="0" b="0"/>
+      </a:lnRef>
+      <a:fillRef idx="1">
+        <a:scrgbClr r="0" g="0" b="0"/>
+      </a:fillRef>
+      <a:effectRef idx="0">
+        <a:scrgbClr r="0" g="0" b="0"/>
+      </a:effectRef>
+      <a:fontRef idx="minor"/>
+    </dgm:style>
+  </dgm:styleLbl>
+  <dgm:styleLbl name="sibTrans2D1">
+    <dgm:scene3d>
+      <a:camera prst="orthographicFront"/>
+      <a:lightRig rig="threePt" dir="t"/>
+    </dgm:scene3d>
+    <dgm:sp3d/>
+    <dgm:txPr/>
+    <dgm:style>
+      <a:lnRef idx="0">
+        <a:scrgbClr r="0" g="0" b="0"/>
+      </a:lnRef>
+      <a:fillRef idx="1">
+        <a:scrgbClr r="0" g="0" b="0"/>
+      </a:fillRef>
+      <a:effectRef idx="0">
+        <a:scrgbClr r="0" g="0" b="0"/>
+      </a:effectRef>
+      <a:fontRef idx="minor">
+        <a:schemeClr val="lt1"/>
+      </a:fontRef>
+    </dgm:style>
+  </dgm:styleLbl>
+  <dgm:styleLbl name="fgSibTrans2D1">
+    <dgm:scene3d>
+      <a:camera prst="orthographicFront"/>
+      <a:lightRig rig="threePt" dir="t"/>
+    </dgm:scene3d>
+    <dgm:sp3d/>
+    <dgm:txPr/>
+    <dgm:style>
+      <a:lnRef idx="0">
+        <a:scrgbClr r="0" g="0" b="0"/>
+      </a:lnRef>
+      <a:fillRef idx="1">
+        <a:scrgbClr r="0" g="0" b="0"/>
+      </a:fillRef>
+      <a:effectRef idx="0">
+        <a:scrgbClr r="0" g="0" b="0"/>
+      </a:effectRef>
+      <a:fontRef idx="minor">
+        <a:schemeClr val="lt1"/>
+      </a:fontRef>
+    </dgm:style>
+  </dgm:styleLbl>
+  <dgm:styleLbl name="bgSibTrans2D1">
+    <dgm:scene3d>
+      <a:camera prst="orthographicFront"/>
+      <a:lightRig rig="threePt" dir="t"/>
+    </dgm:scene3d>
+    <dgm:sp3d/>
+    <dgm:txPr/>
+    <dgm:style>
+      <a:lnRef idx="0">
+        <a:scrgbClr r="0" g="0" b="0"/>
+      </a:lnRef>
+      <a:fillRef idx="1">
+        <a:scrgbClr r="0" g="0" b="0"/>
+      </a:fillRef>
+      <a:effectRef idx="0">
+        <a:scrgbClr r="0" g="0" b="0"/>
+      </a:effectRef>
+      <a:fontRef idx="minor">
+        <a:schemeClr val="lt1"/>
+      </a:fontRef>
+    </dgm:style>
+  </dgm:styleLbl>
+  <dgm:styleLbl name="sibTrans1D1">
+    <dgm:scene3d>
+      <a:camera prst="orthographicFront"/>
+      <a:lightRig rig="threePt" dir="t"/>
+    </dgm:scene3d>
+    <dgm:sp3d/>
+    <dgm:txPr/>
+    <dgm:style>
+      <a:lnRef idx="1">
+        <a:scrgbClr r="0" g="0" b="0"/>
+      </a:lnRef>
+      <a:fillRef idx="0">
+        <a:scrgbClr r="0" g="0" b="0"/>
+      </a:fillRef>
+      <a:effectRef idx="0">
+        <a:scrgbClr r="0" g="0" b="0"/>
+      </a:effectRef>
+      <a:fontRef idx="minor"/>
+    </dgm:style>
+  </dgm:styleLbl>
+  <dgm:styleLbl name="callout">
+    <dgm:scene3d>
+      <a:camera prst="orthographicFront"/>
+      <a:lightRig rig="threePt" dir="t"/>
+    </dgm:scene3d>
+    <dgm:sp3d/>
+    <dgm:txPr/>
+    <dgm:style>
+      <a:lnRef idx="2">
+        <a:scrgbClr r="0" g="0" b="0"/>
+      </a:lnRef>
+      <a:fillRef idx="1">
+        <a:scrgbClr r="0" g="0" b="0"/>
+      </a:fillRef>
+      <a:effectRef idx="0">
+        <a:scrgbClr r="0" g="0" b="0"/>
+      </a:effectRef>
+      <a:fontRef idx="minor"/>
+    </dgm:style>
+  </dgm:styleLbl>
+  <dgm:styleLbl name="asst0">
+    <dgm:scene3d>
+      <a:camera prst="orthographicFront"/>
+      <a:lightRig rig="threePt" dir="t"/>
+    </dgm:scene3d>
+    <dgm:sp3d/>
+    <dgm:txPr/>
+    <dgm:style>
+      <a:lnRef idx="2">
+        <a:scrgbClr r="0" g="0" b="0"/>
+      </a:lnRef>
+      <a:fillRef idx="1">
+        <a:scrgbClr r="0" g="0" b="0"/>
+      </a:fillRef>
+      <a:effectRef idx="0">
+        <a:scrgbClr r="0" g="0" b="0"/>
+      </a:effectRef>
+      <a:fontRef idx="minor">
+        <a:schemeClr val="lt1"/>
+      </a:fontRef>
+    </dgm:style>
+  </dgm:styleLbl>
+  <dgm:styleLbl name="asst1">
+    <dgm:scene3d>
+      <a:camera prst="orthographicFront"/>
+      <a:lightRig rig="threePt" dir="t"/>
+    </dgm:scene3d>
+    <dgm:sp3d/>
+    <dgm:txPr/>
+    <dgm:style>
+      <a:lnRef idx="2">
+        <a:scrgbClr r="0" g="0" b="0"/>
+      </a:lnRef>
+      <a:fillRef idx="1">
+        <a:scrgbClr r="0" g="0" b="0"/>
+      </a:fillRef>
+      <a:effectRef idx="0">
+        <a:scrgbClr r="0" g="0" b="0"/>
+      </a:effectRef>
+      <a:fontRef idx="minor">
+        <a:schemeClr val="lt1"/>
+      </a:fontRef>
+    </dgm:style>
+  </dgm:styleLbl>
+  <dgm:styleLbl name="asst2">
+    <dgm:scene3d>
+      <a:camera prst="orthographicFront"/>
+      <a:lightRig rig="threePt" dir="t"/>
+    </dgm:scene3d>
+    <dgm:sp3d/>
+    <dgm:txPr/>
+    <dgm:style>
+      <a:lnRef idx="2">
+        <a:scrgbClr r="0" g="0" b="0"/>
+      </a:lnRef>
+      <a:fillRef idx="1">
+        <a:scrgbClr r="0" g="0" b="0"/>
+      </a:fillRef>
+      <a:effectRef idx="0">
+        <a:scrgbClr r="0" g="0" b="0"/>
+      </a:effectRef>
+      <a:fontRef idx="minor">
+        <a:schemeClr val="lt1"/>
+      </a:fontRef>
+    </dgm:style>
+  </dgm:styleLbl>
+  <dgm:styleLbl name="asst3">
+    <dgm:scene3d>
+      <a:camera prst="orthographicFront"/>
+      <a:lightRig rig="threePt" dir="t"/>
+    </dgm:scene3d>
+    <dgm:sp3d/>
+    <dgm:txPr/>
+    <dgm:style>
+      <a:lnRef idx="2">
+        <a:scrgbClr r="0" g="0" b="0"/>
+      </a:lnRef>
+      <a:fillRef idx="1">
+        <a:scrgbClr r="0" g="0" b="0"/>
+      </a:fillRef>
+      <a:effectRef idx="0">
+        <a:scrgbClr r="0" g="0" b="0"/>
+      </a:effectRef>
+      <a:fontRef idx="minor">
+        <a:schemeClr val="lt1"/>
+      </a:fontRef>
+    </dgm:style>
+  </dgm:styleLbl>
+  <dgm:styleLbl name="asst4">
+    <dgm:scene3d>
+      <a:camera prst="orthographicFront"/>
+      <a:lightRig rig="threePt" dir="t"/>
+    </dgm:scene3d>
+    <dgm:sp3d/>
+    <dgm:txPr/>
+    <dgm:style>
+      <a:lnRef idx="2">
+        <a:scrgbClr r="0" g="0" b="0"/>
+      </a:lnRef>
+      <a:fillRef idx="1">
+        <a:scrgbClr r="0" g="0" b="0"/>
+      </a:fillRef>
+      <a:effectRef idx="0">
+        <a:scrgbClr r="0" g="0" b="0"/>
+      </a:effectRef>
+      <a:fontRef idx="minor">
+        <a:schemeClr val="lt1"/>
+      </a:fontRef>
+    </dgm:style>
+  </dgm:styleLbl>
+  <dgm:styleLbl name="parChTrans2D1">
+    <dgm:scene3d>
+      <a:camera prst="orthographicFront"/>
+      <a:lightRig rig="threePt" dir="t"/>
+    </dgm:scene3d>
+    <dgm:sp3d/>
+    <dgm:txPr/>
+    <dgm:style>
+      <a:lnRef idx="2">
+        <a:scrgbClr r="0" g="0" b="0"/>
+      </a:lnRef>
+      <a:fillRef idx="1">
+        <a:scrgbClr r="0" g="0" b="0"/>
+      </a:fillRef>
+      <a:effectRef idx="0">
+        <a:scrgbClr r="0" g="0" b="0"/>
+      </a:effectRef>
+      <a:fontRef idx="minor">
+        <a:schemeClr val="lt1"/>
+      </a:fontRef>
+    </dgm:style>
+  </dgm:styleLbl>
+  <dgm:styleLbl name="parChTrans2D2">
+    <dgm:scene3d>
+      <a:camera prst="orthographicFront"/>
+      <a:lightRig rig="threePt" dir="t"/>
+    </dgm:scene3d>
+    <dgm:sp3d/>
+    <dgm:txPr/>
+    <dgm:style>
+      <a:lnRef idx="2">
+        <a:scrgbClr r="0" g="0" b="0"/>
+      </a:lnRef>
+      <a:fillRef idx="1">
+        <a:scrgbClr r="0" g="0" b="0"/>
+      </a:fillRef>
+      <a:effectRef idx="0">
+        <a:scrgbClr r="0" g="0" b="0"/>
+      </a:effectRef>
+      <a:fontRef idx="minor">
+        <a:schemeClr val="lt1"/>
+      </a:fontRef>
+    </dgm:style>
+  </dgm:styleLbl>
+  <dgm:styleLbl name="parChTrans2D3">
+    <dgm:scene3d>
+      <a:camera prst="orthographicFront"/>
+      <a:lightRig rig="threePt" dir="t"/>
+    </dgm:scene3d>
+    <dgm:sp3d/>
+    <dgm:txPr/>
+    <dgm:style>
+      <a:lnRef idx="2">
+        <a:scrgbClr r="0" g="0" b="0"/>
+      </a:lnRef>
+      <a:fillRef idx="1">
+        <a:scrgbClr r="0" g="0" b="0"/>
+      </a:fillRef>
+      <a:effectRef idx="0">
+        <a:scrgbClr r="0" g="0" b="0"/>
+      </a:effectRef>
+      <a:fontRef idx="minor">
+        <a:schemeClr val="lt1"/>
+      </a:fontRef>
+    </dgm:style>
+  </dgm:styleLbl>
+  <dgm:styleLbl name="parChTrans2D4">
+    <dgm:scene3d>
+      <a:camera prst="orthographicFront"/>
+      <a:lightRig rig="threePt" dir="t"/>
+    </dgm:scene3d>
+    <dgm:sp3d/>
+    <dgm:txPr/>
+    <dgm:style>
+      <a:lnRef idx="2">
+        <a:scrgbClr r="0" g="0" b="0"/>
+      </a:lnRef>
+      <a:fillRef idx="1">
+        <a:scrgbClr r="0" g="0" b="0"/>
+      </a:fillRef>
+      <a:effectRef idx="0">
+        <a:scrgbClr r="0" g="0" b="0"/>
+      </a:effectRef>
+      <a:fontRef idx="minor">
+        <a:schemeClr val="lt1"/>
+      </a:fontRef>
+    </dgm:style>
+  </dgm:styleLbl>
+  <dgm:styleLbl name="parChTrans1D1">
+    <dgm:scene3d>
+      <a:camera prst="orthographicFront"/>
+      <a:lightRig rig="threePt" dir="t"/>
+    </dgm:scene3d>
+    <dgm:sp3d/>
+    <dgm:txPr/>
+    <dgm:style>
+      <a:lnRef idx="2">
+        <a:scrgbClr r="0" g="0" b="0"/>
+      </a:lnRef>
+      <a:fillRef idx="0">
+        <a:scrgbClr r="0" g="0" b="0"/>
+      </a:fillRef>
+      <a:effectRef idx="0">
+        <a:scrgbClr r="0" g="0" b="0"/>
+      </a:effectRef>
+      <a:fontRef idx="minor"/>
+    </dgm:style>
+  </dgm:styleLbl>
+  <dgm:styleLbl name="parChTrans1D2">
+    <dgm:scene3d>
+      <a:camera prst="orthographicFront"/>
+      <a:lightRig rig="threePt" dir="t"/>
+    </dgm:scene3d>
+    <dgm:sp3d/>
+    <dgm:txPr/>
+    <dgm:style>
+      <a:lnRef idx="2">
+        <a:scrgbClr r="0" g="0" b="0"/>
+      </a:lnRef>
+      <a:fillRef idx="0">
+        <a:scrgbClr r="0" g="0" b="0"/>
+      </a:fillRef>
+      <a:effectRef idx="0">
+        <a:scrgbClr r="0" g="0" b="0"/>
+      </a:effectRef>
+      <a:fontRef idx="minor"/>
+    </dgm:style>
+  </dgm:styleLbl>
+  <dgm:styleLbl name="parChTrans1D3">
+    <dgm:scene3d>
+      <a:camera prst="orthographicFront"/>
+      <a:lightRig rig="threePt" dir="t"/>
+    </dgm:scene3d>
+    <dgm:sp3d/>
+    <dgm:txPr/>
+    <dgm:style>
+      <a:lnRef idx="2">
+        <a:scrgbClr r="0" g="0" b="0"/>
+      </a:lnRef>
+      <a:fillRef idx="0">
+        <a:scrgbClr r="0" g="0" b="0"/>
+      </a:fillRef>
+      <a:effectRef idx="0">
+        <a:scrgbClr r="0" g="0" b="0"/>
+      </a:effectRef>
+      <a:fontRef idx="minor"/>
+    </dgm:style>
+  </dgm:styleLbl>
+  <dgm:styleLbl name="parChTrans1D4">
+    <dgm:scene3d>
+      <a:camera prst="orthographicFront"/>
+      <a:lightRig rig="threePt" dir="t"/>
+    </dgm:scene3d>
+    <dgm:sp3d/>
+    <dgm:txPr/>
+    <dgm:style>
+      <a:lnRef idx="2">
+        <a:scrgbClr r="0" g="0" b="0"/>
+      </a:lnRef>
+      <a:fillRef idx="0">
+        <a:scrgbClr r="0" g="0" b="0"/>
+      </a:fillRef>
+      <a:effectRef idx="0">
+        <a:scrgbClr r="0" g="0" b="0"/>
+      </a:effectRef>
+      <a:fontRef idx="minor"/>
+    </dgm:style>
+  </dgm:styleLbl>
+  <dgm:styleLbl name="fgAcc1">
+    <dgm:scene3d>
+      <a:camera prst="orthographicFront"/>
+      <a:lightRig rig="threePt" dir="t"/>
+    </dgm:scene3d>
+    <dgm:sp3d/>
+    <dgm:txPr/>
+    <dgm:style>
+      <a:lnRef idx="2">
+        <a:scrgbClr r="0" g="0" b="0"/>
+      </a:lnRef>
+      <a:fillRef idx="1">
+        <a:scrgbClr r="0" g="0" b="0"/>
+      </a:fillRef>
+      <a:effectRef idx="0">
+        <a:scrgbClr r="0" g="0" b="0"/>
+      </a:effectRef>
+      <a:fontRef idx="minor"/>
+    </dgm:style>
+  </dgm:styleLbl>
+  <dgm:styleLbl name="conFgAcc1">
+    <dgm:scene3d>
+      <a:camera prst="orthographicFront"/>
+      <a:lightRig rig="threePt" dir="t"/>
+    </dgm:scene3d>
+    <dgm:sp3d/>
+    <dgm:txPr/>
+    <dgm:style>
+      <a:lnRef idx="2">
+        <a:scrgbClr r="0" g="0" b="0"/>
+      </a:lnRef>
+      <a:fillRef idx="1">
+        <a:scrgbClr r="0" g="0" b="0"/>
+      </a:fillRef>
+      <a:effectRef idx="0">
+        <a:scrgbClr r="0" g="0" b="0"/>
+      </a:effectRef>
+      <a:fontRef idx="minor"/>
+    </dgm:style>
+  </dgm:styleLbl>
+  <dgm:styleLbl name="alignAcc1">
+    <dgm:scene3d>
+      <a:camera prst="orthographicFront"/>
+      <a:lightRig rig="threePt" dir="t"/>
+    </dgm:scene3d>
+    <dgm:sp3d/>
+    <dgm:txPr/>
+    <dgm:style>
+      <a:lnRef idx="2">
+        <a:scrgbClr r="0" g="0" b="0"/>
+      </a:lnRef>
+      <a:fillRef idx="1">
+        <a:scrgbClr r="0" g="0" b="0"/>
+      </a:fillRef>
+      <a:effectRef idx="0">
+        <a:scrgbClr r="0" g="0" b="0"/>
+      </a:effectRef>
+      <a:fontRef idx="minor"/>
+    </dgm:style>
+  </dgm:styleLbl>
+  <dgm:styleLbl name="trAlignAcc1">
+    <dgm:scene3d>
+      <a:camera prst="orthographicFront"/>
+      <a:lightRig rig="threePt" dir="t"/>
+    </dgm:scene3d>
+    <dgm:sp3d/>
+    <dgm:txPr/>
+    <dgm:style>
+      <a:lnRef idx="1">
+        <a:scrgbClr r="0" g="0" b="0"/>
+      </a:lnRef>
+      <a:fillRef idx="1">
+        <a:scrgbClr r="0" g="0" b="0"/>
+      </a:fillRef>
+      <a:effectRef idx="0">
+        <a:scrgbClr r="0" g="0" b="0"/>
+      </a:effectRef>
+      <a:fontRef idx="minor"/>
+    </dgm:style>
+  </dgm:styleLbl>
+  <dgm:styleLbl name="bgAcc1">
+    <dgm:scene3d>
+      <a:camera prst="orthographicFront"/>
+      <a:lightRig rig="threePt" dir="t"/>
+    </dgm:scene3d>
+    <dgm:sp3d/>
+    <dgm:txPr/>
+    <dgm:style>
+      <a:lnRef idx="2">
+        <a:scrgbClr r="0" g="0" b="0"/>
+      </a:lnRef>
+      <a:fillRef idx="1">
+        <a:scrgbClr r="0" g="0" b="0"/>
+      </a:fillRef>
+      <a:effectRef idx="0">
+        <a:scrgbClr r="0" g="0" b="0"/>
+      </a:effectRef>
+      <a:fontRef idx="minor"/>
+    </dgm:style>
+  </dgm:styleLbl>
+  <dgm:styleLbl name="solidFgAcc1">
+    <dgm:scene3d>
+      <a:camera prst="orthographicFront"/>
+      <a:lightRig rig="threePt" dir="t"/>
+    </dgm:scene3d>
+    <dgm:sp3d/>
+    <dgm:txPr/>
+    <dgm:style>
+      <a:lnRef idx="2">
+        <a:scrgbClr r="0" g="0" b="0"/>
+      </a:lnRef>
+      <a:fillRef idx="1">
+        <a:scrgbClr r="0" g="0" b="0"/>
+      </a:fillRef>
+      <a:effectRef idx="0">
+        <a:scrgbClr r="0" g="0" b="0"/>
+      </a:effectRef>
+      <a:fontRef idx="minor"/>
+    </dgm:style>
+  </dgm:styleLbl>
+  <dgm:styleLbl name="solidAlignAcc1">
+    <dgm:scene3d>
+      <a:camera prst="orthographicFront"/>
+      <a:lightRig rig="threePt" dir="t"/>
+    </dgm:scene3d>
+    <dgm:sp3d/>
+    <dgm:txPr/>
+    <dgm:style>
+      <a:lnRef idx="2">
+        <a:scrgbClr r="0" g="0" b="0"/>
+      </a:lnRef>
+      <a:fillRef idx="1">
+        <a:scrgbClr r="0" g="0" b="0"/>
+      </a:fillRef>
+      <a:effectRef idx="0">
+        <a:scrgbClr r="0" g="0" b="0"/>
+      </a:effectRef>
+      <a:fontRef idx="minor"/>
+    </dgm:style>
+  </dgm:styleLbl>
+  <dgm:styleLbl name="solidBgAcc1">
+    <dgm:scene3d>
+      <a:camera prst="orthographicFront"/>
+      <a:lightRig rig="threePt" dir="t"/>
+    </dgm:scene3d>
+    <dgm:sp3d/>
+    <dgm:txPr/>
+    <dgm:style>
+      <a:lnRef idx="2">
+        <a:scrgbClr r="0" g="0" b="0"/>
+      </a:lnRef>
+      <a:fillRef idx="1">
+        <a:scrgbClr r="0" g="0" b="0"/>
+      </a:fillRef>
+      <a:effectRef idx="0">
+        <a:scrgbClr r="0" g="0" b="0"/>
+      </a:effectRef>
+      <a:fontRef idx="minor"/>
+    </dgm:style>
+  </dgm:styleLbl>
+  <dgm:styleLbl name="fgAccFollowNode1">
+    <dgm:scene3d>
+      <a:camera prst="orthographicFront"/>
+      <a:lightRig rig="threePt" dir="t"/>
+    </dgm:scene3d>
+    <dgm:sp3d/>
+    <dgm:txPr/>
+    <dgm:style>
+      <a:lnRef idx="2">
+        <a:scrgbClr r="0" g="0" b="0"/>
+      </a:lnRef>
+      <a:fillRef idx="1">
+        <a:scrgbClr r="0" g="0" b="0"/>
+      </a:fillRef>
+      <a:effectRef idx="0">
+        <a:scrgbClr r="0" g="0" b="0"/>
+      </a:effectRef>
+      <a:fontRef idx="minor"/>
+    </dgm:style>
+  </dgm:styleLbl>
+  <dgm:styleLbl name="alignAccFollowNode1">
+    <dgm:scene3d>
+      <a:camera prst="orthographicFront"/>
+      <a:lightRig rig="threePt" dir="t"/>
+    </dgm:scene3d>
+    <dgm:sp3d/>
+    <dgm:txPr/>
+    <dgm:style>
+      <a:lnRef idx="2">
+        <a:scrgbClr r="0" g="0" b="0"/>
+      </a:lnRef>
+      <a:fillRef idx="1">
+        <a:scrgbClr r="0" g="0" b="0"/>
+      </a:fillRef>
+      <a:effectRef idx="0">
+        <a:scrgbClr r="0" g="0" b="0"/>
+      </a:effectRef>
+      <a:fontRef idx="minor"/>
+    </dgm:style>
+  </dgm:styleLbl>
+  <dgm:styleLbl name="bgAccFollowNode1">
+    <dgm:scene3d>
+      <a:camera prst="orthographicFront"/>
+      <a:lightRig rig="threePt" dir="t"/>
+    </dgm:scene3d>
+    <dgm:sp3d/>
+    <dgm:txPr/>
+    <dgm:style>
+      <a:lnRef idx="2">
+        <a:scrgbClr r="0" g="0" b="0"/>
+      </a:lnRef>
+      <a:fillRef idx="1">
+        <a:scrgbClr r="0" g="0" b="0"/>
+      </a:fillRef>
+      <a:effectRef idx="0">
+        <a:scrgbClr r="0" g="0" b="0"/>
+      </a:effectRef>
+      <a:fontRef idx="minor"/>
+    </dgm:style>
+  </dgm:styleLbl>
+  <dgm:styleLbl name="fgAcc0">
+    <dgm:scene3d>
+      <a:camera prst="orthographicFront"/>
+      <a:lightRig rig="threePt" dir="t"/>
+    </dgm:scene3d>
+    <dgm:sp3d/>
+    <dgm:txPr/>
+    <dgm:style>
+      <a:lnRef idx="2">
+        <a:scrgbClr r="0" g="0" b="0"/>
+      </a:lnRef>
+      <a:fillRef idx="1">
+        <a:scrgbClr r="0" g="0" b="0"/>
+      </a:fillRef>
+      <a:effectRef idx="0">
+        <a:scrgbClr r="0" g="0" b="0"/>
+      </a:effectRef>
+      <a:fontRef idx="minor"/>
+    </dgm:style>
+  </dgm:styleLbl>
+  <dgm:styleLbl name="fgAcc2">
+    <dgm:scene3d>
+      <a:camera prst="orthographicFront"/>
+      <a:lightRig rig="threePt" dir="t"/>
+    </dgm:scene3d>
+    <dgm:sp3d/>
+    <dgm:txPr/>
+    <dgm:style>
+      <a:lnRef idx="2">
+        <a:scrgbClr r="0" g="0" b="0"/>
+      </a:lnRef>
+      <a:fillRef idx="1">
+        <a:scrgbClr r="0" g="0" b="0"/>
+      </a:fillRef>
+      <a:effectRef idx="0">
+        <a:scrgbClr r="0" g="0" b="0"/>
+      </a:effectRef>
+      <a:fontRef idx="minor"/>
+    </dgm:style>
+  </dgm:styleLbl>
+  <dgm:styleLbl name="fgAcc3">
+    <dgm:scene3d>
+      <a:camera prst="orthographicFront"/>
+      <a:lightRig rig="threePt" dir="t"/>
+    </dgm:scene3d>
+    <dgm:sp3d/>
+    <dgm:txPr/>
+    <dgm:style>
+      <a:lnRef idx="2">
+        <a:scrgbClr r="0" g="0" b="0"/>
+      </a:lnRef>
+      <a:fillRef idx="1">
+        <a:scrgbClr r="0" g="0" b="0"/>
+      </a:fillRef>
+      <a:effectRef idx="0">
+        <a:scrgbClr r="0" g="0" b="0"/>
+      </a:effectRef>
+      <a:fontRef idx="minor"/>
+    </dgm:style>
+  </dgm:styleLbl>
+  <dgm:styleLbl name="fgAcc4">
+    <dgm:scene3d>
+      <a:camera prst="orthographicFront"/>
+      <a:lightRig rig="threePt" dir="t"/>
+    </dgm:scene3d>
+    <dgm:sp3d/>
+    <dgm:txPr/>
+    <dgm:style>
+      <a:lnRef idx="2">
+        <a:scrgbClr r="0" g="0" b="0"/>
+      </a:lnRef>
+      <a:fillRef idx="1">
+        <a:scrgbClr r="0" g="0" b="0"/>
+      </a:fillRef>
+      <a:effectRef idx="0">
+        <a:scrgbClr r="0" g="0" b="0"/>
+      </a:effectRef>
+      <a:fontRef idx="minor"/>
+    </dgm:style>
+  </dgm:styleLbl>
+  <dgm:styleLbl name="bgShp">
+    <dgm:scene3d>
+      <a:camera prst="orthographicFront"/>
+      <a:lightRig rig="threePt" dir="t"/>
+    </dgm:scene3d>
+    <dgm:sp3d/>
+    <dgm:txPr/>
+    <dgm:style>
+      <a:lnRef idx="0">
+        <a:scrgbClr r="0" g="0" b="0"/>
+      </a:lnRef>
+      <a:fillRef idx="1">
+        <a:scrgbClr r="0" g="0" b="0"/>
+      </a:fillRef>
+      <a:effectRef idx="0">
+        <a:scrgbClr r="0" g="0" b="0"/>
+      </a:effectRef>
+      <a:fontRef idx="minor"/>
+    </dgm:style>
+  </dgm:styleLbl>
+  <dgm:styleLbl name="dkBgShp">
+    <dgm:scene3d>
+      <a:camera prst="orthographicFront"/>
+      <a:lightRig rig="threePt" dir="t"/>
+    </dgm:scene3d>
+    <dgm:sp3d/>
+    <dgm:txPr/>
+    <dgm:style>
+      <a:lnRef idx="0">
+        <a:scrgbClr r="0" g="0" b="0"/>
+      </a:lnRef>
+      <a:fillRef idx="1">
+        <a:scrgbClr r="0" g="0" b="0"/>
+      </a:fillRef>
+      <a:effectRef idx="0">
+        <a:scrgbClr r="0" g="0" b="0"/>
+      </a:effectRef>
+      <a:fontRef idx="minor"/>
+    </dgm:style>
+  </dgm:styleLbl>
+  <dgm:styleLbl name="trBgShp">
+    <dgm:scene3d>
+      <a:camera prst="orthographicFront"/>
+      <a:lightRig rig="threePt" dir="t"/>
+    </dgm:scene3d>
+    <dgm:sp3d/>
+    <dgm:txPr/>
+    <dgm:style>
+      <a:lnRef idx="0">
+        <a:scrgbClr r="0" g="0" b="0"/>
+      </a:lnRef>
+      <a:fillRef idx="1">
+        <a:scrgbClr r="0" g="0" b="0"/>
+      </a:fillRef>
+      <a:effectRef idx="0">
+        <a:scrgbClr r="0" g="0" b="0"/>
+      </a:effectRef>
+      <a:fontRef idx="minor"/>
+    </dgm:style>
+  </dgm:styleLbl>
+  <dgm:styleLbl name="fgShp">
+    <dgm:scene3d>
+      <a:camera prst="orthographicFront"/>
+      <a:lightRig rig="threePt" dir="t"/>
+    </dgm:scene3d>
+    <dgm:sp3d/>
+    <dgm:txPr/>
+    <dgm:style>
+      <a:lnRef idx="2">
+        <a:scrgbClr r="0" g="0" b="0"/>
+      </a:lnRef>
+      <a:fillRef idx="1">
+        <a:scrgbClr r="0" g="0" b="0"/>
+      </a:fillRef>
+      <a:effectRef idx="0">
+        <a:scrgbClr r="0" g="0" b="0"/>
+      </a:effectRef>
+      <a:fontRef idx="minor"/>
+    </dgm:style>
+  </dgm:styleLbl>
+  <dgm:styleLbl name="revTx">
+    <dgm:scene3d>
+      <a:camera prst="orthographicFront"/>
+      <a:lightRig rig="threePt" dir="t"/>
+    </dgm:scene3d>
+    <dgm:sp3d/>
+    <dgm:txPr/>
+    <dgm:style>
+      <a:lnRef idx="0">
+        <a:scrgbClr r="0" g="0" b="0"/>
+      </a:lnRef>
+      <a:fillRef idx="0">
+        <a:scrgbClr r="0" g="0" b="0"/>
+      </a:fillRef>
+      <a:effectRef idx="0">
+        <a:scrgbClr r="0" g="0" b="0"/>
+      </a:effectRef>
+      <a:fontRef idx="minor"/>
+    </dgm:style>
+  </dgm:styleLbl>
+</dgm:styleDef>
+</file>
+
+<file path=ppt/diagrams/quickStyle5.xml><?xml version="1.0" encoding="utf-8"?>
+<dgm:styleDef xmlns:dgm="http://schemas.openxmlformats.org/drawingml/2006/diagram" xmlns:a="http://schemas.openxmlformats.org/drawingml/2006/main" uniqueId="urn:microsoft.com/office/officeart/2005/8/quickstyle/simple1">
+  <dgm:title val=""/>
+  <dgm:desc val=""/>
+  <dgm:catLst>
+    <dgm:cat type="simple" pri="10100"/>
+  </dgm:catLst>
+  <dgm:scene3d>
+    <a:camera prst="orthographicFront"/>
+    <a:lightRig rig="threePt" dir="t"/>
+  </dgm:scene3d>
+  <dgm:styleLbl name="node0">
+    <dgm:scene3d>
+      <a:camera prst="orthographicFront"/>
+      <a:lightRig rig="threePt" dir="t"/>
+    </dgm:scene3d>
+    <dgm:sp3d/>
+    <dgm:txPr/>
+    <dgm:style>
+      <a:lnRef idx="2">
+        <a:scrgbClr r="0" g="0" b="0"/>
+      </a:lnRef>
+      <a:fillRef idx="1">
+        <a:scrgbClr r="0" g="0" b="0"/>
+      </a:fillRef>
+      <a:effectRef idx="0">
+        <a:scrgbClr r="0" g="0" b="0"/>
+      </a:effectRef>
+      <a:fontRef idx="minor">
+        <a:schemeClr val="lt1"/>
+      </a:fontRef>
+    </dgm:style>
+  </dgm:styleLbl>
+  <dgm:styleLbl name="lnNode1">
+    <dgm:scene3d>
+      <a:camera prst="orthographicFront"/>
+      <a:lightRig rig="threePt" dir="t"/>
+    </dgm:scene3d>
+    <dgm:sp3d/>
+    <dgm:txPr/>
+    <dgm:style>
+      <a:lnRef idx="2">
+        <a:scrgbClr r="0" g="0" b="0"/>
+      </a:lnRef>
+      <a:fillRef idx="1">
+        <a:scrgbClr r="0" g="0" b="0"/>
+      </a:fillRef>
+      <a:effectRef idx="0">
+        <a:scrgbClr r="0" g="0" b="0"/>
+      </a:effectRef>
+      <a:fontRef idx="minor">
+        <a:schemeClr val="lt1"/>
+      </a:fontRef>
+    </dgm:style>
+  </dgm:styleLbl>
+  <dgm:styleLbl name="vennNode1">
+    <dgm:scene3d>
+      <a:camera prst="orthographicFront"/>
+      <a:lightRig rig="threePt" dir="t"/>
+    </dgm:scene3d>
+    <dgm:sp3d/>
+    <dgm:txPr/>
+    <dgm:style>
+      <a:lnRef idx="2">
+        <a:scrgbClr r="0" g="0" b="0"/>
+      </a:lnRef>
+      <a:fillRef idx="1">
+        <a:scrgbClr r="0" g="0" b="0"/>
+      </a:fillRef>
+      <a:effectRef idx="0">
+        <a:scrgbClr r="0" g="0" b="0"/>
+      </a:effectRef>
+      <a:fontRef idx="minor">
+        <a:schemeClr val="tx1"/>
+      </a:fontRef>
+    </dgm:style>
+  </dgm:styleLbl>
+  <dgm:styleLbl name="alignNode1">
+    <dgm:scene3d>
+      <a:camera prst="orthographicFront"/>
+      <a:lightRig rig="threePt" dir="t"/>
+    </dgm:scene3d>
+    <dgm:sp3d/>
+    <dgm:txPr/>
+    <dgm:style>
+      <a:lnRef idx="2">
+        <a:scrgbClr r="0" g="0" b="0"/>
+      </a:lnRef>
+      <a:fillRef idx="1">
+        <a:scrgbClr r="0" g="0" b="0"/>
+      </a:fillRef>
+      <a:effectRef idx="0">
+        <a:scrgbClr r="0" g="0" b="0"/>
+      </a:effectRef>
+      <a:fontRef idx="minor">
+        <a:schemeClr val="lt1"/>
+      </a:fontRef>
+    </dgm:style>
+  </dgm:styleLbl>
+  <dgm:styleLbl name="node1">
+    <dgm:scene3d>
+      <a:camera prst="orthographicFront"/>
+      <a:lightRig rig="threePt" dir="t"/>
+    </dgm:scene3d>
+    <dgm:sp3d/>
+    <dgm:txPr/>
+    <dgm:style>
+      <a:lnRef idx="2">
+        <a:scrgbClr r="0" g="0" b="0"/>
+      </a:lnRef>
+      <a:fillRef idx="1">
+        <a:scrgbClr r="0" g="0" b="0"/>
+      </a:fillRef>
+      <a:effectRef idx="0">
+        <a:scrgbClr r="0" g="0" b="0"/>
+      </a:effectRef>
+      <a:fontRef idx="minor">
+        <a:schemeClr val="lt1"/>
+      </a:fontRef>
+    </dgm:style>
+  </dgm:styleLbl>
+  <dgm:styleLbl name="node2">
+    <dgm:scene3d>
+      <a:camera prst="orthographicFront"/>
+      <a:lightRig rig="threePt" dir="t"/>
+    </dgm:scene3d>
+    <dgm:sp3d/>
+    <dgm:txPr/>
+    <dgm:style>
+      <a:lnRef idx="2">
+        <a:scrgbClr r="0" g="0" b="0"/>
+      </a:lnRef>
+      <a:fillRef idx="1">
+        <a:scrgbClr r="0" g="0" b="0"/>
+      </a:fillRef>
+      <a:effectRef idx="0">
+        <a:scrgbClr r="0" g="0" b="0"/>
+      </a:effectRef>
+      <a:fontRef idx="minor">
+        <a:schemeClr val="lt1"/>
+      </a:fontRef>
+    </dgm:style>
+  </dgm:styleLbl>
+  <dgm:styleLbl name="node3">
+    <dgm:scene3d>
+      <a:camera prst="orthographicFront"/>
+      <a:lightRig rig="threePt" dir="t"/>
+    </dgm:scene3d>
+    <dgm:sp3d/>
+    <dgm:txPr/>
+    <dgm:style>
+      <a:lnRef idx="2">
+        <a:scrgbClr r="0" g="0" b="0"/>
+      </a:lnRef>
+      <a:fillRef idx="1">
+        <a:scrgbClr r="0" g="0" b="0"/>
+      </a:fillRef>
+      <a:effectRef idx="0">
+        <a:scrgbClr r="0" g="0" b="0"/>
+      </a:effectRef>
+      <a:fontRef idx="minor">
+        <a:schemeClr val="lt1"/>
+      </a:fontRef>
+    </dgm:style>
+  </dgm:styleLbl>
+  <dgm:styleLbl name="node4">
+    <dgm:scene3d>
+      <a:camera prst="orthographicFront"/>
+      <a:lightRig rig="threePt" dir="t"/>
+    </dgm:scene3d>
+    <dgm:sp3d/>
+    <dgm:txPr/>
+    <dgm:style>
+      <a:lnRef idx="2">
+        <a:scrgbClr r="0" g="0" b="0"/>
+      </a:lnRef>
+      <a:fillRef idx="1">
+        <a:scrgbClr r="0" g="0" b="0"/>
+      </a:fillRef>
+      <a:effectRef idx="0">
+        <a:scrgbClr r="0" g="0" b="0"/>
+      </a:effectRef>
+      <a:fontRef idx="minor">
+        <a:schemeClr val="lt1"/>
+      </a:fontRef>
+    </dgm:style>
+  </dgm:styleLbl>
+  <dgm:styleLbl name="fgImgPlace1">
+    <dgm:scene3d>
+      <a:camera prst="orthographicFront"/>
+      <a:lightRig rig="threePt" dir="t"/>
+    </dgm:scene3d>
+    <dgm:sp3d/>
+    <dgm:txPr/>
+    <dgm:style>
+      <a:lnRef idx="2">
+        <a:scrgbClr r="0" g="0" b="0"/>
+      </a:lnRef>
+      <a:fillRef idx="1">
+        <a:scrgbClr r="0" g="0" b="0"/>
+      </a:fillRef>
+      <a:effectRef idx="0">
+        <a:scrgbClr r="0" g="0" b="0"/>
+      </a:effectRef>
+      <a:fontRef idx="minor"/>
+    </dgm:style>
+  </dgm:styleLbl>
+  <dgm:styleLbl name="alignImgPlace1">
+    <dgm:scene3d>
+      <a:camera prst="orthographicFront"/>
+      <a:lightRig rig="threePt" dir="t"/>
+    </dgm:scene3d>
+    <dgm:sp3d/>
+    <dgm:txPr/>
+    <dgm:style>
+      <a:lnRef idx="2">
+        <a:scrgbClr r="0" g="0" b="0"/>
+      </a:lnRef>
+      <a:fillRef idx="1">
+        <a:scrgbClr r="0" g="0" b="0"/>
+      </a:fillRef>
+      <a:effectRef idx="0">
+        <a:scrgbClr r="0" g="0" b="0"/>
+      </a:effectRef>
+      <a:fontRef idx="minor"/>
+    </dgm:style>
+  </dgm:styleLbl>
+  <dgm:styleLbl name="bgImgPlace1">
+    <dgm:scene3d>
+      <a:camera prst="orthographicFront"/>
+      <a:lightRig rig="threePt" dir="t"/>
+    </dgm:scene3d>
+    <dgm:sp3d/>
+    <dgm:txPr/>
+    <dgm:style>
+      <a:lnRef idx="2">
+        <a:scrgbClr r="0" g="0" b="0"/>
+      </a:lnRef>
+      <a:fillRef idx="1">
+        <a:scrgbClr r="0" g="0" b="0"/>
+      </a:fillRef>
+      <a:effectRef idx="0">
+        <a:scrgbClr r="0" g="0" b="0"/>
+      </a:effectRef>
+      <a:fontRef idx="minor"/>
+    </dgm:style>
+  </dgm:styleLbl>
+  <dgm:styleLbl name="sibTrans2D1">
+    <dgm:scene3d>
+      <a:camera prst="orthographicFront"/>
+      <a:lightRig rig="threePt" dir="t"/>
+    </dgm:scene3d>
+    <dgm:sp3d/>
+    <dgm:txPr/>
+    <dgm:style>
+      <a:lnRef idx="0">
+        <a:scrgbClr r="0" g="0" b="0"/>
+      </a:lnRef>
+      <a:fillRef idx="1">
+        <a:scrgbClr r="0" g="0" b="0"/>
+      </a:fillRef>
+      <a:effectRef idx="0">
+        <a:scrgbClr r="0" g="0" b="0"/>
+      </a:effectRef>
+      <a:fontRef idx="minor">
+        <a:schemeClr val="lt1"/>
+      </a:fontRef>
+    </dgm:style>
+  </dgm:styleLbl>
+  <dgm:styleLbl name="fgSibTrans2D1">
+    <dgm:scene3d>
+      <a:camera prst="orthographicFront"/>
+      <a:lightRig rig="threePt" dir="t"/>
+    </dgm:scene3d>
+    <dgm:sp3d/>
+    <dgm:txPr/>
+    <dgm:style>
+      <a:lnRef idx="0">
+        <a:scrgbClr r="0" g="0" b="0"/>
+      </a:lnRef>
+      <a:fillRef idx="1">
+        <a:scrgbClr r="0" g="0" b="0"/>
+      </a:fillRef>
+      <a:effectRef idx="0">
+        <a:scrgbClr r="0" g="0" b="0"/>
+      </a:effectRef>
+      <a:fontRef idx="minor">
+        <a:schemeClr val="lt1"/>
+      </a:fontRef>
+    </dgm:style>
+  </dgm:styleLbl>
+  <dgm:styleLbl name="bgSibTrans2D1">
+    <dgm:scene3d>
+      <a:camera prst="orthographicFront"/>
+      <a:lightRig rig="threePt" dir="t"/>
+    </dgm:scene3d>
+    <dgm:sp3d/>
+    <dgm:txPr/>
+    <dgm:style>
+      <a:lnRef idx="0">
+        <a:scrgbClr r="0" g="0" b="0"/>
+      </a:lnRef>
+      <a:fillRef idx="1">
+        <a:scrgbClr r="0" g="0" b="0"/>
+      </a:fillRef>
+      <a:effectRef idx="0">
+        <a:scrgbClr r="0" g="0" b="0"/>
+      </a:effectRef>
+      <a:fontRef idx="minor">
+        <a:schemeClr val="lt1"/>
+      </a:fontRef>
+    </dgm:style>
+  </dgm:styleLbl>
+  <dgm:styleLbl name="sibTrans1D1">
+    <dgm:scene3d>
+      <a:camera prst="orthographicFront"/>
+      <a:lightRig rig="threePt" dir="t"/>
+    </dgm:scene3d>
+    <dgm:sp3d/>
+    <dgm:txPr/>
+    <dgm:style>
+      <a:lnRef idx="1">
+        <a:scrgbClr r="0" g="0" b="0"/>
+      </a:lnRef>
+      <a:fillRef idx="0">
+        <a:scrgbClr r="0" g="0" b="0"/>
+      </a:fillRef>
+      <a:effectRef idx="0">
+        <a:scrgbClr r="0" g="0" b="0"/>
+      </a:effectRef>
+      <a:fontRef idx="minor"/>
+    </dgm:style>
+  </dgm:styleLbl>
+  <dgm:styleLbl name="callout">
+    <dgm:scene3d>
+      <a:camera prst="orthographicFront"/>
+      <a:lightRig rig="threePt" dir="t"/>
+    </dgm:scene3d>
+    <dgm:sp3d/>
+    <dgm:txPr/>
+    <dgm:style>
+      <a:lnRef idx="2">
+        <a:scrgbClr r="0" g="0" b="0"/>
+      </a:lnRef>
+      <a:fillRef idx="1">
+        <a:scrgbClr r="0" g="0" b="0"/>
+      </a:fillRef>
+      <a:effectRef idx="0">
+        <a:scrgbClr r="0" g="0" b="0"/>
+      </a:effectRef>
+      <a:fontRef idx="minor"/>
+    </dgm:style>
+  </dgm:styleLbl>
+  <dgm:styleLbl name="asst0">
+    <dgm:scene3d>
+      <a:camera prst="orthographicFront"/>
+      <a:lightRig rig="threePt" dir="t"/>
+    </dgm:scene3d>
+    <dgm:sp3d/>
+    <dgm:txPr/>
+    <dgm:style>
+      <a:lnRef idx="2">
+        <a:scrgbClr r="0" g="0" b="0"/>
+      </a:lnRef>
+      <a:fillRef idx="1">
+        <a:scrgbClr r="0" g="0" b="0"/>
+      </a:fillRef>
+      <a:effectRef idx="0">
+        <a:scrgbClr r="0" g="0" b="0"/>
+      </a:effectRef>
+      <a:fontRef idx="minor">
+        <a:schemeClr val="lt1"/>
+      </a:fontRef>
+    </dgm:style>
+  </dgm:styleLbl>
+  <dgm:styleLbl name="asst1">
+    <dgm:scene3d>
+      <a:camera prst="orthographicFront"/>
+      <a:lightRig rig="threePt" dir="t"/>
+    </dgm:scene3d>
+    <dgm:sp3d/>
+    <dgm:txPr/>
+    <dgm:style>
+      <a:lnRef idx="2">
+        <a:scrgbClr r="0" g="0" b="0"/>
+      </a:lnRef>
+      <a:fillRef idx="1">
+        <a:scrgbClr r="0" g="0" b="0"/>
+      </a:fillRef>
+      <a:effectRef idx="0">
+        <a:scrgbClr r="0" g="0" b="0"/>
+      </a:effectRef>
+      <a:fontRef idx="minor">
+        <a:schemeClr val="lt1"/>
+      </a:fontRef>
+    </dgm:style>
+  </dgm:styleLbl>
+  <dgm:styleLbl name="asst2">
+    <dgm:scene3d>
+      <a:camera prst="orthographicFront"/>
+      <a:lightRig rig="threePt" dir="t"/>
+    </dgm:scene3d>
+    <dgm:sp3d/>
+    <dgm:txPr/>
+    <dgm:style>
+      <a:lnRef idx="2">
+        <a:scrgbClr r="0" g="0" b="0"/>
+      </a:lnRef>
+      <a:fillRef idx="1">
+        <a:scrgbClr r="0" g="0" b="0"/>
+      </a:fillRef>
+      <a:effectRef idx="0">
+        <a:scrgbClr r="0" g="0" b="0"/>
+      </a:effectRef>
+      <a:fontRef idx="minor">
+        <a:schemeClr val="lt1"/>
+      </a:fontRef>
+    </dgm:style>
+  </dgm:styleLbl>
+  <dgm:styleLbl name="asst3">
+    <dgm:scene3d>
+      <a:camera prst="orthographicFront"/>
+      <a:lightRig rig="threePt" dir="t"/>
+    </dgm:scene3d>
+    <dgm:sp3d/>
+    <dgm:txPr/>
+    <dgm:style>
+      <a:lnRef idx="2">
+        <a:scrgbClr r="0" g="0" b="0"/>
+      </a:lnRef>
+      <a:fillRef idx="1">
+        <a:scrgbClr r="0" g="0" b="0"/>
+      </a:fillRef>
+      <a:effectRef idx="0">
+        <a:scrgbClr r="0" g="0" b="0"/>
+      </a:effectRef>
+      <a:fontRef idx="minor">
+        <a:schemeClr val="lt1"/>
+      </a:fontRef>
+    </dgm:style>
+  </dgm:styleLbl>
+  <dgm:styleLbl name="asst4">
+    <dgm:scene3d>
+      <a:camera prst="orthographicFront"/>
+      <a:lightRig rig="threePt" dir="t"/>
+    </dgm:scene3d>
+    <dgm:sp3d/>
+    <dgm:txPr/>
+    <dgm:style>
+      <a:lnRef idx="2">
+        <a:scrgbClr r="0" g="0" b="0"/>
+      </a:lnRef>
+      <a:fillRef idx="1">
+        <a:scrgbClr r="0" g="0" b="0"/>
+      </a:fillRef>
+      <a:effectRef idx="0">
+        <a:scrgbClr r="0" g="0" b="0"/>
+      </a:effectRef>
+      <a:fontRef idx="minor">
+        <a:schemeClr val="lt1"/>
+      </a:fontRef>
+    </dgm:style>
+  </dgm:styleLbl>
+  <dgm:styleLbl name="parChTrans2D1">
+    <dgm:scene3d>
+      <a:camera prst="orthographicFront"/>
+      <a:lightRig rig="threePt" dir="t"/>
+    </dgm:scene3d>
+    <dgm:sp3d/>
+    <dgm:txPr/>
+    <dgm:style>
+      <a:lnRef idx="2">
+        <a:scrgbClr r="0" g="0" b="0"/>
+      </a:lnRef>
+      <a:fillRef idx="1">
+        <a:scrgbClr r="0" g="0" b="0"/>
+      </a:fillRef>
+      <a:effectRef idx="0">
+        <a:scrgbClr r="0" g="0" b="0"/>
+      </a:effectRef>
+      <a:fontRef idx="minor">
+        <a:schemeClr val="lt1"/>
+      </a:fontRef>
+    </dgm:style>
+  </dgm:styleLbl>
+  <dgm:styleLbl name="parChTrans2D2">
+    <dgm:scene3d>
+      <a:camera prst="orthographicFront"/>
+      <a:lightRig rig="threePt" dir="t"/>
+    </dgm:scene3d>
+    <dgm:sp3d/>
+    <dgm:txPr/>
+    <dgm:style>
+      <a:lnRef idx="2">
+        <a:scrgbClr r="0" g="0" b="0"/>
+      </a:lnRef>
+      <a:fillRef idx="1">
+        <a:scrgbClr r="0" g="0" b="0"/>
+      </a:fillRef>
+      <a:effectRef idx="0">
+        <a:scrgbClr r="0" g="0" b="0"/>
+      </a:effectRef>
+      <a:fontRef idx="minor">
+        <a:schemeClr val="lt1"/>
+      </a:fontRef>
+    </dgm:style>
+  </dgm:styleLbl>
+  <dgm:styleLbl name="parChTrans2D3">
+    <dgm:scene3d>
+      <a:camera prst="orthographicFront"/>
+      <a:lightRig rig="threePt" dir="t"/>
+    </dgm:scene3d>
+    <dgm:sp3d/>
+    <dgm:txPr/>
+    <dgm:style>
+      <a:lnRef idx="2">
+        <a:scrgbClr r="0" g="0" b="0"/>
+      </a:lnRef>
+      <a:fillRef idx="1">
+        <a:scrgbClr r="0" g="0" b="0"/>
+      </a:fillRef>
+      <a:effectRef idx="0">
+        <a:scrgbClr r="0" g="0" b="0"/>
+      </a:effectRef>
+      <a:fontRef idx="minor">
+        <a:schemeClr val="lt1"/>
+      </a:fontRef>
+    </dgm:style>
+  </dgm:styleLbl>
+  <dgm:styleLbl name="parChTrans2D4">
+    <dgm:scene3d>
+      <a:camera prst="orthographicFront"/>
+      <a:lightRig rig="threePt" dir="t"/>
+    </dgm:scene3d>
+    <dgm:sp3d/>
+    <dgm:txPr/>
+    <dgm:style>
+      <a:lnRef idx="2">
+        <a:scrgbClr r="0" g="0" b="0"/>
+      </a:lnRef>
+      <a:fillRef idx="1">
+        <a:scrgbClr r="0" g="0" b="0"/>
+      </a:fillRef>
+      <a:effectRef idx="0">
+        <a:scrgbClr r="0" g="0" b="0"/>
+      </a:effectRef>
+      <a:fontRef idx="minor">
+        <a:schemeClr val="lt1"/>
+      </a:fontRef>
+    </dgm:style>
+  </dgm:styleLbl>
+  <dgm:styleLbl name="parChTrans1D1">
+    <dgm:scene3d>
+      <a:camera prst="orthographicFront"/>
+      <a:lightRig rig="threePt" dir="t"/>
+    </dgm:scene3d>
+    <dgm:sp3d/>
+    <dgm:txPr/>
+    <dgm:style>
+      <a:lnRef idx="2">
+        <a:scrgbClr r="0" g="0" b="0"/>
+      </a:lnRef>
+      <a:fillRef idx="0">
+        <a:scrgbClr r="0" g="0" b="0"/>
+      </a:fillRef>
+      <a:effectRef idx="0">
+        <a:scrgbClr r="0" g="0" b="0"/>
+      </a:effectRef>
+      <a:fontRef idx="minor"/>
+    </dgm:style>
+  </dgm:styleLbl>
+  <dgm:styleLbl name="parChTrans1D2">
+    <dgm:scene3d>
+      <a:camera prst="orthographicFront"/>
+      <a:lightRig rig="threePt" dir="t"/>
+    </dgm:scene3d>
+    <dgm:sp3d/>
+    <dgm:txPr/>
+    <dgm:style>
+      <a:lnRef idx="2">
+        <a:scrgbClr r="0" g="0" b="0"/>
+      </a:lnRef>
+      <a:fillRef idx="0">
+        <a:scrgbClr r="0" g="0" b="0"/>
+      </a:fillRef>
+      <a:effectRef idx="0">
+        <a:scrgbClr r="0" g="0" b="0"/>
+      </a:effectRef>
+      <a:fontRef idx="minor"/>
+    </dgm:style>
+  </dgm:styleLbl>
+  <dgm:styleLbl name="parChTrans1D3">
+    <dgm:scene3d>
+      <a:camera prst="orthographicFront"/>
+      <a:lightRig rig="threePt" dir="t"/>
+    </dgm:scene3d>
+    <dgm:sp3d/>
+    <dgm:txPr/>
+    <dgm:style>
+      <a:lnRef idx="2">
+        <a:scrgbClr r="0" g="0" b="0"/>
+      </a:lnRef>
+      <a:fillRef idx="0">
+        <a:scrgbClr r="0" g="0" b="0"/>
+      </a:fillRef>
+      <a:effectRef idx="0">
+        <a:scrgbClr r="0" g="0" b="0"/>
+      </a:effectRef>
+      <a:fontRef idx="minor"/>
+    </dgm:style>
+  </dgm:styleLbl>
+  <dgm:styleLbl name="parChTrans1D4">
+    <dgm:scene3d>
+      <a:camera prst="orthographicFront"/>
+      <a:lightRig rig="threePt" dir="t"/>
+    </dgm:scene3d>
+    <dgm:sp3d/>
+    <dgm:txPr/>
+    <dgm:style>
+      <a:lnRef idx="2">
+        <a:scrgbClr r="0" g="0" b="0"/>
+      </a:lnRef>
+      <a:fillRef idx="0">
+        <a:scrgbClr r="0" g="0" b="0"/>
+      </a:fillRef>
+      <a:effectRef idx="0">
+        <a:scrgbClr r="0" g="0" b="0"/>
+      </a:effectRef>
+      <a:fontRef idx="minor"/>
+    </dgm:style>
+  </dgm:styleLbl>
+  <dgm:styleLbl name="fgAcc1">
+    <dgm:scene3d>
+      <a:camera prst="orthographicFront"/>
+      <a:lightRig rig="threePt" dir="t"/>
+    </dgm:scene3d>
+    <dgm:sp3d/>
+    <dgm:txPr/>
+    <dgm:style>
+      <a:lnRef idx="2">
+        <a:scrgbClr r="0" g="0" b="0"/>
+      </a:lnRef>
+      <a:fillRef idx="1">
+        <a:scrgbClr r="0" g="0" b="0"/>
+      </a:fillRef>
+      <a:effectRef idx="0">
+        <a:scrgbClr r="0" g="0" b="0"/>
+      </a:effectRef>
+      <a:fontRef idx="minor"/>
+    </dgm:style>
+  </dgm:styleLbl>
+  <dgm:styleLbl name="conFgAcc1">
+    <dgm:scene3d>
+      <a:camera prst="orthographicFront"/>
+      <a:lightRig rig="threePt" dir="t"/>
+    </dgm:scene3d>
+    <dgm:sp3d/>
+    <dgm:txPr/>
+    <dgm:style>
+      <a:lnRef idx="2">
+        <a:scrgbClr r="0" g="0" b="0"/>
+      </a:lnRef>
+      <a:fillRef idx="1">
+        <a:scrgbClr r="0" g="0" b="0"/>
+      </a:fillRef>
+      <a:effectRef idx="0">
+        <a:scrgbClr r="0" g="0" b="0"/>
+      </a:effectRef>
+      <a:fontRef idx="minor"/>
+    </dgm:style>
+  </dgm:styleLbl>
+  <dgm:styleLbl name="alignAcc1">
+    <dgm:scene3d>
+      <a:camera prst="orthographicFront"/>
+      <a:lightRig rig="threePt" dir="t"/>
+    </dgm:scene3d>
+    <dgm:sp3d/>
+    <dgm:txPr/>
+    <dgm:style>
+      <a:lnRef idx="2">
+        <a:scrgbClr r="0" g="0" b="0"/>
+      </a:lnRef>
+      <a:fillRef idx="1">
+        <a:scrgbClr r="0" g="0" b="0"/>
+      </a:fillRef>
+      <a:effectRef idx="0">
+        <a:scrgbClr r="0" g="0" b="0"/>
+      </a:effectRef>
+      <a:fontRef idx="minor"/>
+    </dgm:style>
+  </dgm:styleLbl>
+  <dgm:styleLbl name="trAlignAcc1">
+    <dgm:scene3d>
+      <a:camera prst="orthographicFront"/>
+      <a:lightRig rig="threePt" dir="t"/>
+    </dgm:scene3d>
+    <dgm:sp3d/>
+    <dgm:txPr/>
+    <dgm:style>
+      <a:lnRef idx="1">
+        <a:scrgbClr r="0" g="0" b="0"/>
+      </a:lnRef>
+      <a:fillRef idx="1">
+        <a:scrgbClr r="0" g="0" b="0"/>
+      </a:fillRef>
+      <a:effectRef idx="0">
+        <a:scrgbClr r="0" g="0" b="0"/>
+      </a:effectRef>
+      <a:fontRef idx="minor"/>
+    </dgm:style>
+  </dgm:styleLbl>
+  <dgm:styleLbl name="bgAcc1">
+    <dgm:scene3d>
+      <a:camera prst="orthographicFront"/>
+      <a:lightRig rig="threePt" dir="t"/>
+    </dgm:scene3d>
+    <dgm:sp3d/>
+    <dgm:txPr/>
+    <dgm:style>
+      <a:lnRef idx="2">
+        <a:scrgbClr r="0" g="0" b="0"/>
+      </a:lnRef>
+      <a:fillRef idx="1">
+        <a:scrgbClr r="0" g="0" b="0"/>
+      </a:fillRef>
+      <a:effectRef idx="0">
+        <a:scrgbClr r="0" g="0" b="0"/>
+      </a:effectRef>
+      <a:fontRef idx="minor"/>
+    </dgm:style>
+  </dgm:styleLbl>
+  <dgm:styleLbl name="solidFgAcc1">
+    <dgm:scene3d>
+      <a:camera prst="orthographicFront"/>
+      <a:lightRig rig="threePt" dir="t"/>
+    </dgm:scene3d>
+    <dgm:sp3d/>
+    <dgm:txPr/>
+    <dgm:style>
+      <a:lnRef idx="2">
+        <a:scrgbClr r="0" g="0" b="0"/>
+      </a:lnRef>
+      <a:fillRef idx="1">
+        <a:scrgbClr r="0" g="0" b="0"/>
+      </a:fillRef>
+      <a:effectRef idx="0">
+        <a:scrgbClr r="0" g="0" b="0"/>
+      </a:effectRef>
+      <a:fontRef idx="minor"/>
+    </dgm:style>
+  </dgm:styleLbl>
+  <dgm:styleLbl name="solidAlignAcc1">
+    <dgm:scene3d>
+      <a:camera prst="orthographicFront"/>
+      <a:lightRig rig="threePt" dir="t"/>
+    </dgm:scene3d>
+    <dgm:sp3d/>
+    <dgm:txPr/>
+    <dgm:style>
+      <a:lnRef idx="2">
+        <a:scrgbClr r="0" g="0" b="0"/>
+      </a:lnRef>
+      <a:fillRef idx="1">
+        <a:scrgbClr r="0" g="0" b="0"/>
+      </a:fillRef>
+      <a:effectRef idx="0">
+        <a:scrgbClr r="0" g="0" b="0"/>
+      </a:effectRef>
+      <a:fontRef idx="minor"/>
+    </dgm:style>
+  </dgm:styleLbl>
+  <dgm:styleLbl name="solidBgAcc1">
+    <dgm:scene3d>
+      <a:camera prst="orthographicFront"/>
+      <a:lightRig rig="threePt" dir="t"/>
+    </dgm:scene3d>
+    <dgm:sp3d/>
+    <dgm:txPr/>
+    <dgm:style>
+      <a:lnRef idx="2">
+        <a:scrgbClr r="0" g="0" b="0"/>
+      </a:lnRef>
+      <a:fillRef idx="1">
+        <a:scrgbClr r="0" g="0" b="0"/>
+      </a:fillRef>
+      <a:effectRef idx="0">
+        <a:scrgbClr r="0" g="0" b="0"/>
+      </a:effectRef>
+      <a:fontRef idx="minor"/>
+    </dgm:style>
+  </dgm:styleLbl>
+  <dgm:styleLbl name="fgAccFollowNode1">
+    <dgm:scene3d>
+      <a:camera prst="orthographicFront"/>
+      <a:lightRig rig="threePt" dir="t"/>
+    </dgm:scene3d>
+    <dgm:sp3d/>
+    <dgm:txPr/>
+    <dgm:style>
+      <a:lnRef idx="2">
+        <a:scrgbClr r="0" g="0" b="0"/>
+      </a:lnRef>
+      <a:fillRef idx="1">
+        <a:scrgbClr r="0" g="0" b="0"/>
+      </a:fillRef>
+      <a:effectRef idx="0">
+        <a:scrgbClr r="0" g="0" b="0"/>
+      </a:effectRef>
+      <a:fontRef idx="minor"/>
+    </dgm:style>
+  </dgm:styleLbl>
+  <dgm:styleLbl name="alignAccFollowNode1">
+    <dgm:scene3d>
+      <a:camera prst="orthographicFront"/>
+      <a:lightRig rig="threePt" dir="t"/>
+    </dgm:scene3d>
+    <dgm:sp3d/>
+    <dgm:txPr/>
+    <dgm:style>
+      <a:lnRef idx="2">
+        <a:scrgbClr r="0" g="0" b="0"/>
+      </a:lnRef>
+      <a:fillRef idx="1">
+        <a:scrgbClr r="0" g="0" b="0"/>
+      </a:fillRef>
+      <a:effectRef idx="0">
+        <a:scrgbClr r="0" g="0" b="0"/>
+      </a:effectRef>
+      <a:fontRef idx="minor"/>
+    </dgm:style>
+  </dgm:styleLbl>
+  <dgm:styleLbl name="bgAccFollowNode1">
+    <dgm:scene3d>
+      <a:camera prst="orthographicFront"/>
+      <a:lightRig rig="threePt" dir="t"/>
+    </dgm:scene3d>
+    <dgm:sp3d/>
+    <dgm:txPr/>
+    <dgm:style>
+      <a:lnRef idx="2">
+        <a:scrgbClr r="0" g="0" b="0"/>
+      </a:lnRef>
+      <a:fillRef idx="1">
+        <a:scrgbClr r="0" g="0" b="0"/>
+      </a:fillRef>
+      <a:effectRef idx="0">
+        <a:scrgbClr r="0" g="0" b="0"/>
+      </a:effectRef>
+      <a:fontRef idx="minor"/>
+    </dgm:style>
+  </dgm:styleLbl>
+  <dgm:styleLbl name="fgAcc0">
+    <dgm:scene3d>
+      <a:camera prst="orthographicFront"/>
+      <a:lightRig rig="threePt" dir="t"/>
+    </dgm:scene3d>
+    <dgm:sp3d/>
+    <dgm:txPr/>
+    <dgm:style>
+      <a:lnRef idx="2">
+        <a:scrgbClr r="0" g="0" b="0"/>
+      </a:lnRef>
+      <a:fillRef idx="1">
+        <a:scrgbClr r="0" g="0" b="0"/>
+      </a:fillRef>
+      <a:effectRef idx="0">
+        <a:scrgbClr r="0" g="0" b="0"/>
+      </a:effectRef>
+      <a:fontRef idx="minor"/>
+    </dgm:style>
+  </dgm:styleLbl>
+  <dgm:styleLbl name="fgAcc2">
+    <dgm:scene3d>
+      <a:camera prst="orthographicFront"/>
+      <a:lightRig rig="threePt" dir="t"/>
+    </dgm:scene3d>
+    <dgm:sp3d/>
+    <dgm:txPr/>
+    <dgm:style>
+      <a:lnRef idx="2">
+        <a:scrgbClr r="0" g="0" b="0"/>
+      </a:lnRef>
+      <a:fillRef idx="1">
+        <a:scrgbClr r="0" g="0" b="0"/>
+      </a:fillRef>
+      <a:effectRef idx="0">
+        <a:scrgbClr r="0" g="0" b="0"/>
+      </a:effectRef>
+      <a:fontRef idx="minor"/>
+    </dgm:style>
+  </dgm:styleLbl>
+  <dgm:styleLbl name="fgAcc3">
+    <dgm:scene3d>
+      <a:camera prst="orthographicFront"/>
+      <a:lightRig rig="threePt" dir="t"/>
+    </dgm:scene3d>
+    <dgm:sp3d/>
+    <dgm:txPr/>
+    <dgm:style>
+      <a:lnRef idx="2">
+        <a:scrgbClr r="0" g="0" b="0"/>
+      </a:lnRef>
+      <a:fillRef idx="1">
+        <a:scrgbClr r="0" g="0" b="0"/>
+      </a:fillRef>
+      <a:effectRef idx="0">
+        <a:scrgbClr r="0" g="0" b="0"/>
+      </a:effectRef>
+      <a:fontRef idx="minor"/>
+    </dgm:style>
+  </dgm:styleLbl>
+  <dgm:styleLbl name="fgAcc4">
+    <dgm:scene3d>
+      <a:camera prst="orthographicFront"/>
+      <a:lightRig rig="threePt" dir="t"/>
+    </dgm:scene3d>
+    <dgm:sp3d/>
+    <dgm:txPr/>
+    <dgm:style>
+      <a:lnRef idx="2">
+        <a:scrgbClr r="0" g="0" b="0"/>
+      </a:lnRef>
+      <a:fillRef idx="1">
+        <a:scrgbClr r="0" g="0" b="0"/>
+      </a:fillRef>
+      <a:effectRef idx="0">
+        <a:scrgbClr r="0" g="0" b="0"/>
+      </a:effectRef>
+      <a:fontRef idx="minor"/>
+    </dgm:style>
+  </dgm:styleLbl>
+  <dgm:styleLbl name="bgShp">
+    <dgm:scene3d>
+      <a:camera prst="orthographicFront"/>
+      <a:lightRig rig="threePt" dir="t"/>
+    </dgm:scene3d>
+    <dgm:sp3d/>
+    <dgm:txPr/>
+    <dgm:style>
+      <a:lnRef idx="0">
+        <a:scrgbClr r="0" g="0" b="0"/>
+      </a:lnRef>
+      <a:fillRef idx="1">
+        <a:scrgbClr r="0" g="0" b="0"/>
+      </a:fillRef>
+      <a:effectRef idx="0">
+        <a:scrgbClr r="0" g="0" b="0"/>
+      </a:effectRef>
+      <a:fontRef idx="minor"/>
+    </dgm:style>
+  </dgm:styleLbl>
+  <dgm:styleLbl name="dkBgShp">
+    <dgm:scene3d>
+      <a:camera prst="orthographicFront"/>
+      <a:lightRig rig="threePt" dir="t"/>
+    </dgm:scene3d>
+    <dgm:sp3d/>
+    <dgm:txPr/>
+    <dgm:style>
+      <a:lnRef idx="0">
+        <a:scrgbClr r="0" g="0" b="0"/>
+      </a:lnRef>
+      <a:fillRef idx="1">
+        <a:scrgbClr r="0" g="0" b="0"/>
+      </a:fillRef>
+      <a:effectRef idx="0">
+        <a:scrgbClr r="0" g="0" b="0"/>
+      </a:effectRef>
+      <a:fontRef idx="minor"/>
+    </dgm:style>
+  </dgm:styleLbl>
+  <dgm:styleLbl name="trBgShp">
+    <dgm:scene3d>
+      <a:camera prst="orthographicFront"/>
+      <a:lightRig rig="threePt" dir="t"/>
+    </dgm:scene3d>
+    <dgm:sp3d/>
+    <dgm:txPr/>
+    <dgm:style>
+      <a:lnRef idx="0">
+        <a:scrgbClr r="0" g="0" b="0"/>
+      </a:lnRef>
+      <a:fillRef idx="1">
+        <a:scrgbClr r="0" g="0" b="0"/>
+      </a:fillRef>
+      <a:effectRef idx="0">
+        <a:scrgbClr r="0" g="0" b="0"/>
+      </a:effectRef>
+      <a:fontRef idx="minor"/>
+    </dgm:style>
+  </dgm:styleLbl>
+  <dgm:styleLbl name="fgShp">
+    <dgm:scene3d>
+      <a:camera prst="orthographicFront"/>
+      <a:lightRig rig="threePt" dir="t"/>
+    </dgm:scene3d>
+    <dgm:sp3d/>
+    <dgm:txPr/>
+    <dgm:style>
+      <a:lnRef idx="2">
+        <a:scrgbClr r="0" g="0" b="0"/>
+      </a:lnRef>
+      <a:fillRef idx="1">
+        <a:scrgbClr r="0" g="0" b="0"/>
+      </a:fillRef>
+      <a:effectRef idx="0">
+        <a:scrgbClr r="0" g="0" b="0"/>
+      </a:effectRef>
+      <a:fontRef idx="minor"/>
+    </dgm:style>
+  </dgm:styleLbl>
+  <dgm:styleLbl name="revTx">
+    <dgm:scene3d>
+      <a:camera prst="orthographicFront"/>
+      <a:lightRig rig="threePt" dir="t"/>
+    </dgm:scene3d>
+    <dgm:sp3d/>
+    <dgm:txPr/>
+    <dgm:style>
+      <a:lnRef idx="0">
+        <a:scrgbClr r="0" g="0" b="0"/>
+      </a:lnRef>
+      <a:fillRef idx="0">
+        <a:scrgbClr r="0" g="0" b="0"/>
+      </a:fillRef>
+      <a:effectRef idx="0">
+        <a:scrgbClr r="0" g="0" b="0"/>
+      </a:effectRef>
+      <a:fontRef idx="minor"/>
+    </dgm:style>
+  </dgm:styleLbl>
+</dgm:styleDef>
+</file>
+
+<file path=ppt/diagrams/quickStyle6.xml><?xml version="1.0" encoding="utf-8"?>
 <dgm:styleDef xmlns:dgm="http://schemas.openxmlformats.org/drawingml/2006/diagram" xmlns:a="http://schemas.openxmlformats.org/drawingml/2006/main" uniqueId="urn:microsoft.com/office/officeart/2005/8/quickstyle/simple1">
   <dgm:title val=""/>
   <dgm:desc val=""/>
@@ -18634,7 +24954,7 @@
           <a:bodyPr/>
           <a:lstStyle/>
           <a:p>
-            <a:endParaRPr lang="nl-NL"/>
+            <a:endParaRPr lang="nl-NL" dirty="0"/>
           </a:p>
         </p:txBody>
       </p:sp>
@@ -19963,10 +26283,7 @@
           <a:bodyPr/>
           <a:lstStyle/>
           <a:p>
-            <a:r>
-              <a:rPr lang="nl-NL" dirty="0"/>
-              <a:t>Wat is een Smart City?</a:t>
-            </a:r>
+            <a:endParaRPr lang="nl-NL" dirty="0"/>
           </a:p>
         </p:txBody>
       </p:sp>
@@ -19995,6 +26312,870 @@
           </a:p>
         </p:txBody>
       </p:sp>
+      <p:sp>
+        <p:nvSpPr>
+          <p:cNvPr id="4" name="Titel 1">
+            <a:extLst>
+              <a:ext uri="{FF2B5EF4-FFF2-40B4-BE49-F238E27FC236}">
+                <a16:creationId xmlns:a16="http://schemas.microsoft.com/office/drawing/2014/main" id="{7AC8B6DF-0990-40E7-87DA-572DC204B1BB}"/>
+              </a:ext>
+            </a:extLst>
+          </p:cNvPr>
+          <p:cNvSpPr txBox="1">
+            <a:spLocks/>
+          </p:cNvSpPr>
+          <p:nvPr/>
+        </p:nvSpPr>
+        <p:spPr>
+          <a:xfrm>
+            <a:off x="838200" y="365125"/>
+            <a:ext cx="10515600" cy="1325563"/>
+          </a:xfrm>
+          <a:prstGeom prst="rect">
+            <a:avLst/>
+          </a:prstGeom>
+        </p:spPr>
+        <p:txBody>
+          <a:bodyPr vert="horz" lIns="91440" tIns="45720" rIns="91440" bIns="45720" rtlCol="0" anchor="ctr">
+            <a:normAutofit/>
+          </a:bodyPr>
+          <a:lstStyle>
+            <a:lvl1pPr algn="l" defTabSz="914400" rtl="0" eaLnBrk="1" latinLnBrk="0" hangingPunct="1">
+              <a:lnSpc>
+                <a:spcPct val="90000"/>
+              </a:lnSpc>
+              <a:spcBef>
+                <a:spcPct val="0"/>
+              </a:spcBef>
+              <a:buNone/>
+              <a:defRPr sz="4400" kern="1200">
+                <a:solidFill>
+                  <a:schemeClr val="tx1"/>
+                </a:solidFill>
+                <a:latin typeface="+mj-lt"/>
+                <a:ea typeface="+mj-ea"/>
+                <a:cs typeface="+mj-cs"/>
+              </a:defRPr>
+            </a:lvl1pPr>
+          </a:lstStyle>
+          <a:p>
+            <a:r>
+              <a:rPr lang="nl-NL"/>
+              <a:t>Wat is Big Data?</a:t>
+            </a:r>
+            <a:endParaRPr lang="nl-NL" dirty="0"/>
+          </a:p>
+        </p:txBody>
+      </p:sp>
+      <p:sp>
+        <p:nvSpPr>
+          <p:cNvPr id="5" name="Tijdelijke aanduiding voor inhoud 2">
+            <a:extLst>
+              <a:ext uri="{FF2B5EF4-FFF2-40B4-BE49-F238E27FC236}">
+                <a16:creationId xmlns:a16="http://schemas.microsoft.com/office/drawing/2014/main" id="{D2D4BB21-5959-4997-AA3E-1A1080AD5F02}"/>
+              </a:ext>
+            </a:extLst>
+          </p:cNvPr>
+          <p:cNvSpPr txBox="1">
+            <a:spLocks/>
+          </p:cNvSpPr>
+          <p:nvPr/>
+        </p:nvSpPr>
+        <p:spPr>
+          <a:xfrm>
+            <a:off x="838200" y="1825625"/>
+            <a:ext cx="10515600" cy="4351338"/>
+          </a:xfrm>
+          <a:prstGeom prst="rect">
+            <a:avLst/>
+          </a:prstGeom>
+        </p:spPr>
+        <p:txBody>
+          <a:bodyPr vert="horz" lIns="91440" tIns="45720" rIns="91440" bIns="45720" rtlCol="0">
+            <a:normAutofit/>
+          </a:bodyPr>
+          <a:lstStyle>
+            <a:lvl1pPr marL="228600" indent="-228600" algn="l" defTabSz="914400" rtl="0" eaLnBrk="1" latinLnBrk="0" hangingPunct="1">
+              <a:lnSpc>
+                <a:spcPct val="90000"/>
+              </a:lnSpc>
+              <a:spcBef>
+                <a:spcPts val="1000"/>
+              </a:spcBef>
+              <a:buFont typeface="Arial" panose="020B0604020202020204" pitchFamily="34" charset="0"/>
+              <a:buChar char="•"/>
+              <a:defRPr sz="2800" kern="1200">
+                <a:solidFill>
+                  <a:schemeClr val="tx1"/>
+                </a:solidFill>
+                <a:latin typeface="+mn-lt"/>
+                <a:ea typeface="+mn-ea"/>
+                <a:cs typeface="+mn-cs"/>
+              </a:defRPr>
+            </a:lvl1pPr>
+            <a:lvl2pPr marL="685800" indent="-228600" algn="l" defTabSz="914400" rtl="0" eaLnBrk="1" latinLnBrk="0" hangingPunct="1">
+              <a:lnSpc>
+                <a:spcPct val="90000"/>
+              </a:lnSpc>
+              <a:spcBef>
+                <a:spcPts val="500"/>
+              </a:spcBef>
+              <a:buFont typeface="Arial" panose="020B0604020202020204" pitchFamily="34" charset="0"/>
+              <a:buChar char="•"/>
+              <a:defRPr sz="2400" kern="1200">
+                <a:solidFill>
+                  <a:schemeClr val="tx1"/>
+                </a:solidFill>
+                <a:latin typeface="+mn-lt"/>
+                <a:ea typeface="+mn-ea"/>
+                <a:cs typeface="+mn-cs"/>
+              </a:defRPr>
+            </a:lvl2pPr>
+            <a:lvl3pPr marL="1143000" indent="-228600" algn="l" defTabSz="914400" rtl="0" eaLnBrk="1" latinLnBrk="0" hangingPunct="1">
+              <a:lnSpc>
+                <a:spcPct val="90000"/>
+              </a:lnSpc>
+              <a:spcBef>
+                <a:spcPts val="500"/>
+              </a:spcBef>
+              <a:buFont typeface="Arial" panose="020B0604020202020204" pitchFamily="34" charset="0"/>
+              <a:buChar char="•"/>
+              <a:defRPr sz="2000" kern="1200">
+                <a:solidFill>
+                  <a:schemeClr val="tx1"/>
+                </a:solidFill>
+                <a:latin typeface="+mn-lt"/>
+                <a:ea typeface="+mn-ea"/>
+                <a:cs typeface="+mn-cs"/>
+              </a:defRPr>
+            </a:lvl3pPr>
+            <a:lvl4pPr marL="1600200" indent="-228600" algn="l" defTabSz="914400" rtl="0" eaLnBrk="1" latinLnBrk="0" hangingPunct="1">
+              <a:lnSpc>
+                <a:spcPct val="90000"/>
+              </a:lnSpc>
+              <a:spcBef>
+                <a:spcPts val="500"/>
+              </a:spcBef>
+              <a:buFont typeface="Arial" panose="020B0604020202020204" pitchFamily="34" charset="0"/>
+              <a:buChar char="•"/>
+              <a:defRPr sz="1800" kern="1200">
+                <a:solidFill>
+                  <a:schemeClr val="tx1"/>
+                </a:solidFill>
+                <a:latin typeface="+mn-lt"/>
+                <a:ea typeface="+mn-ea"/>
+                <a:cs typeface="+mn-cs"/>
+              </a:defRPr>
+            </a:lvl4pPr>
+            <a:lvl5pPr marL="2057400" indent="-228600" algn="l" defTabSz="914400" rtl="0" eaLnBrk="1" latinLnBrk="0" hangingPunct="1">
+              <a:lnSpc>
+                <a:spcPct val="90000"/>
+              </a:lnSpc>
+              <a:spcBef>
+                <a:spcPts val="500"/>
+              </a:spcBef>
+              <a:buFont typeface="Arial" panose="020B0604020202020204" pitchFamily="34" charset="0"/>
+              <a:buChar char="•"/>
+              <a:defRPr sz="1800" kern="1200">
+                <a:solidFill>
+                  <a:schemeClr val="tx1"/>
+                </a:solidFill>
+                <a:latin typeface="+mn-lt"/>
+                <a:ea typeface="+mn-ea"/>
+                <a:cs typeface="+mn-cs"/>
+              </a:defRPr>
+            </a:lvl5pPr>
+            <a:lvl6pPr marL="2514600" indent="-228600" algn="l" defTabSz="914400" rtl="0" eaLnBrk="1" latinLnBrk="0" hangingPunct="1">
+              <a:lnSpc>
+                <a:spcPct val="90000"/>
+              </a:lnSpc>
+              <a:spcBef>
+                <a:spcPts val="500"/>
+              </a:spcBef>
+              <a:buFont typeface="Arial" panose="020B0604020202020204" pitchFamily="34" charset="0"/>
+              <a:buChar char="•"/>
+              <a:defRPr sz="1800" kern="1200">
+                <a:solidFill>
+                  <a:schemeClr val="tx1"/>
+                </a:solidFill>
+                <a:latin typeface="+mn-lt"/>
+                <a:ea typeface="+mn-ea"/>
+                <a:cs typeface="+mn-cs"/>
+              </a:defRPr>
+            </a:lvl6pPr>
+            <a:lvl7pPr marL="2971800" indent="-228600" algn="l" defTabSz="914400" rtl="0" eaLnBrk="1" latinLnBrk="0" hangingPunct="1">
+              <a:lnSpc>
+                <a:spcPct val="90000"/>
+              </a:lnSpc>
+              <a:spcBef>
+                <a:spcPts val="500"/>
+              </a:spcBef>
+              <a:buFont typeface="Arial" panose="020B0604020202020204" pitchFamily="34" charset="0"/>
+              <a:buChar char="•"/>
+              <a:defRPr sz="1800" kern="1200">
+                <a:solidFill>
+                  <a:schemeClr val="tx1"/>
+                </a:solidFill>
+                <a:latin typeface="+mn-lt"/>
+                <a:ea typeface="+mn-ea"/>
+                <a:cs typeface="+mn-cs"/>
+              </a:defRPr>
+            </a:lvl7pPr>
+            <a:lvl8pPr marL="3429000" indent="-228600" algn="l" defTabSz="914400" rtl="0" eaLnBrk="1" latinLnBrk="0" hangingPunct="1">
+              <a:lnSpc>
+                <a:spcPct val="90000"/>
+              </a:lnSpc>
+              <a:spcBef>
+                <a:spcPts val="500"/>
+              </a:spcBef>
+              <a:buFont typeface="Arial" panose="020B0604020202020204" pitchFamily="34" charset="0"/>
+              <a:buChar char="•"/>
+              <a:defRPr sz="1800" kern="1200">
+                <a:solidFill>
+                  <a:schemeClr val="tx1"/>
+                </a:solidFill>
+                <a:latin typeface="+mn-lt"/>
+                <a:ea typeface="+mn-ea"/>
+                <a:cs typeface="+mn-cs"/>
+              </a:defRPr>
+            </a:lvl8pPr>
+            <a:lvl9pPr marL="3886200" indent="-228600" algn="l" defTabSz="914400" rtl="0" eaLnBrk="1" latinLnBrk="0" hangingPunct="1">
+              <a:lnSpc>
+                <a:spcPct val="90000"/>
+              </a:lnSpc>
+              <a:spcBef>
+                <a:spcPts val="500"/>
+              </a:spcBef>
+              <a:buFont typeface="Arial" panose="020B0604020202020204" pitchFamily="34" charset="0"/>
+              <a:buChar char="•"/>
+              <a:defRPr sz="1800" kern="1200">
+                <a:solidFill>
+                  <a:schemeClr val="tx1"/>
+                </a:solidFill>
+                <a:latin typeface="+mn-lt"/>
+                <a:ea typeface="+mn-ea"/>
+                <a:cs typeface="+mn-cs"/>
+              </a:defRPr>
+            </a:lvl9pPr>
+          </a:lstStyle>
+          <a:p>
+            <a:r>
+              <a:rPr lang="nl-NL"/>
+              <a:t>stR</a:t>
+            </a:r>
+          </a:p>
+          <a:p>
+            <a:r>
+              <a:rPr lang="nl-NL"/>
+              <a:t>DASD</a:t>
+            </a:r>
+          </a:p>
+          <a:p>
+            <a:r>
+              <a:rPr lang="nl-NL"/>
+              <a:t>DASD</a:t>
+            </a:r>
+          </a:p>
+          <a:p>
+            <a:r>
+              <a:rPr lang="nl-NL"/>
+              <a:t>ADF</a:t>
+            </a:r>
+          </a:p>
+          <a:p>
+            <a:r>
+              <a:rPr lang="nl-NL"/>
+              <a:t>das</a:t>
+            </a:r>
+            <a:endParaRPr lang="nl-NL" dirty="0"/>
+          </a:p>
+        </p:txBody>
+      </p:sp>
+      <p:sp>
+        <p:nvSpPr>
+          <p:cNvPr id="6" name="Freeform: Shape 23">
+            <a:extLst>
+              <a:ext uri="{FF2B5EF4-FFF2-40B4-BE49-F238E27FC236}">
+                <a16:creationId xmlns:a16="http://schemas.microsoft.com/office/drawing/2014/main" id="{A73337AB-8CEB-412A-905F-6FECA4D165C2}"/>
+              </a:ext>
+              <a:ext uri="{C183D7F6-B498-43B3-948B-1728B52AA6E4}">
+                <adec:decorative xmlns:adec="http://schemas.microsoft.com/office/drawing/2017/decorative" val="1"/>
+              </a:ext>
+            </a:extLst>
+          </p:cNvPr>
+          <p:cNvSpPr>
+            <a:spLocks noGrp="1" noRot="1" noChangeAspect="1" noMove="1" noResize="1" noEditPoints="1" noAdjustHandles="1" noChangeArrowheads="1" noChangeShapeType="1" noTextEdit="1"/>
+          </p:cNvSpPr>
+          <p:nvPr>
+            <p:extLst>
+              <p:ext uri="{386F3935-93C4-4BCD-93E2-E3B085C9AB24}">
+                <p16:designElem xmlns:p16="http://schemas.microsoft.com/office/powerpoint/2015/main" val="1"/>
+              </p:ext>
+            </p:extLst>
+          </p:nvPr>
+        </p:nvSpPr>
+        <p:spPr>
+          <a:xfrm>
+            <a:off x="484096" y="470925"/>
+            <a:ext cx="4381009" cy="5892104"/>
+          </a:xfrm>
+          <a:custGeom>
+            <a:avLst/>
+            <a:gdLst>
+              <a:gd name="connsiteX0" fmla="*/ 0 w 4381009"/>
+              <a:gd name="connsiteY0" fmla="*/ 0 h 5892104"/>
+              <a:gd name="connsiteX1" fmla="*/ 4157628 w 4381009"/>
+              <a:gd name="connsiteY1" fmla="*/ 0 h 5892104"/>
+              <a:gd name="connsiteX2" fmla="*/ 4169302 w 4381009"/>
+              <a:gd name="connsiteY2" fmla="*/ 68659 h 5892104"/>
+              <a:gd name="connsiteX3" fmla="*/ 4191571 w 4381009"/>
+              <a:gd name="connsiteY3" fmla="*/ 205472 h 5892104"/>
+              <a:gd name="connsiteX4" fmla="*/ 4213368 w 4381009"/>
+              <a:gd name="connsiteY4" fmla="*/ 342890 h 5892104"/>
+              <a:gd name="connsiteX5" fmla="*/ 4232030 w 4381009"/>
+              <a:gd name="connsiteY5" fmla="*/ 480913 h 5892104"/>
+              <a:gd name="connsiteX6" fmla="*/ 4250848 w 4381009"/>
+              <a:gd name="connsiteY6" fmla="*/ 618332 h 5892104"/>
+              <a:gd name="connsiteX7" fmla="*/ 4268412 w 4381009"/>
+              <a:gd name="connsiteY7" fmla="*/ 756355 h 5892104"/>
+              <a:gd name="connsiteX8" fmla="*/ 4283467 w 4381009"/>
+              <a:gd name="connsiteY8" fmla="*/ 892563 h 5892104"/>
+              <a:gd name="connsiteX9" fmla="*/ 4297737 w 4381009"/>
+              <a:gd name="connsiteY9" fmla="*/ 1030587 h 5892104"/>
+              <a:gd name="connsiteX10" fmla="*/ 4310754 w 4381009"/>
+              <a:gd name="connsiteY10" fmla="*/ 1168005 h 5892104"/>
+              <a:gd name="connsiteX11" fmla="*/ 4322045 w 4381009"/>
+              <a:gd name="connsiteY11" fmla="*/ 1303002 h 5892104"/>
+              <a:gd name="connsiteX12" fmla="*/ 4333336 w 4381009"/>
+              <a:gd name="connsiteY12" fmla="*/ 1439815 h 5892104"/>
+              <a:gd name="connsiteX13" fmla="*/ 4342745 w 4381009"/>
+              <a:gd name="connsiteY13" fmla="*/ 1574812 h 5892104"/>
+              <a:gd name="connsiteX14" fmla="*/ 4350115 w 4381009"/>
+              <a:gd name="connsiteY14" fmla="*/ 1709808 h 5892104"/>
+              <a:gd name="connsiteX15" fmla="*/ 4357799 w 4381009"/>
+              <a:gd name="connsiteY15" fmla="*/ 1844200 h 5892104"/>
+              <a:gd name="connsiteX16" fmla="*/ 4364229 w 4381009"/>
+              <a:gd name="connsiteY16" fmla="*/ 1977381 h 5892104"/>
+              <a:gd name="connsiteX17" fmla="*/ 4368777 w 4381009"/>
+              <a:gd name="connsiteY17" fmla="*/ 2109351 h 5892104"/>
+              <a:gd name="connsiteX18" fmla="*/ 4372697 w 4381009"/>
+              <a:gd name="connsiteY18" fmla="*/ 2241321 h 5892104"/>
+              <a:gd name="connsiteX19" fmla="*/ 4376461 w 4381009"/>
+              <a:gd name="connsiteY19" fmla="*/ 2372080 h 5892104"/>
+              <a:gd name="connsiteX20" fmla="*/ 4378186 w 4381009"/>
+              <a:gd name="connsiteY20" fmla="*/ 2501023 h 5892104"/>
+              <a:gd name="connsiteX21" fmla="*/ 4380068 w 4381009"/>
+              <a:gd name="connsiteY21" fmla="*/ 2629966 h 5892104"/>
+              <a:gd name="connsiteX22" fmla="*/ 4381009 w 4381009"/>
+              <a:gd name="connsiteY22" fmla="*/ 2757093 h 5892104"/>
+              <a:gd name="connsiteX23" fmla="*/ 4380068 w 4381009"/>
+              <a:gd name="connsiteY23" fmla="*/ 2883010 h 5892104"/>
+              <a:gd name="connsiteX24" fmla="*/ 4380068 w 4381009"/>
+              <a:gd name="connsiteY24" fmla="*/ 3007715 h 5892104"/>
+              <a:gd name="connsiteX25" fmla="*/ 4378186 w 4381009"/>
+              <a:gd name="connsiteY25" fmla="*/ 3131210 h 5892104"/>
+              <a:gd name="connsiteX26" fmla="*/ 4375363 w 4381009"/>
+              <a:gd name="connsiteY26" fmla="*/ 3252283 h 5892104"/>
+              <a:gd name="connsiteX27" fmla="*/ 4372697 w 4381009"/>
+              <a:gd name="connsiteY27" fmla="*/ 3372146 h 5892104"/>
+              <a:gd name="connsiteX28" fmla="*/ 4369718 w 4381009"/>
+              <a:gd name="connsiteY28" fmla="*/ 3489587 h 5892104"/>
+              <a:gd name="connsiteX29" fmla="*/ 4365170 w 4381009"/>
+              <a:gd name="connsiteY29" fmla="*/ 3606423 h 5892104"/>
+              <a:gd name="connsiteX30" fmla="*/ 4360309 w 4381009"/>
+              <a:gd name="connsiteY30" fmla="*/ 3721443 h 5892104"/>
+              <a:gd name="connsiteX31" fmla="*/ 4355918 w 4381009"/>
+              <a:gd name="connsiteY31" fmla="*/ 3834041 h 5892104"/>
+              <a:gd name="connsiteX32" fmla="*/ 4343529 w 4381009"/>
+              <a:gd name="connsiteY32" fmla="*/ 4053789 h 5892104"/>
+              <a:gd name="connsiteX33" fmla="*/ 4330356 w 4381009"/>
+              <a:gd name="connsiteY33" fmla="*/ 4264457 h 5892104"/>
+              <a:gd name="connsiteX34" fmla="*/ 4316556 w 4381009"/>
+              <a:gd name="connsiteY34" fmla="*/ 4466650 h 5892104"/>
+              <a:gd name="connsiteX35" fmla="*/ 4301344 w 4381009"/>
+              <a:gd name="connsiteY35" fmla="*/ 4657946 h 5892104"/>
+              <a:gd name="connsiteX36" fmla="*/ 4285506 w 4381009"/>
+              <a:gd name="connsiteY36" fmla="*/ 4840767 h 5892104"/>
+              <a:gd name="connsiteX37" fmla="*/ 4268412 w 4381009"/>
+              <a:gd name="connsiteY37" fmla="*/ 5010269 h 5892104"/>
+              <a:gd name="connsiteX38" fmla="*/ 4251633 w 4381009"/>
+              <a:gd name="connsiteY38" fmla="*/ 5169481 h 5892104"/>
+              <a:gd name="connsiteX39" fmla="*/ 4234853 w 4381009"/>
+              <a:gd name="connsiteY39" fmla="*/ 5315980 h 5892104"/>
+              <a:gd name="connsiteX40" fmla="*/ 4219014 w 4381009"/>
+              <a:gd name="connsiteY40" fmla="*/ 5450371 h 5892104"/>
+              <a:gd name="connsiteX41" fmla="*/ 4203959 w 4381009"/>
+              <a:gd name="connsiteY41" fmla="*/ 5569628 h 5892104"/>
+              <a:gd name="connsiteX42" fmla="*/ 4189689 w 4381009"/>
+              <a:gd name="connsiteY42" fmla="*/ 5677384 h 5892104"/>
+              <a:gd name="connsiteX43" fmla="*/ 4177770 w 4381009"/>
+              <a:gd name="connsiteY43" fmla="*/ 5768189 h 5892104"/>
+              <a:gd name="connsiteX44" fmla="*/ 4166479 w 4381009"/>
+              <a:gd name="connsiteY44" fmla="*/ 5844465 h 5892104"/>
+              <a:gd name="connsiteX45" fmla="*/ 4159132 w 4381009"/>
+              <a:gd name="connsiteY45" fmla="*/ 5892104 h 5892104"/>
+              <a:gd name="connsiteX46" fmla="*/ 0 w 4381009"/>
+              <a:gd name="connsiteY46" fmla="*/ 5892104 h 5892104"/>
+            </a:gdLst>
+            <a:ahLst/>
+            <a:cxnLst>
+              <a:cxn ang="0">
+                <a:pos x="connsiteX0" y="connsiteY0"/>
+              </a:cxn>
+              <a:cxn ang="0">
+                <a:pos x="connsiteX1" y="connsiteY1"/>
+              </a:cxn>
+              <a:cxn ang="0">
+                <a:pos x="connsiteX2" y="connsiteY2"/>
+              </a:cxn>
+              <a:cxn ang="0">
+                <a:pos x="connsiteX3" y="connsiteY3"/>
+              </a:cxn>
+              <a:cxn ang="0">
+                <a:pos x="connsiteX4" y="connsiteY4"/>
+              </a:cxn>
+              <a:cxn ang="0">
+                <a:pos x="connsiteX5" y="connsiteY5"/>
+              </a:cxn>
+              <a:cxn ang="0">
+                <a:pos x="connsiteX6" y="connsiteY6"/>
+              </a:cxn>
+              <a:cxn ang="0">
+                <a:pos x="connsiteX7" y="connsiteY7"/>
+              </a:cxn>
+              <a:cxn ang="0">
+                <a:pos x="connsiteX8" y="connsiteY8"/>
+              </a:cxn>
+              <a:cxn ang="0">
+                <a:pos x="connsiteX9" y="connsiteY9"/>
+              </a:cxn>
+              <a:cxn ang="0">
+                <a:pos x="connsiteX10" y="connsiteY10"/>
+              </a:cxn>
+              <a:cxn ang="0">
+                <a:pos x="connsiteX11" y="connsiteY11"/>
+              </a:cxn>
+              <a:cxn ang="0">
+                <a:pos x="connsiteX12" y="connsiteY12"/>
+              </a:cxn>
+              <a:cxn ang="0">
+                <a:pos x="connsiteX13" y="connsiteY13"/>
+              </a:cxn>
+              <a:cxn ang="0">
+                <a:pos x="connsiteX14" y="connsiteY14"/>
+              </a:cxn>
+              <a:cxn ang="0">
+                <a:pos x="connsiteX15" y="connsiteY15"/>
+              </a:cxn>
+              <a:cxn ang="0">
+                <a:pos x="connsiteX16" y="connsiteY16"/>
+              </a:cxn>
+              <a:cxn ang="0">
+                <a:pos x="connsiteX17" y="connsiteY17"/>
+              </a:cxn>
+              <a:cxn ang="0">
+                <a:pos x="connsiteX18" y="connsiteY18"/>
+              </a:cxn>
+              <a:cxn ang="0">
+                <a:pos x="connsiteX19" y="connsiteY19"/>
+              </a:cxn>
+              <a:cxn ang="0">
+                <a:pos x="connsiteX20" y="connsiteY20"/>
+              </a:cxn>
+              <a:cxn ang="0">
+                <a:pos x="connsiteX21" y="connsiteY21"/>
+              </a:cxn>
+              <a:cxn ang="0">
+                <a:pos x="connsiteX22" y="connsiteY22"/>
+              </a:cxn>
+              <a:cxn ang="0">
+                <a:pos x="connsiteX23" y="connsiteY23"/>
+              </a:cxn>
+              <a:cxn ang="0">
+                <a:pos x="connsiteX24" y="connsiteY24"/>
+              </a:cxn>
+              <a:cxn ang="0">
+                <a:pos x="connsiteX25" y="connsiteY25"/>
+              </a:cxn>
+              <a:cxn ang="0">
+                <a:pos x="connsiteX26" y="connsiteY26"/>
+              </a:cxn>
+              <a:cxn ang="0">
+                <a:pos x="connsiteX27" y="connsiteY27"/>
+              </a:cxn>
+              <a:cxn ang="0">
+                <a:pos x="connsiteX28" y="connsiteY28"/>
+              </a:cxn>
+              <a:cxn ang="0">
+                <a:pos x="connsiteX29" y="connsiteY29"/>
+              </a:cxn>
+              <a:cxn ang="0">
+                <a:pos x="connsiteX30" y="connsiteY30"/>
+              </a:cxn>
+              <a:cxn ang="0">
+                <a:pos x="connsiteX31" y="connsiteY31"/>
+              </a:cxn>
+              <a:cxn ang="0">
+                <a:pos x="connsiteX32" y="connsiteY32"/>
+              </a:cxn>
+              <a:cxn ang="0">
+                <a:pos x="connsiteX33" y="connsiteY33"/>
+              </a:cxn>
+              <a:cxn ang="0">
+                <a:pos x="connsiteX34" y="connsiteY34"/>
+              </a:cxn>
+              <a:cxn ang="0">
+                <a:pos x="connsiteX35" y="connsiteY35"/>
+              </a:cxn>
+              <a:cxn ang="0">
+                <a:pos x="connsiteX36" y="connsiteY36"/>
+              </a:cxn>
+              <a:cxn ang="0">
+                <a:pos x="connsiteX37" y="connsiteY37"/>
+              </a:cxn>
+              <a:cxn ang="0">
+                <a:pos x="connsiteX38" y="connsiteY38"/>
+              </a:cxn>
+              <a:cxn ang="0">
+                <a:pos x="connsiteX39" y="connsiteY39"/>
+              </a:cxn>
+              <a:cxn ang="0">
+                <a:pos x="connsiteX40" y="connsiteY40"/>
+              </a:cxn>
+              <a:cxn ang="0">
+                <a:pos x="connsiteX41" y="connsiteY41"/>
+              </a:cxn>
+              <a:cxn ang="0">
+                <a:pos x="connsiteX42" y="connsiteY42"/>
+              </a:cxn>
+              <a:cxn ang="0">
+                <a:pos x="connsiteX43" y="connsiteY43"/>
+              </a:cxn>
+              <a:cxn ang="0">
+                <a:pos x="connsiteX44" y="connsiteY44"/>
+              </a:cxn>
+              <a:cxn ang="0">
+                <a:pos x="connsiteX45" y="connsiteY45"/>
+              </a:cxn>
+              <a:cxn ang="0">
+                <a:pos x="connsiteX46" y="connsiteY46"/>
+              </a:cxn>
+            </a:cxnLst>
+            <a:rect l="l" t="t" r="r" b="b"/>
+            <a:pathLst>
+              <a:path w="4381009" h="5892104">
+                <a:moveTo>
+                  <a:pt x="0" y="0"/>
+                </a:moveTo>
+                <a:lnTo>
+                  <a:pt x="4157628" y="0"/>
+                </a:lnTo>
+                <a:lnTo>
+                  <a:pt x="4169302" y="68659"/>
+                </a:lnTo>
+                <a:lnTo>
+                  <a:pt x="4191571" y="205472"/>
+                </a:lnTo>
+                <a:lnTo>
+                  <a:pt x="4213368" y="342890"/>
+                </a:lnTo>
+                <a:lnTo>
+                  <a:pt x="4232030" y="480913"/>
+                </a:lnTo>
+                <a:lnTo>
+                  <a:pt x="4250848" y="618332"/>
+                </a:lnTo>
+                <a:lnTo>
+                  <a:pt x="4268412" y="756355"/>
+                </a:lnTo>
+                <a:lnTo>
+                  <a:pt x="4283467" y="892563"/>
+                </a:lnTo>
+                <a:lnTo>
+                  <a:pt x="4297737" y="1030587"/>
+                </a:lnTo>
+                <a:lnTo>
+                  <a:pt x="4310754" y="1168005"/>
+                </a:lnTo>
+                <a:lnTo>
+                  <a:pt x="4322045" y="1303002"/>
+                </a:lnTo>
+                <a:lnTo>
+                  <a:pt x="4333336" y="1439815"/>
+                </a:lnTo>
+                <a:lnTo>
+                  <a:pt x="4342745" y="1574812"/>
+                </a:lnTo>
+                <a:lnTo>
+                  <a:pt x="4350115" y="1709808"/>
+                </a:lnTo>
+                <a:lnTo>
+                  <a:pt x="4357799" y="1844200"/>
+                </a:lnTo>
+                <a:lnTo>
+                  <a:pt x="4364229" y="1977381"/>
+                </a:lnTo>
+                <a:lnTo>
+                  <a:pt x="4368777" y="2109351"/>
+                </a:lnTo>
+                <a:lnTo>
+                  <a:pt x="4372697" y="2241321"/>
+                </a:lnTo>
+                <a:lnTo>
+                  <a:pt x="4376461" y="2372080"/>
+                </a:lnTo>
+                <a:lnTo>
+                  <a:pt x="4378186" y="2501023"/>
+                </a:lnTo>
+                <a:lnTo>
+                  <a:pt x="4380068" y="2629966"/>
+                </a:lnTo>
+                <a:lnTo>
+                  <a:pt x="4381009" y="2757093"/>
+                </a:lnTo>
+                <a:lnTo>
+                  <a:pt x="4380068" y="2883010"/>
+                </a:lnTo>
+                <a:lnTo>
+                  <a:pt x="4380068" y="3007715"/>
+                </a:lnTo>
+                <a:lnTo>
+                  <a:pt x="4378186" y="3131210"/>
+                </a:lnTo>
+                <a:lnTo>
+                  <a:pt x="4375363" y="3252283"/>
+                </a:lnTo>
+                <a:lnTo>
+                  <a:pt x="4372697" y="3372146"/>
+                </a:lnTo>
+                <a:lnTo>
+                  <a:pt x="4369718" y="3489587"/>
+                </a:lnTo>
+                <a:lnTo>
+                  <a:pt x="4365170" y="3606423"/>
+                </a:lnTo>
+                <a:lnTo>
+                  <a:pt x="4360309" y="3721443"/>
+                </a:lnTo>
+                <a:lnTo>
+                  <a:pt x="4355918" y="3834041"/>
+                </a:lnTo>
+                <a:lnTo>
+                  <a:pt x="4343529" y="4053789"/>
+                </a:lnTo>
+                <a:lnTo>
+                  <a:pt x="4330356" y="4264457"/>
+                </a:lnTo>
+                <a:lnTo>
+                  <a:pt x="4316556" y="4466650"/>
+                </a:lnTo>
+                <a:lnTo>
+                  <a:pt x="4301344" y="4657946"/>
+                </a:lnTo>
+                <a:lnTo>
+                  <a:pt x="4285506" y="4840767"/>
+                </a:lnTo>
+                <a:lnTo>
+                  <a:pt x="4268412" y="5010269"/>
+                </a:lnTo>
+                <a:lnTo>
+                  <a:pt x="4251633" y="5169481"/>
+                </a:lnTo>
+                <a:lnTo>
+                  <a:pt x="4234853" y="5315980"/>
+                </a:lnTo>
+                <a:lnTo>
+                  <a:pt x="4219014" y="5450371"/>
+                </a:lnTo>
+                <a:lnTo>
+                  <a:pt x="4203959" y="5569628"/>
+                </a:lnTo>
+                <a:lnTo>
+                  <a:pt x="4189689" y="5677384"/>
+                </a:lnTo>
+                <a:lnTo>
+                  <a:pt x="4177770" y="5768189"/>
+                </a:lnTo>
+                <a:lnTo>
+                  <a:pt x="4166479" y="5844465"/>
+                </a:lnTo>
+                <a:lnTo>
+                  <a:pt x="4159132" y="5892104"/>
+                </a:lnTo>
+                <a:lnTo>
+                  <a:pt x="0" y="5892104"/>
+                </a:lnTo>
+                <a:close/>
+              </a:path>
+            </a:pathLst>
+          </a:custGeom>
+          <a:solidFill>
+            <a:srgbClr val="404040"/>
+          </a:solidFill>
+          <a:ln>
+            <a:noFill/>
+          </a:ln>
+        </p:spPr>
+        <p:style>
+          <a:lnRef idx="2">
+            <a:schemeClr val="accent1">
+              <a:shade val="50000"/>
+            </a:schemeClr>
+          </a:lnRef>
+          <a:fillRef idx="1">
+            <a:schemeClr val="accent1"/>
+          </a:fillRef>
+          <a:effectRef idx="0">
+            <a:schemeClr val="accent1"/>
+          </a:effectRef>
+          <a:fontRef idx="minor">
+            <a:schemeClr val="lt1"/>
+          </a:fontRef>
+        </p:style>
+        <p:txBody>
+          <a:bodyPr wrap="square" rtlCol="0" anchor="ctr">
+            <a:noAutofit/>
+          </a:bodyPr>
+          <a:lstStyle/>
+          <a:p>
+            <a:pPr marL="0" marR="0" lvl="0" indent="0" algn="ctr" defTabSz="457200" rtl="0" eaLnBrk="1" fontAlgn="auto" latinLnBrk="0" hangingPunct="1">
+              <a:lnSpc>
+                <a:spcPct val="100000"/>
+              </a:lnSpc>
+              <a:spcBef>
+                <a:spcPts val="0"/>
+              </a:spcBef>
+              <a:spcAft>
+                <a:spcPts val="0"/>
+              </a:spcAft>
+              <a:buClrTx/>
+              <a:buSzTx/>
+              <a:buFontTx/>
+              <a:buNone/>
+              <a:tabLst/>
+              <a:defRPr/>
+            </a:pPr>
+            <a:endParaRPr kumimoji="0" lang="en-US" sz="1800" b="0" i="0" u="none" strike="noStrike" kern="1200" cap="none" spc="0" normalizeH="0" baseline="0" noProof="0">
+              <a:ln>
+                <a:noFill/>
+              </a:ln>
+              <a:solidFill>
+                <a:prstClr val="white"/>
+              </a:solidFill>
+              <a:effectLst/>
+              <a:uLnTx/>
+              <a:uFillTx/>
+              <a:latin typeface="Calibri" panose="020F0502020204030204"/>
+              <a:ea typeface="+mn-ea"/>
+              <a:cs typeface="+mn-cs"/>
+            </a:endParaRPr>
+          </a:p>
+        </p:txBody>
+      </p:sp>
+      <p:sp>
+        <p:nvSpPr>
+          <p:cNvPr id="7" name="Titel 1">
+            <a:extLst>
+              <a:ext uri="{FF2B5EF4-FFF2-40B4-BE49-F238E27FC236}">
+                <a16:creationId xmlns:a16="http://schemas.microsoft.com/office/drawing/2014/main" id="{98A406CA-23D6-4687-8236-4D71DF279029}"/>
+              </a:ext>
+            </a:extLst>
+          </p:cNvPr>
+          <p:cNvSpPr txBox="1">
+            <a:spLocks/>
+          </p:cNvSpPr>
+          <p:nvPr/>
+        </p:nvSpPr>
+        <p:spPr>
+          <a:xfrm>
+            <a:off x="863029" y="1012004"/>
+            <a:ext cx="3416158" cy="4795408"/>
+          </a:xfrm>
+          <a:prstGeom prst="rect">
+            <a:avLst/>
+          </a:prstGeom>
+        </p:spPr>
+        <p:txBody>
+          <a:bodyPr vert="horz" lIns="91440" tIns="45720" rIns="91440" bIns="45720" rtlCol="0" anchor="ctr">
+            <a:normAutofit/>
+          </a:bodyPr>
+          <a:lstStyle>
+            <a:lvl1pPr algn="l" defTabSz="914400" rtl="0" eaLnBrk="1" latinLnBrk="0" hangingPunct="1">
+              <a:lnSpc>
+                <a:spcPct val="90000"/>
+              </a:lnSpc>
+              <a:spcBef>
+                <a:spcPct val="0"/>
+              </a:spcBef>
+              <a:buNone/>
+              <a:defRPr sz="4400" kern="1200">
+                <a:solidFill>
+                  <a:schemeClr val="tx1"/>
+                </a:solidFill>
+                <a:latin typeface="+mj-lt"/>
+                <a:ea typeface="+mj-ea"/>
+                <a:cs typeface="+mj-cs"/>
+              </a:defRPr>
+            </a:lvl1pPr>
+          </a:lstStyle>
+          <a:p>
+            <a:r>
+              <a:rPr lang="nl-NL" dirty="0">
+                <a:solidFill>
+                  <a:srgbClr val="FFFFFF"/>
+                </a:solidFill>
+              </a:rPr>
+              <a:t>Wat is een smart </a:t>
+            </a:r>
+            <a:r>
+              <a:rPr lang="nl-NL" dirty="0" err="1">
+                <a:solidFill>
+                  <a:srgbClr val="FFFFFF"/>
+                </a:solidFill>
+              </a:rPr>
+              <a:t>city</a:t>
+            </a:r>
+            <a:r>
+              <a:rPr lang="nl-NL" dirty="0">
+                <a:solidFill>
+                  <a:srgbClr val="FFFFFF"/>
+                </a:solidFill>
+              </a:rPr>
+              <a:t>?</a:t>
+            </a:r>
+          </a:p>
+        </p:txBody>
+      </p:sp>
+      <p:graphicFrame>
+        <p:nvGraphicFramePr>
+          <p:cNvPr id="8" name="Tijdelijke aanduiding voor inhoud 2">
+            <a:extLst>
+              <a:ext uri="{FF2B5EF4-FFF2-40B4-BE49-F238E27FC236}">
+                <a16:creationId xmlns:a16="http://schemas.microsoft.com/office/drawing/2014/main" id="{293516E4-8911-490F-B695-5E0C9B2E192B}"/>
+              </a:ext>
+            </a:extLst>
+          </p:cNvPr>
+          <p:cNvGraphicFramePr>
+            <a:graphicFrameLocks/>
+          </p:cNvGraphicFramePr>
+          <p:nvPr>
+            <p:extLst>
+              <p:ext uri="{D42A27DB-BD31-4B8C-83A1-F6EECF244321}">
+                <p14:modId xmlns:p14="http://schemas.microsoft.com/office/powerpoint/2010/main" val="3488744821"/>
+              </p:ext>
+            </p:extLst>
+          </p:nvPr>
+        </p:nvGraphicFramePr>
+        <p:xfrm>
+          <a:off x="5194300" y="470924"/>
+          <a:ext cx="6513604" cy="5885426"/>
+        </p:xfrm>
+        <a:graphic>
+          <a:graphicData uri="http://schemas.openxmlformats.org/drawingml/2006/diagram">
+            <dgm:relIds xmlns:dgm="http://schemas.openxmlformats.org/drawingml/2006/diagram" xmlns:r="http://schemas.openxmlformats.org/officeDocument/2006/relationships" r:dm="rId3" r:lo="rId4" r:qs="rId5" r:cs="rId6"/>
+          </a:graphicData>
+        </a:graphic>
+      </p:graphicFrame>
     </p:spTree>
     <p:extLst>
       <p:ext uri="{BB962C8B-B14F-4D97-AF65-F5344CB8AC3E}">
@@ -21260,18 +28441,7 @@
           <a:bodyPr/>
           <a:lstStyle/>
           <a:p>
-            <a:r>
-              <a:rPr lang="nl-NL" dirty="0"/>
-              <a:t>Zijn Smart </a:t>
-            </a:r>
-            <a:r>
-              <a:rPr lang="nl-NL" dirty="0" err="1"/>
-              <a:t>Cities</a:t>
-            </a:r>
-            <a:r>
-              <a:rPr lang="nl-NL" dirty="0"/>
-              <a:t> goed beveiligd?</a:t>
-            </a:r>
+            <a:endParaRPr lang="nl-NL" dirty="0"/>
           </a:p>
         </p:txBody>
       </p:sp>
@@ -21300,6 +28470,591 @@
           </a:p>
         </p:txBody>
       </p:sp>
+      <p:sp>
+        <p:nvSpPr>
+          <p:cNvPr id="4" name="Freeform: Shape 9">
+            <a:extLst>
+              <a:ext uri="{FF2B5EF4-FFF2-40B4-BE49-F238E27FC236}">
+                <a16:creationId xmlns:a16="http://schemas.microsoft.com/office/drawing/2014/main" id="{F58988B7-FFEC-46A9-8094-3F2B341EF321}"/>
+              </a:ext>
+              <a:ext uri="{C183D7F6-B498-43B3-948B-1728B52AA6E4}">
+                <adec:decorative xmlns:adec="http://schemas.microsoft.com/office/drawing/2017/decorative" val="1"/>
+              </a:ext>
+            </a:extLst>
+          </p:cNvPr>
+          <p:cNvSpPr>
+            <a:spLocks noGrp="1" noRot="1" noChangeAspect="1" noMove="1" noResize="1" noEditPoints="1" noAdjustHandles="1" noChangeArrowheads="1" noChangeShapeType="1" noTextEdit="1"/>
+          </p:cNvSpPr>
+          <p:nvPr>
+            <p:extLst>
+              <p:ext uri="{386F3935-93C4-4BCD-93E2-E3B085C9AB24}">
+                <p16:designElem xmlns:p16="http://schemas.microsoft.com/office/powerpoint/2015/main" val="1"/>
+              </p:ext>
+            </p:extLst>
+          </p:nvPr>
+        </p:nvSpPr>
+        <p:spPr>
+          <a:xfrm>
+            <a:off x="484096" y="470925"/>
+            <a:ext cx="4381009" cy="5892104"/>
+          </a:xfrm>
+          <a:custGeom>
+            <a:avLst/>
+            <a:gdLst>
+              <a:gd name="connsiteX0" fmla="*/ 0 w 4381009"/>
+              <a:gd name="connsiteY0" fmla="*/ 0 h 5892104"/>
+              <a:gd name="connsiteX1" fmla="*/ 4157628 w 4381009"/>
+              <a:gd name="connsiteY1" fmla="*/ 0 h 5892104"/>
+              <a:gd name="connsiteX2" fmla="*/ 4169302 w 4381009"/>
+              <a:gd name="connsiteY2" fmla="*/ 68659 h 5892104"/>
+              <a:gd name="connsiteX3" fmla="*/ 4191571 w 4381009"/>
+              <a:gd name="connsiteY3" fmla="*/ 205472 h 5892104"/>
+              <a:gd name="connsiteX4" fmla="*/ 4213368 w 4381009"/>
+              <a:gd name="connsiteY4" fmla="*/ 342890 h 5892104"/>
+              <a:gd name="connsiteX5" fmla="*/ 4232030 w 4381009"/>
+              <a:gd name="connsiteY5" fmla="*/ 480913 h 5892104"/>
+              <a:gd name="connsiteX6" fmla="*/ 4250848 w 4381009"/>
+              <a:gd name="connsiteY6" fmla="*/ 618332 h 5892104"/>
+              <a:gd name="connsiteX7" fmla="*/ 4268412 w 4381009"/>
+              <a:gd name="connsiteY7" fmla="*/ 756355 h 5892104"/>
+              <a:gd name="connsiteX8" fmla="*/ 4283467 w 4381009"/>
+              <a:gd name="connsiteY8" fmla="*/ 892563 h 5892104"/>
+              <a:gd name="connsiteX9" fmla="*/ 4297737 w 4381009"/>
+              <a:gd name="connsiteY9" fmla="*/ 1030587 h 5892104"/>
+              <a:gd name="connsiteX10" fmla="*/ 4310754 w 4381009"/>
+              <a:gd name="connsiteY10" fmla="*/ 1168005 h 5892104"/>
+              <a:gd name="connsiteX11" fmla="*/ 4322045 w 4381009"/>
+              <a:gd name="connsiteY11" fmla="*/ 1303002 h 5892104"/>
+              <a:gd name="connsiteX12" fmla="*/ 4333336 w 4381009"/>
+              <a:gd name="connsiteY12" fmla="*/ 1439815 h 5892104"/>
+              <a:gd name="connsiteX13" fmla="*/ 4342745 w 4381009"/>
+              <a:gd name="connsiteY13" fmla="*/ 1574812 h 5892104"/>
+              <a:gd name="connsiteX14" fmla="*/ 4350115 w 4381009"/>
+              <a:gd name="connsiteY14" fmla="*/ 1709808 h 5892104"/>
+              <a:gd name="connsiteX15" fmla="*/ 4357799 w 4381009"/>
+              <a:gd name="connsiteY15" fmla="*/ 1844200 h 5892104"/>
+              <a:gd name="connsiteX16" fmla="*/ 4364229 w 4381009"/>
+              <a:gd name="connsiteY16" fmla="*/ 1977381 h 5892104"/>
+              <a:gd name="connsiteX17" fmla="*/ 4368777 w 4381009"/>
+              <a:gd name="connsiteY17" fmla="*/ 2109351 h 5892104"/>
+              <a:gd name="connsiteX18" fmla="*/ 4372697 w 4381009"/>
+              <a:gd name="connsiteY18" fmla="*/ 2241321 h 5892104"/>
+              <a:gd name="connsiteX19" fmla="*/ 4376461 w 4381009"/>
+              <a:gd name="connsiteY19" fmla="*/ 2372080 h 5892104"/>
+              <a:gd name="connsiteX20" fmla="*/ 4378186 w 4381009"/>
+              <a:gd name="connsiteY20" fmla="*/ 2501023 h 5892104"/>
+              <a:gd name="connsiteX21" fmla="*/ 4380068 w 4381009"/>
+              <a:gd name="connsiteY21" fmla="*/ 2629966 h 5892104"/>
+              <a:gd name="connsiteX22" fmla="*/ 4381009 w 4381009"/>
+              <a:gd name="connsiteY22" fmla="*/ 2757093 h 5892104"/>
+              <a:gd name="connsiteX23" fmla="*/ 4380068 w 4381009"/>
+              <a:gd name="connsiteY23" fmla="*/ 2883010 h 5892104"/>
+              <a:gd name="connsiteX24" fmla="*/ 4380068 w 4381009"/>
+              <a:gd name="connsiteY24" fmla="*/ 3007715 h 5892104"/>
+              <a:gd name="connsiteX25" fmla="*/ 4378186 w 4381009"/>
+              <a:gd name="connsiteY25" fmla="*/ 3131210 h 5892104"/>
+              <a:gd name="connsiteX26" fmla="*/ 4375363 w 4381009"/>
+              <a:gd name="connsiteY26" fmla="*/ 3252283 h 5892104"/>
+              <a:gd name="connsiteX27" fmla="*/ 4372697 w 4381009"/>
+              <a:gd name="connsiteY27" fmla="*/ 3372146 h 5892104"/>
+              <a:gd name="connsiteX28" fmla="*/ 4369718 w 4381009"/>
+              <a:gd name="connsiteY28" fmla="*/ 3489587 h 5892104"/>
+              <a:gd name="connsiteX29" fmla="*/ 4365170 w 4381009"/>
+              <a:gd name="connsiteY29" fmla="*/ 3606423 h 5892104"/>
+              <a:gd name="connsiteX30" fmla="*/ 4360309 w 4381009"/>
+              <a:gd name="connsiteY30" fmla="*/ 3721443 h 5892104"/>
+              <a:gd name="connsiteX31" fmla="*/ 4355918 w 4381009"/>
+              <a:gd name="connsiteY31" fmla="*/ 3834041 h 5892104"/>
+              <a:gd name="connsiteX32" fmla="*/ 4343529 w 4381009"/>
+              <a:gd name="connsiteY32" fmla="*/ 4053789 h 5892104"/>
+              <a:gd name="connsiteX33" fmla="*/ 4330356 w 4381009"/>
+              <a:gd name="connsiteY33" fmla="*/ 4264457 h 5892104"/>
+              <a:gd name="connsiteX34" fmla="*/ 4316556 w 4381009"/>
+              <a:gd name="connsiteY34" fmla="*/ 4466650 h 5892104"/>
+              <a:gd name="connsiteX35" fmla="*/ 4301344 w 4381009"/>
+              <a:gd name="connsiteY35" fmla="*/ 4657946 h 5892104"/>
+              <a:gd name="connsiteX36" fmla="*/ 4285506 w 4381009"/>
+              <a:gd name="connsiteY36" fmla="*/ 4840767 h 5892104"/>
+              <a:gd name="connsiteX37" fmla="*/ 4268412 w 4381009"/>
+              <a:gd name="connsiteY37" fmla="*/ 5010269 h 5892104"/>
+              <a:gd name="connsiteX38" fmla="*/ 4251633 w 4381009"/>
+              <a:gd name="connsiteY38" fmla="*/ 5169481 h 5892104"/>
+              <a:gd name="connsiteX39" fmla="*/ 4234853 w 4381009"/>
+              <a:gd name="connsiteY39" fmla="*/ 5315980 h 5892104"/>
+              <a:gd name="connsiteX40" fmla="*/ 4219014 w 4381009"/>
+              <a:gd name="connsiteY40" fmla="*/ 5450371 h 5892104"/>
+              <a:gd name="connsiteX41" fmla="*/ 4203959 w 4381009"/>
+              <a:gd name="connsiteY41" fmla="*/ 5569628 h 5892104"/>
+              <a:gd name="connsiteX42" fmla="*/ 4189689 w 4381009"/>
+              <a:gd name="connsiteY42" fmla="*/ 5677384 h 5892104"/>
+              <a:gd name="connsiteX43" fmla="*/ 4177770 w 4381009"/>
+              <a:gd name="connsiteY43" fmla="*/ 5768189 h 5892104"/>
+              <a:gd name="connsiteX44" fmla="*/ 4166479 w 4381009"/>
+              <a:gd name="connsiteY44" fmla="*/ 5844465 h 5892104"/>
+              <a:gd name="connsiteX45" fmla="*/ 4159132 w 4381009"/>
+              <a:gd name="connsiteY45" fmla="*/ 5892104 h 5892104"/>
+              <a:gd name="connsiteX46" fmla="*/ 0 w 4381009"/>
+              <a:gd name="connsiteY46" fmla="*/ 5892104 h 5892104"/>
+            </a:gdLst>
+            <a:ahLst/>
+            <a:cxnLst>
+              <a:cxn ang="0">
+                <a:pos x="connsiteX0" y="connsiteY0"/>
+              </a:cxn>
+              <a:cxn ang="0">
+                <a:pos x="connsiteX1" y="connsiteY1"/>
+              </a:cxn>
+              <a:cxn ang="0">
+                <a:pos x="connsiteX2" y="connsiteY2"/>
+              </a:cxn>
+              <a:cxn ang="0">
+                <a:pos x="connsiteX3" y="connsiteY3"/>
+              </a:cxn>
+              <a:cxn ang="0">
+                <a:pos x="connsiteX4" y="connsiteY4"/>
+              </a:cxn>
+              <a:cxn ang="0">
+                <a:pos x="connsiteX5" y="connsiteY5"/>
+              </a:cxn>
+              <a:cxn ang="0">
+                <a:pos x="connsiteX6" y="connsiteY6"/>
+              </a:cxn>
+              <a:cxn ang="0">
+                <a:pos x="connsiteX7" y="connsiteY7"/>
+              </a:cxn>
+              <a:cxn ang="0">
+                <a:pos x="connsiteX8" y="connsiteY8"/>
+              </a:cxn>
+              <a:cxn ang="0">
+                <a:pos x="connsiteX9" y="connsiteY9"/>
+              </a:cxn>
+              <a:cxn ang="0">
+                <a:pos x="connsiteX10" y="connsiteY10"/>
+              </a:cxn>
+              <a:cxn ang="0">
+                <a:pos x="connsiteX11" y="connsiteY11"/>
+              </a:cxn>
+              <a:cxn ang="0">
+                <a:pos x="connsiteX12" y="connsiteY12"/>
+              </a:cxn>
+              <a:cxn ang="0">
+                <a:pos x="connsiteX13" y="connsiteY13"/>
+              </a:cxn>
+              <a:cxn ang="0">
+                <a:pos x="connsiteX14" y="connsiteY14"/>
+              </a:cxn>
+              <a:cxn ang="0">
+                <a:pos x="connsiteX15" y="connsiteY15"/>
+              </a:cxn>
+              <a:cxn ang="0">
+                <a:pos x="connsiteX16" y="connsiteY16"/>
+              </a:cxn>
+              <a:cxn ang="0">
+                <a:pos x="connsiteX17" y="connsiteY17"/>
+              </a:cxn>
+              <a:cxn ang="0">
+                <a:pos x="connsiteX18" y="connsiteY18"/>
+              </a:cxn>
+              <a:cxn ang="0">
+                <a:pos x="connsiteX19" y="connsiteY19"/>
+              </a:cxn>
+              <a:cxn ang="0">
+                <a:pos x="connsiteX20" y="connsiteY20"/>
+              </a:cxn>
+              <a:cxn ang="0">
+                <a:pos x="connsiteX21" y="connsiteY21"/>
+              </a:cxn>
+              <a:cxn ang="0">
+                <a:pos x="connsiteX22" y="connsiteY22"/>
+              </a:cxn>
+              <a:cxn ang="0">
+                <a:pos x="connsiteX23" y="connsiteY23"/>
+              </a:cxn>
+              <a:cxn ang="0">
+                <a:pos x="connsiteX24" y="connsiteY24"/>
+              </a:cxn>
+              <a:cxn ang="0">
+                <a:pos x="connsiteX25" y="connsiteY25"/>
+              </a:cxn>
+              <a:cxn ang="0">
+                <a:pos x="connsiteX26" y="connsiteY26"/>
+              </a:cxn>
+              <a:cxn ang="0">
+                <a:pos x="connsiteX27" y="connsiteY27"/>
+              </a:cxn>
+              <a:cxn ang="0">
+                <a:pos x="connsiteX28" y="connsiteY28"/>
+              </a:cxn>
+              <a:cxn ang="0">
+                <a:pos x="connsiteX29" y="connsiteY29"/>
+              </a:cxn>
+              <a:cxn ang="0">
+                <a:pos x="connsiteX30" y="connsiteY30"/>
+              </a:cxn>
+              <a:cxn ang="0">
+                <a:pos x="connsiteX31" y="connsiteY31"/>
+              </a:cxn>
+              <a:cxn ang="0">
+                <a:pos x="connsiteX32" y="connsiteY32"/>
+              </a:cxn>
+              <a:cxn ang="0">
+                <a:pos x="connsiteX33" y="connsiteY33"/>
+              </a:cxn>
+              <a:cxn ang="0">
+                <a:pos x="connsiteX34" y="connsiteY34"/>
+              </a:cxn>
+              <a:cxn ang="0">
+                <a:pos x="connsiteX35" y="connsiteY35"/>
+              </a:cxn>
+              <a:cxn ang="0">
+                <a:pos x="connsiteX36" y="connsiteY36"/>
+              </a:cxn>
+              <a:cxn ang="0">
+                <a:pos x="connsiteX37" y="connsiteY37"/>
+              </a:cxn>
+              <a:cxn ang="0">
+                <a:pos x="connsiteX38" y="connsiteY38"/>
+              </a:cxn>
+              <a:cxn ang="0">
+                <a:pos x="connsiteX39" y="connsiteY39"/>
+              </a:cxn>
+              <a:cxn ang="0">
+                <a:pos x="connsiteX40" y="connsiteY40"/>
+              </a:cxn>
+              <a:cxn ang="0">
+                <a:pos x="connsiteX41" y="connsiteY41"/>
+              </a:cxn>
+              <a:cxn ang="0">
+                <a:pos x="connsiteX42" y="connsiteY42"/>
+              </a:cxn>
+              <a:cxn ang="0">
+                <a:pos x="connsiteX43" y="connsiteY43"/>
+              </a:cxn>
+              <a:cxn ang="0">
+                <a:pos x="connsiteX44" y="connsiteY44"/>
+              </a:cxn>
+              <a:cxn ang="0">
+                <a:pos x="connsiteX45" y="connsiteY45"/>
+              </a:cxn>
+              <a:cxn ang="0">
+                <a:pos x="connsiteX46" y="connsiteY46"/>
+              </a:cxn>
+            </a:cxnLst>
+            <a:rect l="l" t="t" r="r" b="b"/>
+            <a:pathLst>
+              <a:path w="4381009" h="5892104">
+                <a:moveTo>
+                  <a:pt x="0" y="0"/>
+                </a:moveTo>
+                <a:lnTo>
+                  <a:pt x="4157628" y="0"/>
+                </a:lnTo>
+                <a:lnTo>
+                  <a:pt x="4169302" y="68659"/>
+                </a:lnTo>
+                <a:lnTo>
+                  <a:pt x="4191571" y="205472"/>
+                </a:lnTo>
+                <a:lnTo>
+                  <a:pt x="4213368" y="342890"/>
+                </a:lnTo>
+                <a:lnTo>
+                  <a:pt x="4232030" y="480913"/>
+                </a:lnTo>
+                <a:lnTo>
+                  <a:pt x="4250848" y="618332"/>
+                </a:lnTo>
+                <a:lnTo>
+                  <a:pt x="4268412" y="756355"/>
+                </a:lnTo>
+                <a:lnTo>
+                  <a:pt x="4283467" y="892563"/>
+                </a:lnTo>
+                <a:lnTo>
+                  <a:pt x="4297737" y="1030587"/>
+                </a:lnTo>
+                <a:lnTo>
+                  <a:pt x="4310754" y="1168005"/>
+                </a:lnTo>
+                <a:lnTo>
+                  <a:pt x="4322045" y="1303002"/>
+                </a:lnTo>
+                <a:lnTo>
+                  <a:pt x="4333336" y="1439815"/>
+                </a:lnTo>
+                <a:lnTo>
+                  <a:pt x="4342745" y="1574812"/>
+                </a:lnTo>
+                <a:lnTo>
+                  <a:pt x="4350115" y="1709808"/>
+                </a:lnTo>
+                <a:lnTo>
+                  <a:pt x="4357799" y="1844200"/>
+                </a:lnTo>
+                <a:lnTo>
+                  <a:pt x="4364229" y="1977381"/>
+                </a:lnTo>
+                <a:lnTo>
+                  <a:pt x="4368777" y="2109351"/>
+                </a:lnTo>
+                <a:lnTo>
+                  <a:pt x="4372697" y="2241321"/>
+                </a:lnTo>
+                <a:lnTo>
+                  <a:pt x="4376461" y="2372080"/>
+                </a:lnTo>
+                <a:lnTo>
+                  <a:pt x="4378186" y="2501023"/>
+                </a:lnTo>
+                <a:lnTo>
+                  <a:pt x="4380068" y="2629966"/>
+                </a:lnTo>
+                <a:lnTo>
+                  <a:pt x="4381009" y="2757093"/>
+                </a:lnTo>
+                <a:lnTo>
+                  <a:pt x="4380068" y="2883010"/>
+                </a:lnTo>
+                <a:lnTo>
+                  <a:pt x="4380068" y="3007715"/>
+                </a:lnTo>
+                <a:lnTo>
+                  <a:pt x="4378186" y="3131210"/>
+                </a:lnTo>
+                <a:lnTo>
+                  <a:pt x="4375363" y="3252283"/>
+                </a:lnTo>
+                <a:lnTo>
+                  <a:pt x="4372697" y="3372146"/>
+                </a:lnTo>
+                <a:lnTo>
+                  <a:pt x="4369718" y="3489587"/>
+                </a:lnTo>
+                <a:lnTo>
+                  <a:pt x="4365170" y="3606423"/>
+                </a:lnTo>
+                <a:lnTo>
+                  <a:pt x="4360309" y="3721443"/>
+                </a:lnTo>
+                <a:lnTo>
+                  <a:pt x="4355918" y="3834041"/>
+                </a:lnTo>
+                <a:lnTo>
+                  <a:pt x="4343529" y="4053789"/>
+                </a:lnTo>
+                <a:lnTo>
+                  <a:pt x="4330356" y="4264457"/>
+                </a:lnTo>
+                <a:lnTo>
+                  <a:pt x="4316556" y="4466650"/>
+                </a:lnTo>
+                <a:lnTo>
+                  <a:pt x="4301344" y="4657946"/>
+                </a:lnTo>
+                <a:lnTo>
+                  <a:pt x="4285506" y="4840767"/>
+                </a:lnTo>
+                <a:lnTo>
+                  <a:pt x="4268412" y="5010269"/>
+                </a:lnTo>
+                <a:lnTo>
+                  <a:pt x="4251633" y="5169481"/>
+                </a:lnTo>
+                <a:lnTo>
+                  <a:pt x="4234853" y="5315980"/>
+                </a:lnTo>
+                <a:lnTo>
+                  <a:pt x="4219014" y="5450371"/>
+                </a:lnTo>
+                <a:lnTo>
+                  <a:pt x="4203959" y="5569628"/>
+                </a:lnTo>
+                <a:lnTo>
+                  <a:pt x="4189689" y="5677384"/>
+                </a:lnTo>
+                <a:lnTo>
+                  <a:pt x="4177770" y="5768189"/>
+                </a:lnTo>
+                <a:lnTo>
+                  <a:pt x="4166479" y="5844465"/>
+                </a:lnTo>
+                <a:lnTo>
+                  <a:pt x="4159132" y="5892104"/>
+                </a:lnTo>
+                <a:lnTo>
+                  <a:pt x="0" y="5892104"/>
+                </a:lnTo>
+                <a:close/>
+              </a:path>
+            </a:pathLst>
+          </a:custGeom>
+          <a:solidFill>
+            <a:srgbClr val="404040"/>
+          </a:solidFill>
+          <a:ln>
+            <a:noFill/>
+          </a:ln>
+        </p:spPr>
+        <p:style>
+          <a:lnRef idx="2">
+            <a:schemeClr val="accent1">
+              <a:shade val="50000"/>
+            </a:schemeClr>
+          </a:lnRef>
+          <a:fillRef idx="1">
+            <a:schemeClr val="accent1"/>
+          </a:fillRef>
+          <a:effectRef idx="0">
+            <a:schemeClr val="accent1"/>
+          </a:effectRef>
+          <a:fontRef idx="minor">
+            <a:schemeClr val="lt1"/>
+          </a:fontRef>
+        </p:style>
+        <p:txBody>
+          <a:bodyPr wrap="square" rtlCol="0" anchor="ctr">
+            <a:noAutofit/>
+          </a:bodyPr>
+          <a:lstStyle/>
+          <a:p>
+            <a:pPr marL="0" marR="0" lvl="0" indent="0" algn="ctr" defTabSz="457200" rtl="0" eaLnBrk="1" fontAlgn="auto" latinLnBrk="0" hangingPunct="1">
+              <a:lnSpc>
+                <a:spcPct val="100000"/>
+              </a:lnSpc>
+              <a:spcBef>
+                <a:spcPts val="0"/>
+              </a:spcBef>
+              <a:spcAft>
+                <a:spcPts val="0"/>
+              </a:spcAft>
+              <a:buClrTx/>
+              <a:buSzTx/>
+              <a:buFontTx/>
+              <a:buNone/>
+              <a:tabLst/>
+              <a:defRPr/>
+            </a:pPr>
+            <a:endParaRPr kumimoji="0" lang="en-US" sz="1800" b="0" i="0" u="none" strike="noStrike" kern="1200" cap="none" spc="0" normalizeH="0" baseline="0" noProof="0">
+              <a:ln>
+                <a:noFill/>
+              </a:ln>
+              <a:solidFill>
+                <a:prstClr val="white"/>
+              </a:solidFill>
+              <a:effectLst/>
+              <a:uLnTx/>
+              <a:uFillTx/>
+              <a:latin typeface="Calibri" panose="020F0502020204030204"/>
+              <a:ea typeface="+mn-ea"/>
+              <a:cs typeface="+mn-cs"/>
+            </a:endParaRPr>
+          </a:p>
+        </p:txBody>
+      </p:sp>
+      <p:sp>
+        <p:nvSpPr>
+          <p:cNvPr id="5" name="Titel 1">
+            <a:extLst>
+              <a:ext uri="{FF2B5EF4-FFF2-40B4-BE49-F238E27FC236}">
+                <a16:creationId xmlns:a16="http://schemas.microsoft.com/office/drawing/2014/main" id="{369D25AD-9C1F-4113-9EEA-05431A61EBCF}"/>
+              </a:ext>
+            </a:extLst>
+          </p:cNvPr>
+          <p:cNvSpPr txBox="1">
+            <a:spLocks/>
+          </p:cNvSpPr>
+          <p:nvPr/>
+        </p:nvSpPr>
+        <p:spPr>
+          <a:xfrm>
+            <a:off x="863029" y="1012004"/>
+            <a:ext cx="3416158" cy="4795408"/>
+          </a:xfrm>
+          <a:prstGeom prst="rect">
+            <a:avLst/>
+          </a:prstGeom>
+        </p:spPr>
+        <p:txBody>
+          <a:bodyPr vert="horz" lIns="91440" tIns="45720" rIns="91440" bIns="45720" rtlCol="0" anchor="ctr">
+            <a:normAutofit/>
+          </a:bodyPr>
+          <a:lstStyle>
+            <a:lvl1pPr algn="l" defTabSz="914400" rtl="0" eaLnBrk="1" latinLnBrk="0" hangingPunct="1">
+              <a:lnSpc>
+                <a:spcPct val="90000"/>
+              </a:lnSpc>
+              <a:spcBef>
+                <a:spcPct val="0"/>
+              </a:spcBef>
+              <a:buNone/>
+              <a:defRPr sz="4400" kern="1200">
+                <a:solidFill>
+                  <a:schemeClr val="tx1"/>
+                </a:solidFill>
+                <a:latin typeface="+mj-lt"/>
+                <a:ea typeface="+mj-ea"/>
+                <a:cs typeface="+mj-cs"/>
+              </a:defRPr>
+            </a:lvl1pPr>
+          </a:lstStyle>
+          <a:p>
+            <a:r>
+              <a:rPr lang="nl-NL" dirty="0">
+                <a:solidFill>
+                  <a:srgbClr val="FFFFFF"/>
+                </a:solidFill>
+              </a:rPr>
+              <a:t>Zijn smart </a:t>
+            </a:r>
+            <a:r>
+              <a:rPr lang="nl-NL" dirty="0" err="1">
+                <a:solidFill>
+                  <a:srgbClr val="FFFFFF"/>
+                </a:solidFill>
+              </a:rPr>
+              <a:t>cities</a:t>
+            </a:r>
+            <a:r>
+              <a:rPr lang="nl-NL" dirty="0">
+                <a:solidFill>
+                  <a:srgbClr val="FFFFFF"/>
+                </a:solidFill>
+              </a:rPr>
+              <a:t> goed beveiligd?</a:t>
+            </a:r>
+          </a:p>
+        </p:txBody>
+      </p:sp>
+      <p:graphicFrame>
+        <p:nvGraphicFramePr>
+          <p:cNvPr id="6" name="Tijdelijke aanduiding voor inhoud 2">
+            <a:extLst>
+              <a:ext uri="{FF2B5EF4-FFF2-40B4-BE49-F238E27FC236}">
+                <a16:creationId xmlns:a16="http://schemas.microsoft.com/office/drawing/2014/main" id="{B13481AF-86C5-4A98-8112-F6A2DD2826CF}"/>
+              </a:ext>
+            </a:extLst>
+          </p:cNvPr>
+          <p:cNvGraphicFramePr>
+            <a:graphicFrameLocks/>
+          </p:cNvGraphicFramePr>
+          <p:nvPr>
+            <p:extLst>
+              <p:ext uri="{D42A27DB-BD31-4B8C-83A1-F6EECF244321}">
+                <p14:modId xmlns:p14="http://schemas.microsoft.com/office/powerpoint/2010/main" val="2320706307"/>
+              </p:ext>
+            </p:extLst>
+          </p:nvPr>
+        </p:nvGraphicFramePr>
+        <p:xfrm>
+          <a:off x="5194300" y="470924"/>
+          <a:ext cx="6513604" cy="5892104"/>
+        </p:xfrm>
+        <a:graphic>
+          <a:graphicData uri="http://schemas.openxmlformats.org/drawingml/2006/diagram">
+            <dgm:relIds xmlns:dgm="http://schemas.openxmlformats.org/drawingml/2006/diagram" xmlns:r="http://schemas.openxmlformats.org/officeDocument/2006/relationships" r:dm="rId3" r:lo="rId4" r:qs="rId5" r:cs="rId6"/>
+          </a:graphicData>
+        </a:graphic>
+      </p:graphicFrame>
     </p:spTree>
     <p:extLst>
       <p:ext uri="{BB962C8B-B14F-4D97-AF65-F5344CB8AC3E}">
@@ -21848,12 +29603,28 @@
           <a:lstStyle/>
           <a:p>
             <a:r>
-              <a:rPr lang="nl-NL">
+              <a:rPr lang="nl-NL" dirty="0">
                 <a:solidFill>
                   <a:srgbClr val="FFFFFF"/>
                 </a:solidFill>
               </a:rPr>
-              <a:t>Wat is de toekomst voor Big Data in Smart Cities?</a:t>
+              <a:t>Wat is de toekomst voor Big Data in Smart </a:t>
+            </a:r>
+            <a:r>
+              <a:rPr lang="nl-NL" dirty="0" err="1">
+                <a:solidFill>
+                  <a:srgbClr val="FFFFFF"/>
+                </a:solidFill>
+              </a:rPr>
+              <a:t>Cities</a:t>
+            </a:r>
+            <a:r>
+              <a:rPr lang="nl-NL" dirty="0">
+                <a:solidFill>
+                  <a:srgbClr val="FFFFFF"/>
+                </a:solidFill>
+              </a:rPr>
+              <a:t>?</a:t>
             </a:r>
           </a:p>
         </p:txBody>
@@ -21968,7 +29739,10 @@
           <a:bodyPr/>
           <a:lstStyle/>
           <a:p>
-            <a:endParaRPr lang="nl-NL"/>
+            <a:r>
+              <a:rPr lang="nl-NL" dirty="0"/>
+              <a:t>Wij concluderen hier uit dat het een nodige stap is naar de toekomst toe om zo duurzaam en  efficiënt mogelijke levensstijl aan te nemen.</a:t>
+            </a:r>
           </a:p>
         </p:txBody>
       </p:sp>

--- a/Casus Presentatie.pptx
+++ b/Casus Presentatie.pptx
@@ -20514,7 +20514,7 @@
           <a:p>
             <a:fld id="{FEC43E88-797E-41E8-8C56-3D7EC43BE3FA}" type="datetimeFigureOut">
               <a:rPr lang="nl-NL" smtClean="0"/>
-              <a:t>2-12-2019</a:t>
+              <a:t>3-12-2019</a:t>
             </a:fld>
             <a:endParaRPr lang="nl-NL"/>
           </a:p>
@@ -21537,7 +21537,7 @@
           <a:p>
             <a:fld id="{AD8F377D-9FA9-4413-B54C-EBDFFEF5D8D2}" type="datetimeFigureOut">
               <a:rPr lang="nl-NL" smtClean="0"/>
-              <a:t>2-12-2019</a:t>
+              <a:t>3-12-2019</a:t>
             </a:fld>
             <a:endParaRPr lang="nl-NL"/>
           </a:p>
@@ -21735,7 +21735,7 @@
           <a:p>
             <a:fld id="{AD8F377D-9FA9-4413-B54C-EBDFFEF5D8D2}" type="datetimeFigureOut">
               <a:rPr lang="nl-NL" smtClean="0"/>
-              <a:t>2-12-2019</a:t>
+              <a:t>3-12-2019</a:t>
             </a:fld>
             <a:endParaRPr lang="nl-NL"/>
           </a:p>
@@ -21943,7 +21943,7 @@
           <a:p>
             <a:fld id="{AD8F377D-9FA9-4413-B54C-EBDFFEF5D8D2}" type="datetimeFigureOut">
               <a:rPr lang="nl-NL" smtClean="0"/>
-              <a:t>2-12-2019</a:t>
+              <a:t>3-12-2019</a:t>
             </a:fld>
             <a:endParaRPr lang="nl-NL"/>
           </a:p>
@@ -22141,7 +22141,7 @@
           <a:p>
             <a:fld id="{AD8F377D-9FA9-4413-B54C-EBDFFEF5D8D2}" type="datetimeFigureOut">
               <a:rPr lang="nl-NL" smtClean="0"/>
-              <a:t>2-12-2019</a:t>
+              <a:t>3-12-2019</a:t>
             </a:fld>
             <a:endParaRPr lang="nl-NL"/>
           </a:p>
@@ -22416,7 +22416,7 @@
           <a:p>
             <a:fld id="{AD8F377D-9FA9-4413-B54C-EBDFFEF5D8D2}" type="datetimeFigureOut">
               <a:rPr lang="nl-NL" smtClean="0"/>
-              <a:t>2-12-2019</a:t>
+              <a:t>3-12-2019</a:t>
             </a:fld>
             <a:endParaRPr lang="nl-NL"/>
           </a:p>
@@ -22681,7 +22681,7 @@
           <a:p>
             <a:fld id="{AD8F377D-9FA9-4413-B54C-EBDFFEF5D8D2}" type="datetimeFigureOut">
               <a:rPr lang="nl-NL" smtClean="0"/>
-              <a:t>2-12-2019</a:t>
+              <a:t>3-12-2019</a:t>
             </a:fld>
             <a:endParaRPr lang="nl-NL"/>
           </a:p>
@@ -23093,7 +23093,7 @@
           <a:p>
             <a:fld id="{AD8F377D-9FA9-4413-B54C-EBDFFEF5D8D2}" type="datetimeFigureOut">
               <a:rPr lang="nl-NL" smtClean="0"/>
-              <a:t>2-12-2019</a:t>
+              <a:t>3-12-2019</a:t>
             </a:fld>
             <a:endParaRPr lang="nl-NL"/>
           </a:p>
@@ -23234,7 +23234,7 @@
           <a:p>
             <a:fld id="{AD8F377D-9FA9-4413-B54C-EBDFFEF5D8D2}" type="datetimeFigureOut">
               <a:rPr lang="nl-NL" smtClean="0"/>
-              <a:t>2-12-2019</a:t>
+              <a:t>3-12-2019</a:t>
             </a:fld>
             <a:endParaRPr lang="nl-NL"/>
           </a:p>
@@ -23347,7 +23347,7 @@
           <a:p>
             <a:fld id="{AD8F377D-9FA9-4413-B54C-EBDFFEF5D8D2}" type="datetimeFigureOut">
               <a:rPr lang="nl-NL" smtClean="0"/>
-              <a:t>2-12-2019</a:t>
+              <a:t>3-12-2019</a:t>
             </a:fld>
             <a:endParaRPr lang="nl-NL"/>
           </a:p>
@@ -23658,7 +23658,7 @@
           <a:p>
             <a:fld id="{AD8F377D-9FA9-4413-B54C-EBDFFEF5D8D2}" type="datetimeFigureOut">
               <a:rPr lang="nl-NL" smtClean="0"/>
-              <a:t>2-12-2019</a:t>
+              <a:t>3-12-2019</a:t>
             </a:fld>
             <a:endParaRPr lang="nl-NL"/>
           </a:p>
@@ -23946,7 +23946,7 @@
           <a:p>
             <a:fld id="{AD8F377D-9FA9-4413-B54C-EBDFFEF5D8D2}" type="datetimeFigureOut">
               <a:rPr lang="nl-NL" smtClean="0"/>
-              <a:t>2-12-2019</a:t>
+              <a:t>3-12-2019</a:t>
             </a:fld>
             <a:endParaRPr lang="nl-NL"/>
           </a:p>
@@ -24187,7 +24187,7 @@
           <a:p>
             <a:fld id="{AD8F377D-9FA9-4413-B54C-EBDFFEF5D8D2}" type="datetimeFigureOut">
               <a:rPr lang="nl-NL" smtClean="0"/>
-              <a:t>2-12-2019</a:t>
+              <a:t>3-12-2019</a:t>
             </a:fld>
             <a:endParaRPr lang="nl-NL"/>
           </a:p>
@@ -26264,56 +26264,6 @@
       </p:grpSpPr>
       <p:sp>
         <p:nvSpPr>
-          <p:cNvPr id="2" name="Titel 1">
-            <a:extLst>
-              <a:ext uri="{FF2B5EF4-FFF2-40B4-BE49-F238E27FC236}">
-                <a16:creationId xmlns:a16="http://schemas.microsoft.com/office/drawing/2014/main" id="{C3B71C5B-C008-4FF5-9578-EB701CA4B21E}"/>
-              </a:ext>
-            </a:extLst>
-          </p:cNvPr>
-          <p:cNvSpPr>
-            <a:spLocks noGrp="1"/>
-          </p:cNvSpPr>
-          <p:nvPr>
-            <p:ph type="title"/>
-          </p:nvPr>
-        </p:nvSpPr>
-        <p:spPr/>
-        <p:txBody>
-          <a:bodyPr/>
-          <a:lstStyle/>
-          <a:p>
-            <a:endParaRPr lang="nl-NL" dirty="0"/>
-          </a:p>
-        </p:txBody>
-      </p:sp>
-      <p:sp>
-        <p:nvSpPr>
-          <p:cNvPr id="3" name="Tijdelijke aanduiding voor inhoud 2">
-            <a:extLst>
-              <a:ext uri="{FF2B5EF4-FFF2-40B4-BE49-F238E27FC236}">
-                <a16:creationId xmlns:a16="http://schemas.microsoft.com/office/drawing/2014/main" id="{06D6844D-712D-4CA1-B051-8DAA07353C6D}"/>
-              </a:ext>
-            </a:extLst>
-          </p:cNvPr>
-          <p:cNvSpPr>
-            <a:spLocks noGrp="1"/>
-          </p:cNvSpPr>
-          <p:nvPr>
-            <p:ph idx="1"/>
-          </p:nvPr>
-        </p:nvSpPr>
-        <p:spPr/>
-        <p:txBody>
-          <a:bodyPr/>
-          <a:lstStyle/>
-          <a:p>
-            <a:endParaRPr lang="nl-NL"/>
-          </a:p>
-        </p:txBody>
-      </p:sp>
-      <p:sp>
-        <p:nvSpPr>
           <p:cNvPr id="4" name="Titel 1">
             <a:extLst>
               <a:ext uri="{FF2B5EF4-FFF2-40B4-BE49-F238E27FC236}">
@@ -26360,10 +26310,9 @@
           </a:lstStyle>
           <a:p>
             <a:r>
-              <a:rPr lang="nl-NL"/>
+              <a:rPr lang="nl-NL" dirty="0"/>
               <a:t>Wat is Big Data?</a:t>
             </a:r>
-            <a:endParaRPr lang="nl-NL" dirty="0"/>
           </a:p>
         </p:txBody>
       </p:sp>
@@ -27208,31 +27157,6 @@
       </p:grpSpPr>
       <p:sp>
         <p:nvSpPr>
-          <p:cNvPr id="11" name="Titel 10">
-            <a:extLst>
-              <a:ext uri="{FF2B5EF4-FFF2-40B4-BE49-F238E27FC236}">
-                <a16:creationId xmlns:a16="http://schemas.microsoft.com/office/drawing/2014/main" id="{03E29C35-610F-434D-B793-7DFCD00E5BCC}"/>
-              </a:ext>
-            </a:extLst>
-          </p:cNvPr>
-          <p:cNvSpPr>
-            <a:spLocks noGrp="1"/>
-          </p:cNvSpPr>
-          <p:nvPr>
-            <p:ph type="title"/>
-          </p:nvPr>
-        </p:nvSpPr>
-        <p:spPr/>
-        <p:txBody>
-          <a:bodyPr/>
-          <a:lstStyle/>
-          <a:p>
-            <a:endParaRPr lang="nl-NL"/>
-          </a:p>
-        </p:txBody>
-      </p:sp>
-      <p:sp>
-        <p:nvSpPr>
           <p:cNvPr id="12" name="Freeform: Shape 9">
             <a:extLst>
               <a:ext uri="{FF2B5EF4-FFF2-40B4-BE49-F238E27FC236}">
@@ -28420,56 +28344,6 @@
           <a:chExt cx="0" cy="0"/>
         </a:xfrm>
       </p:grpSpPr>
-      <p:sp>
-        <p:nvSpPr>
-          <p:cNvPr id="2" name="Titel 1">
-            <a:extLst>
-              <a:ext uri="{FF2B5EF4-FFF2-40B4-BE49-F238E27FC236}">
-                <a16:creationId xmlns:a16="http://schemas.microsoft.com/office/drawing/2014/main" id="{297E3388-35C7-4BFB-8DDB-D1D13A779262}"/>
-              </a:ext>
-            </a:extLst>
-          </p:cNvPr>
-          <p:cNvSpPr>
-            <a:spLocks noGrp="1"/>
-          </p:cNvSpPr>
-          <p:nvPr>
-            <p:ph type="title"/>
-          </p:nvPr>
-        </p:nvSpPr>
-        <p:spPr/>
-        <p:txBody>
-          <a:bodyPr/>
-          <a:lstStyle/>
-          <a:p>
-            <a:endParaRPr lang="nl-NL" dirty="0"/>
-          </a:p>
-        </p:txBody>
-      </p:sp>
-      <p:sp>
-        <p:nvSpPr>
-          <p:cNvPr id="3" name="Tijdelijke aanduiding voor inhoud 2">
-            <a:extLst>
-              <a:ext uri="{FF2B5EF4-FFF2-40B4-BE49-F238E27FC236}">
-                <a16:creationId xmlns:a16="http://schemas.microsoft.com/office/drawing/2014/main" id="{BE430638-5B52-45DA-97B5-EC72FFDEE7F6}"/>
-              </a:ext>
-            </a:extLst>
-          </p:cNvPr>
-          <p:cNvSpPr>
-            <a:spLocks noGrp="1"/>
-          </p:cNvSpPr>
-          <p:nvPr>
-            <p:ph idx="1"/>
-          </p:nvPr>
-        </p:nvSpPr>
-        <p:spPr/>
-        <p:txBody>
-          <a:bodyPr/>
-          <a:lstStyle/>
-          <a:p>
-            <a:endParaRPr lang="nl-NL"/>
-          </a:p>
-        </p:txBody>
-      </p:sp>
       <p:sp>
         <p:nvSpPr>
           <p:cNvPr id="4" name="Freeform: Shape 9">
